--- a/Apresentação_PPT.pptx
+++ b/Apresentação_PPT.pptx
@@ -5,7 +5,7 @@
     <p:sldMasterId id="2147483672" r:id="rId1"/>
   </p:sldMasterIdLst>
   <p:notesMasterIdLst>
-    <p:notesMasterId r:id="rId26"/>
+    <p:notesMasterId r:id="rId29"/>
   </p:notesMasterIdLst>
   <p:sldIdLst>
     <p:sldId id="256" r:id="rId2"/>
@@ -13,25 +13,28 @@
     <p:sldId id="299" r:id="rId4"/>
     <p:sldId id="259" r:id="rId5"/>
     <p:sldId id="300" r:id="rId6"/>
-    <p:sldId id="261" r:id="rId7"/>
-    <p:sldId id="301" r:id="rId8"/>
-    <p:sldId id="274" r:id="rId9"/>
-    <p:sldId id="303" r:id="rId10"/>
-    <p:sldId id="307" r:id="rId11"/>
-    <p:sldId id="283" r:id="rId12"/>
-    <p:sldId id="284" r:id="rId13"/>
-    <p:sldId id="285" r:id="rId14"/>
-    <p:sldId id="286" r:id="rId15"/>
-    <p:sldId id="289" r:id="rId16"/>
-    <p:sldId id="290" r:id="rId17"/>
-    <p:sldId id="291" r:id="rId18"/>
-    <p:sldId id="287" r:id="rId19"/>
-    <p:sldId id="304" r:id="rId20"/>
-    <p:sldId id="305" r:id="rId21"/>
-    <p:sldId id="293" r:id="rId22"/>
-    <p:sldId id="294" r:id="rId23"/>
-    <p:sldId id="295" r:id="rId24"/>
-    <p:sldId id="296" r:id="rId25"/>
+    <p:sldId id="308" r:id="rId7"/>
+    <p:sldId id="309" r:id="rId8"/>
+    <p:sldId id="310" r:id="rId9"/>
+    <p:sldId id="261" r:id="rId10"/>
+    <p:sldId id="301" r:id="rId11"/>
+    <p:sldId id="274" r:id="rId12"/>
+    <p:sldId id="303" r:id="rId13"/>
+    <p:sldId id="307" r:id="rId14"/>
+    <p:sldId id="283" r:id="rId15"/>
+    <p:sldId id="284" r:id="rId16"/>
+    <p:sldId id="285" r:id="rId17"/>
+    <p:sldId id="286" r:id="rId18"/>
+    <p:sldId id="289" r:id="rId19"/>
+    <p:sldId id="290" r:id="rId20"/>
+    <p:sldId id="291" r:id="rId21"/>
+    <p:sldId id="287" r:id="rId22"/>
+    <p:sldId id="304" r:id="rId23"/>
+    <p:sldId id="305" r:id="rId24"/>
+    <p:sldId id="293" r:id="rId25"/>
+    <p:sldId id="294" r:id="rId26"/>
+    <p:sldId id="295" r:id="rId27"/>
+    <p:sldId id="296" r:id="rId28"/>
   </p:sldIdLst>
   <p:sldSz cx="12192000" cy="6858000"/>
   <p:notesSz cx="6858000" cy="9144000"/>
@@ -132,7 +135,7 @@
   </p:defaultTextStyle>
   <p:extLst>
     <p:ext uri="{EFAFB233-063F-42B5-8137-9DF3F51BA10A}">
-      <p15:sldGuideLst xmlns:p15="http://schemas.microsoft.com/office/powerpoint/2012/main" xmlns="">
+      <p15:sldGuideLst xmlns="" xmlns:p15="http://schemas.microsoft.com/office/powerpoint/2012/main">
         <p15:guide id="1" orient="horz" pos="2160">
           <p15:clr>
             <a:srgbClr val="A4A3A4"/>
@@ -232,7 +235,7 @@
             <a:fld id="{24518117-2BFA-4AA4-80F1-4EA246DAF033}" type="datetimeFigureOut">
               <a:rPr lang="pt-BR" smtClean="0"/>
               <a:pPr/>
-              <a:t>09/12/2019</a:t>
+              <a:t>10/12/2019</a:t>
             </a:fld>
             <a:endParaRPr lang="pt-BR"/>
           </a:p>
@@ -662,7 +665,7 @@
             <a:fld id="{EC276384-C794-440F-BB0A-FC7B255550B3}" type="slidenum">
               <a:rPr lang="pt-BR" smtClean="0"/>
               <a:pPr/>
-              <a:t>24</a:t>
+              <a:t>27</a:t>
             </a:fld>
             <a:endParaRPr lang="pt-BR"/>
           </a:p>
@@ -875,7 +878,7 @@
           <a:p>
             <a:fld id="{B4C5F0F8-D682-4E87-83AA-67CD3977EE44}" type="datetime1">
               <a:rPr lang="pt-BR" smtClean="0"/>
-              <a:t>09/12/2019</a:t>
+              <a:t>10/12/2019</a:t>
             </a:fld>
             <a:endParaRPr lang="pt-BR"/>
           </a:p>
@@ -1045,7 +1048,7 @@
           <a:p>
             <a:fld id="{9FD068B7-2DF7-41DF-B5D0-4EF1D68E9ADA}" type="datetime1">
               <a:rPr lang="pt-BR" smtClean="0"/>
-              <a:t>09/12/2019</a:t>
+              <a:t>10/12/2019</a:t>
             </a:fld>
             <a:endParaRPr lang="pt-BR"/>
           </a:p>
@@ -1225,7 +1228,7 @@
           <a:p>
             <a:fld id="{40007C23-BDD9-4F60-BB4C-401BE9A1B3B7}" type="datetime1">
               <a:rPr lang="pt-BR" smtClean="0"/>
-              <a:t>09/12/2019</a:t>
+              <a:t>10/12/2019</a:t>
             </a:fld>
             <a:endParaRPr lang="pt-BR"/>
           </a:p>
@@ -1395,7 +1398,7 @@
           <a:p>
             <a:fld id="{68237C2B-F1AD-4D73-8F96-A4F76B7BB2A7}" type="datetime1">
               <a:rPr lang="pt-BR" smtClean="0"/>
-              <a:t>09/12/2019</a:t>
+              <a:t>10/12/2019</a:t>
             </a:fld>
             <a:endParaRPr lang="pt-BR"/>
           </a:p>
@@ -1641,7 +1644,7 @@
           <a:p>
             <a:fld id="{8D4934AC-D8AE-4F76-A06C-588FB0CF0D8A}" type="datetime1">
               <a:rPr lang="pt-BR" smtClean="0"/>
-              <a:t>09/12/2019</a:t>
+              <a:t>10/12/2019</a:t>
             </a:fld>
             <a:endParaRPr lang="pt-BR"/>
           </a:p>
@@ -1929,7 +1932,7 @@
           <a:p>
             <a:fld id="{C56FFEB9-335B-4E1E-8425-0BD7AA41122E}" type="datetime1">
               <a:rPr lang="pt-BR" smtClean="0"/>
-              <a:t>09/12/2019</a:t>
+              <a:t>10/12/2019</a:t>
             </a:fld>
             <a:endParaRPr lang="pt-BR"/>
           </a:p>
@@ -2363,7 +2366,7 @@
           <a:p>
             <a:fld id="{1BF70063-4DD5-4095-AD58-142430E22B2E}" type="datetime1">
               <a:rPr lang="pt-BR" smtClean="0"/>
-              <a:t>09/12/2019</a:t>
+              <a:t>10/12/2019</a:t>
             </a:fld>
             <a:endParaRPr lang="pt-BR"/>
           </a:p>
@@ -2481,7 +2484,7 @@
           <a:p>
             <a:fld id="{0CDC1413-D4DC-4DF0-A703-70D692EE30B0}" type="datetime1">
               <a:rPr lang="pt-BR" smtClean="0"/>
-              <a:t>09/12/2019</a:t>
+              <a:t>10/12/2019</a:t>
             </a:fld>
             <a:endParaRPr lang="pt-BR"/>
           </a:p>
@@ -2576,7 +2579,7 @@
           <a:p>
             <a:fld id="{F5B442D0-DA8C-43CE-BA77-665D93CAC064}" type="datetime1">
               <a:rPr lang="pt-BR" smtClean="0"/>
-              <a:t>09/12/2019</a:t>
+              <a:t>10/12/2019</a:t>
             </a:fld>
             <a:endParaRPr lang="pt-BR"/>
           </a:p>
@@ -2770,7 +2773,7 @@
           <a:p>
             <a:fld id="{70F00A9A-B89F-4D32-A950-2CF6DA7A243E}" type="datetime1">
               <a:rPr lang="pt-BR" smtClean="0"/>
-              <a:t>09/12/2019</a:t>
+              <a:t>10/12/2019</a:t>
             </a:fld>
             <a:endParaRPr lang="pt-BR"/>
           </a:p>
@@ -3093,7 +3096,7 @@
           <a:p>
             <a:fld id="{419B4094-E8B0-4283-A6AD-FFFC696780D6}" type="datetime1">
               <a:rPr lang="pt-BR" smtClean="0"/>
-              <a:t>09/12/2019</a:t>
+              <a:t>10/12/2019</a:t>
             </a:fld>
             <a:endParaRPr lang="pt-BR"/>
           </a:p>
@@ -3482,7 +3485,7 @@
           <a:p>
             <a:fld id="{4CFE2B48-EC0E-45DF-8CB1-8E2EAFFC15AC}" type="datetime1">
               <a:rPr lang="pt-BR" smtClean="0"/>
-              <a:t>09/12/2019</a:t>
+              <a:t>10/12/2019</a:t>
             </a:fld>
             <a:endParaRPr lang="pt-BR"/>
           </a:p>
@@ -4024,24 +4027,573 @@
         </p:nvSpPr>
         <p:spPr>
           <a:xfrm>
+            <a:off x="300551" y="1253863"/>
+            <a:ext cx="10515600" cy="1325563"/>
+          </a:xfrm>
+        </p:spPr>
+        <p:txBody>
+          <a:bodyPr/>
+          <a:lstStyle/>
+          <a:p>
+            <a:pPr algn="ctr"/>
+            <a:r>
+              <a:rPr lang="pt-BR" dirty="0" smtClean="0"/>
+              <a:t>4. Proposta </a:t>
+            </a:r>
+            <a:endParaRPr lang="pt-BR" dirty="0"/>
+          </a:p>
+        </p:txBody>
+      </p:sp>
+      <p:pic>
+        <p:nvPicPr>
+          <p:cNvPr id="3074" name="Picture 2" descr="Resultado de imagem para proposta icon"/>
+          <p:cNvPicPr>
+            <a:picLocks noChangeAspect="1" noChangeArrowheads="1"/>
+          </p:cNvPicPr>
+          <p:nvPr/>
+        </p:nvPicPr>
+        <p:blipFill>
+          <a:blip r:embed="rId2">
+            <a:extLst>
+              <a:ext uri="{28A0092B-C50C-407E-A947-70E740481C1C}">
+                <a14:useLocalDpi xmlns:a14="http://schemas.microsoft.com/office/drawing/2010/main" val="0"/>
+              </a:ext>
+            </a:extLst>
+          </a:blip>
+          <a:srcRect/>
+          <a:stretch>
+            <a:fillRect/>
+          </a:stretch>
+        </p:blipFill>
+        <p:spPr bwMode="auto">
+          <a:xfrm>
+            <a:off x="4421875" y="2579426"/>
+            <a:ext cx="2702019" cy="2702019"/>
+          </a:xfrm>
+          <a:prstGeom prst="rect">
+            <a:avLst/>
+          </a:prstGeom>
+          <a:noFill/>
+          <a:extLst>
+            <a:ext uri="{909E8E84-426E-40DD-AFC4-6F175D3DCCD1}">
+              <a14:hiddenFill xmlns:a14="http://schemas.microsoft.com/office/drawing/2010/main">
+                <a:solidFill>
+                  <a:srgbClr val="FFFFFF"/>
+                </a:solidFill>
+              </a14:hiddenFill>
+            </a:ext>
+          </a:extLst>
+        </p:spPr>
+      </p:pic>
+      <p:pic>
+        <p:nvPicPr>
+          <p:cNvPr id="8" name="Imagem 7"/>
+          <p:cNvPicPr>
+            <a:picLocks noChangeAspect="1"/>
+          </p:cNvPicPr>
+          <p:nvPr/>
+        </p:nvPicPr>
+        <p:blipFill>
+          <a:blip r:embed="rId3" cstate="print">
+            <a:extLst>
+              <a:ext uri="{28A0092B-C50C-407E-A947-70E740481C1C}">
+                <a14:useLocalDpi xmlns:a14="http://schemas.microsoft.com/office/drawing/2010/main" val="0"/>
+              </a:ext>
+            </a:extLst>
+          </a:blip>
+          <a:stretch>
+            <a:fillRect/>
+          </a:stretch>
+        </p:blipFill>
+        <p:spPr>
+          <a:xfrm>
+            <a:off x="104916" y="98107"/>
+            <a:ext cx="1653512" cy="1168456"/>
+          </a:xfrm>
+          <a:prstGeom prst="rect">
+            <a:avLst/>
+          </a:prstGeom>
+        </p:spPr>
+      </p:pic>
+      <p:pic>
+        <p:nvPicPr>
+          <p:cNvPr id="9" name="Imagem 8"/>
+          <p:cNvPicPr>
+            <a:picLocks noChangeAspect="1"/>
+          </p:cNvPicPr>
+          <p:nvPr/>
+        </p:nvPicPr>
+        <p:blipFill>
+          <a:blip r:embed="rId4" cstate="print">
+            <a:extLst>
+              <a:ext uri="{28A0092B-C50C-407E-A947-70E740481C1C}">
+                <a14:useLocalDpi xmlns:a14="http://schemas.microsoft.com/office/drawing/2010/main" val="0"/>
+              </a:ext>
+            </a:extLst>
+          </a:blip>
+          <a:stretch>
+            <a:fillRect/>
+          </a:stretch>
+        </p:blipFill>
+        <p:spPr>
+          <a:xfrm>
+            <a:off x="8894699" y="-16327"/>
+            <a:ext cx="2326039" cy="1163019"/>
+          </a:xfrm>
+          <a:prstGeom prst="rect">
+            <a:avLst/>
+          </a:prstGeom>
+        </p:spPr>
+      </p:pic>
+    </p:spTree>
+  </p:cSld>
+  <p:clrMapOvr>
+    <a:masterClrMapping/>
+  </p:clrMapOvr>
+  <p:timing>
+    <p:tnLst>
+      <p:par>
+        <p:cTn id="1" dur="indefinite" restart="never" nodeType="tmRoot"/>
+      </p:par>
+    </p:tnLst>
+  </p:timing>
+</p:sld>
+</file>
+
+<file path=ppt/slides/slide11.xml><?xml version="1.0" encoding="utf-8"?>
+<p:sld xmlns:a="http://schemas.openxmlformats.org/drawingml/2006/main" xmlns:r="http://schemas.openxmlformats.org/officeDocument/2006/relationships" xmlns:p="http://schemas.openxmlformats.org/presentationml/2006/main">
+  <p:cSld>
+    <p:spTree>
+      <p:nvGrpSpPr>
+        <p:cNvPr id="1" name=""/>
+        <p:cNvGrpSpPr/>
+        <p:nvPr/>
+      </p:nvGrpSpPr>
+      <p:grpSpPr>
+        <a:xfrm>
+          <a:off x="0" y="0"/>
+          <a:ext cx="0" cy="0"/>
+          <a:chOff x="0" y="0"/>
+          <a:chExt cx="0" cy="0"/>
+        </a:xfrm>
+      </p:grpSpPr>
+      <p:sp>
+        <p:nvSpPr>
+          <p:cNvPr id="2" name="Título 1"/>
+          <p:cNvSpPr>
+            <a:spLocks noGrp="1"/>
+          </p:cNvSpPr>
+          <p:nvPr>
+            <p:ph type="title"/>
+          </p:nvPr>
+        </p:nvSpPr>
+        <p:spPr>
+          <a:xfrm>
+            <a:off x="608572" y="402785"/>
+            <a:ext cx="10160000" cy="1143000"/>
+          </a:xfrm>
+        </p:spPr>
+        <p:txBody>
+          <a:bodyPr>
+            <a:noAutofit/>
+          </a:bodyPr>
+          <a:lstStyle/>
+          <a:p>
+            <a:pPr algn="ctr"/>
+            <a:r>
+              <a:rPr lang="pt-BR" dirty="0" smtClean="0"/>
+              <a:t>O Aplicativo</a:t>
+            </a:r>
+            <a:endParaRPr lang="pt-BR" dirty="0"/>
+          </a:p>
+        </p:txBody>
+      </p:sp>
+      <p:sp>
+        <p:nvSpPr>
+          <p:cNvPr id="3" name="Espaço Reservado para Conteúdo 2"/>
+          <p:cNvSpPr>
+            <a:spLocks noGrp="1"/>
+          </p:cNvSpPr>
+          <p:nvPr>
+            <p:ph idx="1"/>
+          </p:nvPr>
+        </p:nvSpPr>
+        <p:spPr/>
+        <p:txBody>
+          <a:bodyPr/>
+          <a:lstStyle/>
+          <a:p>
+            <a:pPr algn="just"/>
+            <a:r>
+              <a:rPr lang="pt-BR" sz="2800" dirty="0" smtClean="0"/>
+              <a:t>Características básicas:</a:t>
+            </a:r>
+          </a:p>
+          <a:p>
+            <a:pPr lvl="1" algn="just"/>
+            <a:r>
+              <a:rPr lang="pt-BR" sz="2800" i="1" dirty="0" smtClean="0"/>
+              <a:t>Gerar boletins de ocorrência digitais;</a:t>
+            </a:r>
+          </a:p>
+          <a:p>
+            <a:pPr lvl="1" algn="just"/>
+            <a:r>
+              <a:rPr lang="pt-BR" sz="2800" i="1" dirty="0" smtClean="0"/>
+              <a:t>Armazenar todas as ocorrências policiais num só lugar;</a:t>
+            </a:r>
+          </a:p>
+          <a:p>
+            <a:pPr lvl="1" algn="just"/>
+            <a:r>
+              <a:rPr lang="pt-BR" sz="2800" i="1" dirty="0" smtClean="0"/>
+              <a:t>Propiciar facilidade na geração de estatísticas e relatórios;</a:t>
+            </a:r>
+          </a:p>
+          <a:p>
+            <a:pPr lvl="1" algn="just"/>
+            <a:r>
+              <a:rPr lang="pt-BR" sz="2800" i="1" dirty="0" smtClean="0"/>
+              <a:t>Não necessita de equipes para preencher planilhas;</a:t>
+            </a:r>
+          </a:p>
+          <a:p>
+            <a:pPr lvl="2" algn="just"/>
+            <a:r>
+              <a:rPr lang="pt-BR" sz="2600" i="1" dirty="0" smtClean="0"/>
+              <a:t>Efetivo é alocado em outras atividades;</a:t>
+            </a:r>
+          </a:p>
+          <a:p>
+            <a:pPr lvl="1" algn="just"/>
+            <a:endParaRPr lang="pt-BR" sz="2800" i="1" dirty="0" smtClean="0"/>
+          </a:p>
+          <a:p>
+            <a:pPr lvl="1" algn="just"/>
+            <a:endParaRPr lang="pt-BR" sz="2800" i="1" dirty="0" smtClean="0"/>
+          </a:p>
+          <a:p>
+            <a:pPr lvl="1" algn="just"/>
+            <a:endParaRPr lang="pt-BR" i="1" dirty="0" smtClean="0"/>
+          </a:p>
+          <a:p>
+            <a:pPr lvl="1">
+              <a:buFont typeface="Courier New" panose="02070309020205020404" pitchFamily="49" charset="0"/>
+              <a:buChar char="o"/>
+            </a:pPr>
+            <a:endParaRPr lang="pt-BR" dirty="0"/>
+          </a:p>
+        </p:txBody>
+      </p:sp>
+      <p:pic>
+        <p:nvPicPr>
+          <p:cNvPr id="8" name="Imagem 7"/>
+          <p:cNvPicPr>
+            <a:picLocks noChangeAspect="1"/>
+          </p:cNvPicPr>
+          <p:nvPr/>
+        </p:nvPicPr>
+        <p:blipFill>
+          <a:blip r:embed="rId2" cstate="print">
+            <a:extLst>
+              <a:ext uri="{28A0092B-C50C-407E-A947-70E740481C1C}">
+                <a14:useLocalDpi xmlns:a14="http://schemas.microsoft.com/office/drawing/2010/main" val="0"/>
+              </a:ext>
+            </a:extLst>
+          </a:blip>
+          <a:stretch>
+            <a:fillRect/>
+          </a:stretch>
+        </p:blipFill>
+        <p:spPr>
+          <a:xfrm>
+            <a:off x="104916" y="98107"/>
+            <a:ext cx="1653512" cy="1168456"/>
+          </a:xfrm>
+          <a:prstGeom prst="rect">
+            <a:avLst/>
+          </a:prstGeom>
+        </p:spPr>
+      </p:pic>
+      <p:pic>
+        <p:nvPicPr>
+          <p:cNvPr id="9" name="Imagem 8"/>
+          <p:cNvPicPr>
+            <a:picLocks noChangeAspect="1"/>
+          </p:cNvPicPr>
+          <p:nvPr/>
+        </p:nvPicPr>
+        <p:blipFill>
+          <a:blip r:embed="rId3" cstate="print">
+            <a:extLst>
+              <a:ext uri="{28A0092B-C50C-407E-A947-70E740481C1C}">
+                <a14:useLocalDpi xmlns:a14="http://schemas.microsoft.com/office/drawing/2010/main" val="0"/>
+              </a:ext>
+            </a:extLst>
+          </a:blip>
+          <a:stretch>
+            <a:fillRect/>
+          </a:stretch>
+        </p:blipFill>
+        <p:spPr>
+          <a:xfrm>
+            <a:off x="8894699" y="-16327"/>
+            <a:ext cx="2326039" cy="1163019"/>
+          </a:xfrm>
+          <a:prstGeom prst="rect">
+            <a:avLst/>
+          </a:prstGeom>
+        </p:spPr>
+      </p:pic>
+    </p:spTree>
+    <p:extLst>
+      <p:ext uri="{BB962C8B-B14F-4D97-AF65-F5344CB8AC3E}">
+        <p14:creationId xmlns:p14="http://schemas.microsoft.com/office/powerpoint/2010/main" val="1206450984"/>
+      </p:ext>
+    </p:extLst>
+  </p:cSld>
+  <p:clrMapOvr>
+    <a:masterClrMapping/>
+  </p:clrMapOvr>
+  <p:timing>
+    <p:tnLst>
+      <p:par>
+        <p:cTn id="1" dur="indefinite" restart="never" nodeType="tmRoot"/>
+      </p:par>
+    </p:tnLst>
+  </p:timing>
+</p:sld>
+</file>
+
+<file path=ppt/slides/slide12.xml><?xml version="1.0" encoding="utf-8"?>
+<p:sld xmlns:a="http://schemas.openxmlformats.org/drawingml/2006/main" xmlns:r="http://schemas.openxmlformats.org/officeDocument/2006/relationships" xmlns:p="http://schemas.openxmlformats.org/presentationml/2006/main">
+  <p:cSld>
+    <p:spTree>
+      <p:nvGrpSpPr>
+        <p:cNvPr id="1" name=""/>
+        <p:cNvGrpSpPr/>
+        <p:nvPr/>
+      </p:nvGrpSpPr>
+      <p:grpSpPr>
+        <a:xfrm>
+          <a:off x="0" y="0"/>
+          <a:ext cx="0" cy="0"/>
+          <a:chOff x="0" y="0"/>
+          <a:chExt cx="0" cy="0"/>
+        </a:xfrm>
+      </p:grpSpPr>
+      <p:sp>
+        <p:nvSpPr>
+          <p:cNvPr id="2" name="Título 1"/>
+          <p:cNvSpPr>
+            <a:spLocks noGrp="1"/>
+          </p:cNvSpPr>
+          <p:nvPr>
+            <p:ph type="title"/>
+          </p:nvPr>
+        </p:nvSpPr>
+        <p:spPr>
+          <a:xfrm>
+            <a:off x="249366" y="128740"/>
+            <a:ext cx="10515600" cy="1325563"/>
+          </a:xfrm>
+        </p:spPr>
+        <p:txBody>
+          <a:bodyPr/>
+          <a:lstStyle/>
+          <a:p>
+            <a:pPr algn="ctr"/>
+            <a:r>
+              <a:rPr lang="pt-BR" dirty="0" smtClean="0"/>
+              <a:t>5. Sistema Proposto</a:t>
+            </a:r>
+            <a:endParaRPr lang="pt-BR" dirty="0"/>
+          </a:p>
+        </p:txBody>
+      </p:sp>
+      <p:pic>
+        <p:nvPicPr>
+          <p:cNvPr id="4098" name="Picture 2" descr="Diagrama da Arquitetura do Sistema"/>
+          <p:cNvPicPr>
+            <a:picLocks noChangeAspect="1" noChangeArrowheads="1"/>
+          </p:cNvPicPr>
+          <p:nvPr/>
+        </p:nvPicPr>
+        <p:blipFill>
+          <a:blip r:embed="rId2">
+            <a:extLst>
+              <a:ext uri="{28A0092B-C50C-407E-A947-70E740481C1C}">
+                <a14:useLocalDpi xmlns:a14="http://schemas.microsoft.com/office/drawing/2010/main" val="0"/>
+              </a:ext>
+            </a:extLst>
+          </a:blip>
+          <a:srcRect l="9915" t="13150" r="5307"/>
+          <a:stretch>
+            <a:fillRect/>
+          </a:stretch>
+        </p:blipFill>
+        <p:spPr bwMode="auto">
+          <a:xfrm>
+            <a:off x="941697" y="1321830"/>
+            <a:ext cx="8443429" cy="5010731"/>
+          </a:xfrm>
+          <a:prstGeom prst="rect">
+            <a:avLst/>
+          </a:prstGeom>
+          <a:noFill/>
+          <a:ln>
+            <a:noFill/>
+          </a:ln>
+          <a:extLst>
+            <a:ext uri="{909E8E84-426E-40DD-AFC4-6F175D3DCCD1}">
+              <a14:hiddenFill xmlns:a14="http://schemas.microsoft.com/office/drawing/2010/main">
+                <a:solidFill>
+                  <a:srgbClr val="FFFFFF"/>
+                </a:solidFill>
+              </a14:hiddenFill>
+            </a:ext>
+            <a:ext uri="{91240B29-F687-4F45-9708-019B960494DF}">
+              <a14:hiddenLine xmlns:a14="http://schemas.microsoft.com/office/drawing/2010/main" w="9525">
+                <a:solidFill>
+                  <a:srgbClr val="000000"/>
+                </a:solidFill>
+                <a:miter lim="800000"/>
+                <a:headEnd/>
+                <a:tailEnd/>
+              </a14:hiddenLine>
+            </a:ext>
+          </a:extLst>
+        </p:spPr>
+      </p:pic>
+      <p:pic>
+        <p:nvPicPr>
+          <p:cNvPr id="8" name="Imagem 7"/>
+          <p:cNvPicPr>
+            <a:picLocks noChangeAspect="1"/>
+          </p:cNvPicPr>
+          <p:nvPr/>
+        </p:nvPicPr>
+        <p:blipFill>
+          <a:blip r:embed="rId3" cstate="print">
+            <a:extLst>
+              <a:ext uri="{28A0092B-C50C-407E-A947-70E740481C1C}">
+                <a14:useLocalDpi xmlns:a14="http://schemas.microsoft.com/office/drawing/2010/main" val="0"/>
+              </a:ext>
+            </a:extLst>
+          </a:blip>
+          <a:stretch>
+            <a:fillRect/>
+          </a:stretch>
+        </p:blipFill>
+        <p:spPr>
+          <a:xfrm>
+            <a:off x="104916" y="98107"/>
+            <a:ext cx="1653512" cy="1168456"/>
+          </a:xfrm>
+          <a:prstGeom prst="rect">
+            <a:avLst/>
+          </a:prstGeom>
+        </p:spPr>
+      </p:pic>
+      <p:pic>
+        <p:nvPicPr>
+          <p:cNvPr id="9" name="Imagem 8"/>
+          <p:cNvPicPr>
+            <a:picLocks noChangeAspect="1"/>
+          </p:cNvPicPr>
+          <p:nvPr/>
+        </p:nvPicPr>
+        <p:blipFill>
+          <a:blip r:embed="rId4" cstate="print">
+            <a:extLst>
+              <a:ext uri="{28A0092B-C50C-407E-A947-70E740481C1C}">
+                <a14:useLocalDpi xmlns:a14="http://schemas.microsoft.com/office/drawing/2010/main" val="0"/>
+              </a:ext>
+            </a:extLst>
+          </a:blip>
+          <a:stretch>
+            <a:fillRect/>
+          </a:stretch>
+        </p:blipFill>
+        <p:spPr>
+          <a:xfrm>
+            <a:off x="8894699" y="-16327"/>
+            <a:ext cx="2326039" cy="1163019"/>
+          </a:xfrm>
+          <a:prstGeom prst="rect">
+            <a:avLst/>
+          </a:prstGeom>
+        </p:spPr>
+      </p:pic>
+    </p:spTree>
+  </p:cSld>
+  <p:clrMapOvr>
+    <a:masterClrMapping/>
+  </p:clrMapOvr>
+  <p:timing>
+    <p:tnLst>
+      <p:par>
+        <p:cTn id="1" dur="indefinite" restart="never" nodeType="tmRoot"/>
+      </p:par>
+    </p:tnLst>
+  </p:timing>
+</p:sld>
+</file>
+
+<file path=ppt/slides/slide13.xml><?xml version="1.0" encoding="utf-8"?>
+<p:sld xmlns:a="http://schemas.openxmlformats.org/drawingml/2006/main" xmlns:r="http://schemas.openxmlformats.org/officeDocument/2006/relationships" xmlns:p="http://schemas.openxmlformats.org/presentationml/2006/main">
+  <p:cSld>
+    <p:spTree>
+      <p:nvGrpSpPr>
+        <p:cNvPr id="1" name=""/>
+        <p:cNvGrpSpPr/>
+        <p:nvPr/>
+      </p:nvGrpSpPr>
+      <p:grpSpPr>
+        <a:xfrm>
+          <a:off x="0" y="0"/>
+          <a:ext cx="0" cy="0"/>
+          <a:chOff x="0" y="0"/>
+          <a:chExt cx="0" cy="0"/>
+        </a:xfrm>
+      </p:grpSpPr>
+      <p:sp>
+        <p:nvSpPr>
+          <p:cNvPr id="2" name="Título 1"/>
+          <p:cNvSpPr>
+            <a:spLocks noGrp="1"/>
+          </p:cNvSpPr>
+          <p:nvPr>
+            <p:ph type="title"/>
+          </p:nvPr>
+        </p:nvSpPr>
+        <p:spPr>
+          <a:xfrm>
             <a:off x="73652" y="154155"/>
             <a:ext cx="10515600" cy="822053"/>
           </a:xfrm>
         </p:spPr>
         <p:txBody>
           <a:bodyPr>
-            <a:normAutofit/>
+            <a:normAutofit fontScale="90000"/>
           </a:bodyPr>
           <a:lstStyle/>
           <a:p>
             <a:pPr algn="ctr"/>
             <a:r>
               <a:rPr lang="pt-BR" sz="3200" dirty="0" smtClean="0"/>
-              <a:t>3</a:t>
+              <a:t>3. Fluxo de ocorrência usando o </a:t>
             </a:r>
             <a:r>
               <a:rPr lang="pt-BR" sz="3200" dirty="0" smtClean="0"/>
-              <a:t>. Fluxo de ocorrência usando o aplicativo</a:t>
+              <a:t/>
+            </a:r>
+            <a:br>
+              <a:rPr lang="pt-BR" sz="3200" dirty="0" smtClean="0"/>
+            </a:br>
+            <a:r>
+              <a:rPr lang="pt-BR" sz="3200" dirty="0" smtClean="0"/>
+              <a:t>aplicativo</a:t>
             </a:r>
             <a:endParaRPr lang="pt-BR" sz="3200" dirty="0"/>
           </a:p>
@@ -5183,763 +5735,6 @@
 </p:sld>
 </file>
 
-<file path=ppt/slides/slide11.xml><?xml version="1.0" encoding="utf-8"?>
-<p:sld xmlns:a="http://schemas.openxmlformats.org/drawingml/2006/main" xmlns:r="http://schemas.openxmlformats.org/officeDocument/2006/relationships" xmlns:p="http://schemas.openxmlformats.org/presentationml/2006/main">
-  <p:cSld>
-    <p:spTree>
-      <p:nvGrpSpPr>
-        <p:cNvPr id="1" name=""/>
-        <p:cNvGrpSpPr/>
-        <p:nvPr/>
-      </p:nvGrpSpPr>
-      <p:grpSpPr>
-        <a:xfrm>
-          <a:off x="0" y="0"/>
-          <a:ext cx="0" cy="0"/>
-          <a:chOff x="0" y="0"/>
-          <a:chExt cx="0" cy="0"/>
-        </a:xfrm>
-      </p:grpSpPr>
-      <p:sp>
-        <p:nvSpPr>
-          <p:cNvPr id="2" name="Título 1"/>
-          <p:cNvSpPr>
-            <a:spLocks noGrp="1"/>
-          </p:cNvSpPr>
-          <p:nvPr>
-            <p:ph type="title"/>
-          </p:nvPr>
-        </p:nvSpPr>
-        <p:spPr/>
-        <p:txBody>
-          <a:bodyPr>
-            <a:normAutofit fontScale="90000"/>
-          </a:bodyPr>
-          <a:lstStyle/>
-          <a:p>
-            <a:pPr algn="ctr"/>
-            <a:r>
-              <a:rPr lang="pt-BR" sz="4000" dirty="0" smtClean="0"/>
-              <a:t/>
-            </a:r>
-            <a:br>
-              <a:rPr lang="pt-BR" sz="4000" dirty="0" smtClean="0"/>
-            </a:br>
-            <a:r>
-              <a:rPr lang="pt-BR" sz="4000" dirty="0" smtClean="0"/>
-              <a:t>Sistema </a:t>
-            </a:r>
-            <a:r>
-              <a:rPr lang="pt-BR" sz="4000" dirty="0"/>
-              <a:t>de Apoio à Especificação </a:t>
-            </a:r>
-            <a:r>
-              <a:rPr lang="pt-BR" sz="4000" dirty="0" smtClean="0"/>
-              <a:t>de Requisitos não Funcionais (SAE-RNF)</a:t>
-            </a:r>
-            <a:endParaRPr lang="pt-BR" sz="4000" dirty="0"/>
-          </a:p>
-        </p:txBody>
-      </p:sp>
-      <p:sp>
-        <p:nvSpPr>
-          <p:cNvPr id="3" name="Espaço Reservado para Conteúdo 2"/>
-          <p:cNvSpPr>
-            <a:spLocks noGrp="1"/>
-          </p:cNvSpPr>
-          <p:nvPr>
-            <p:ph idx="1"/>
-          </p:nvPr>
-        </p:nvSpPr>
-        <p:spPr>
-          <a:xfrm>
-            <a:off x="838200" y="2259569"/>
-            <a:ext cx="10515600" cy="4351338"/>
-          </a:xfrm>
-        </p:spPr>
-        <p:txBody>
-          <a:bodyPr>
-            <a:normAutofit/>
-          </a:bodyPr>
-          <a:lstStyle/>
-          <a:p>
-            <a:pPr algn="just"/>
-            <a:endParaRPr lang="pt-BR" dirty="0" smtClean="0"/>
-          </a:p>
-          <a:p>
-            <a:pPr algn="just"/>
-            <a:r>
-              <a:rPr lang="pt-BR" dirty="0" smtClean="0"/>
-              <a:t>Objetivos</a:t>
-            </a:r>
-          </a:p>
-          <a:p>
-            <a:pPr lvl="1" algn="just">
-              <a:buFont typeface="Courier New" panose="02070309020205020404" pitchFamily="49" charset="0"/>
-              <a:buChar char="o"/>
-            </a:pPr>
-            <a:r>
-              <a:rPr lang="pt-BR" dirty="0" smtClean="0"/>
-              <a:t>Facilitar a especificação de </a:t>
-            </a:r>
-            <a:r>
-              <a:rPr lang="pt-BR" dirty="0" err="1" smtClean="0"/>
-              <a:t>RNFs</a:t>
-            </a:r>
-            <a:r>
-              <a:rPr lang="pt-BR" dirty="0" smtClean="0"/>
-              <a:t>  através do </a:t>
-            </a:r>
-            <a:r>
-              <a:rPr lang="pt-BR" i="1" dirty="0" err="1"/>
-              <a:t>template</a:t>
-            </a:r>
-            <a:r>
-              <a:rPr lang="pt-BR" dirty="0"/>
-              <a:t> </a:t>
-            </a:r>
-            <a:r>
-              <a:rPr lang="pt-BR" dirty="0" smtClean="0"/>
-              <a:t>proposto</a:t>
-            </a:r>
-          </a:p>
-          <a:p>
-            <a:pPr lvl="1" algn="just">
-              <a:buFont typeface="Courier New" panose="02070309020205020404" pitchFamily="49" charset="0"/>
-              <a:buChar char="o"/>
-            </a:pPr>
-            <a:r>
-              <a:rPr lang="pt-BR" dirty="0" smtClean="0"/>
-              <a:t>Servir </a:t>
-            </a:r>
-            <a:r>
-              <a:rPr lang="pt-BR" dirty="0"/>
-              <a:t>como estímulo à adoção da prática da especificação de requisitos não </a:t>
-            </a:r>
-            <a:r>
-              <a:rPr lang="pt-BR" dirty="0" smtClean="0"/>
-              <a:t>funcionais</a:t>
-            </a:r>
-          </a:p>
-        </p:txBody>
-      </p:sp>
-      <p:pic>
-        <p:nvPicPr>
-          <p:cNvPr id="6" name="Imagem 5"/>
-          <p:cNvPicPr>
-            <a:picLocks noChangeAspect="1"/>
-          </p:cNvPicPr>
-          <p:nvPr/>
-        </p:nvPicPr>
-        <p:blipFill>
-          <a:blip r:embed="rId2" cstate="print">
-            <a:extLst>
-              <a:ext uri="{28A0092B-C50C-407E-A947-70E740481C1C}">
-                <a14:useLocalDpi xmlns:a14="http://schemas.microsoft.com/office/drawing/2010/main" val="0"/>
-              </a:ext>
-            </a:extLst>
-          </a:blip>
-          <a:stretch>
-            <a:fillRect/>
-          </a:stretch>
-        </p:blipFill>
-        <p:spPr>
-          <a:xfrm>
-            <a:off x="23356" y="0"/>
-            <a:ext cx="1170432" cy="777240"/>
-          </a:xfrm>
-          <a:prstGeom prst="rect">
-            <a:avLst/>
-          </a:prstGeom>
-        </p:spPr>
-      </p:pic>
-      <p:pic>
-        <p:nvPicPr>
-          <p:cNvPr id="7" name="Imagem 6"/>
-          <p:cNvPicPr>
-            <a:picLocks noChangeAspect="1"/>
-          </p:cNvPicPr>
-          <p:nvPr/>
-        </p:nvPicPr>
-        <p:blipFill>
-          <a:blip r:embed="rId3" cstate="print">
-            <a:extLst>
-              <a:ext uri="{28A0092B-C50C-407E-A947-70E740481C1C}">
-                <a14:useLocalDpi xmlns:a14="http://schemas.microsoft.com/office/drawing/2010/main" val="0"/>
-              </a:ext>
-            </a:extLst>
-          </a:blip>
-          <a:stretch>
-            <a:fillRect/>
-          </a:stretch>
-        </p:blipFill>
-        <p:spPr>
-          <a:xfrm>
-            <a:off x="10532125" y="14049"/>
-            <a:ext cx="1659875" cy="777473"/>
-          </a:xfrm>
-          <a:prstGeom prst="rect">
-            <a:avLst/>
-          </a:prstGeom>
-        </p:spPr>
-      </p:pic>
-      <p:pic>
-        <p:nvPicPr>
-          <p:cNvPr id="2050" name="Picture 2"/>
-          <p:cNvPicPr>
-            <a:picLocks noChangeAspect="1" noChangeArrowheads="1"/>
-          </p:cNvPicPr>
-          <p:nvPr/>
-        </p:nvPicPr>
-        <p:blipFill>
-          <a:blip r:embed="rId4"/>
-          <a:srcRect/>
-          <a:stretch>
-            <a:fillRect/>
-          </a:stretch>
-        </p:blipFill>
-        <p:spPr bwMode="auto">
-          <a:xfrm>
-            <a:off x="359199" y="2149003"/>
-            <a:ext cx="1669179" cy="395691"/>
-          </a:xfrm>
-          <a:prstGeom prst="rect">
-            <a:avLst/>
-          </a:prstGeom>
-          <a:noFill/>
-          <a:ln w="9525">
-            <a:noFill/>
-            <a:miter lim="800000"/>
-            <a:headEnd/>
-            <a:tailEnd/>
-          </a:ln>
-          <a:effectLst/>
-        </p:spPr>
-      </p:pic>
-    </p:spTree>
-    <p:extLst>
-      <p:ext uri="{BB962C8B-B14F-4D97-AF65-F5344CB8AC3E}">
-        <p14:creationId xmlns:p14="http://schemas.microsoft.com/office/powerpoint/2010/main" val="1121528645"/>
-      </p:ext>
-    </p:extLst>
-  </p:cSld>
-  <p:clrMapOvr>
-    <a:masterClrMapping/>
-  </p:clrMapOvr>
-  <p:timing>
-    <p:tnLst>
-      <p:par>
-        <p:cTn id="1" dur="indefinite" restart="never" nodeType="tmRoot"/>
-      </p:par>
-    </p:tnLst>
-  </p:timing>
-</p:sld>
-</file>
-
-<file path=ppt/slides/slide12.xml><?xml version="1.0" encoding="utf-8"?>
-<p:sld xmlns:a="http://schemas.openxmlformats.org/drawingml/2006/main" xmlns:r="http://schemas.openxmlformats.org/officeDocument/2006/relationships" xmlns:p="http://schemas.openxmlformats.org/presentationml/2006/main">
-  <p:cSld>
-    <p:spTree>
-      <p:nvGrpSpPr>
-        <p:cNvPr id="1" name=""/>
-        <p:cNvGrpSpPr/>
-        <p:nvPr/>
-      </p:nvGrpSpPr>
-      <p:grpSpPr>
-        <a:xfrm>
-          <a:off x="0" y="0"/>
-          <a:ext cx="0" cy="0"/>
-          <a:chOff x="0" y="0"/>
-          <a:chExt cx="0" cy="0"/>
-        </a:xfrm>
-      </p:grpSpPr>
-      <p:sp>
-        <p:nvSpPr>
-          <p:cNvPr id="2" name="Título 1"/>
-          <p:cNvSpPr>
-            <a:spLocks noGrp="1"/>
-          </p:cNvSpPr>
-          <p:nvPr>
-            <p:ph type="title"/>
-          </p:nvPr>
-        </p:nvSpPr>
-        <p:spPr>
-          <a:xfrm>
-            <a:off x="838200" y="84915"/>
-            <a:ext cx="10515600" cy="1325563"/>
-          </a:xfrm>
-        </p:spPr>
-        <p:txBody>
-          <a:bodyPr/>
-          <a:lstStyle/>
-          <a:p>
-            <a:pPr algn="ctr"/>
-            <a:r>
-              <a:rPr lang="pt-BR" dirty="0" smtClean="0"/>
-              <a:t>SAE-RNF</a:t>
-            </a:r>
-            <a:endParaRPr lang="pt-BR" dirty="0"/>
-          </a:p>
-        </p:txBody>
-      </p:sp>
-      <p:sp>
-        <p:nvSpPr>
-          <p:cNvPr id="3" name="Espaço Reservado para Conteúdo 2"/>
-          <p:cNvSpPr>
-            <a:spLocks noGrp="1"/>
-          </p:cNvSpPr>
-          <p:nvPr>
-            <p:ph idx="1"/>
-          </p:nvPr>
-        </p:nvSpPr>
-        <p:spPr>
-          <a:xfrm>
-            <a:off x="734961" y="1345675"/>
-            <a:ext cx="10515600" cy="4351338"/>
-          </a:xfrm>
-        </p:spPr>
-        <p:txBody>
-          <a:bodyPr>
-            <a:noAutofit/>
-          </a:bodyPr>
-          <a:lstStyle/>
-          <a:p>
-            <a:pPr algn="just"/>
-            <a:r>
-              <a:rPr lang="pt-BR" sz="3200" dirty="0" smtClean="0"/>
-              <a:t>Ferramenta web disponível em </a:t>
-            </a:r>
-            <a:r>
-              <a:rPr lang="pt-BR" sz="3200" u="sng" dirty="0" smtClean="0">
-                <a:hlinkClick r:id="rId2"/>
-              </a:rPr>
-              <a:t>www.saernf.orgfree.com</a:t>
-            </a:r>
-            <a:endParaRPr lang="pt-BR" sz="3200" u="sng" dirty="0" smtClean="0"/>
-          </a:p>
-          <a:p>
-            <a:pPr algn="just"/>
-            <a:r>
-              <a:rPr lang="pt-BR" sz="3200" dirty="0" smtClean="0"/>
-              <a:t>Usuários: </a:t>
-            </a:r>
-          </a:p>
-          <a:p>
-            <a:pPr lvl="1" algn="just">
-              <a:buFont typeface="Courier New" panose="02070309020205020404" pitchFamily="49" charset="0"/>
-              <a:buChar char="o"/>
-            </a:pPr>
-            <a:r>
-              <a:rPr lang="pt-BR" sz="2800" dirty="0" smtClean="0"/>
-              <a:t>Engenheiros </a:t>
-            </a:r>
-            <a:r>
-              <a:rPr lang="pt-BR" sz="2800" dirty="0"/>
-              <a:t>de </a:t>
-            </a:r>
-            <a:r>
-              <a:rPr lang="pt-BR" sz="2800" dirty="0" smtClean="0"/>
-              <a:t>requisitos </a:t>
-            </a:r>
-            <a:r>
-              <a:rPr lang="pt-BR" sz="2800" dirty="0"/>
-              <a:t>que desejam especificar de forma mais detalhada </a:t>
-            </a:r>
-            <a:r>
-              <a:rPr lang="pt-BR" sz="2800" dirty="0" smtClean="0"/>
-              <a:t>os </a:t>
-            </a:r>
-            <a:r>
-              <a:rPr lang="pt-BR" sz="2800" dirty="0" err="1" smtClean="0"/>
-              <a:t>RNFs</a:t>
-            </a:r>
-            <a:endParaRPr lang="pt-BR" sz="2800" dirty="0" smtClean="0"/>
-          </a:p>
-          <a:p>
-            <a:pPr lvl="1" algn="just">
-              <a:buFont typeface="Courier New" panose="02070309020205020404" pitchFamily="49" charset="0"/>
-              <a:buChar char="o"/>
-            </a:pPr>
-            <a:r>
-              <a:rPr lang="pt-BR" sz="2800" dirty="0" smtClean="0"/>
-              <a:t>Usuários </a:t>
-            </a:r>
-            <a:r>
-              <a:rPr lang="pt-BR" sz="2800" dirty="0"/>
-              <a:t>que querem consultar informações relacionadas a problemas e as suas formas de </a:t>
-            </a:r>
-            <a:r>
-              <a:rPr lang="pt-BR" sz="2800" dirty="0" smtClean="0"/>
-              <a:t>solução</a:t>
-            </a:r>
-          </a:p>
-          <a:p>
-            <a:pPr algn="just"/>
-            <a:r>
-              <a:rPr lang="pt-BR" sz="3200" i="1" dirty="0" smtClean="0"/>
-              <a:t>PHP</a:t>
-            </a:r>
-            <a:r>
-              <a:rPr lang="pt-BR" sz="3200" dirty="0" smtClean="0"/>
-              <a:t> em sua versão 5.5.12</a:t>
-            </a:r>
-          </a:p>
-          <a:p>
-            <a:pPr algn="just"/>
-            <a:r>
-              <a:rPr lang="pt-BR" sz="3200" i="1" dirty="0" smtClean="0"/>
-              <a:t>MySQL</a:t>
-            </a:r>
-            <a:endParaRPr lang="pt-BR" sz="3200" dirty="0" smtClean="0"/>
-          </a:p>
-        </p:txBody>
-      </p:sp>
-      <p:pic>
-        <p:nvPicPr>
-          <p:cNvPr id="6" name="Imagem 5"/>
-          <p:cNvPicPr>
-            <a:picLocks noChangeAspect="1"/>
-          </p:cNvPicPr>
-          <p:nvPr/>
-        </p:nvPicPr>
-        <p:blipFill>
-          <a:blip r:embed="rId3" cstate="print">
-            <a:extLst>
-              <a:ext uri="{28A0092B-C50C-407E-A947-70E740481C1C}">
-                <a14:useLocalDpi xmlns:a14="http://schemas.microsoft.com/office/drawing/2010/main" val="0"/>
-              </a:ext>
-            </a:extLst>
-          </a:blip>
-          <a:stretch>
-            <a:fillRect/>
-          </a:stretch>
-        </p:blipFill>
-        <p:spPr>
-          <a:xfrm>
-            <a:off x="23356" y="0"/>
-            <a:ext cx="1170432" cy="777240"/>
-          </a:xfrm>
-          <a:prstGeom prst="rect">
-            <a:avLst/>
-          </a:prstGeom>
-        </p:spPr>
-      </p:pic>
-      <p:pic>
-        <p:nvPicPr>
-          <p:cNvPr id="7" name="Imagem 6"/>
-          <p:cNvPicPr>
-            <a:picLocks noChangeAspect="1"/>
-          </p:cNvPicPr>
-          <p:nvPr/>
-        </p:nvPicPr>
-        <p:blipFill>
-          <a:blip r:embed="rId4" cstate="print">
-            <a:extLst>
-              <a:ext uri="{28A0092B-C50C-407E-A947-70E740481C1C}">
-                <a14:useLocalDpi xmlns:a14="http://schemas.microsoft.com/office/drawing/2010/main" val="0"/>
-              </a:ext>
-            </a:extLst>
-          </a:blip>
-          <a:stretch>
-            <a:fillRect/>
-          </a:stretch>
-        </p:blipFill>
-        <p:spPr>
-          <a:xfrm>
-            <a:off x="10532125" y="14049"/>
-            <a:ext cx="1659875" cy="777473"/>
-          </a:xfrm>
-          <a:prstGeom prst="rect">
-            <a:avLst/>
-          </a:prstGeom>
-        </p:spPr>
-      </p:pic>
-      <p:pic>
-        <p:nvPicPr>
-          <p:cNvPr id="8" name="Picture 2"/>
-          <p:cNvPicPr>
-            <a:picLocks noChangeAspect="1" noChangeArrowheads="1"/>
-          </p:cNvPicPr>
-          <p:nvPr/>
-        </p:nvPicPr>
-        <p:blipFill>
-          <a:blip r:embed="rId5"/>
-          <a:srcRect/>
-          <a:stretch>
-            <a:fillRect/>
-          </a:stretch>
-        </p:blipFill>
-        <p:spPr bwMode="auto">
-          <a:xfrm>
-            <a:off x="4886375" y="423069"/>
-            <a:ext cx="2221143" cy="526538"/>
-          </a:xfrm>
-          <a:prstGeom prst="rect">
-            <a:avLst/>
-          </a:prstGeom>
-          <a:noFill/>
-          <a:ln w="9525">
-            <a:noFill/>
-            <a:miter lim="800000"/>
-            <a:headEnd/>
-            <a:tailEnd/>
-          </a:ln>
-          <a:effectLst/>
-        </p:spPr>
-      </p:pic>
-    </p:spTree>
-    <p:extLst>
-      <p:ext uri="{BB962C8B-B14F-4D97-AF65-F5344CB8AC3E}">
-        <p14:creationId xmlns:p14="http://schemas.microsoft.com/office/powerpoint/2010/main" val="804431430"/>
-      </p:ext>
-    </p:extLst>
-  </p:cSld>
-  <p:clrMapOvr>
-    <a:masterClrMapping/>
-  </p:clrMapOvr>
-  <p:timing>
-    <p:tnLst>
-      <p:par>
-        <p:cTn id="1" dur="indefinite" restart="never" nodeType="tmRoot"/>
-      </p:par>
-    </p:tnLst>
-  </p:timing>
-</p:sld>
-</file>
-
-<file path=ppt/slides/slide13.xml><?xml version="1.0" encoding="utf-8"?>
-<p:sld xmlns:a="http://schemas.openxmlformats.org/drawingml/2006/main" xmlns:r="http://schemas.openxmlformats.org/officeDocument/2006/relationships" xmlns:p="http://schemas.openxmlformats.org/presentationml/2006/main">
-  <p:cSld>
-    <p:spTree>
-      <p:nvGrpSpPr>
-        <p:cNvPr id="1" name=""/>
-        <p:cNvGrpSpPr/>
-        <p:nvPr/>
-      </p:nvGrpSpPr>
-      <p:grpSpPr>
-        <a:xfrm>
-          <a:off x="0" y="0"/>
-          <a:ext cx="0" cy="0"/>
-          <a:chOff x="0" y="0"/>
-          <a:chExt cx="0" cy="0"/>
-        </a:xfrm>
-      </p:grpSpPr>
-      <p:sp>
-        <p:nvSpPr>
-          <p:cNvPr id="2" name="Título 1"/>
-          <p:cNvSpPr>
-            <a:spLocks noGrp="1"/>
-          </p:cNvSpPr>
-          <p:nvPr>
-            <p:ph type="title"/>
-          </p:nvPr>
-        </p:nvSpPr>
-        <p:spPr/>
-        <p:txBody>
-          <a:bodyPr/>
-          <a:lstStyle/>
-          <a:p>
-            <a:pPr algn="ctr"/>
-            <a:r>
-              <a:rPr lang="pt-BR" dirty="0" smtClean="0"/>
-              <a:t>SAE-RNF - Funcionalidades</a:t>
-            </a:r>
-            <a:endParaRPr lang="pt-BR" dirty="0"/>
-          </a:p>
-        </p:txBody>
-      </p:sp>
-      <p:sp>
-        <p:nvSpPr>
-          <p:cNvPr id="3" name="Espaço Reservado para Conteúdo 2"/>
-          <p:cNvSpPr>
-            <a:spLocks noGrp="1"/>
-          </p:cNvSpPr>
-          <p:nvPr>
-            <p:ph idx="1"/>
-          </p:nvPr>
-        </p:nvSpPr>
-        <p:spPr/>
-        <p:txBody>
-          <a:bodyPr>
-            <a:normAutofit/>
-          </a:bodyPr>
-          <a:lstStyle/>
-          <a:p>
-            <a:pPr lvl="0">
-              <a:lnSpc>
-                <a:spcPct val="150000"/>
-              </a:lnSpc>
-            </a:pPr>
-            <a:r>
-              <a:rPr lang="pt-BR" sz="3200" dirty="0"/>
-              <a:t>Cadastro de usuário</a:t>
-            </a:r>
-          </a:p>
-          <a:p>
-            <a:pPr lvl="0">
-              <a:lnSpc>
-                <a:spcPct val="150000"/>
-              </a:lnSpc>
-            </a:pPr>
-            <a:r>
-              <a:rPr lang="pt-BR" sz="3200" dirty="0"/>
-              <a:t>Cadastro de projeto</a:t>
-            </a:r>
-          </a:p>
-          <a:p>
-            <a:pPr lvl="0">
-              <a:lnSpc>
-                <a:spcPct val="150000"/>
-              </a:lnSpc>
-            </a:pPr>
-            <a:r>
-              <a:rPr lang="pt-BR" sz="3200" dirty="0"/>
-              <a:t>Cadastro de requisito não funcional</a:t>
-            </a:r>
-          </a:p>
-          <a:p>
-            <a:pPr lvl="0">
-              <a:lnSpc>
-                <a:spcPct val="150000"/>
-              </a:lnSpc>
-            </a:pPr>
-            <a:r>
-              <a:rPr lang="pt-BR" sz="3200" dirty="0"/>
-              <a:t>Convidar colaboradores</a:t>
-            </a:r>
-          </a:p>
-          <a:p>
-            <a:pPr lvl="0">
-              <a:lnSpc>
-                <a:spcPct val="150000"/>
-              </a:lnSpc>
-            </a:pPr>
-            <a:r>
-              <a:rPr lang="pt-BR" sz="3200" dirty="0"/>
-              <a:t>Impressão do documento ou gerar relatório</a:t>
-            </a:r>
-          </a:p>
-          <a:p>
-            <a:pPr marL="0" indent="0">
-              <a:buNone/>
-            </a:pPr>
-            <a:endParaRPr lang="pt-BR" sz="3200" dirty="0"/>
-          </a:p>
-        </p:txBody>
-      </p:sp>
-      <p:pic>
-        <p:nvPicPr>
-          <p:cNvPr id="6" name="Imagem 5"/>
-          <p:cNvPicPr>
-            <a:picLocks noChangeAspect="1"/>
-          </p:cNvPicPr>
-          <p:nvPr/>
-        </p:nvPicPr>
-        <p:blipFill>
-          <a:blip r:embed="rId2" cstate="print">
-            <a:extLst>
-              <a:ext uri="{28A0092B-C50C-407E-A947-70E740481C1C}">
-                <a14:useLocalDpi xmlns:a14="http://schemas.microsoft.com/office/drawing/2010/main" val="0"/>
-              </a:ext>
-            </a:extLst>
-          </a:blip>
-          <a:stretch>
-            <a:fillRect/>
-          </a:stretch>
-        </p:blipFill>
-        <p:spPr>
-          <a:xfrm>
-            <a:off x="23356" y="0"/>
-            <a:ext cx="1170432" cy="777240"/>
-          </a:xfrm>
-          <a:prstGeom prst="rect">
-            <a:avLst/>
-          </a:prstGeom>
-        </p:spPr>
-      </p:pic>
-      <p:pic>
-        <p:nvPicPr>
-          <p:cNvPr id="7" name="Imagem 6"/>
-          <p:cNvPicPr>
-            <a:picLocks noChangeAspect="1"/>
-          </p:cNvPicPr>
-          <p:nvPr/>
-        </p:nvPicPr>
-        <p:blipFill>
-          <a:blip r:embed="rId3" cstate="print">
-            <a:extLst>
-              <a:ext uri="{28A0092B-C50C-407E-A947-70E740481C1C}">
-                <a14:useLocalDpi xmlns:a14="http://schemas.microsoft.com/office/drawing/2010/main" val="0"/>
-              </a:ext>
-            </a:extLst>
-          </a:blip>
-          <a:stretch>
-            <a:fillRect/>
-          </a:stretch>
-        </p:blipFill>
-        <p:spPr>
-          <a:xfrm>
-            <a:off x="10532125" y="14049"/>
-            <a:ext cx="1659875" cy="777473"/>
-          </a:xfrm>
-          <a:prstGeom prst="rect">
-            <a:avLst/>
-          </a:prstGeom>
-        </p:spPr>
-      </p:pic>
-      <p:pic>
-        <p:nvPicPr>
-          <p:cNvPr id="8" name="Picture 2"/>
-          <p:cNvPicPr>
-            <a:picLocks noChangeAspect="1" noChangeArrowheads="1"/>
-          </p:cNvPicPr>
-          <p:nvPr/>
-        </p:nvPicPr>
-        <p:blipFill>
-          <a:blip r:embed="rId4"/>
-          <a:srcRect/>
-          <a:stretch>
-            <a:fillRect/>
-          </a:stretch>
-        </p:blipFill>
-        <p:spPr bwMode="auto">
-          <a:xfrm>
-            <a:off x="3012221" y="777240"/>
-            <a:ext cx="2052761" cy="486622"/>
-          </a:xfrm>
-          <a:prstGeom prst="rect">
-            <a:avLst/>
-          </a:prstGeom>
-          <a:noFill/>
-          <a:ln w="9525">
-            <a:noFill/>
-            <a:miter lim="800000"/>
-            <a:headEnd/>
-            <a:tailEnd/>
-          </a:ln>
-          <a:effectLst/>
-        </p:spPr>
-      </p:pic>
-    </p:spTree>
-    <p:extLst>
-      <p:ext uri="{BB962C8B-B14F-4D97-AF65-F5344CB8AC3E}">
-        <p14:creationId xmlns:p14="http://schemas.microsoft.com/office/powerpoint/2010/main" val="449466197"/>
-      </p:ext>
-    </p:extLst>
-  </p:cSld>
-  <p:clrMapOvr>
-    <a:masterClrMapping/>
-  </p:clrMapOvr>
-  <p:timing>
-    <p:tnLst>
-      <p:par>
-        <p:cTn id="1" dur="indefinite" restart="never" nodeType="tmRoot"/>
-      </p:par>
-    </p:tnLst>
-  </p:timing>
-</p:sld>
-</file>
-
 <file path=ppt/slides/slide14.xml><?xml version="1.0" encoding="utf-8"?>
 <p:sld xmlns:a="http://schemas.openxmlformats.org/drawingml/2006/main" xmlns:r="http://schemas.openxmlformats.org/officeDocument/2006/relationships" xmlns:p="http://schemas.openxmlformats.org/presentationml/2006/main">
   <p:cSld>
@@ -5967,12 +5762,7 @@
             <p:ph type="title"/>
           </p:nvPr>
         </p:nvSpPr>
-        <p:spPr>
-          <a:xfrm>
-            <a:off x="838200" y="-115313"/>
-            <a:ext cx="10515600" cy="1325563"/>
-          </a:xfrm>
-        </p:spPr>
+        <p:spPr/>
         <p:txBody>
           <a:bodyPr>
             <a:normAutofit/>
@@ -5981,45 +5771,175 @@
           <a:p>
             <a:pPr algn="ctr"/>
             <a:r>
-              <a:rPr lang="pt-BR" sz="3600" dirty="0" smtClean="0"/>
-              <a:t>SAE-RNF – Diagrama de Casos de Uso</a:t>
-            </a:r>
-            <a:endParaRPr lang="pt-BR" sz="3600" dirty="0"/>
-          </a:p>
-        </p:txBody>
-      </p:sp>
-      <p:pic>
-        <p:nvPicPr>
-          <p:cNvPr id="9" name="Espaço Reservado para Conteúdo 8"/>
-          <p:cNvPicPr>
-            <a:picLocks noGrp="1" noChangeAspect="1"/>
-          </p:cNvPicPr>
+              <a:rPr lang="pt-BR" sz="4800" dirty="0" smtClean="0"/>
+              <a:t>Vantagens</a:t>
+            </a:r>
+            <a:endParaRPr lang="pt-BR" sz="4800" dirty="0"/>
+          </a:p>
+        </p:txBody>
+      </p:sp>
+      <p:sp>
+        <p:nvSpPr>
+          <p:cNvPr id="3" name="Espaço Reservado para Conteúdo 2"/>
+          <p:cNvSpPr>
+            <a:spLocks noGrp="1"/>
+          </p:cNvSpPr>
           <p:nvPr>
             <p:ph idx="1"/>
           </p:nvPr>
+        </p:nvSpPr>
+        <p:spPr>
+          <a:xfrm>
+            <a:off x="846462" y="2506662"/>
+            <a:ext cx="10515600" cy="3705452"/>
+          </a:xfrm>
+        </p:spPr>
+        <p:txBody>
+          <a:bodyPr>
+            <a:normAutofit/>
+          </a:bodyPr>
+          <a:lstStyle/>
+          <a:p>
+            <a:pPr algn="just"/>
+            <a:endParaRPr lang="pt-BR" dirty="0" smtClean="0"/>
+          </a:p>
+          <a:p>
+            <a:pPr algn="just"/>
+            <a:r>
+              <a:rPr lang="pt-BR" sz="3600" dirty="0" smtClean="0"/>
+              <a:t>Dispensa o uso de papeis;</a:t>
+            </a:r>
+          </a:p>
+          <a:p>
+            <a:pPr algn="just"/>
+            <a:r>
+              <a:rPr lang="pt-BR" sz="3600" dirty="0" smtClean="0"/>
+              <a:t>Economiza efetivo policial para outras atividades;</a:t>
+            </a:r>
+          </a:p>
+          <a:p>
+            <a:pPr algn="just"/>
+            <a:r>
+              <a:rPr lang="pt-BR" sz="3600" dirty="0" smtClean="0"/>
+              <a:t>Volume maior de ocorrências analisadas;</a:t>
+            </a:r>
+          </a:p>
+          <a:p>
+            <a:pPr algn="just"/>
+            <a:endParaRPr lang="pt-BR" sz="3600" dirty="0" smtClean="0"/>
+          </a:p>
+          <a:p>
+            <a:pPr algn="just"/>
+            <a:endParaRPr lang="pt-BR" sz="3600" dirty="0" smtClean="0"/>
+          </a:p>
+        </p:txBody>
+      </p:sp>
+      <p:sp>
+        <p:nvSpPr>
+          <p:cNvPr id="4" name="AutoShape 2" descr="Resultado de imagem para vantagens icones"/>
+          <p:cNvSpPr>
+            <a:spLocks noChangeAspect="1" noChangeArrowheads="1"/>
+          </p:cNvSpPr>
+          <p:nvPr/>
+        </p:nvSpPr>
+        <p:spPr bwMode="auto">
+          <a:xfrm>
+            <a:off x="155575" y="-144463"/>
+            <a:ext cx="304800" cy="304801"/>
+          </a:xfrm>
+          <a:prstGeom prst="rect">
+            <a:avLst/>
+          </a:prstGeom>
+          <a:noFill/>
+          <a:extLst>
+            <a:ext uri="{909E8E84-426E-40DD-AFC4-6F175D3DCCD1}">
+              <a14:hiddenFill xmlns:a14="http://schemas.microsoft.com/office/drawing/2010/main">
+                <a:solidFill>
+                  <a:srgbClr val="FFFFFF"/>
+                </a:solidFill>
+              </a14:hiddenFill>
+            </a:ext>
+          </a:extLst>
+        </p:spPr>
+        <p:txBody>
+          <a:bodyPr vert="horz" wrap="square" lIns="91440" tIns="45720" rIns="91440" bIns="45720" numCol="1" anchor="t" anchorCtr="0" compatLnSpc="1">
+            <a:prstTxWarp prst="textNoShape">
+              <a:avLst/>
+            </a:prstTxWarp>
+          </a:bodyPr>
+          <a:lstStyle/>
+          <a:p>
+            <a:endParaRPr lang="pt-BR"/>
+          </a:p>
+        </p:txBody>
+      </p:sp>
+      <p:pic>
+        <p:nvPicPr>
+          <p:cNvPr id="1027" name="Picture 3"/>
+          <p:cNvPicPr>
+            <a:picLocks noChangeAspect="1" noChangeArrowheads="1"/>
+          </p:cNvPicPr>
+          <p:nvPr/>
         </p:nvPicPr>
         <p:blipFill>
-          <a:blip r:embed="rId2">
+          <a:blip r:embed="rId2" cstate="print">
             <a:extLst>
               <a:ext uri="{28A0092B-C50C-407E-A947-70E740481C1C}">
                 <a14:useLocalDpi xmlns:a14="http://schemas.microsoft.com/office/drawing/2010/main" val="0"/>
               </a:ext>
             </a:extLst>
           </a:blip>
+          <a:srcRect/>
           <a:stretch>
             <a:fillRect/>
           </a:stretch>
         </p:blipFill>
-        <p:spPr>
-          <a:xfrm>
-            <a:off x="194908" y="1045730"/>
-            <a:ext cx="11755045" cy="5131235"/>
-          </a:xfrm>
+        <p:spPr bwMode="auto">
+          <a:xfrm>
+            <a:off x="5092929" y="1523994"/>
+            <a:ext cx="1195388" cy="1195388"/>
+          </a:xfrm>
+          <a:prstGeom prst="rect">
+            <a:avLst/>
+          </a:prstGeom>
+          <a:noFill/>
+          <a:ln>
+            <a:noFill/>
+          </a:ln>
+          <a:effectLst/>
+          <a:extLst>
+            <a:ext uri="{909E8E84-426E-40DD-AFC4-6F175D3DCCD1}">
+              <a14:hiddenFill xmlns:a14="http://schemas.microsoft.com/office/drawing/2010/main">
+                <a:solidFill>
+                  <a:schemeClr val="accent1"/>
+                </a:solidFill>
+              </a14:hiddenFill>
+            </a:ext>
+            <a:ext uri="{91240B29-F687-4F45-9708-019B960494DF}">
+              <a14:hiddenLine xmlns:a14="http://schemas.microsoft.com/office/drawing/2010/main" w="9525">
+                <a:solidFill>
+                  <a:schemeClr val="tx1"/>
+                </a:solidFill>
+                <a:miter lim="800000"/>
+                <a:headEnd/>
+                <a:tailEnd/>
+              </a14:hiddenLine>
+            </a:ext>
+            <a:ext uri="{AF507438-7753-43E0-B8FC-AC1667EBCBE1}">
+              <a14:hiddenEffects xmlns:a14="http://schemas.microsoft.com/office/drawing/2010/main">
+                <a:effectLst>
+                  <a:outerShdw dist="35921" dir="2700000" algn="ctr" rotWithShape="0">
+                    <a:schemeClr val="bg2"/>
+                  </a:outerShdw>
+                </a:effectLst>
+              </a14:hiddenEffects>
+            </a:ext>
+          </a:extLst>
         </p:spPr>
       </p:pic>
       <p:pic>
         <p:nvPicPr>
-          <p:cNvPr id="6" name="Imagem 5"/>
+          <p:cNvPr id="9" name="Imagem 8"/>
           <p:cNvPicPr>
             <a:picLocks noChangeAspect="1"/>
           </p:cNvPicPr>
@@ -6039,8 +5959,8 @@
         </p:blipFill>
         <p:spPr>
           <a:xfrm>
-            <a:off x="23356" y="0"/>
-            <a:ext cx="1170432" cy="777240"/>
+            <a:off x="104916" y="98107"/>
+            <a:ext cx="1653512" cy="1168456"/>
           </a:xfrm>
           <a:prstGeom prst="rect">
             <a:avLst/>
@@ -6049,7 +5969,7 @@
       </p:pic>
       <p:pic>
         <p:nvPicPr>
-          <p:cNvPr id="7" name="Imagem 6"/>
+          <p:cNvPr id="10" name="Imagem 9"/>
           <p:cNvPicPr>
             <a:picLocks noChangeAspect="1"/>
           </p:cNvPicPr>
@@ -6069,51 +5989,18 @@
         </p:blipFill>
         <p:spPr>
           <a:xfrm>
-            <a:off x="10532125" y="14049"/>
-            <a:ext cx="1659875" cy="777473"/>
+            <a:off x="8894699" y="-16327"/>
+            <a:ext cx="2326039" cy="1163019"/>
           </a:xfrm>
           <a:prstGeom prst="rect">
             <a:avLst/>
           </a:prstGeom>
-        </p:spPr>
-      </p:pic>
-      <p:pic>
-        <p:nvPicPr>
-          <p:cNvPr id="10" name="Picture 2"/>
-          <p:cNvPicPr>
-            <a:picLocks noChangeAspect="1" noChangeArrowheads="1"/>
-          </p:cNvPicPr>
-          <p:nvPr/>
-        </p:nvPicPr>
-        <p:blipFill>
-          <a:blip r:embed="rId5"/>
-          <a:srcRect/>
-          <a:stretch>
-            <a:fillRect/>
-          </a:stretch>
-        </p:blipFill>
-        <p:spPr bwMode="auto">
-          <a:xfrm>
-            <a:off x="2654164" y="349624"/>
-            <a:ext cx="1669179" cy="395691"/>
-          </a:xfrm>
-          <a:prstGeom prst="rect">
-            <a:avLst/>
-          </a:prstGeom>
-          <a:noFill/>
-          <a:ln w="9525">
-            <a:noFill/>
-            <a:miter lim="800000"/>
-            <a:headEnd/>
-            <a:tailEnd/>
-          </a:ln>
-          <a:effectLst/>
         </p:spPr>
       </p:pic>
     </p:spTree>
     <p:extLst>
       <p:ext uri="{BB962C8B-B14F-4D97-AF65-F5344CB8AC3E}">
-        <p14:creationId xmlns:p14="http://schemas.microsoft.com/office/powerpoint/2010/main" val="1640901265"/>
+        <p14:creationId xmlns:p14="http://schemas.microsoft.com/office/powerpoint/2010/main" val="1121528645"/>
       </p:ext>
     </p:extLst>
   </p:cSld>
@@ -6159,7 +6046,7 @@
         </p:nvSpPr>
         <p:spPr>
           <a:xfrm>
-            <a:off x="838200" y="11175"/>
+            <a:off x="838200" y="84915"/>
             <a:ext cx="10515600" cy="1325563"/>
           </a:xfrm>
         </p:spPr>
@@ -6168,22 +6055,136 @@
           <a:lstStyle/>
           <a:p>
             <a:pPr algn="ctr"/>
+            <a:r>
+              <a:rPr lang="pt-BR" dirty="0" smtClean="0"/>
+              <a:t>SAE-RNF</a:t>
+            </a:r>
             <a:endParaRPr lang="pt-BR" dirty="0"/>
           </a:p>
         </p:txBody>
       </p:sp>
-      <p:pic>
-        <p:nvPicPr>
-          <p:cNvPr id="8" name="Espaço Reservado para Conteúdo 7"/>
-          <p:cNvPicPr>
-            <a:picLocks noGrp="1" noChangeAspect="1"/>
-          </p:cNvPicPr>
+      <p:sp>
+        <p:nvSpPr>
+          <p:cNvPr id="3" name="Espaço Reservado para Conteúdo 2"/>
+          <p:cNvSpPr>
+            <a:spLocks noGrp="1"/>
+          </p:cNvSpPr>
           <p:nvPr>
             <p:ph idx="1"/>
           </p:nvPr>
+        </p:nvSpPr>
+        <p:spPr>
+          <a:xfrm>
+            <a:off x="734961" y="1345675"/>
+            <a:ext cx="10515600" cy="4351338"/>
+          </a:xfrm>
+        </p:spPr>
+        <p:txBody>
+          <a:bodyPr>
+            <a:noAutofit/>
+          </a:bodyPr>
+          <a:lstStyle/>
+          <a:p>
+            <a:pPr algn="just"/>
+            <a:r>
+              <a:rPr lang="pt-BR" sz="3200" dirty="0" smtClean="0"/>
+              <a:t>Ferramenta web disponível em </a:t>
+            </a:r>
+            <a:r>
+              <a:rPr lang="pt-BR" sz="3200" u="sng" dirty="0" smtClean="0">
+                <a:hlinkClick r:id="rId2"/>
+              </a:rPr>
+              <a:t>www.saernf.orgfree.com</a:t>
+            </a:r>
+            <a:endParaRPr lang="pt-BR" sz="3200" u="sng" dirty="0" smtClean="0"/>
+          </a:p>
+          <a:p>
+            <a:pPr algn="just"/>
+            <a:r>
+              <a:rPr lang="pt-BR" sz="3200" dirty="0" smtClean="0"/>
+              <a:t>Usuários: </a:t>
+            </a:r>
+          </a:p>
+          <a:p>
+            <a:pPr lvl="1" algn="just">
+              <a:buFont typeface="Courier New" panose="02070309020205020404" pitchFamily="49" charset="0"/>
+              <a:buChar char="o"/>
+            </a:pPr>
+            <a:r>
+              <a:rPr lang="pt-BR" sz="2800" dirty="0" smtClean="0"/>
+              <a:t>Engenheiros </a:t>
+            </a:r>
+            <a:r>
+              <a:rPr lang="pt-BR" sz="2800" dirty="0"/>
+              <a:t>de </a:t>
+            </a:r>
+            <a:r>
+              <a:rPr lang="pt-BR" sz="2800" dirty="0" smtClean="0"/>
+              <a:t>requisitos </a:t>
+            </a:r>
+            <a:r>
+              <a:rPr lang="pt-BR" sz="2800" dirty="0"/>
+              <a:t>que desejam especificar de forma mais detalhada </a:t>
+            </a:r>
+            <a:r>
+              <a:rPr lang="pt-BR" sz="2800" dirty="0" smtClean="0"/>
+              <a:t>os </a:t>
+            </a:r>
+            <a:r>
+              <a:rPr lang="pt-BR" sz="2800" dirty="0" err="1" smtClean="0"/>
+              <a:t>RNFs</a:t>
+            </a:r>
+            <a:endParaRPr lang="pt-BR" sz="2800" dirty="0" smtClean="0"/>
+          </a:p>
+          <a:p>
+            <a:pPr lvl="1" algn="just">
+              <a:buFont typeface="Courier New" panose="02070309020205020404" pitchFamily="49" charset="0"/>
+              <a:buChar char="o"/>
+            </a:pPr>
+            <a:r>
+              <a:rPr lang="pt-BR" sz="2800" dirty="0" smtClean="0"/>
+              <a:t>Usuários </a:t>
+            </a:r>
+            <a:r>
+              <a:rPr lang="pt-BR" sz="2800" dirty="0"/>
+              <a:t>que querem consultar informações relacionadas a problemas e as suas formas de </a:t>
+            </a:r>
+            <a:r>
+              <a:rPr lang="pt-BR" sz="2800" dirty="0" smtClean="0"/>
+              <a:t>solução</a:t>
+            </a:r>
+          </a:p>
+          <a:p>
+            <a:pPr algn="just"/>
+            <a:r>
+              <a:rPr lang="pt-BR" sz="3200" i="1" dirty="0" smtClean="0"/>
+              <a:t>PHP</a:t>
+            </a:r>
+            <a:r>
+              <a:rPr lang="pt-BR" sz="3200" dirty="0" smtClean="0"/>
+              <a:t> em sua versão 5.5.12</a:t>
+            </a:r>
+          </a:p>
+          <a:p>
+            <a:pPr algn="just"/>
+            <a:r>
+              <a:rPr lang="pt-BR" sz="3200" i="1" dirty="0" smtClean="0"/>
+              <a:t>MySQL</a:t>
+            </a:r>
+            <a:endParaRPr lang="pt-BR" sz="3200" dirty="0" smtClean="0"/>
+          </a:p>
+        </p:txBody>
+      </p:sp>
+      <p:pic>
+        <p:nvPicPr>
+          <p:cNvPr id="6" name="Imagem 5"/>
+          <p:cNvPicPr>
+            <a:picLocks noChangeAspect="1"/>
+          </p:cNvPicPr>
+          <p:nvPr/>
         </p:nvPicPr>
         <p:blipFill>
-          <a:blip r:embed="rId2">
+          <a:blip r:embed="rId3" cstate="print">
             <a:extLst>
               <a:ext uri="{28A0092B-C50C-407E-A947-70E740481C1C}">
                 <a14:useLocalDpi xmlns:a14="http://schemas.microsoft.com/office/drawing/2010/main" val="0"/>
@@ -6196,15 +6197,81 @@
         </p:blipFill>
         <p:spPr>
           <a:xfrm>
-            <a:off x="124270" y="412378"/>
-            <a:ext cx="11981679" cy="5522259"/>
-          </a:xfrm>
+            <a:off x="23356" y="0"/>
+            <a:ext cx="1170432" cy="777240"/>
+          </a:xfrm>
+          <a:prstGeom prst="rect">
+            <a:avLst/>
+          </a:prstGeom>
+        </p:spPr>
+      </p:pic>
+      <p:pic>
+        <p:nvPicPr>
+          <p:cNvPr id="7" name="Imagem 6"/>
+          <p:cNvPicPr>
+            <a:picLocks noChangeAspect="1"/>
+          </p:cNvPicPr>
+          <p:nvPr/>
+        </p:nvPicPr>
+        <p:blipFill>
+          <a:blip r:embed="rId4" cstate="print">
+            <a:extLst>
+              <a:ext uri="{28A0092B-C50C-407E-A947-70E740481C1C}">
+                <a14:useLocalDpi xmlns:a14="http://schemas.microsoft.com/office/drawing/2010/main" val="0"/>
+              </a:ext>
+            </a:extLst>
+          </a:blip>
+          <a:stretch>
+            <a:fillRect/>
+          </a:stretch>
+        </p:blipFill>
+        <p:spPr>
+          <a:xfrm>
+            <a:off x="10532125" y="14049"/>
+            <a:ext cx="1659875" cy="777473"/>
+          </a:xfrm>
+          <a:prstGeom prst="rect">
+            <a:avLst/>
+          </a:prstGeom>
+        </p:spPr>
+      </p:pic>
+      <p:pic>
+        <p:nvPicPr>
+          <p:cNvPr id="8" name="Picture 2"/>
+          <p:cNvPicPr>
+            <a:picLocks noChangeAspect="1" noChangeArrowheads="1"/>
+          </p:cNvPicPr>
+          <p:nvPr/>
+        </p:nvPicPr>
+        <p:blipFill>
+          <a:blip r:embed="rId5"/>
+          <a:srcRect/>
+          <a:stretch>
+            <a:fillRect/>
+          </a:stretch>
+        </p:blipFill>
+        <p:spPr bwMode="auto">
+          <a:xfrm>
+            <a:off x="4886375" y="423069"/>
+            <a:ext cx="2221143" cy="526538"/>
+          </a:xfrm>
+          <a:prstGeom prst="rect">
+            <a:avLst/>
+          </a:prstGeom>
+          <a:noFill/>
+          <a:ln w="9525">
+            <a:noFill/>
+            <a:miter lim="800000"/>
+            <a:headEnd/>
+            <a:tailEnd/>
+          </a:ln>
+          <a:effectLst/>
         </p:spPr>
       </p:pic>
     </p:spTree>
     <p:extLst>
       <p:ext uri="{BB962C8B-B14F-4D97-AF65-F5344CB8AC3E}">
-        <p14:creationId xmlns:p14="http://schemas.microsoft.com/office/powerpoint/2010/main" val="2694515133"/>
+        <p14:creationId xmlns:p14="http://schemas.microsoft.com/office/powerpoint/2010/main" val="804431430"/>
       </p:ext>
     </p:extLst>
   </p:cSld>
@@ -6248,33 +6315,109 @@
             <p:ph type="title"/>
           </p:nvPr>
         </p:nvSpPr>
-        <p:spPr>
-          <a:xfrm>
-            <a:off x="838200" y="-18323"/>
-            <a:ext cx="10515600" cy="1325563"/>
-          </a:xfrm>
-        </p:spPr>
+        <p:spPr/>
         <p:txBody>
           <a:bodyPr/>
           <a:lstStyle/>
           <a:p>
             <a:pPr algn="ctr"/>
+            <a:r>
+              <a:rPr lang="pt-BR" dirty="0" smtClean="0"/>
+              <a:t>SAE-RNF - Funcionalidades</a:t>
+            </a:r>
             <a:endParaRPr lang="pt-BR" dirty="0"/>
           </a:p>
         </p:txBody>
       </p:sp>
-      <p:pic>
-        <p:nvPicPr>
-          <p:cNvPr id="8" name="Espaço Reservado para Conteúdo 7"/>
-          <p:cNvPicPr>
-            <a:picLocks noGrp="1" noChangeAspect="1"/>
-          </p:cNvPicPr>
+      <p:sp>
+        <p:nvSpPr>
+          <p:cNvPr id="3" name="Espaço Reservado para Conteúdo 2"/>
+          <p:cNvSpPr>
+            <a:spLocks noGrp="1"/>
+          </p:cNvSpPr>
           <p:nvPr>
             <p:ph idx="1"/>
           </p:nvPr>
+        </p:nvSpPr>
+        <p:spPr/>
+        <p:txBody>
+          <a:bodyPr>
+            <a:normAutofit/>
+          </a:bodyPr>
+          <a:lstStyle/>
+          <a:p>
+            <a:pPr lvl="0">
+              <a:lnSpc>
+                <a:spcPct val="150000"/>
+              </a:lnSpc>
+            </a:pPr>
+            <a:r>
+              <a:rPr lang="pt-BR" sz="3200" dirty="0"/>
+              <a:t>Cadastro de usuário</a:t>
+            </a:r>
+          </a:p>
+          <a:p>
+            <a:pPr lvl="0">
+              <a:lnSpc>
+                <a:spcPct val="150000"/>
+              </a:lnSpc>
+            </a:pPr>
+            <a:r>
+              <a:rPr lang="pt-BR" sz="3200" dirty="0"/>
+              <a:t>Cadastro de projeto</a:t>
+            </a:r>
+          </a:p>
+          <a:p>
+            <a:pPr lvl="0">
+              <a:lnSpc>
+                <a:spcPct val="150000"/>
+              </a:lnSpc>
+            </a:pPr>
+            <a:r>
+              <a:rPr lang="pt-BR" sz="3200" dirty="0"/>
+              <a:t>Cadastro de requisito não funcional</a:t>
+            </a:r>
+          </a:p>
+          <a:p>
+            <a:pPr lvl="0">
+              <a:lnSpc>
+                <a:spcPct val="150000"/>
+              </a:lnSpc>
+            </a:pPr>
+            <a:r>
+              <a:rPr lang="pt-BR" sz="3200" dirty="0"/>
+              <a:t>Convidar colaboradores</a:t>
+            </a:r>
+          </a:p>
+          <a:p>
+            <a:pPr lvl="0">
+              <a:lnSpc>
+                <a:spcPct val="150000"/>
+              </a:lnSpc>
+            </a:pPr>
+            <a:r>
+              <a:rPr lang="pt-BR" sz="3200" dirty="0"/>
+              <a:t>Impressão do documento ou gerar relatório</a:t>
+            </a:r>
+          </a:p>
+          <a:p>
+            <a:pPr marL="0" indent="0">
+              <a:buNone/>
+            </a:pPr>
+            <a:endParaRPr lang="pt-BR" sz="3200" dirty="0"/>
+          </a:p>
+        </p:txBody>
+      </p:sp>
+      <p:pic>
+        <p:nvPicPr>
+          <p:cNvPr id="6" name="Imagem 5"/>
+          <p:cNvPicPr>
+            <a:picLocks noChangeAspect="1"/>
+          </p:cNvPicPr>
+          <p:nvPr/>
         </p:nvPicPr>
         <p:blipFill>
-          <a:blip r:embed="rId2">
+          <a:blip r:embed="rId2" cstate="print">
             <a:extLst>
               <a:ext uri="{28A0092B-C50C-407E-A947-70E740481C1C}">
                 <a14:useLocalDpi xmlns:a14="http://schemas.microsoft.com/office/drawing/2010/main" val="0"/>
@@ -6287,15 +6430,81 @@
         </p:blipFill>
         <p:spPr>
           <a:xfrm>
-            <a:off x="1488142" y="62753"/>
-            <a:ext cx="9069253" cy="6658722"/>
-          </a:xfrm>
+            <a:off x="23356" y="0"/>
+            <a:ext cx="1170432" cy="777240"/>
+          </a:xfrm>
+          <a:prstGeom prst="rect">
+            <a:avLst/>
+          </a:prstGeom>
+        </p:spPr>
+      </p:pic>
+      <p:pic>
+        <p:nvPicPr>
+          <p:cNvPr id="7" name="Imagem 6"/>
+          <p:cNvPicPr>
+            <a:picLocks noChangeAspect="1"/>
+          </p:cNvPicPr>
+          <p:nvPr/>
+        </p:nvPicPr>
+        <p:blipFill>
+          <a:blip r:embed="rId3" cstate="print">
+            <a:extLst>
+              <a:ext uri="{28A0092B-C50C-407E-A947-70E740481C1C}">
+                <a14:useLocalDpi xmlns:a14="http://schemas.microsoft.com/office/drawing/2010/main" val="0"/>
+              </a:ext>
+            </a:extLst>
+          </a:blip>
+          <a:stretch>
+            <a:fillRect/>
+          </a:stretch>
+        </p:blipFill>
+        <p:spPr>
+          <a:xfrm>
+            <a:off x="10532125" y="14049"/>
+            <a:ext cx="1659875" cy="777473"/>
+          </a:xfrm>
+          <a:prstGeom prst="rect">
+            <a:avLst/>
+          </a:prstGeom>
+        </p:spPr>
+      </p:pic>
+      <p:pic>
+        <p:nvPicPr>
+          <p:cNvPr id="8" name="Picture 2"/>
+          <p:cNvPicPr>
+            <a:picLocks noChangeAspect="1" noChangeArrowheads="1"/>
+          </p:cNvPicPr>
+          <p:nvPr/>
+        </p:nvPicPr>
+        <p:blipFill>
+          <a:blip r:embed="rId4"/>
+          <a:srcRect/>
+          <a:stretch>
+            <a:fillRect/>
+          </a:stretch>
+        </p:blipFill>
+        <p:spPr bwMode="auto">
+          <a:xfrm>
+            <a:off x="3012221" y="777240"/>
+            <a:ext cx="2052761" cy="486622"/>
+          </a:xfrm>
+          <a:prstGeom prst="rect">
+            <a:avLst/>
+          </a:prstGeom>
+          <a:noFill/>
+          <a:ln w="9525">
+            <a:noFill/>
+            <a:miter lim="800000"/>
+            <a:headEnd/>
+            <a:tailEnd/>
+          </a:ln>
+          <a:effectLst/>
         </p:spPr>
       </p:pic>
     </p:spTree>
     <p:extLst>
       <p:ext uri="{BB962C8B-B14F-4D97-AF65-F5344CB8AC3E}">
-        <p14:creationId xmlns:p14="http://schemas.microsoft.com/office/powerpoint/2010/main" val="1550961905"/>
+        <p14:creationId xmlns:p14="http://schemas.microsoft.com/office/powerpoint/2010/main" val="449466197"/>
       </p:ext>
     </p:extLst>
   </p:cSld>
@@ -6339,23 +6548,30 @@
             <p:ph type="title"/>
           </p:nvPr>
         </p:nvSpPr>
-        <p:spPr/>
-        <p:txBody>
-          <a:bodyPr/>
+        <p:spPr>
+          <a:xfrm>
+            <a:off x="838200" y="14049"/>
+            <a:ext cx="10515600" cy="1196201"/>
+          </a:xfrm>
+        </p:spPr>
+        <p:txBody>
+          <a:bodyPr>
+            <a:normAutofit/>
+          </a:bodyPr>
           <a:lstStyle/>
           <a:p>
             <a:pPr algn="ctr"/>
             <a:r>
-              <a:rPr lang="pt-BR" dirty="0" smtClean="0"/>
-              <a:t>SAE-RNF – Cadastrar RNF</a:t>
-            </a:r>
-            <a:endParaRPr lang="pt-BR" dirty="0"/>
+              <a:rPr lang="pt-BR" sz="3600" dirty="0" smtClean="0"/>
+              <a:t>SAE-RNF – Diagrama de Casos de Uso</a:t>
+            </a:r>
+            <a:endParaRPr lang="pt-BR" sz="3600" dirty="0"/>
           </a:p>
         </p:txBody>
       </p:sp>
       <p:pic>
         <p:nvPicPr>
-          <p:cNvPr id="8" name="Espaço Reservado para Conteúdo 7"/>
+          <p:cNvPr id="9" name="Espaço Reservado para Conteúdo 8"/>
           <p:cNvPicPr>
             <a:picLocks noGrp="1" noChangeAspect="1"/>
           </p:cNvPicPr>
@@ -6377,15 +6593,108 @@
         </p:blipFill>
         <p:spPr>
           <a:xfrm>
-            <a:off x="1416425" y="14047"/>
-            <a:ext cx="10586588" cy="6707428"/>
-          </a:xfrm>
+            <a:off x="194908" y="1045730"/>
+            <a:ext cx="11755045" cy="5131235"/>
+          </a:xfrm>
+        </p:spPr>
+      </p:pic>
+      <p:pic>
+        <p:nvPicPr>
+          <p:cNvPr id="6" name="Imagem 5"/>
+          <p:cNvPicPr>
+            <a:picLocks noChangeAspect="1"/>
+          </p:cNvPicPr>
+          <p:nvPr/>
+        </p:nvPicPr>
+        <p:blipFill>
+          <a:blip r:embed="rId3" cstate="print">
+            <a:extLst>
+              <a:ext uri="{28A0092B-C50C-407E-A947-70E740481C1C}">
+                <a14:useLocalDpi xmlns:a14="http://schemas.microsoft.com/office/drawing/2010/main" val="0"/>
+              </a:ext>
+            </a:extLst>
+          </a:blip>
+          <a:stretch>
+            <a:fillRect/>
+          </a:stretch>
+        </p:blipFill>
+        <p:spPr>
+          <a:xfrm>
+            <a:off x="23356" y="0"/>
+            <a:ext cx="1170432" cy="777240"/>
+          </a:xfrm>
+          <a:prstGeom prst="rect">
+            <a:avLst/>
+          </a:prstGeom>
+        </p:spPr>
+      </p:pic>
+      <p:pic>
+        <p:nvPicPr>
+          <p:cNvPr id="7" name="Imagem 6"/>
+          <p:cNvPicPr>
+            <a:picLocks noChangeAspect="1"/>
+          </p:cNvPicPr>
+          <p:nvPr/>
+        </p:nvPicPr>
+        <p:blipFill>
+          <a:blip r:embed="rId4" cstate="print">
+            <a:extLst>
+              <a:ext uri="{28A0092B-C50C-407E-A947-70E740481C1C}">
+                <a14:useLocalDpi xmlns:a14="http://schemas.microsoft.com/office/drawing/2010/main" val="0"/>
+              </a:ext>
+            </a:extLst>
+          </a:blip>
+          <a:stretch>
+            <a:fillRect/>
+          </a:stretch>
+        </p:blipFill>
+        <p:spPr>
+          <a:xfrm>
+            <a:off x="10532125" y="14049"/>
+            <a:ext cx="1659875" cy="777473"/>
+          </a:xfrm>
+          <a:prstGeom prst="rect">
+            <a:avLst/>
+          </a:prstGeom>
+        </p:spPr>
+      </p:pic>
+      <p:pic>
+        <p:nvPicPr>
+          <p:cNvPr id="10" name="Picture 2"/>
+          <p:cNvPicPr>
+            <a:picLocks noChangeAspect="1" noChangeArrowheads="1"/>
+          </p:cNvPicPr>
+          <p:nvPr/>
+        </p:nvPicPr>
+        <p:blipFill>
+          <a:blip r:embed="rId5"/>
+          <a:srcRect/>
+          <a:stretch>
+            <a:fillRect/>
+          </a:stretch>
+        </p:blipFill>
+        <p:spPr bwMode="auto">
+          <a:xfrm>
+            <a:off x="2654164" y="349624"/>
+            <a:ext cx="1669179" cy="395691"/>
+          </a:xfrm>
+          <a:prstGeom prst="rect">
+            <a:avLst/>
+          </a:prstGeom>
+          <a:noFill/>
+          <a:ln w="9525">
+            <a:noFill/>
+            <a:miter lim="800000"/>
+            <a:headEnd/>
+            <a:tailEnd/>
+          </a:ln>
+          <a:effectLst/>
         </p:spPr>
       </p:pic>
     </p:spTree>
     <p:extLst>
       <p:ext uri="{BB962C8B-B14F-4D97-AF65-F5344CB8AC3E}">
-        <p14:creationId xmlns:p14="http://schemas.microsoft.com/office/powerpoint/2010/main" val="2386693924"/>
+        <p14:creationId xmlns:p14="http://schemas.microsoft.com/office/powerpoint/2010/main" val="1640901265"/>
       </p:ext>
     </p:extLst>
   </p:cSld>
@@ -6431,27 +6740,22 @@
         </p:nvSpPr>
         <p:spPr>
           <a:xfrm>
-            <a:off x="4419600" y="134473"/>
-            <a:ext cx="5800165" cy="1281953"/>
-          </a:xfrm>
-        </p:spPr>
-        <p:txBody>
-          <a:bodyPr>
-            <a:normAutofit fontScale="90000"/>
-          </a:bodyPr>
-          <a:lstStyle/>
-          <a:p>
-            <a:r>
-              <a:rPr lang="pt-BR" sz="4000" dirty="0" smtClean="0"/>
-              <a:t>Modelo de dados (Conceitual)</a:t>
-            </a:r>
-            <a:endParaRPr lang="pt-BR" sz="4000" dirty="0"/>
+            <a:off x="838200" y="11175"/>
+            <a:ext cx="10515600" cy="1325563"/>
+          </a:xfrm>
+        </p:spPr>
+        <p:txBody>
+          <a:bodyPr/>
+          <a:lstStyle/>
+          <a:p>
+            <a:pPr algn="ctr"/>
+            <a:endParaRPr lang="pt-BR" dirty="0"/>
           </a:p>
         </p:txBody>
       </p:sp>
       <p:pic>
         <p:nvPicPr>
-          <p:cNvPr id="4" name="Espaço Reservado para Conteúdo 3"/>
+          <p:cNvPr id="8" name="Espaço Reservado para Conteúdo 7"/>
           <p:cNvPicPr>
             <a:picLocks noGrp="1" noChangeAspect="1"/>
           </p:cNvPicPr>
@@ -6473,108 +6777,15 @@
         </p:blipFill>
         <p:spPr>
           <a:xfrm>
-            <a:off x="1636712" y="1962150"/>
-            <a:ext cx="8105775" cy="4076700"/>
-          </a:xfrm>
-        </p:spPr>
-      </p:pic>
-      <p:pic>
-        <p:nvPicPr>
-          <p:cNvPr id="6" name="Imagem 5"/>
-          <p:cNvPicPr>
-            <a:picLocks noChangeAspect="1"/>
-          </p:cNvPicPr>
-          <p:nvPr/>
-        </p:nvPicPr>
-        <p:blipFill>
-          <a:blip r:embed="rId3" cstate="print">
-            <a:extLst>
-              <a:ext uri="{28A0092B-C50C-407E-A947-70E740481C1C}">
-                <a14:useLocalDpi xmlns:a14="http://schemas.microsoft.com/office/drawing/2010/main" val="0"/>
-              </a:ext>
-            </a:extLst>
-          </a:blip>
-          <a:stretch>
-            <a:fillRect/>
-          </a:stretch>
-        </p:blipFill>
-        <p:spPr>
-          <a:xfrm>
-            <a:off x="23356" y="0"/>
-            <a:ext cx="1170432" cy="777240"/>
-          </a:xfrm>
-          <a:prstGeom prst="rect">
-            <a:avLst/>
-          </a:prstGeom>
-        </p:spPr>
-      </p:pic>
-      <p:pic>
-        <p:nvPicPr>
-          <p:cNvPr id="7" name="Imagem 6"/>
-          <p:cNvPicPr>
-            <a:picLocks noChangeAspect="1"/>
-          </p:cNvPicPr>
-          <p:nvPr/>
-        </p:nvPicPr>
-        <p:blipFill>
-          <a:blip r:embed="rId4" cstate="print">
-            <a:extLst>
-              <a:ext uri="{28A0092B-C50C-407E-A947-70E740481C1C}">
-                <a14:useLocalDpi xmlns:a14="http://schemas.microsoft.com/office/drawing/2010/main" val="0"/>
-              </a:ext>
-            </a:extLst>
-          </a:blip>
-          <a:stretch>
-            <a:fillRect/>
-          </a:stretch>
-        </p:blipFill>
-        <p:spPr>
-          <a:xfrm>
-            <a:off x="10532125" y="14049"/>
-            <a:ext cx="1659875" cy="777473"/>
-          </a:xfrm>
-          <a:prstGeom prst="rect">
-            <a:avLst/>
-          </a:prstGeom>
-        </p:spPr>
-      </p:pic>
-      <p:pic>
-        <p:nvPicPr>
-          <p:cNvPr id="9" name="Picture 2"/>
-          <p:cNvPicPr>
-            <a:picLocks noChangeAspect="1" noChangeArrowheads="1"/>
-          </p:cNvPicPr>
-          <p:nvPr/>
-        </p:nvPicPr>
-        <p:blipFill>
-          <a:blip r:embed="rId5"/>
-          <a:srcRect/>
-          <a:stretch>
-            <a:fillRect/>
-          </a:stretch>
-        </p:blipFill>
-        <p:spPr bwMode="auto">
-          <a:xfrm>
-            <a:off x="1818668" y="388620"/>
-            <a:ext cx="2466461" cy="584692"/>
-          </a:xfrm>
-          <a:prstGeom prst="rect">
-            <a:avLst/>
-          </a:prstGeom>
-          <a:noFill/>
-          <a:ln w="9525">
-            <a:noFill/>
-            <a:miter lim="800000"/>
-            <a:headEnd/>
-            <a:tailEnd/>
-          </a:ln>
-          <a:effectLst/>
+            <a:off x="124270" y="412378"/>
+            <a:ext cx="11981679" cy="5522259"/>
+          </a:xfrm>
         </p:spPr>
       </p:pic>
     </p:spTree>
     <p:extLst>
       <p:ext uri="{BB962C8B-B14F-4D97-AF65-F5344CB8AC3E}">
-        <p14:creationId xmlns:p14="http://schemas.microsoft.com/office/powerpoint/2010/main" val="1196615648"/>
+        <p14:creationId xmlns:p14="http://schemas.microsoft.com/office/powerpoint/2010/main" val="2694515133"/>
       </p:ext>
     </p:extLst>
   </p:cSld>
@@ -6620,7 +6831,7 @@
         </p:nvSpPr>
         <p:spPr>
           <a:xfrm>
-            <a:off x="1177413" y="2400404"/>
+            <a:off x="838200" y="-18323"/>
             <a:ext cx="10515600" cy="1325563"/>
           </a:xfrm>
         </p:spPr>
@@ -6629,24 +6840,22 @@
           <a:lstStyle/>
           <a:p>
             <a:pPr algn="ctr"/>
-            <a:r>
-              <a:rPr lang="pt-BR" dirty="0" smtClean="0"/>
-              <a:t>6. Conclusão e Trabalhos Futuros</a:t>
-            </a:r>
             <a:endParaRPr lang="pt-BR" dirty="0"/>
           </a:p>
         </p:txBody>
       </p:sp>
       <p:pic>
         <p:nvPicPr>
-          <p:cNvPr id="6" name="Imagem 5"/>
+          <p:cNvPr id="8" name="Espaço Reservado para Conteúdo 7"/>
           <p:cNvPicPr>
-            <a:picLocks noChangeAspect="1"/>
+            <a:picLocks noGrp="1" noChangeAspect="1"/>
           </p:cNvPicPr>
-          <p:nvPr/>
+          <p:nvPr>
+            <p:ph idx="1"/>
+          </p:nvPr>
         </p:nvPicPr>
         <p:blipFill>
-          <a:blip r:embed="rId2" cstate="print">
+          <a:blip r:embed="rId2">
             <a:extLst>
               <a:ext uri="{28A0092B-C50C-407E-A947-70E740481C1C}">
                 <a14:useLocalDpi xmlns:a14="http://schemas.microsoft.com/office/drawing/2010/main" val="0"/>
@@ -6659,45 +6868,17 @@
         </p:blipFill>
         <p:spPr>
           <a:xfrm>
-            <a:off x="23356" y="0"/>
-            <a:ext cx="1170432" cy="777240"/>
-          </a:xfrm>
-          <a:prstGeom prst="rect">
-            <a:avLst/>
-          </a:prstGeom>
-        </p:spPr>
-      </p:pic>
-      <p:pic>
-        <p:nvPicPr>
-          <p:cNvPr id="7" name="Imagem 6"/>
-          <p:cNvPicPr>
-            <a:picLocks noChangeAspect="1"/>
-          </p:cNvPicPr>
-          <p:nvPr/>
-        </p:nvPicPr>
-        <p:blipFill>
-          <a:blip r:embed="rId3" cstate="print">
-            <a:extLst>
-              <a:ext uri="{28A0092B-C50C-407E-A947-70E740481C1C}">
-                <a14:useLocalDpi xmlns:a14="http://schemas.microsoft.com/office/drawing/2010/main" val="0"/>
-              </a:ext>
-            </a:extLst>
-          </a:blip>
-          <a:stretch>
-            <a:fillRect/>
-          </a:stretch>
-        </p:blipFill>
-        <p:spPr>
-          <a:xfrm>
-            <a:off x="10532125" y="14049"/>
-            <a:ext cx="1659875" cy="777473"/>
-          </a:xfrm>
-          <a:prstGeom prst="rect">
-            <a:avLst/>
-          </a:prstGeom>
+            <a:off x="1488142" y="62753"/>
+            <a:ext cx="9069253" cy="6658722"/>
+          </a:xfrm>
         </p:spPr>
       </p:pic>
     </p:spTree>
+    <p:extLst>
+      <p:ext uri="{BB962C8B-B14F-4D97-AF65-F5344CB8AC3E}">
+        <p14:creationId xmlns:p14="http://schemas.microsoft.com/office/powerpoint/2010/main" val="1550961905"/>
+      </p:ext>
+    </p:extLst>
   </p:cSld>
   <p:clrMapOvr>
     <a:masterClrMapping/>
@@ -6791,7 +6972,6 @@
               <a:rPr lang="pt-BR" sz="11200" dirty="0" smtClean="0"/>
               <a:t>Todas as ocorrências no âmbito da corporação são armazenadas em papeis.</a:t>
             </a:r>
-            <a:endParaRPr lang="pt-BR" sz="11200" dirty="0" smtClean="0"/>
           </a:p>
           <a:p>
             <a:pPr indent="-342900"/>
@@ -6980,146 +7160,24 @@
             <a:pPr algn="ctr"/>
             <a:r>
               <a:rPr lang="pt-BR" dirty="0" smtClean="0"/>
-              <a:t>Considerações</a:t>
+              <a:t>SAE-RNF – Cadastrar RNF</a:t>
             </a:r>
             <a:endParaRPr lang="pt-BR" dirty="0"/>
           </a:p>
         </p:txBody>
       </p:sp>
-      <p:sp>
-        <p:nvSpPr>
-          <p:cNvPr id="3" name="Espaço Reservado para Conteúdo 2"/>
-          <p:cNvSpPr>
-            <a:spLocks noGrp="1"/>
-          </p:cNvSpPr>
+      <p:pic>
+        <p:nvPicPr>
+          <p:cNvPr id="8" name="Espaço Reservado para Conteúdo 7"/>
+          <p:cNvPicPr>
+            <a:picLocks noGrp="1" noChangeAspect="1"/>
+          </p:cNvPicPr>
           <p:nvPr>
             <p:ph idx="1"/>
           </p:nvPr>
-        </p:nvSpPr>
-        <p:spPr/>
-        <p:txBody>
-          <a:bodyPr/>
-          <a:lstStyle/>
-          <a:p>
-            <a:pPr marL="228600" lvl="1" algn="just">
-              <a:spcBef>
-                <a:spcPts val="1000"/>
-              </a:spcBef>
-            </a:pPr>
-            <a:r>
-              <a:rPr lang="pt-BR" sz="2800" dirty="0" smtClean="0"/>
-              <a:t>Escassez de </a:t>
-            </a:r>
-            <a:r>
-              <a:rPr lang="pt-BR" sz="2800" dirty="0"/>
-              <a:t>ferramentas integradas </a:t>
-            </a:r>
-            <a:r>
-              <a:rPr lang="pt-BR" sz="2800" dirty="0" smtClean="0"/>
-              <a:t>que:</a:t>
-            </a:r>
-            <a:endParaRPr lang="pt-BR" sz="2800" dirty="0"/>
-          </a:p>
-          <a:p>
-            <a:pPr lvl="1" algn="just">
-              <a:buFont typeface="Courier New" panose="02070309020205020404" pitchFamily="49" charset="0"/>
-              <a:buChar char="o"/>
-            </a:pPr>
-            <a:r>
-              <a:rPr lang="pt-BR" dirty="0" smtClean="0"/>
-              <a:t>Possibilitem o cadastro dos artefatos que compõem a abstração proposta, que visa ser mais rica;</a:t>
-            </a:r>
-          </a:p>
-          <a:p>
-            <a:pPr lvl="1" algn="just">
-              <a:buFont typeface="Courier New" panose="02070309020205020404" pitchFamily="49" charset="0"/>
-              <a:buChar char="o"/>
-            </a:pPr>
-            <a:r>
-              <a:rPr lang="pt-BR" dirty="0" smtClean="0"/>
-              <a:t>Deem apoio à especificação de requisitos não funcionais estimulando o seu reuso;</a:t>
-            </a:r>
-          </a:p>
-          <a:p>
-            <a:pPr lvl="1" algn="just">
-              <a:buFont typeface="Courier New" panose="02070309020205020404" pitchFamily="49" charset="0"/>
-              <a:buChar char="o"/>
-            </a:pPr>
-            <a:r>
-              <a:rPr lang="pt-BR" dirty="0" smtClean="0"/>
-              <a:t>Auxiliem o aprendizado às pessoas inexperientes em especificação de RNF.</a:t>
-            </a:r>
-          </a:p>
-          <a:p>
-            <a:pPr algn="just"/>
-            <a:r>
-              <a:rPr lang="pt-BR" dirty="0" smtClean="0"/>
-              <a:t>Contribuição</a:t>
-            </a:r>
-          </a:p>
-          <a:p>
-            <a:pPr lvl="1" algn="just">
-              <a:buFont typeface="Courier New" panose="02070309020205020404" pitchFamily="49" charset="0"/>
-              <a:buChar char="o"/>
-            </a:pPr>
-            <a:r>
-              <a:rPr lang="pt-BR" dirty="0" smtClean="0"/>
-              <a:t>Definição de novo </a:t>
-            </a:r>
-            <a:r>
-              <a:rPr lang="pt-BR" i="1" dirty="0" err="1" smtClean="0"/>
-              <a:t>template</a:t>
-            </a:r>
-            <a:r>
-              <a:rPr lang="pt-BR" dirty="0" smtClean="0"/>
-              <a:t> que integra a especificação das técnica: </a:t>
-            </a:r>
-            <a:r>
-              <a:rPr lang="pt-BR" dirty="0" err="1" smtClean="0"/>
-              <a:t>QaSE</a:t>
-            </a:r>
-            <a:r>
-              <a:rPr lang="pt-BR" dirty="0" smtClean="0"/>
-              <a:t>  e </a:t>
-            </a:r>
-            <a:r>
-              <a:rPr lang="pt-BR" i="1" dirty="0" smtClean="0"/>
-              <a:t>The </a:t>
-            </a:r>
-            <a:r>
-              <a:rPr lang="pt-BR" i="1" dirty="0" err="1" smtClean="0"/>
-              <a:t>Landing</a:t>
-            </a:r>
-            <a:r>
-              <a:rPr lang="pt-BR" i="1" dirty="0" smtClean="0"/>
-              <a:t> Zone.</a:t>
-            </a:r>
-          </a:p>
-          <a:p>
-            <a:pPr lvl="1" algn="just">
-              <a:buFont typeface="Courier New" panose="02070309020205020404" pitchFamily="49" charset="0"/>
-              <a:buChar char="o"/>
-            </a:pPr>
-            <a:r>
-              <a:rPr lang="pt-BR" dirty="0" smtClean="0"/>
-              <a:t>S</a:t>
-            </a:r>
-          </a:p>
-          <a:p>
-            <a:endParaRPr lang="pt-BR" dirty="0"/>
-          </a:p>
-        </p:txBody>
-      </p:sp>
-      <p:pic>
-        <p:nvPicPr>
-          <p:cNvPr id="6" name="Imagem 5"/>
-          <p:cNvPicPr>
-            <a:picLocks noChangeAspect="1"/>
-          </p:cNvPicPr>
-          <p:nvPr/>
         </p:nvPicPr>
         <p:blipFill>
-          <a:blip r:embed="rId2" cstate="print">
+          <a:blip r:embed="rId2">
             <a:extLst>
               <a:ext uri="{28A0092B-C50C-407E-A947-70E740481C1C}">
                 <a14:useLocalDpi xmlns:a14="http://schemas.microsoft.com/office/drawing/2010/main" val="0"/>
@@ -7132,78 +7190,17 @@
         </p:blipFill>
         <p:spPr>
           <a:xfrm>
-            <a:off x="23356" y="0"/>
-            <a:ext cx="1170432" cy="777240"/>
-          </a:xfrm>
-          <a:prstGeom prst="rect">
-            <a:avLst/>
-          </a:prstGeom>
-        </p:spPr>
-      </p:pic>
-      <p:pic>
-        <p:nvPicPr>
-          <p:cNvPr id="7" name="Imagem 6"/>
-          <p:cNvPicPr>
-            <a:picLocks noChangeAspect="1"/>
-          </p:cNvPicPr>
-          <p:nvPr/>
-        </p:nvPicPr>
-        <p:blipFill>
-          <a:blip r:embed="rId3" cstate="print">
-            <a:extLst>
-              <a:ext uri="{28A0092B-C50C-407E-A947-70E740481C1C}">
-                <a14:useLocalDpi xmlns:a14="http://schemas.microsoft.com/office/drawing/2010/main" val="0"/>
-              </a:ext>
-            </a:extLst>
-          </a:blip>
-          <a:stretch>
-            <a:fillRect/>
-          </a:stretch>
-        </p:blipFill>
-        <p:spPr>
-          <a:xfrm>
-            <a:off x="10532125" y="14049"/>
-            <a:ext cx="1659875" cy="777473"/>
-          </a:xfrm>
-          <a:prstGeom prst="rect">
-            <a:avLst/>
-          </a:prstGeom>
-        </p:spPr>
-      </p:pic>
-      <p:pic>
-        <p:nvPicPr>
-          <p:cNvPr id="8" name="Picture 2"/>
-          <p:cNvPicPr>
-            <a:picLocks noChangeAspect="1" noChangeArrowheads="1"/>
-          </p:cNvPicPr>
-          <p:nvPr/>
-        </p:nvPicPr>
-        <p:blipFill>
-          <a:blip r:embed="rId4"/>
-          <a:srcRect/>
-          <a:stretch>
-            <a:fillRect/>
-          </a:stretch>
-        </p:blipFill>
-        <p:spPr bwMode="auto">
-          <a:xfrm>
-            <a:off x="1603516" y="5422505"/>
-            <a:ext cx="1507237" cy="357301"/>
-          </a:xfrm>
-          <a:prstGeom prst="rect">
-            <a:avLst/>
-          </a:prstGeom>
-          <a:noFill/>
-          <a:ln w="9525">
-            <a:noFill/>
-            <a:miter lim="800000"/>
-            <a:headEnd/>
-            <a:tailEnd/>
-          </a:ln>
-          <a:effectLst/>
+            <a:off x="1416425" y="14047"/>
+            <a:ext cx="10586588" cy="6707428"/>
+          </a:xfrm>
         </p:spPr>
       </p:pic>
     </p:spTree>
+    <p:extLst>
+      <p:ext uri="{BB962C8B-B14F-4D97-AF65-F5344CB8AC3E}">
+        <p14:creationId xmlns:p14="http://schemas.microsoft.com/office/powerpoint/2010/main" val="2386693924"/>
+      </p:ext>
+    </p:extLst>
   </p:cSld>
   <p:clrMapOvr>
     <a:masterClrMapping/>
@@ -7245,167 +7242,38 @@
             <p:ph type="title"/>
           </p:nvPr>
         </p:nvSpPr>
-        <p:spPr/>
-        <p:txBody>
-          <a:bodyPr/>
-          <a:lstStyle/>
-          <a:p>
-            <a:pPr algn="ctr"/>
-            <a:r>
-              <a:rPr lang="pt-BR" dirty="0" smtClean="0"/>
-              <a:t>Limitações</a:t>
-            </a:r>
-            <a:endParaRPr lang="pt-BR" dirty="0"/>
-          </a:p>
-        </p:txBody>
-      </p:sp>
-      <p:sp>
-        <p:nvSpPr>
-          <p:cNvPr id="3" name="Espaço Reservado para Conteúdo 2"/>
-          <p:cNvSpPr>
-            <a:spLocks noGrp="1"/>
-          </p:cNvSpPr>
+        <p:spPr>
+          <a:xfrm>
+            <a:off x="4419600" y="134473"/>
+            <a:ext cx="5800165" cy="1281953"/>
+          </a:xfrm>
+        </p:spPr>
+        <p:txBody>
+          <a:bodyPr>
+            <a:normAutofit fontScale="90000"/>
+          </a:bodyPr>
+          <a:lstStyle/>
+          <a:p>
+            <a:r>
+              <a:rPr lang="pt-BR" sz="4000" dirty="0" smtClean="0"/>
+              <a:t>Modelo de dados (Conceitual)</a:t>
+            </a:r>
+            <a:endParaRPr lang="pt-BR" sz="4000" dirty="0"/>
+          </a:p>
+        </p:txBody>
+      </p:sp>
+      <p:pic>
+        <p:nvPicPr>
+          <p:cNvPr id="4" name="Espaço Reservado para Conteúdo 3"/>
+          <p:cNvPicPr>
+            <a:picLocks noGrp="1" noChangeAspect="1"/>
+          </p:cNvPicPr>
           <p:nvPr>
             <p:ph idx="1"/>
           </p:nvPr>
-        </p:nvSpPr>
-        <p:spPr/>
-        <p:txBody>
-          <a:bodyPr/>
-          <a:lstStyle/>
-          <a:p>
-            <a:pPr algn="just"/>
-            <a:r>
-              <a:rPr lang="pt-BR" dirty="0" smtClean="0"/>
-              <a:t>O </a:t>
-            </a:r>
-            <a:r>
-              <a:rPr lang="pt-BR" dirty="0" err="1" smtClean="0"/>
-              <a:t>T</a:t>
-            </a:r>
-            <a:r>
-              <a:rPr lang="pt-BR" i="1" dirty="0" err="1" smtClean="0"/>
-              <a:t>emplate</a:t>
-            </a:r>
-            <a:r>
-              <a:rPr lang="pt-BR" dirty="0" smtClean="0"/>
-              <a:t> </a:t>
-            </a:r>
-            <a:r>
-              <a:rPr lang="pt-BR" dirty="0"/>
-              <a:t>proposto se limitou </a:t>
-            </a:r>
-            <a:r>
-              <a:rPr lang="pt-BR" dirty="0" smtClean="0"/>
-              <a:t>à </a:t>
-            </a:r>
-            <a:r>
-              <a:rPr lang="pt-BR" dirty="0"/>
-              <a:t>integração de duas </a:t>
-            </a:r>
-            <a:r>
-              <a:rPr lang="pt-BR" dirty="0" smtClean="0"/>
-              <a:t>abordagens</a:t>
-            </a:r>
-          </a:p>
-          <a:p>
-            <a:pPr lvl="1" algn="just"/>
-            <a:r>
-              <a:rPr lang="pt-BR" dirty="0"/>
-              <a:t>N</a:t>
-            </a:r>
-            <a:r>
-              <a:rPr lang="pt-BR" dirty="0" smtClean="0"/>
-              <a:t>ão </a:t>
-            </a:r>
-            <a:r>
-              <a:rPr lang="pt-BR" dirty="0"/>
-              <a:t>incorporando conceitos referentes a outras propostas que de alguma forma poderiam enriquecer a </a:t>
-            </a:r>
-            <a:r>
-              <a:rPr lang="pt-BR" dirty="0" smtClean="0"/>
-              <a:t>proposta</a:t>
-            </a:r>
-          </a:p>
-          <a:p>
-            <a:pPr lvl="1" algn="just"/>
-            <a:r>
-              <a:rPr lang="pt-BR" dirty="0"/>
-              <a:t>M</a:t>
-            </a:r>
-            <a:r>
-              <a:rPr lang="pt-BR" dirty="0" smtClean="0"/>
-              <a:t>antendo-se porém leve</a:t>
-            </a:r>
-            <a:endParaRPr lang="pt-BR" dirty="0"/>
-          </a:p>
-          <a:p>
-            <a:pPr algn="just"/>
-            <a:r>
-              <a:rPr lang="pt-BR" dirty="0" smtClean="0"/>
-              <a:t>O</a:t>
-            </a:r>
-            <a:r>
-              <a:rPr lang="pt-BR" i="1" dirty="0" smtClean="0"/>
-              <a:t> </a:t>
-            </a:r>
-            <a:r>
-              <a:rPr lang="pt-BR" i="1" dirty="0" err="1" smtClean="0"/>
-              <a:t>Template</a:t>
-            </a:r>
-            <a:r>
-              <a:rPr lang="pt-BR" dirty="0" smtClean="0"/>
-              <a:t> </a:t>
-            </a:r>
-            <a:r>
-              <a:rPr lang="pt-BR" dirty="0"/>
-              <a:t>não foi ainda usado por outras pessoas, nem aplicado em casos </a:t>
-            </a:r>
-            <a:r>
-              <a:rPr lang="pt-BR" dirty="0" smtClean="0"/>
-              <a:t>reais</a:t>
-            </a:r>
-            <a:endParaRPr lang="pt-BR" dirty="0"/>
-          </a:p>
-          <a:p>
-            <a:pPr algn="just"/>
-            <a:r>
-              <a:rPr lang="pt-BR" dirty="0"/>
-              <a:t>Sistema desenvolvido foca apenas nos </a:t>
-            </a:r>
-            <a:r>
-              <a:rPr lang="pt-BR" dirty="0" err="1" smtClean="0"/>
-              <a:t>RNFs</a:t>
-            </a:r>
-            <a:r>
-              <a:rPr lang="pt-BR" dirty="0" smtClean="0"/>
-              <a:t>, </a:t>
-            </a:r>
-            <a:r>
-              <a:rPr lang="pt-BR" dirty="0"/>
-              <a:t>não estando integrado ao processo de requisitos como um </a:t>
-            </a:r>
-            <a:r>
-              <a:rPr lang="pt-BR" dirty="0" smtClean="0"/>
-              <a:t>todo</a:t>
-            </a:r>
-            <a:endParaRPr lang="pt-BR" dirty="0"/>
-          </a:p>
-          <a:p>
-            <a:endParaRPr lang="pt-BR" dirty="0"/>
-          </a:p>
-        </p:txBody>
-      </p:sp>
-      <p:pic>
-        <p:nvPicPr>
-          <p:cNvPr id="6" name="Imagem 5"/>
-          <p:cNvPicPr>
-            <a:picLocks noChangeAspect="1"/>
-          </p:cNvPicPr>
-          <p:nvPr/>
         </p:nvPicPr>
         <p:blipFill>
-          <a:blip r:embed="rId2" cstate="print">
+          <a:blip r:embed="rId2">
             <a:extLst>
               <a:ext uri="{28A0092B-C50C-407E-A947-70E740481C1C}">
                 <a14:useLocalDpi xmlns:a14="http://schemas.microsoft.com/office/drawing/2010/main" val="0"/>
@@ -7418,17 +7286,14 @@
         </p:blipFill>
         <p:spPr>
           <a:xfrm>
-            <a:off x="23356" y="0"/>
-            <a:ext cx="1170432" cy="777240"/>
-          </a:xfrm>
-          <a:prstGeom prst="rect">
-            <a:avLst/>
-          </a:prstGeom>
+            <a:off x="1636712" y="1962150"/>
+            <a:ext cx="8105775" cy="4076700"/>
+          </a:xfrm>
         </p:spPr>
       </p:pic>
       <p:pic>
         <p:nvPicPr>
-          <p:cNvPr id="7" name="Imagem 6"/>
+          <p:cNvPr id="6" name="Imagem 5"/>
           <p:cNvPicPr>
             <a:picLocks noChangeAspect="1"/>
           </p:cNvPicPr>
@@ -7448,18 +7313,81 @@
         </p:blipFill>
         <p:spPr>
           <a:xfrm>
+            <a:off x="23356" y="0"/>
+            <a:ext cx="1170432" cy="777240"/>
+          </a:xfrm>
+          <a:prstGeom prst="rect">
+            <a:avLst/>
+          </a:prstGeom>
+        </p:spPr>
+      </p:pic>
+      <p:pic>
+        <p:nvPicPr>
+          <p:cNvPr id="7" name="Imagem 6"/>
+          <p:cNvPicPr>
+            <a:picLocks noChangeAspect="1"/>
+          </p:cNvPicPr>
+          <p:nvPr/>
+        </p:nvPicPr>
+        <p:blipFill>
+          <a:blip r:embed="rId4" cstate="print">
+            <a:extLst>
+              <a:ext uri="{28A0092B-C50C-407E-A947-70E740481C1C}">
+                <a14:useLocalDpi xmlns:a14="http://schemas.microsoft.com/office/drawing/2010/main" val="0"/>
+              </a:ext>
+            </a:extLst>
+          </a:blip>
+          <a:stretch>
+            <a:fillRect/>
+          </a:stretch>
+        </p:blipFill>
+        <p:spPr>
+          <a:xfrm>
             <a:off x="10532125" y="14049"/>
             <a:ext cx="1659875" cy="777473"/>
           </a:xfrm>
           <a:prstGeom prst="rect">
             <a:avLst/>
           </a:prstGeom>
+        </p:spPr>
+      </p:pic>
+      <p:pic>
+        <p:nvPicPr>
+          <p:cNvPr id="9" name="Picture 2"/>
+          <p:cNvPicPr>
+            <a:picLocks noChangeAspect="1" noChangeArrowheads="1"/>
+          </p:cNvPicPr>
+          <p:nvPr/>
+        </p:nvPicPr>
+        <p:blipFill>
+          <a:blip r:embed="rId5"/>
+          <a:srcRect/>
+          <a:stretch>
+            <a:fillRect/>
+          </a:stretch>
+        </p:blipFill>
+        <p:spPr bwMode="auto">
+          <a:xfrm>
+            <a:off x="1818668" y="388620"/>
+            <a:ext cx="2466461" cy="584692"/>
+          </a:xfrm>
+          <a:prstGeom prst="rect">
+            <a:avLst/>
+          </a:prstGeom>
+          <a:noFill/>
+          <a:ln w="9525">
+            <a:noFill/>
+            <a:miter lim="800000"/>
+            <a:headEnd/>
+            <a:tailEnd/>
+          </a:ln>
+          <a:effectLst/>
         </p:spPr>
       </p:pic>
     </p:spTree>
     <p:extLst>
       <p:ext uri="{BB962C8B-B14F-4D97-AF65-F5344CB8AC3E}">
-        <p14:creationId xmlns:p14="http://schemas.microsoft.com/office/powerpoint/2010/main" val="1440492466"/>
+        <p14:creationId xmlns:p14="http://schemas.microsoft.com/office/powerpoint/2010/main" val="1196615648"/>
       </p:ext>
     </p:extLst>
   </p:cSld>
@@ -7503,7 +7431,12 @@
             <p:ph type="title"/>
           </p:nvPr>
         </p:nvSpPr>
-        <p:spPr/>
+        <p:spPr>
+          <a:xfrm>
+            <a:off x="1177413" y="2400404"/>
+            <a:ext cx="10515600" cy="1325563"/>
+          </a:xfrm>
+        </p:spPr>
         <p:txBody>
           <a:bodyPr/>
           <a:lstStyle/>
@@ -7511,117 +7444,8 @@
             <a:pPr algn="ctr"/>
             <a:r>
               <a:rPr lang="pt-BR" dirty="0" smtClean="0"/>
-              <a:t>Trabalhos Futuros</a:t>
-            </a:r>
-            <a:endParaRPr lang="pt-BR" dirty="0"/>
-          </a:p>
-        </p:txBody>
-      </p:sp>
-      <p:sp>
-        <p:nvSpPr>
-          <p:cNvPr id="3" name="Espaço Reservado para Conteúdo 2"/>
-          <p:cNvSpPr>
-            <a:spLocks noGrp="1"/>
-          </p:cNvSpPr>
-          <p:nvPr>
-            <p:ph idx="1"/>
-          </p:nvPr>
-        </p:nvSpPr>
-        <p:spPr/>
-        <p:txBody>
-          <a:bodyPr>
-            <a:normAutofit/>
-          </a:bodyPr>
-          <a:lstStyle/>
-          <a:p>
-            <a:pPr lvl="0" algn="just"/>
-            <a:r>
-              <a:rPr lang="pt-BR" dirty="0" smtClean="0"/>
-              <a:t>Aplicar </a:t>
-            </a:r>
-            <a:r>
-              <a:rPr lang="pt-BR" dirty="0"/>
-              <a:t>o </a:t>
-            </a:r>
-            <a:r>
-              <a:rPr lang="pt-BR" i="1" dirty="0" err="1"/>
-              <a:t>template</a:t>
-            </a:r>
-            <a:r>
-              <a:rPr lang="pt-BR" dirty="0"/>
-              <a:t> proposto a casos reais em empresas </a:t>
-            </a:r>
-            <a:r>
-              <a:rPr lang="pt-BR" dirty="0" smtClean="0"/>
-              <a:t>e </a:t>
-            </a:r>
-            <a:r>
-              <a:rPr lang="pt-BR" dirty="0"/>
-              <a:t>na </a:t>
-            </a:r>
-            <a:r>
-              <a:rPr lang="pt-BR" dirty="0" smtClean="0"/>
-              <a:t>academia</a:t>
-            </a:r>
-            <a:endParaRPr lang="pt-BR" dirty="0"/>
-          </a:p>
-          <a:p>
-            <a:pPr lvl="0" algn="just"/>
-            <a:r>
-              <a:rPr lang="pt-BR" dirty="0"/>
-              <a:t>Validar o </a:t>
-            </a:r>
-            <a:r>
-              <a:rPr lang="pt-BR" dirty="0" smtClean="0"/>
-              <a:t>SAE-RNF </a:t>
-            </a:r>
-            <a:r>
-              <a:rPr lang="pt-BR" dirty="0"/>
-              <a:t>com usuários, avaliar a usabilidade e receber sugestões de </a:t>
-            </a:r>
-            <a:r>
-              <a:rPr lang="pt-BR" dirty="0" smtClean="0"/>
-              <a:t>melhoria</a:t>
-            </a:r>
-            <a:endParaRPr lang="pt-BR" dirty="0"/>
-          </a:p>
-          <a:p>
-            <a:pPr lvl="0" algn="just"/>
-            <a:r>
-              <a:rPr lang="pt-BR" dirty="0"/>
-              <a:t>Fazer um estudo comparativo entre o </a:t>
-            </a:r>
-            <a:r>
-              <a:rPr lang="pt-BR" dirty="0" smtClean="0"/>
-              <a:t>SAE-RNF </a:t>
-            </a:r>
-            <a:r>
-              <a:rPr lang="pt-BR" dirty="0"/>
-              <a:t>e outras ferramentas existentes no </a:t>
-            </a:r>
-            <a:r>
-              <a:rPr lang="pt-BR" dirty="0" smtClean="0"/>
-              <a:t>mercado</a:t>
-            </a:r>
-            <a:endParaRPr lang="pt-BR" dirty="0"/>
-          </a:p>
-          <a:p>
-            <a:pPr lvl="0" algn="just"/>
-            <a:r>
-              <a:rPr lang="pt-BR" dirty="0" smtClean="0"/>
-              <a:t>Integrar </a:t>
-            </a:r>
-            <a:r>
-              <a:rPr lang="pt-BR" dirty="0"/>
-              <a:t>especificação ao modelo e ferramenta </a:t>
-            </a:r>
-            <a:r>
-              <a:rPr lang="pt-BR" dirty="0" smtClean="0"/>
-              <a:t>4REUse</a:t>
-            </a:r>
-            <a:endParaRPr lang="pt-BR" dirty="0"/>
-          </a:p>
-          <a:p>
+              <a:t>6. Conclusão e Trabalhos Futuros</a:t>
+            </a:r>
             <a:endParaRPr lang="pt-BR" dirty="0"/>
           </a:p>
         </p:txBody>
@@ -7687,11 +7511,6 @@
         </p:spPr>
       </p:pic>
     </p:spTree>
-    <p:extLst>
-      <p:ext uri="{BB962C8B-B14F-4D97-AF65-F5344CB8AC3E}">
-        <p14:creationId xmlns:p14="http://schemas.microsoft.com/office/powerpoint/2010/main" val="2584194839"/>
-      </p:ext>
-    </p:extLst>
   </p:cSld>
   <p:clrMapOvr>
     <a:masterClrMapping/>
@@ -7738,6 +7557,767 @@
           <a:bodyPr/>
           <a:lstStyle/>
           <a:p>
+            <a:pPr algn="ctr"/>
+            <a:r>
+              <a:rPr lang="pt-BR" dirty="0" smtClean="0"/>
+              <a:t>Considerações</a:t>
+            </a:r>
+            <a:endParaRPr lang="pt-BR" dirty="0"/>
+          </a:p>
+        </p:txBody>
+      </p:sp>
+      <p:sp>
+        <p:nvSpPr>
+          <p:cNvPr id="3" name="Espaço Reservado para Conteúdo 2"/>
+          <p:cNvSpPr>
+            <a:spLocks noGrp="1"/>
+          </p:cNvSpPr>
+          <p:nvPr>
+            <p:ph idx="1"/>
+          </p:nvPr>
+        </p:nvSpPr>
+        <p:spPr/>
+        <p:txBody>
+          <a:bodyPr/>
+          <a:lstStyle/>
+          <a:p>
+            <a:pPr marL="228600" lvl="1" algn="just">
+              <a:spcBef>
+                <a:spcPts val="1000"/>
+              </a:spcBef>
+            </a:pPr>
+            <a:r>
+              <a:rPr lang="pt-BR" sz="2800" dirty="0" smtClean="0"/>
+              <a:t>Escassez de </a:t>
+            </a:r>
+            <a:r>
+              <a:rPr lang="pt-BR" sz="2800" dirty="0"/>
+              <a:t>ferramentas integradas </a:t>
+            </a:r>
+            <a:r>
+              <a:rPr lang="pt-BR" sz="2800" dirty="0" smtClean="0"/>
+              <a:t>que:</a:t>
+            </a:r>
+            <a:endParaRPr lang="pt-BR" sz="2800" dirty="0"/>
+          </a:p>
+          <a:p>
+            <a:pPr lvl="1" algn="just">
+              <a:buFont typeface="Courier New" panose="02070309020205020404" pitchFamily="49" charset="0"/>
+              <a:buChar char="o"/>
+            </a:pPr>
+            <a:r>
+              <a:rPr lang="pt-BR" dirty="0" smtClean="0"/>
+              <a:t>Possibilitem o cadastro dos artefatos que compõem a abstração proposta, que visa ser mais rica;</a:t>
+            </a:r>
+          </a:p>
+          <a:p>
+            <a:pPr lvl="1" algn="just">
+              <a:buFont typeface="Courier New" panose="02070309020205020404" pitchFamily="49" charset="0"/>
+              <a:buChar char="o"/>
+            </a:pPr>
+            <a:r>
+              <a:rPr lang="pt-BR" dirty="0" smtClean="0"/>
+              <a:t>Deem apoio à especificação de requisitos não funcionais estimulando o seu reuso;</a:t>
+            </a:r>
+          </a:p>
+          <a:p>
+            <a:pPr lvl="1" algn="just">
+              <a:buFont typeface="Courier New" panose="02070309020205020404" pitchFamily="49" charset="0"/>
+              <a:buChar char="o"/>
+            </a:pPr>
+            <a:r>
+              <a:rPr lang="pt-BR" dirty="0" smtClean="0"/>
+              <a:t>Auxiliem o aprendizado às pessoas inexperientes em especificação de RNF.</a:t>
+            </a:r>
+          </a:p>
+          <a:p>
+            <a:pPr algn="just"/>
+            <a:r>
+              <a:rPr lang="pt-BR" dirty="0" smtClean="0"/>
+              <a:t>Contribuição</a:t>
+            </a:r>
+          </a:p>
+          <a:p>
+            <a:pPr lvl="1" algn="just">
+              <a:buFont typeface="Courier New" panose="02070309020205020404" pitchFamily="49" charset="0"/>
+              <a:buChar char="o"/>
+            </a:pPr>
+            <a:r>
+              <a:rPr lang="pt-BR" dirty="0" smtClean="0"/>
+              <a:t>Definição de novo </a:t>
+            </a:r>
+            <a:r>
+              <a:rPr lang="pt-BR" i="1" dirty="0" err="1" smtClean="0"/>
+              <a:t>template</a:t>
+            </a:r>
+            <a:r>
+              <a:rPr lang="pt-BR" dirty="0" smtClean="0"/>
+              <a:t> que integra a especificação das técnica: </a:t>
+            </a:r>
+            <a:r>
+              <a:rPr lang="pt-BR" dirty="0" err="1" smtClean="0"/>
+              <a:t>QaSE</a:t>
+            </a:r>
+            <a:r>
+              <a:rPr lang="pt-BR" dirty="0" smtClean="0"/>
+              <a:t>  e </a:t>
+            </a:r>
+            <a:r>
+              <a:rPr lang="pt-BR" i="1" dirty="0" smtClean="0"/>
+              <a:t>The </a:t>
+            </a:r>
+            <a:r>
+              <a:rPr lang="pt-BR" i="1" dirty="0" err="1" smtClean="0"/>
+              <a:t>Landing</a:t>
+            </a:r>
+            <a:r>
+              <a:rPr lang="pt-BR" i="1" dirty="0" smtClean="0"/>
+              <a:t> Zone.</a:t>
+            </a:r>
+          </a:p>
+          <a:p>
+            <a:pPr lvl="1" algn="just">
+              <a:buFont typeface="Courier New" panose="02070309020205020404" pitchFamily="49" charset="0"/>
+              <a:buChar char="o"/>
+            </a:pPr>
+            <a:r>
+              <a:rPr lang="pt-BR" dirty="0" smtClean="0"/>
+              <a:t>S</a:t>
+            </a:r>
+          </a:p>
+          <a:p>
+            <a:endParaRPr lang="pt-BR" dirty="0"/>
+          </a:p>
+        </p:txBody>
+      </p:sp>
+      <p:pic>
+        <p:nvPicPr>
+          <p:cNvPr id="6" name="Imagem 5"/>
+          <p:cNvPicPr>
+            <a:picLocks noChangeAspect="1"/>
+          </p:cNvPicPr>
+          <p:nvPr/>
+        </p:nvPicPr>
+        <p:blipFill>
+          <a:blip r:embed="rId2" cstate="print">
+            <a:extLst>
+              <a:ext uri="{28A0092B-C50C-407E-A947-70E740481C1C}">
+                <a14:useLocalDpi xmlns:a14="http://schemas.microsoft.com/office/drawing/2010/main" val="0"/>
+              </a:ext>
+            </a:extLst>
+          </a:blip>
+          <a:stretch>
+            <a:fillRect/>
+          </a:stretch>
+        </p:blipFill>
+        <p:spPr>
+          <a:xfrm>
+            <a:off x="23356" y="0"/>
+            <a:ext cx="1170432" cy="777240"/>
+          </a:xfrm>
+          <a:prstGeom prst="rect">
+            <a:avLst/>
+          </a:prstGeom>
+        </p:spPr>
+      </p:pic>
+      <p:pic>
+        <p:nvPicPr>
+          <p:cNvPr id="7" name="Imagem 6"/>
+          <p:cNvPicPr>
+            <a:picLocks noChangeAspect="1"/>
+          </p:cNvPicPr>
+          <p:nvPr/>
+        </p:nvPicPr>
+        <p:blipFill>
+          <a:blip r:embed="rId3" cstate="print">
+            <a:extLst>
+              <a:ext uri="{28A0092B-C50C-407E-A947-70E740481C1C}">
+                <a14:useLocalDpi xmlns:a14="http://schemas.microsoft.com/office/drawing/2010/main" val="0"/>
+              </a:ext>
+            </a:extLst>
+          </a:blip>
+          <a:stretch>
+            <a:fillRect/>
+          </a:stretch>
+        </p:blipFill>
+        <p:spPr>
+          <a:xfrm>
+            <a:off x="10532125" y="14049"/>
+            <a:ext cx="1659875" cy="777473"/>
+          </a:xfrm>
+          <a:prstGeom prst="rect">
+            <a:avLst/>
+          </a:prstGeom>
+        </p:spPr>
+      </p:pic>
+      <p:pic>
+        <p:nvPicPr>
+          <p:cNvPr id="8" name="Picture 2"/>
+          <p:cNvPicPr>
+            <a:picLocks noChangeAspect="1" noChangeArrowheads="1"/>
+          </p:cNvPicPr>
+          <p:nvPr/>
+        </p:nvPicPr>
+        <p:blipFill>
+          <a:blip r:embed="rId4"/>
+          <a:srcRect/>
+          <a:stretch>
+            <a:fillRect/>
+          </a:stretch>
+        </p:blipFill>
+        <p:spPr bwMode="auto">
+          <a:xfrm>
+            <a:off x="1603516" y="5422505"/>
+            <a:ext cx="1507237" cy="357301"/>
+          </a:xfrm>
+          <a:prstGeom prst="rect">
+            <a:avLst/>
+          </a:prstGeom>
+          <a:noFill/>
+          <a:ln w="9525">
+            <a:noFill/>
+            <a:miter lim="800000"/>
+            <a:headEnd/>
+            <a:tailEnd/>
+          </a:ln>
+          <a:effectLst/>
+        </p:spPr>
+      </p:pic>
+    </p:spTree>
+  </p:cSld>
+  <p:clrMapOvr>
+    <a:masterClrMapping/>
+  </p:clrMapOvr>
+  <p:timing>
+    <p:tnLst>
+      <p:par>
+        <p:cTn id="1" dur="indefinite" restart="never" nodeType="tmRoot"/>
+      </p:par>
+    </p:tnLst>
+  </p:timing>
+</p:sld>
+</file>
+
+<file path=ppt/slides/slide24.xml><?xml version="1.0" encoding="utf-8"?>
+<p:sld xmlns:a="http://schemas.openxmlformats.org/drawingml/2006/main" xmlns:r="http://schemas.openxmlformats.org/officeDocument/2006/relationships" xmlns:p="http://schemas.openxmlformats.org/presentationml/2006/main">
+  <p:cSld>
+    <p:spTree>
+      <p:nvGrpSpPr>
+        <p:cNvPr id="1" name=""/>
+        <p:cNvGrpSpPr/>
+        <p:nvPr/>
+      </p:nvGrpSpPr>
+      <p:grpSpPr>
+        <a:xfrm>
+          <a:off x="0" y="0"/>
+          <a:ext cx="0" cy="0"/>
+          <a:chOff x="0" y="0"/>
+          <a:chExt cx="0" cy="0"/>
+        </a:xfrm>
+      </p:grpSpPr>
+      <p:sp>
+        <p:nvSpPr>
+          <p:cNvPr id="2" name="Título 1"/>
+          <p:cNvSpPr>
+            <a:spLocks noGrp="1"/>
+          </p:cNvSpPr>
+          <p:nvPr>
+            <p:ph type="title"/>
+          </p:nvPr>
+        </p:nvSpPr>
+        <p:spPr/>
+        <p:txBody>
+          <a:bodyPr/>
+          <a:lstStyle/>
+          <a:p>
+            <a:pPr algn="ctr"/>
+            <a:r>
+              <a:rPr lang="pt-BR" dirty="0" smtClean="0"/>
+              <a:t>Limitações</a:t>
+            </a:r>
+            <a:endParaRPr lang="pt-BR" dirty="0"/>
+          </a:p>
+        </p:txBody>
+      </p:sp>
+      <p:sp>
+        <p:nvSpPr>
+          <p:cNvPr id="3" name="Espaço Reservado para Conteúdo 2"/>
+          <p:cNvSpPr>
+            <a:spLocks noGrp="1"/>
+          </p:cNvSpPr>
+          <p:nvPr>
+            <p:ph idx="1"/>
+          </p:nvPr>
+        </p:nvSpPr>
+        <p:spPr/>
+        <p:txBody>
+          <a:bodyPr/>
+          <a:lstStyle/>
+          <a:p>
+            <a:pPr algn="just"/>
+            <a:r>
+              <a:rPr lang="pt-BR" dirty="0" smtClean="0"/>
+              <a:t>O </a:t>
+            </a:r>
+            <a:r>
+              <a:rPr lang="pt-BR" dirty="0" err="1" smtClean="0"/>
+              <a:t>T</a:t>
+            </a:r>
+            <a:r>
+              <a:rPr lang="pt-BR" i="1" dirty="0" err="1" smtClean="0"/>
+              <a:t>emplate</a:t>
+            </a:r>
+            <a:r>
+              <a:rPr lang="pt-BR" dirty="0" smtClean="0"/>
+              <a:t> </a:t>
+            </a:r>
+            <a:r>
+              <a:rPr lang="pt-BR" dirty="0"/>
+              <a:t>proposto se limitou </a:t>
+            </a:r>
+            <a:r>
+              <a:rPr lang="pt-BR" dirty="0" smtClean="0"/>
+              <a:t>à </a:t>
+            </a:r>
+            <a:r>
+              <a:rPr lang="pt-BR" dirty="0"/>
+              <a:t>integração de duas </a:t>
+            </a:r>
+            <a:r>
+              <a:rPr lang="pt-BR" dirty="0" smtClean="0"/>
+              <a:t>abordagens</a:t>
+            </a:r>
+          </a:p>
+          <a:p>
+            <a:pPr lvl="1" algn="just"/>
+            <a:r>
+              <a:rPr lang="pt-BR" dirty="0"/>
+              <a:t>N</a:t>
+            </a:r>
+            <a:r>
+              <a:rPr lang="pt-BR" dirty="0" smtClean="0"/>
+              <a:t>ão </a:t>
+            </a:r>
+            <a:r>
+              <a:rPr lang="pt-BR" dirty="0"/>
+              <a:t>incorporando conceitos referentes a outras propostas que de alguma forma poderiam enriquecer a </a:t>
+            </a:r>
+            <a:r>
+              <a:rPr lang="pt-BR" dirty="0" smtClean="0"/>
+              <a:t>proposta</a:t>
+            </a:r>
+          </a:p>
+          <a:p>
+            <a:pPr lvl="1" algn="just"/>
+            <a:r>
+              <a:rPr lang="pt-BR" dirty="0"/>
+              <a:t>M</a:t>
+            </a:r>
+            <a:r>
+              <a:rPr lang="pt-BR" dirty="0" smtClean="0"/>
+              <a:t>antendo-se porém leve</a:t>
+            </a:r>
+            <a:endParaRPr lang="pt-BR" dirty="0"/>
+          </a:p>
+          <a:p>
+            <a:pPr algn="just"/>
+            <a:r>
+              <a:rPr lang="pt-BR" dirty="0" smtClean="0"/>
+              <a:t>O</a:t>
+            </a:r>
+            <a:r>
+              <a:rPr lang="pt-BR" i="1" dirty="0" smtClean="0"/>
+              <a:t> </a:t>
+            </a:r>
+            <a:r>
+              <a:rPr lang="pt-BR" i="1" dirty="0" err="1" smtClean="0"/>
+              <a:t>Template</a:t>
+            </a:r>
+            <a:r>
+              <a:rPr lang="pt-BR" dirty="0" smtClean="0"/>
+              <a:t> </a:t>
+            </a:r>
+            <a:r>
+              <a:rPr lang="pt-BR" dirty="0"/>
+              <a:t>não foi ainda usado por outras pessoas, nem aplicado em casos </a:t>
+            </a:r>
+            <a:r>
+              <a:rPr lang="pt-BR" dirty="0" smtClean="0"/>
+              <a:t>reais</a:t>
+            </a:r>
+            <a:endParaRPr lang="pt-BR" dirty="0"/>
+          </a:p>
+          <a:p>
+            <a:pPr algn="just"/>
+            <a:r>
+              <a:rPr lang="pt-BR" dirty="0"/>
+              <a:t>Sistema desenvolvido foca apenas nos </a:t>
+            </a:r>
+            <a:r>
+              <a:rPr lang="pt-BR" dirty="0" err="1" smtClean="0"/>
+              <a:t>RNFs</a:t>
+            </a:r>
+            <a:r>
+              <a:rPr lang="pt-BR" dirty="0" smtClean="0"/>
+              <a:t>, </a:t>
+            </a:r>
+            <a:r>
+              <a:rPr lang="pt-BR" dirty="0"/>
+              <a:t>não estando integrado ao processo de requisitos como um </a:t>
+            </a:r>
+            <a:r>
+              <a:rPr lang="pt-BR" dirty="0" smtClean="0"/>
+              <a:t>todo</a:t>
+            </a:r>
+            <a:endParaRPr lang="pt-BR" dirty="0"/>
+          </a:p>
+          <a:p>
+            <a:endParaRPr lang="pt-BR" dirty="0"/>
+          </a:p>
+        </p:txBody>
+      </p:sp>
+      <p:pic>
+        <p:nvPicPr>
+          <p:cNvPr id="6" name="Imagem 5"/>
+          <p:cNvPicPr>
+            <a:picLocks noChangeAspect="1"/>
+          </p:cNvPicPr>
+          <p:nvPr/>
+        </p:nvPicPr>
+        <p:blipFill>
+          <a:blip r:embed="rId2" cstate="print">
+            <a:extLst>
+              <a:ext uri="{28A0092B-C50C-407E-A947-70E740481C1C}">
+                <a14:useLocalDpi xmlns:a14="http://schemas.microsoft.com/office/drawing/2010/main" val="0"/>
+              </a:ext>
+            </a:extLst>
+          </a:blip>
+          <a:stretch>
+            <a:fillRect/>
+          </a:stretch>
+        </p:blipFill>
+        <p:spPr>
+          <a:xfrm>
+            <a:off x="23356" y="0"/>
+            <a:ext cx="1170432" cy="777240"/>
+          </a:xfrm>
+          <a:prstGeom prst="rect">
+            <a:avLst/>
+          </a:prstGeom>
+        </p:spPr>
+      </p:pic>
+      <p:pic>
+        <p:nvPicPr>
+          <p:cNvPr id="7" name="Imagem 6"/>
+          <p:cNvPicPr>
+            <a:picLocks noChangeAspect="1"/>
+          </p:cNvPicPr>
+          <p:nvPr/>
+        </p:nvPicPr>
+        <p:blipFill>
+          <a:blip r:embed="rId3" cstate="print">
+            <a:extLst>
+              <a:ext uri="{28A0092B-C50C-407E-A947-70E740481C1C}">
+                <a14:useLocalDpi xmlns:a14="http://schemas.microsoft.com/office/drawing/2010/main" val="0"/>
+              </a:ext>
+            </a:extLst>
+          </a:blip>
+          <a:stretch>
+            <a:fillRect/>
+          </a:stretch>
+        </p:blipFill>
+        <p:spPr>
+          <a:xfrm>
+            <a:off x="10532125" y="14049"/>
+            <a:ext cx="1659875" cy="777473"/>
+          </a:xfrm>
+          <a:prstGeom prst="rect">
+            <a:avLst/>
+          </a:prstGeom>
+        </p:spPr>
+      </p:pic>
+    </p:spTree>
+    <p:extLst>
+      <p:ext uri="{BB962C8B-B14F-4D97-AF65-F5344CB8AC3E}">
+        <p14:creationId xmlns:p14="http://schemas.microsoft.com/office/powerpoint/2010/main" val="1440492466"/>
+      </p:ext>
+    </p:extLst>
+  </p:cSld>
+  <p:clrMapOvr>
+    <a:masterClrMapping/>
+  </p:clrMapOvr>
+  <p:timing>
+    <p:tnLst>
+      <p:par>
+        <p:cTn id="1" dur="indefinite" restart="never" nodeType="tmRoot"/>
+      </p:par>
+    </p:tnLst>
+  </p:timing>
+</p:sld>
+</file>
+
+<file path=ppt/slides/slide25.xml><?xml version="1.0" encoding="utf-8"?>
+<p:sld xmlns:a="http://schemas.openxmlformats.org/drawingml/2006/main" xmlns:r="http://schemas.openxmlformats.org/officeDocument/2006/relationships" xmlns:p="http://schemas.openxmlformats.org/presentationml/2006/main">
+  <p:cSld>
+    <p:spTree>
+      <p:nvGrpSpPr>
+        <p:cNvPr id="1" name=""/>
+        <p:cNvGrpSpPr/>
+        <p:nvPr/>
+      </p:nvGrpSpPr>
+      <p:grpSpPr>
+        <a:xfrm>
+          <a:off x="0" y="0"/>
+          <a:ext cx="0" cy="0"/>
+          <a:chOff x="0" y="0"/>
+          <a:chExt cx="0" cy="0"/>
+        </a:xfrm>
+      </p:grpSpPr>
+      <p:sp>
+        <p:nvSpPr>
+          <p:cNvPr id="2" name="Título 1"/>
+          <p:cNvSpPr>
+            <a:spLocks noGrp="1"/>
+          </p:cNvSpPr>
+          <p:nvPr>
+            <p:ph type="title"/>
+          </p:nvPr>
+        </p:nvSpPr>
+        <p:spPr/>
+        <p:txBody>
+          <a:bodyPr/>
+          <a:lstStyle/>
+          <a:p>
+            <a:pPr algn="ctr"/>
+            <a:r>
+              <a:rPr lang="pt-BR" dirty="0" smtClean="0"/>
+              <a:t>Trabalhos Futuros</a:t>
+            </a:r>
+            <a:endParaRPr lang="pt-BR" dirty="0"/>
+          </a:p>
+        </p:txBody>
+      </p:sp>
+      <p:sp>
+        <p:nvSpPr>
+          <p:cNvPr id="3" name="Espaço Reservado para Conteúdo 2"/>
+          <p:cNvSpPr>
+            <a:spLocks noGrp="1"/>
+          </p:cNvSpPr>
+          <p:nvPr>
+            <p:ph idx="1"/>
+          </p:nvPr>
+        </p:nvSpPr>
+        <p:spPr/>
+        <p:txBody>
+          <a:bodyPr>
+            <a:normAutofit/>
+          </a:bodyPr>
+          <a:lstStyle/>
+          <a:p>
+            <a:pPr lvl="0" algn="just"/>
+            <a:r>
+              <a:rPr lang="pt-BR" dirty="0" smtClean="0"/>
+              <a:t>Aplicar </a:t>
+            </a:r>
+            <a:r>
+              <a:rPr lang="pt-BR" dirty="0"/>
+              <a:t>o </a:t>
+            </a:r>
+            <a:r>
+              <a:rPr lang="pt-BR" i="1" dirty="0" err="1"/>
+              <a:t>template</a:t>
+            </a:r>
+            <a:r>
+              <a:rPr lang="pt-BR" dirty="0"/>
+              <a:t> proposto a casos reais em empresas </a:t>
+            </a:r>
+            <a:r>
+              <a:rPr lang="pt-BR" dirty="0" smtClean="0"/>
+              <a:t>e </a:t>
+            </a:r>
+            <a:r>
+              <a:rPr lang="pt-BR" dirty="0"/>
+              <a:t>na </a:t>
+            </a:r>
+            <a:r>
+              <a:rPr lang="pt-BR" dirty="0" smtClean="0"/>
+              <a:t>academia</a:t>
+            </a:r>
+            <a:endParaRPr lang="pt-BR" dirty="0"/>
+          </a:p>
+          <a:p>
+            <a:pPr lvl="0" algn="just"/>
+            <a:r>
+              <a:rPr lang="pt-BR" dirty="0"/>
+              <a:t>Validar o </a:t>
+            </a:r>
+            <a:r>
+              <a:rPr lang="pt-BR" dirty="0" smtClean="0"/>
+              <a:t>SAE-RNF </a:t>
+            </a:r>
+            <a:r>
+              <a:rPr lang="pt-BR" dirty="0"/>
+              <a:t>com usuários, avaliar a usabilidade e receber sugestões de </a:t>
+            </a:r>
+            <a:r>
+              <a:rPr lang="pt-BR" dirty="0" smtClean="0"/>
+              <a:t>melhoria</a:t>
+            </a:r>
+            <a:endParaRPr lang="pt-BR" dirty="0"/>
+          </a:p>
+          <a:p>
+            <a:pPr lvl="0" algn="just"/>
+            <a:r>
+              <a:rPr lang="pt-BR" dirty="0"/>
+              <a:t>Fazer um estudo comparativo entre o </a:t>
+            </a:r>
+            <a:r>
+              <a:rPr lang="pt-BR" dirty="0" smtClean="0"/>
+              <a:t>SAE-RNF </a:t>
+            </a:r>
+            <a:r>
+              <a:rPr lang="pt-BR" dirty="0"/>
+              <a:t>e outras ferramentas existentes no </a:t>
+            </a:r>
+            <a:r>
+              <a:rPr lang="pt-BR" dirty="0" smtClean="0"/>
+              <a:t>mercado</a:t>
+            </a:r>
+            <a:endParaRPr lang="pt-BR" dirty="0"/>
+          </a:p>
+          <a:p>
+            <a:pPr lvl="0" algn="just"/>
+            <a:r>
+              <a:rPr lang="pt-BR" dirty="0" smtClean="0"/>
+              <a:t>Integrar </a:t>
+            </a:r>
+            <a:r>
+              <a:rPr lang="pt-BR" dirty="0"/>
+              <a:t>especificação ao modelo e ferramenta </a:t>
+            </a:r>
+            <a:r>
+              <a:rPr lang="pt-BR" dirty="0" smtClean="0"/>
+              <a:t>4REUse</a:t>
+            </a:r>
+            <a:endParaRPr lang="pt-BR" dirty="0"/>
+          </a:p>
+          <a:p>
+            <a:endParaRPr lang="pt-BR" dirty="0"/>
+          </a:p>
+        </p:txBody>
+      </p:sp>
+      <p:pic>
+        <p:nvPicPr>
+          <p:cNvPr id="6" name="Imagem 5"/>
+          <p:cNvPicPr>
+            <a:picLocks noChangeAspect="1"/>
+          </p:cNvPicPr>
+          <p:nvPr/>
+        </p:nvPicPr>
+        <p:blipFill>
+          <a:blip r:embed="rId2" cstate="print">
+            <a:extLst>
+              <a:ext uri="{28A0092B-C50C-407E-A947-70E740481C1C}">
+                <a14:useLocalDpi xmlns:a14="http://schemas.microsoft.com/office/drawing/2010/main" val="0"/>
+              </a:ext>
+            </a:extLst>
+          </a:blip>
+          <a:stretch>
+            <a:fillRect/>
+          </a:stretch>
+        </p:blipFill>
+        <p:spPr>
+          <a:xfrm>
+            <a:off x="23356" y="0"/>
+            <a:ext cx="1170432" cy="777240"/>
+          </a:xfrm>
+          <a:prstGeom prst="rect">
+            <a:avLst/>
+          </a:prstGeom>
+        </p:spPr>
+      </p:pic>
+      <p:pic>
+        <p:nvPicPr>
+          <p:cNvPr id="7" name="Imagem 6"/>
+          <p:cNvPicPr>
+            <a:picLocks noChangeAspect="1"/>
+          </p:cNvPicPr>
+          <p:nvPr/>
+        </p:nvPicPr>
+        <p:blipFill>
+          <a:blip r:embed="rId3" cstate="print">
+            <a:extLst>
+              <a:ext uri="{28A0092B-C50C-407E-A947-70E740481C1C}">
+                <a14:useLocalDpi xmlns:a14="http://schemas.microsoft.com/office/drawing/2010/main" val="0"/>
+              </a:ext>
+            </a:extLst>
+          </a:blip>
+          <a:stretch>
+            <a:fillRect/>
+          </a:stretch>
+        </p:blipFill>
+        <p:spPr>
+          <a:xfrm>
+            <a:off x="10532125" y="14049"/>
+            <a:ext cx="1659875" cy="777473"/>
+          </a:xfrm>
+          <a:prstGeom prst="rect">
+            <a:avLst/>
+          </a:prstGeom>
+        </p:spPr>
+      </p:pic>
+    </p:spTree>
+    <p:extLst>
+      <p:ext uri="{BB962C8B-B14F-4D97-AF65-F5344CB8AC3E}">
+        <p14:creationId xmlns:p14="http://schemas.microsoft.com/office/powerpoint/2010/main" val="2584194839"/>
+      </p:ext>
+    </p:extLst>
+  </p:cSld>
+  <p:clrMapOvr>
+    <a:masterClrMapping/>
+  </p:clrMapOvr>
+  <p:timing>
+    <p:tnLst>
+      <p:par>
+        <p:cTn id="1" dur="indefinite" restart="never" nodeType="tmRoot"/>
+      </p:par>
+    </p:tnLst>
+  </p:timing>
+</p:sld>
+</file>
+
+<file path=ppt/slides/slide26.xml><?xml version="1.0" encoding="utf-8"?>
+<p:sld xmlns:a="http://schemas.openxmlformats.org/drawingml/2006/main" xmlns:r="http://schemas.openxmlformats.org/officeDocument/2006/relationships" xmlns:p="http://schemas.openxmlformats.org/presentationml/2006/main">
+  <p:cSld>
+    <p:spTree>
+      <p:nvGrpSpPr>
+        <p:cNvPr id="1" name=""/>
+        <p:cNvGrpSpPr/>
+        <p:nvPr/>
+      </p:nvGrpSpPr>
+      <p:grpSpPr>
+        <a:xfrm>
+          <a:off x="0" y="0"/>
+          <a:ext cx="0" cy="0"/>
+          <a:chOff x="0" y="0"/>
+          <a:chExt cx="0" cy="0"/>
+        </a:xfrm>
+      </p:grpSpPr>
+      <p:sp>
+        <p:nvSpPr>
+          <p:cNvPr id="2" name="Título 1"/>
+          <p:cNvSpPr>
+            <a:spLocks noGrp="1"/>
+          </p:cNvSpPr>
+          <p:nvPr>
+            <p:ph type="title"/>
+          </p:nvPr>
+        </p:nvSpPr>
+        <p:spPr/>
+        <p:txBody>
+          <a:bodyPr/>
+          <a:lstStyle/>
+          <a:p>
             <a:endParaRPr lang="pt-BR"/>
           </a:p>
         </p:txBody>
@@ -7860,7 +8440,7 @@
 </p:sld>
 </file>
 
-<file path=ppt/slides/slide24.xml><?xml version="1.0" encoding="utf-8"?>
+<file path=ppt/slides/slide27.xml><?xml version="1.0" encoding="utf-8"?>
 <p:sld xmlns:a="http://schemas.openxmlformats.org/drawingml/2006/main" xmlns:r="http://schemas.openxmlformats.org/officeDocument/2006/relationships" xmlns:p="http://schemas.openxmlformats.org/presentationml/2006/main">
   <p:cSld>
     <p:spTree>
@@ -8271,11 +8851,7 @@
             <a:pPr algn="just"/>
             <a:r>
               <a:rPr lang="pt-BR" sz="3200" dirty="0" smtClean="0"/>
-              <a:t>Apresentar a p</a:t>
-            </a:r>
-            <a:r>
-              <a:rPr lang="pt-BR" sz="3200" dirty="0" smtClean="0"/>
-              <a:t>roposta </a:t>
+              <a:t>Apresentar a proposta </a:t>
             </a:r>
             <a:r>
               <a:rPr lang="pt-BR" sz="3200" dirty="0"/>
@@ -8293,7 +8869,6 @@
               <a:rPr lang="pt-BR" sz="3200" dirty="0" smtClean="0"/>
               <a:t> as ocorrências policiais inclusive as que não têm condução às delegacias;</a:t>
             </a:r>
-            <a:endParaRPr lang="pt-BR" sz="3200" dirty="0" smtClean="0"/>
           </a:p>
           <a:p>
             <a:pPr algn="just"/>
@@ -8431,18 +9006,25 @@
         </p:spPr>
         <p:txBody>
           <a:bodyPr>
-            <a:normAutofit/>
+            <a:normAutofit fontScale="90000"/>
           </a:bodyPr>
           <a:lstStyle/>
           <a:p>
             <a:pPr algn="ctr"/>
             <a:r>
               <a:rPr lang="pt-BR" dirty="0" smtClean="0"/>
-              <a:t>3</a:t>
+              <a:t>3. Fluxo de uma </a:t>
             </a:r>
             <a:r>
               <a:rPr lang="pt-BR" dirty="0" smtClean="0"/>
-              <a:t>. Fluxo de uma ocorrência</a:t>
+              <a:t>ocorrência</a:t>
+            </a:r>
+            <a:br>
+              <a:rPr lang="pt-BR" dirty="0" smtClean="0"/>
+            </a:br>
+            <a:r>
+              <a:rPr lang="pt-BR" dirty="0" smtClean="0"/>
+              <a:t>Tradicional</a:t>
             </a:r>
             <a:endParaRPr lang="pt-BR" dirty="0"/>
           </a:p>
@@ -8572,16 +9154,306 @@
           </a:extLst>
         </p:spPr>
       </p:pic>
+      <p:sp>
+        <p:nvSpPr>
+          <p:cNvPr id="3" name="AutoShape 8" descr="Resultado de imagem para viatura icone"/>
+          <p:cNvSpPr>
+            <a:spLocks noChangeAspect="1" noChangeArrowheads="1"/>
+          </p:cNvSpPr>
+          <p:nvPr/>
+        </p:nvSpPr>
+        <p:spPr bwMode="auto">
+          <a:xfrm>
+            <a:off x="155575" y="-144463"/>
+            <a:ext cx="304800" cy="304801"/>
+          </a:xfrm>
+          <a:prstGeom prst="rect">
+            <a:avLst/>
+          </a:prstGeom>
+          <a:noFill/>
+          <a:extLst>
+            <a:ext uri="{909E8E84-426E-40DD-AFC4-6F175D3DCCD1}">
+              <a14:hiddenFill xmlns:a14="http://schemas.microsoft.com/office/drawing/2010/main">
+                <a:solidFill>
+                  <a:srgbClr val="FFFFFF"/>
+                </a:solidFill>
+              </a14:hiddenFill>
+            </a:ext>
+          </a:extLst>
+        </p:spPr>
+        <p:txBody>
+          <a:bodyPr vert="horz" wrap="square" lIns="91440" tIns="45720" rIns="91440" bIns="45720" numCol="1" anchor="t" anchorCtr="0" compatLnSpc="1">
+            <a:prstTxWarp prst="textNoShape">
+              <a:avLst/>
+            </a:prstTxWarp>
+          </a:bodyPr>
+          <a:lstStyle/>
+          <a:p>
+            <a:endParaRPr lang="pt-BR"/>
+          </a:p>
+        </p:txBody>
+      </p:sp>
+      <p:sp>
+        <p:nvSpPr>
+          <p:cNvPr id="4" name="AutoShape 10" descr="Resultado de imagem para viatura icone"/>
+          <p:cNvSpPr>
+            <a:spLocks noChangeAspect="1" noChangeArrowheads="1"/>
+          </p:cNvSpPr>
+          <p:nvPr/>
+        </p:nvSpPr>
+        <p:spPr bwMode="auto">
+          <a:xfrm>
+            <a:off x="307975" y="7937"/>
+            <a:ext cx="304800" cy="304801"/>
+          </a:xfrm>
+          <a:prstGeom prst="rect">
+            <a:avLst/>
+          </a:prstGeom>
+          <a:noFill/>
+          <a:extLst>
+            <a:ext uri="{909E8E84-426E-40DD-AFC4-6F175D3DCCD1}">
+              <a14:hiddenFill xmlns:a14="http://schemas.microsoft.com/office/drawing/2010/main">
+                <a:solidFill>
+                  <a:srgbClr val="FFFFFF"/>
+                </a:solidFill>
+              </a14:hiddenFill>
+            </a:ext>
+          </a:extLst>
+        </p:spPr>
+        <p:txBody>
+          <a:bodyPr vert="horz" wrap="square" lIns="91440" tIns="45720" rIns="91440" bIns="45720" numCol="1" anchor="t" anchorCtr="0" compatLnSpc="1">
+            <a:prstTxWarp prst="textNoShape">
+              <a:avLst/>
+            </a:prstTxWarp>
+          </a:bodyPr>
+          <a:lstStyle/>
+          <a:p>
+            <a:endParaRPr lang="pt-BR"/>
+          </a:p>
+        </p:txBody>
+      </p:sp>
+      <p:sp>
+        <p:nvSpPr>
+          <p:cNvPr id="5" name="AutoShape 12" descr="Resultado de imagem para viatura icone"/>
+          <p:cNvSpPr>
+            <a:spLocks noChangeAspect="1" noChangeArrowheads="1"/>
+          </p:cNvSpPr>
+          <p:nvPr/>
+        </p:nvSpPr>
+        <p:spPr bwMode="auto">
+          <a:xfrm>
+            <a:off x="460375" y="160337"/>
+            <a:ext cx="304800" cy="304801"/>
+          </a:xfrm>
+          <a:prstGeom prst="rect">
+            <a:avLst/>
+          </a:prstGeom>
+          <a:noFill/>
+          <a:extLst>
+            <a:ext uri="{909E8E84-426E-40DD-AFC4-6F175D3DCCD1}">
+              <a14:hiddenFill xmlns:a14="http://schemas.microsoft.com/office/drawing/2010/main">
+                <a:solidFill>
+                  <a:srgbClr val="FFFFFF"/>
+                </a:solidFill>
+              </a14:hiddenFill>
+            </a:ext>
+          </a:extLst>
+        </p:spPr>
+        <p:txBody>
+          <a:bodyPr vert="horz" wrap="square" lIns="91440" tIns="45720" rIns="91440" bIns="45720" numCol="1" anchor="t" anchorCtr="0" compatLnSpc="1">
+            <a:prstTxWarp prst="textNoShape">
+              <a:avLst/>
+            </a:prstTxWarp>
+          </a:bodyPr>
+          <a:lstStyle/>
+          <a:p>
+            <a:endParaRPr lang="pt-BR"/>
+          </a:p>
+        </p:txBody>
+      </p:sp>
+      <p:sp>
+        <p:nvSpPr>
+          <p:cNvPr id="14" name="AutoShape 21" descr="Resultado de imagem para planilha icone"/>
+          <p:cNvSpPr>
+            <a:spLocks noChangeAspect="1" noChangeArrowheads="1"/>
+          </p:cNvSpPr>
+          <p:nvPr/>
+        </p:nvSpPr>
+        <p:spPr bwMode="auto">
+          <a:xfrm>
+            <a:off x="612775" y="312737"/>
+            <a:ext cx="304800" cy="304801"/>
+          </a:xfrm>
+          <a:prstGeom prst="rect">
+            <a:avLst/>
+          </a:prstGeom>
+          <a:noFill/>
+          <a:extLst>
+            <a:ext uri="{909E8E84-426E-40DD-AFC4-6F175D3DCCD1}">
+              <a14:hiddenFill xmlns:a14="http://schemas.microsoft.com/office/drawing/2010/main">
+                <a:solidFill>
+                  <a:srgbClr val="FFFFFF"/>
+                </a:solidFill>
+              </a14:hiddenFill>
+            </a:ext>
+          </a:extLst>
+        </p:spPr>
+        <p:txBody>
+          <a:bodyPr vert="horz" wrap="square" lIns="91440" tIns="45720" rIns="91440" bIns="45720" numCol="1" anchor="t" anchorCtr="0" compatLnSpc="1">
+            <a:prstTxWarp prst="textNoShape">
+              <a:avLst/>
+            </a:prstTxWarp>
+          </a:bodyPr>
+          <a:lstStyle/>
+          <a:p>
+            <a:endParaRPr lang="pt-BR"/>
+          </a:p>
+        </p:txBody>
+      </p:sp>
+    </p:spTree>
+  </p:cSld>
+  <p:clrMapOvr>
+    <a:masterClrMapping/>
+  </p:clrMapOvr>
+  <p:timing>
+    <p:tnLst>
+      <p:par>
+        <p:cTn id="1" dur="indefinite" restart="never" nodeType="tmRoot"/>
+      </p:par>
+    </p:tnLst>
+  </p:timing>
+</p:sld>
+</file>
+
+<file path=ppt/slides/slide6.xml><?xml version="1.0" encoding="utf-8"?>
+<p:sld xmlns:a="http://schemas.openxmlformats.org/drawingml/2006/main" xmlns:r="http://schemas.openxmlformats.org/officeDocument/2006/relationships" xmlns:p="http://schemas.openxmlformats.org/presentationml/2006/main">
+  <p:cSld>
+    <p:spTree>
+      <p:nvGrpSpPr>
+        <p:cNvPr id="1" name=""/>
+        <p:cNvGrpSpPr/>
+        <p:nvPr/>
+      </p:nvGrpSpPr>
+      <p:grpSpPr>
+        <a:xfrm>
+          <a:off x="0" y="0"/>
+          <a:ext cx="0" cy="0"/>
+          <a:chOff x="0" y="0"/>
+          <a:chExt cx="0" cy="0"/>
+        </a:xfrm>
+      </p:grpSpPr>
+      <p:sp>
+        <p:nvSpPr>
+          <p:cNvPr id="2" name="Título 1"/>
+          <p:cNvSpPr>
+            <a:spLocks noGrp="1"/>
+          </p:cNvSpPr>
+          <p:nvPr>
+            <p:ph type="title"/>
+          </p:nvPr>
+        </p:nvSpPr>
+        <p:spPr>
+          <a:xfrm>
+            <a:off x="73652" y="154155"/>
+            <a:ext cx="10515600" cy="822053"/>
+          </a:xfrm>
+        </p:spPr>
+        <p:txBody>
+          <a:bodyPr>
+            <a:normAutofit fontScale="90000"/>
+          </a:bodyPr>
+          <a:lstStyle/>
+          <a:p>
+            <a:pPr algn="ctr"/>
+            <a:r>
+              <a:rPr lang="pt-BR" dirty="0" smtClean="0"/>
+              <a:t>3. Fluxo de uma </a:t>
+            </a:r>
+            <a:r>
+              <a:rPr lang="pt-BR" dirty="0" smtClean="0"/>
+              <a:t>ocorrência</a:t>
+            </a:r>
+            <a:br>
+              <a:rPr lang="pt-BR" dirty="0" smtClean="0"/>
+            </a:br>
+            <a:r>
+              <a:rPr lang="pt-BR" dirty="0" smtClean="0"/>
+              <a:t>Tradicional</a:t>
+            </a:r>
+            <a:endParaRPr lang="pt-BR" dirty="0"/>
+          </a:p>
+        </p:txBody>
+      </p:sp>
       <p:pic>
         <p:nvPicPr>
-          <p:cNvPr id="2052" name="Picture 4"/>
+          <p:cNvPr id="8" name="Imagem 7"/>
+          <p:cNvPicPr>
+            <a:picLocks noChangeAspect="1"/>
+          </p:cNvPicPr>
+          <p:nvPr/>
+        </p:nvPicPr>
+        <p:blipFill>
+          <a:blip r:embed="rId2" cstate="print">
+            <a:extLst>
+              <a:ext uri="{28A0092B-C50C-407E-A947-70E740481C1C}">
+                <a14:useLocalDpi xmlns:a14="http://schemas.microsoft.com/office/drawing/2010/main" val="0"/>
+              </a:ext>
+            </a:extLst>
+          </a:blip>
+          <a:stretch>
+            <a:fillRect/>
+          </a:stretch>
+        </p:blipFill>
+        <p:spPr>
+          <a:xfrm>
+            <a:off x="104916" y="98107"/>
+            <a:ext cx="1653512" cy="1168456"/>
+          </a:xfrm>
+          <a:prstGeom prst="rect">
+            <a:avLst/>
+          </a:prstGeom>
+        </p:spPr>
+      </p:pic>
+      <p:pic>
+        <p:nvPicPr>
+          <p:cNvPr id="9" name="Imagem 8"/>
+          <p:cNvPicPr>
+            <a:picLocks noChangeAspect="1"/>
+          </p:cNvPicPr>
+          <p:nvPr/>
+        </p:nvPicPr>
+        <p:blipFill>
+          <a:blip r:embed="rId3" cstate="print">
+            <a:extLst>
+              <a:ext uri="{28A0092B-C50C-407E-A947-70E740481C1C}">
+                <a14:useLocalDpi xmlns:a14="http://schemas.microsoft.com/office/drawing/2010/main" val="0"/>
+              </a:ext>
+            </a:extLst>
+          </a:blip>
+          <a:stretch>
+            <a:fillRect/>
+          </a:stretch>
+        </p:blipFill>
+        <p:spPr>
+          <a:xfrm>
+            <a:off x="8894699" y="-16327"/>
+            <a:ext cx="2326039" cy="1163019"/>
+          </a:xfrm>
+          <a:prstGeom prst="rect">
+            <a:avLst/>
+          </a:prstGeom>
+        </p:spPr>
+      </p:pic>
+      <p:pic>
+        <p:nvPicPr>
+          <p:cNvPr id="2050" name="Picture 2"/>
           <p:cNvPicPr>
             <a:picLocks noChangeAspect="1" noChangeArrowheads="1"/>
           </p:cNvPicPr>
           <p:nvPr/>
         </p:nvPicPr>
         <p:blipFill>
-          <a:blip r:embed="rId5">
+          <a:blip r:embed="rId4">
             <a:extLst>
               <a:ext uri="{28A0092B-C50C-407E-A947-70E740481C1C}">
                 <a14:useLocalDpi xmlns:a14="http://schemas.microsoft.com/office/drawing/2010/main" val="0"/>
@@ -8595,8 +9467,8 @@
         </p:blipFill>
         <p:spPr bwMode="auto">
           <a:xfrm>
-            <a:off x="460375" y="4521894"/>
-            <a:ext cx="1525920" cy="1632203"/>
+            <a:off x="460375" y="1346862"/>
+            <a:ext cx="1609725" cy="1333500"/>
           </a:xfrm>
           <a:prstGeom prst="rect">
             <a:avLst/>
@@ -8638,14 +9510,14 @@
       </p:pic>
       <p:pic>
         <p:nvPicPr>
-          <p:cNvPr id="2054" name="Picture 6" descr="Resultado de imagem para central icone"/>
+          <p:cNvPr id="2052" name="Picture 4"/>
           <p:cNvPicPr>
             <a:picLocks noChangeAspect="1" noChangeArrowheads="1"/>
           </p:cNvPicPr>
           <p:nvPr/>
         </p:nvPicPr>
         <p:blipFill>
-          <a:blip r:embed="rId6" cstate="print">
+          <a:blip r:embed="rId5">
             <a:extLst>
               <a:ext uri="{28A0092B-C50C-407E-A947-70E740481C1C}">
                 <a14:useLocalDpi xmlns:a14="http://schemas.microsoft.com/office/drawing/2010/main" val="0"/>
@@ -8659,166 +9531,8 @@
         </p:blipFill>
         <p:spPr bwMode="auto">
           <a:xfrm>
-            <a:off x="3527974" y="5221209"/>
-            <a:ext cx="1207118" cy="1207118"/>
-          </a:xfrm>
-          <a:prstGeom prst="rect">
-            <a:avLst/>
-          </a:prstGeom>
-          <a:noFill/>
-          <a:extLst>
-            <a:ext uri="{909E8E84-426E-40DD-AFC4-6F175D3DCCD1}">
-              <a14:hiddenFill xmlns:a14="http://schemas.microsoft.com/office/drawing/2010/main">
-                <a:solidFill>
-                  <a:srgbClr val="FFFFFF"/>
-                </a:solidFill>
-              </a14:hiddenFill>
-            </a:ext>
-          </a:extLst>
-        </p:spPr>
-      </p:pic>
-      <p:sp>
-        <p:nvSpPr>
-          <p:cNvPr id="3" name="AutoShape 8" descr="Resultado de imagem para viatura icone"/>
-          <p:cNvSpPr>
-            <a:spLocks noChangeAspect="1" noChangeArrowheads="1"/>
-          </p:cNvSpPr>
-          <p:nvPr/>
-        </p:nvSpPr>
-        <p:spPr bwMode="auto">
-          <a:xfrm>
-            <a:off x="155575" y="-144463"/>
-            <a:ext cx="304800" cy="304801"/>
-          </a:xfrm>
-          <a:prstGeom prst="rect">
-            <a:avLst/>
-          </a:prstGeom>
-          <a:noFill/>
-          <a:extLst>
-            <a:ext uri="{909E8E84-426E-40DD-AFC4-6F175D3DCCD1}">
-              <a14:hiddenFill xmlns:a14="http://schemas.microsoft.com/office/drawing/2010/main">
-                <a:solidFill>
-                  <a:srgbClr val="FFFFFF"/>
-                </a:solidFill>
-              </a14:hiddenFill>
-            </a:ext>
-          </a:extLst>
-        </p:spPr>
-        <p:txBody>
-          <a:bodyPr vert="horz" wrap="square" lIns="91440" tIns="45720" rIns="91440" bIns="45720" numCol="1" anchor="t" anchorCtr="0" compatLnSpc="1">
-            <a:prstTxWarp prst="textNoShape">
-              <a:avLst/>
-            </a:prstTxWarp>
-          </a:bodyPr>
-          <a:lstStyle/>
-          <a:p>
-            <a:endParaRPr lang="pt-BR"/>
-          </a:p>
-        </p:txBody>
-      </p:sp>
-      <p:sp>
-        <p:nvSpPr>
-          <p:cNvPr id="4" name="AutoShape 10" descr="Resultado de imagem para viatura icone"/>
-          <p:cNvSpPr>
-            <a:spLocks noChangeAspect="1" noChangeArrowheads="1"/>
-          </p:cNvSpPr>
-          <p:nvPr/>
-        </p:nvSpPr>
-        <p:spPr bwMode="auto">
-          <a:xfrm>
-            <a:off x="307975" y="7937"/>
-            <a:ext cx="304800" cy="304801"/>
-          </a:xfrm>
-          <a:prstGeom prst="rect">
-            <a:avLst/>
-          </a:prstGeom>
-          <a:noFill/>
-          <a:extLst>
-            <a:ext uri="{909E8E84-426E-40DD-AFC4-6F175D3DCCD1}">
-              <a14:hiddenFill xmlns:a14="http://schemas.microsoft.com/office/drawing/2010/main">
-                <a:solidFill>
-                  <a:srgbClr val="FFFFFF"/>
-                </a:solidFill>
-              </a14:hiddenFill>
-            </a:ext>
-          </a:extLst>
-        </p:spPr>
-        <p:txBody>
-          <a:bodyPr vert="horz" wrap="square" lIns="91440" tIns="45720" rIns="91440" bIns="45720" numCol="1" anchor="t" anchorCtr="0" compatLnSpc="1">
-            <a:prstTxWarp prst="textNoShape">
-              <a:avLst/>
-            </a:prstTxWarp>
-          </a:bodyPr>
-          <a:lstStyle/>
-          <a:p>
-            <a:endParaRPr lang="pt-BR"/>
-          </a:p>
-        </p:txBody>
-      </p:sp>
-      <p:sp>
-        <p:nvSpPr>
-          <p:cNvPr id="5" name="AutoShape 12" descr="Resultado de imagem para viatura icone"/>
-          <p:cNvSpPr>
-            <a:spLocks noChangeAspect="1" noChangeArrowheads="1"/>
-          </p:cNvSpPr>
-          <p:nvPr/>
-        </p:nvSpPr>
-        <p:spPr bwMode="auto">
-          <a:xfrm>
-            <a:off x="460375" y="160337"/>
-            <a:ext cx="304800" cy="304801"/>
-          </a:xfrm>
-          <a:prstGeom prst="rect">
-            <a:avLst/>
-          </a:prstGeom>
-          <a:noFill/>
-          <a:extLst>
-            <a:ext uri="{909E8E84-426E-40DD-AFC4-6F175D3DCCD1}">
-              <a14:hiddenFill xmlns:a14="http://schemas.microsoft.com/office/drawing/2010/main">
-                <a:solidFill>
-                  <a:srgbClr val="FFFFFF"/>
-                </a:solidFill>
-              </a14:hiddenFill>
-            </a:ext>
-          </a:extLst>
-        </p:spPr>
-        <p:txBody>
-          <a:bodyPr vert="horz" wrap="square" lIns="91440" tIns="45720" rIns="91440" bIns="45720" numCol="1" anchor="t" anchorCtr="0" compatLnSpc="1">
-            <a:prstTxWarp prst="textNoShape">
-              <a:avLst/>
-            </a:prstTxWarp>
-          </a:bodyPr>
-          <a:lstStyle/>
-          <a:p>
-            <a:endParaRPr lang="pt-BR"/>
-          </a:p>
-        </p:txBody>
-      </p:sp>
-      <p:pic>
-        <p:nvPicPr>
-          <p:cNvPr id="2061" name="Picture 13"/>
-          <p:cNvPicPr>
-            <a:picLocks noChangeAspect="1" noChangeArrowheads="1"/>
-          </p:cNvPicPr>
-          <p:nvPr/>
-        </p:nvPicPr>
-        <p:blipFill>
-          <a:blip r:embed="rId7">
-            <a:extLst>
-              <a:ext uri="{28A0092B-C50C-407E-A947-70E740481C1C}">
-                <a14:useLocalDpi xmlns:a14="http://schemas.microsoft.com/office/drawing/2010/main" val="0"/>
-              </a:ext>
-            </a:extLst>
-          </a:blip>
-          <a:srcRect/>
-          <a:stretch>
-            <a:fillRect/>
-          </a:stretch>
-        </p:blipFill>
-        <p:spPr bwMode="auto">
-          <a:xfrm>
-            <a:off x="3344859" y="2846221"/>
-            <a:ext cx="1573347" cy="1573347"/>
+            <a:off x="460375" y="4521894"/>
+            <a:ext cx="1525920" cy="1632203"/>
           </a:xfrm>
           <a:prstGeom prst="rect">
             <a:avLst/>
@@ -8858,16 +9572,351 @@
           </a:extLst>
         </p:spPr>
       </p:pic>
+      <p:sp>
+        <p:nvSpPr>
+          <p:cNvPr id="3" name="AutoShape 8" descr="Resultado de imagem para viatura icone"/>
+          <p:cNvSpPr>
+            <a:spLocks noChangeAspect="1" noChangeArrowheads="1"/>
+          </p:cNvSpPr>
+          <p:nvPr/>
+        </p:nvSpPr>
+        <p:spPr bwMode="auto">
+          <a:xfrm>
+            <a:off x="155575" y="-144463"/>
+            <a:ext cx="304800" cy="304801"/>
+          </a:xfrm>
+          <a:prstGeom prst="rect">
+            <a:avLst/>
+          </a:prstGeom>
+          <a:noFill/>
+          <a:extLst>
+            <a:ext uri="{909E8E84-426E-40DD-AFC4-6F175D3DCCD1}">
+              <a14:hiddenFill xmlns:a14="http://schemas.microsoft.com/office/drawing/2010/main">
+                <a:solidFill>
+                  <a:srgbClr val="FFFFFF"/>
+                </a:solidFill>
+              </a14:hiddenFill>
+            </a:ext>
+          </a:extLst>
+        </p:spPr>
+        <p:txBody>
+          <a:bodyPr vert="horz" wrap="square" lIns="91440" tIns="45720" rIns="91440" bIns="45720" numCol="1" anchor="t" anchorCtr="0" compatLnSpc="1">
+            <a:prstTxWarp prst="textNoShape">
+              <a:avLst/>
+            </a:prstTxWarp>
+          </a:bodyPr>
+          <a:lstStyle/>
+          <a:p>
+            <a:endParaRPr lang="pt-BR"/>
+          </a:p>
+        </p:txBody>
+      </p:sp>
+      <p:sp>
+        <p:nvSpPr>
+          <p:cNvPr id="4" name="AutoShape 10" descr="Resultado de imagem para viatura icone"/>
+          <p:cNvSpPr>
+            <a:spLocks noChangeAspect="1" noChangeArrowheads="1"/>
+          </p:cNvSpPr>
+          <p:nvPr/>
+        </p:nvSpPr>
+        <p:spPr bwMode="auto">
+          <a:xfrm>
+            <a:off x="307975" y="7937"/>
+            <a:ext cx="304800" cy="304801"/>
+          </a:xfrm>
+          <a:prstGeom prst="rect">
+            <a:avLst/>
+          </a:prstGeom>
+          <a:noFill/>
+          <a:extLst>
+            <a:ext uri="{909E8E84-426E-40DD-AFC4-6F175D3DCCD1}">
+              <a14:hiddenFill xmlns:a14="http://schemas.microsoft.com/office/drawing/2010/main">
+                <a:solidFill>
+                  <a:srgbClr val="FFFFFF"/>
+                </a:solidFill>
+              </a14:hiddenFill>
+            </a:ext>
+          </a:extLst>
+        </p:spPr>
+        <p:txBody>
+          <a:bodyPr vert="horz" wrap="square" lIns="91440" tIns="45720" rIns="91440" bIns="45720" numCol="1" anchor="t" anchorCtr="0" compatLnSpc="1">
+            <a:prstTxWarp prst="textNoShape">
+              <a:avLst/>
+            </a:prstTxWarp>
+          </a:bodyPr>
+          <a:lstStyle/>
+          <a:p>
+            <a:endParaRPr lang="pt-BR"/>
+          </a:p>
+        </p:txBody>
+      </p:sp>
+      <p:sp>
+        <p:nvSpPr>
+          <p:cNvPr id="5" name="AutoShape 12" descr="Resultado de imagem para viatura icone"/>
+          <p:cNvSpPr>
+            <a:spLocks noChangeAspect="1" noChangeArrowheads="1"/>
+          </p:cNvSpPr>
+          <p:nvPr/>
+        </p:nvSpPr>
+        <p:spPr bwMode="auto">
+          <a:xfrm>
+            <a:off x="460375" y="160337"/>
+            <a:ext cx="304800" cy="304801"/>
+          </a:xfrm>
+          <a:prstGeom prst="rect">
+            <a:avLst/>
+          </a:prstGeom>
+          <a:noFill/>
+          <a:extLst>
+            <a:ext uri="{909E8E84-426E-40DD-AFC4-6F175D3DCCD1}">
+              <a14:hiddenFill xmlns:a14="http://schemas.microsoft.com/office/drawing/2010/main">
+                <a:solidFill>
+                  <a:srgbClr val="FFFFFF"/>
+                </a:solidFill>
+              </a14:hiddenFill>
+            </a:ext>
+          </a:extLst>
+        </p:spPr>
+        <p:txBody>
+          <a:bodyPr vert="horz" wrap="square" lIns="91440" tIns="45720" rIns="91440" bIns="45720" numCol="1" anchor="t" anchorCtr="0" compatLnSpc="1">
+            <a:prstTxWarp prst="textNoShape">
+              <a:avLst/>
+            </a:prstTxWarp>
+          </a:bodyPr>
+          <a:lstStyle/>
+          <a:p>
+            <a:endParaRPr lang="pt-BR"/>
+          </a:p>
+        </p:txBody>
+      </p:sp>
+      <p:sp>
+        <p:nvSpPr>
+          <p:cNvPr id="10" name="Seta para baixo 9"/>
+          <p:cNvSpPr/>
+          <p:nvPr/>
+        </p:nvSpPr>
+        <p:spPr>
+          <a:xfrm>
+            <a:off x="1189215" y="3254171"/>
+            <a:ext cx="259308" cy="605841"/>
+          </a:xfrm>
+          <a:prstGeom prst="downArrow">
+            <a:avLst/>
+          </a:prstGeom>
+        </p:spPr>
+        <p:style>
+          <a:lnRef idx="2">
+            <a:schemeClr val="accent1">
+              <a:shade val="50000"/>
+            </a:schemeClr>
+          </a:lnRef>
+          <a:fillRef idx="1">
+            <a:schemeClr val="accent1"/>
+          </a:fillRef>
+          <a:effectRef idx="0">
+            <a:schemeClr val="accent1"/>
+          </a:effectRef>
+          <a:fontRef idx="minor">
+            <a:schemeClr val="lt1"/>
+          </a:fontRef>
+        </p:style>
+        <p:txBody>
+          <a:bodyPr rtlCol="0" anchor="ctr"/>
+          <a:lstStyle/>
+          <a:p>
+            <a:pPr algn="ctr"/>
+            <a:endParaRPr lang="pt-BR"/>
+          </a:p>
+        </p:txBody>
+      </p:sp>
+      <p:sp>
+        <p:nvSpPr>
+          <p:cNvPr id="14" name="AutoShape 21" descr="Resultado de imagem para planilha icone"/>
+          <p:cNvSpPr>
+            <a:spLocks noChangeAspect="1" noChangeArrowheads="1"/>
+          </p:cNvSpPr>
+          <p:nvPr/>
+        </p:nvSpPr>
+        <p:spPr bwMode="auto">
+          <a:xfrm>
+            <a:off x="612775" y="312737"/>
+            <a:ext cx="304800" cy="304801"/>
+          </a:xfrm>
+          <a:prstGeom prst="rect">
+            <a:avLst/>
+          </a:prstGeom>
+          <a:noFill/>
+          <a:extLst>
+            <a:ext uri="{909E8E84-426E-40DD-AFC4-6F175D3DCCD1}">
+              <a14:hiddenFill xmlns:a14="http://schemas.microsoft.com/office/drawing/2010/main">
+                <a:solidFill>
+                  <a:srgbClr val="FFFFFF"/>
+                </a:solidFill>
+              </a14:hiddenFill>
+            </a:ext>
+          </a:extLst>
+        </p:spPr>
+        <p:txBody>
+          <a:bodyPr vert="horz" wrap="square" lIns="91440" tIns="45720" rIns="91440" bIns="45720" numCol="1" anchor="t" anchorCtr="0" compatLnSpc="1">
+            <a:prstTxWarp prst="textNoShape">
+              <a:avLst/>
+            </a:prstTxWarp>
+          </a:bodyPr>
+          <a:lstStyle/>
+          <a:p>
+            <a:endParaRPr lang="pt-BR"/>
+          </a:p>
+        </p:txBody>
+      </p:sp>
+    </p:spTree>
+    <p:extLst>
+      <p:ext uri="{BB962C8B-B14F-4D97-AF65-F5344CB8AC3E}">
+        <p14:creationId xmlns:p14="http://schemas.microsoft.com/office/powerpoint/2010/main" val="4251528631"/>
+      </p:ext>
+    </p:extLst>
+  </p:cSld>
+  <p:clrMapOvr>
+    <a:masterClrMapping/>
+  </p:clrMapOvr>
+  <p:timing>
+    <p:tnLst>
+      <p:par>
+        <p:cTn id="1" dur="indefinite" restart="never" nodeType="tmRoot"/>
+      </p:par>
+    </p:tnLst>
+  </p:timing>
+</p:sld>
+</file>
+
+<file path=ppt/slides/slide7.xml><?xml version="1.0" encoding="utf-8"?>
+<p:sld xmlns:a="http://schemas.openxmlformats.org/drawingml/2006/main" xmlns:r="http://schemas.openxmlformats.org/officeDocument/2006/relationships" xmlns:p="http://schemas.openxmlformats.org/presentationml/2006/main">
+  <p:cSld>
+    <p:spTree>
+      <p:nvGrpSpPr>
+        <p:cNvPr id="1" name=""/>
+        <p:cNvGrpSpPr/>
+        <p:nvPr/>
+      </p:nvGrpSpPr>
+      <p:grpSpPr>
+        <a:xfrm>
+          <a:off x="0" y="0"/>
+          <a:ext cx="0" cy="0"/>
+          <a:chOff x="0" y="0"/>
+          <a:chExt cx="0" cy="0"/>
+        </a:xfrm>
+      </p:grpSpPr>
+      <p:sp>
+        <p:nvSpPr>
+          <p:cNvPr id="2" name="Título 1"/>
+          <p:cNvSpPr>
+            <a:spLocks noGrp="1"/>
+          </p:cNvSpPr>
+          <p:nvPr>
+            <p:ph type="title"/>
+          </p:nvPr>
+        </p:nvSpPr>
+        <p:spPr>
+          <a:xfrm>
+            <a:off x="73652" y="154155"/>
+            <a:ext cx="10515600" cy="822053"/>
+          </a:xfrm>
+        </p:spPr>
+        <p:txBody>
+          <a:bodyPr>
+            <a:normAutofit fontScale="90000"/>
+          </a:bodyPr>
+          <a:lstStyle/>
+          <a:p>
+            <a:pPr algn="ctr"/>
+            <a:r>
+              <a:rPr lang="pt-BR" dirty="0" smtClean="0"/>
+              <a:t>3. Fluxo de uma </a:t>
+            </a:r>
+            <a:r>
+              <a:rPr lang="pt-BR" dirty="0" smtClean="0"/>
+              <a:t>ocorrência</a:t>
+            </a:r>
+            <a:br>
+              <a:rPr lang="pt-BR" dirty="0" smtClean="0"/>
+            </a:br>
+            <a:r>
+              <a:rPr lang="pt-BR" dirty="0" smtClean="0"/>
+              <a:t>Tradicional</a:t>
+            </a:r>
+            <a:endParaRPr lang="pt-BR" dirty="0"/>
+          </a:p>
+        </p:txBody>
+      </p:sp>
       <p:pic>
         <p:nvPicPr>
-          <p:cNvPr id="2063" name="Picture 15" descr="Resultado de imagem para ladrao icone"/>
+          <p:cNvPr id="8" name="Imagem 7"/>
+          <p:cNvPicPr>
+            <a:picLocks noChangeAspect="1"/>
+          </p:cNvPicPr>
+          <p:nvPr/>
+        </p:nvPicPr>
+        <p:blipFill>
+          <a:blip r:embed="rId2" cstate="print">
+            <a:extLst>
+              <a:ext uri="{28A0092B-C50C-407E-A947-70E740481C1C}">
+                <a14:useLocalDpi xmlns:a14="http://schemas.microsoft.com/office/drawing/2010/main" val="0"/>
+              </a:ext>
+            </a:extLst>
+          </a:blip>
+          <a:stretch>
+            <a:fillRect/>
+          </a:stretch>
+        </p:blipFill>
+        <p:spPr>
+          <a:xfrm>
+            <a:off x="104916" y="98107"/>
+            <a:ext cx="1653512" cy="1168456"/>
+          </a:xfrm>
+          <a:prstGeom prst="rect">
+            <a:avLst/>
+          </a:prstGeom>
+        </p:spPr>
+      </p:pic>
+      <p:pic>
+        <p:nvPicPr>
+          <p:cNvPr id="9" name="Imagem 8"/>
+          <p:cNvPicPr>
+            <a:picLocks noChangeAspect="1"/>
+          </p:cNvPicPr>
+          <p:nvPr/>
+        </p:nvPicPr>
+        <p:blipFill>
+          <a:blip r:embed="rId3" cstate="print">
+            <a:extLst>
+              <a:ext uri="{28A0092B-C50C-407E-A947-70E740481C1C}">
+                <a14:useLocalDpi xmlns:a14="http://schemas.microsoft.com/office/drawing/2010/main" val="0"/>
+              </a:ext>
+            </a:extLst>
+          </a:blip>
+          <a:stretch>
+            <a:fillRect/>
+          </a:stretch>
+        </p:blipFill>
+        <p:spPr>
+          <a:xfrm>
+            <a:off x="8894699" y="-16327"/>
+            <a:ext cx="2326039" cy="1163019"/>
+          </a:xfrm>
+          <a:prstGeom prst="rect">
+            <a:avLst/>
+          </a:prstGeom>
+        </p:spPr>
+      </p:pic>
+      <p:pic>
+        <p:nvPicPr>
+          <p:cNvPr id="2050" name="Picture 2"/>
           <p:cNvPicPr>
             <a:picLocks noChangeAspect="1" noChangeArrowheads="1"/>
           </p:cNvPicPr>
           <p:nvPr/>
         </p:nvPicPr>
         <p:blipFill>
-          <a:blip r:embed="rId8" cstate="print">
+          <a:blip r:embed="rId4">
             <a:extLst>
               <a:ext uri="{28A0092B-C50C-407E-A947-70E740481C1C}">
                 <a14:useLocalDpi xmlns:a14="http://schemas.microsoft.com/office/drawing/2010/main" val="0"/>
@@ -8881,49 +9930,8 @@
         </p:blipFill>
         <p:spPr bwMode="auto">
           <a:xfrm>
-            <a:off x="3527974" y="1065005"/>
-            <a:ext cx="1453423" cy="1453423"/>
-          </a:xfrm>
-          <a:prstGeom prst="rect">
-            <a:avLst/>
-          </a:prstGeom>
-          <a:noFill/>
-          <a:extLst>
-            <a:ext uri="{909E8E84-426E-40DD-AFC4-6F175D3DCCD1}">
-              <a14:hiddenFill xmlns:a14="http://schemas.microsoft.com/office/drawing/2010/main">
-                <a:solidFill>
-                  <a:srgbClr val="FFFFFF"/>
-                </a:solidFill>
-              </a14:hiddenFill>
-            </a:ext>
-          </a:extLst>
-        </p:spPr>
-      </p:pic>
-      <p:pic>
-        <p:nvPicPr>
-          <p:cNvPr id="2064" name="Picture 16"/>
-          <p:cNvPicPr>
-            <a:picLocks noChangeAspect="1" noChangeArrowheads="1"/>
-          </p:cNvPicPr>
-          <p:nvPr/>
-        </p:nvPicPr>
-        <p:blipFill>
-          <a:blip r:embed="rId9">
-            <a:extLst>
-              <a:ext uri="{28A0092B-C50C-407E-A947-70E740481C1C}">
-                <a14:useLocalDpi xmlns:a14="http://schemas.microsoft.com/office/drawing/2010/main" val="0"/>
-              </a:ext>
-            </a:extLst>
-          </a:blip>
-          <a:srcRect/>
-          <a:stretch>
-            <a:fillRect/>
-          </a:stretch>
-        </p:blipFill>
-        <p:spPr bwMode="auto">
-          <a:xfrm>
-            <a:off x="5956259" y="1146692"/>
-            <a:ext cx="1762125" cy="1476375"/>
+            <a:off x="460375" y="1346862"/>
+            <a:ext cx="1609725" cy="1333500"/>
           </a:xfrm>
           <a:prstGeom prst="rect">
             <a:avLst/>
@@ -8965,14 +9973,14 @@
       </p:pic>
       <p:pic>
         <p:nvPicPr>
-          <p:cNvPr id="2065" name="Picture 17"/>
+          <p:cNvPr id="2052" name="Picture 4"/>
           <p:cNvPicPr>
             <a:picLocks noChangeAspect="1" noChangeArrowheads="1"/>
           </p:cNvPicPr>
           <p:nvPr/>
         </p:nvPicPr>
         <p:blipFill>
-          <a:blip r:embed="rId10" cstate="print">
+          <a:blip r:embed="rId5">
             <a:extLst>
               <a:ext uri="{28A0092B-C50C-407E-A947-70E740481C1C}">
                 <a14:useLocalDpi xmlns:a14="http://schemas.microsoft.com/office/drawing/2010/main" val="0"/>
@@ -8986,8 +9994,8 @@
         </p:blipFill>
         <p:spPr bwMode="auto">
           <a:xfrm>
-            <a:off x="6384323" y="3434116"/>
-            <a:ext cx="1096654" cy="1223191"/>
+            <a:off x="460375" y="4521894"/>
+            <a:ext cx="1525920" cy="1632203"/>
           </a:xfrm>
           <a:prstGeom prst="rect">
             <a:avLst/>
@@ -9027,6 +10035,164 @@
           </a:extLst>
         </p:spPr>
       </p:pic>
+      <p:pic>
+        <p:nvPicPr>
+          <p:cNvPr id="2054" name="Picture 6" descr="Resultado de imagem para central icone"/>
+          <p:cNvPicPr>
+            <a:picLocks noChangeAspect="1" noChangeArrowheads="1"/>
+          </p:cNvPicPr>
+          <p:nvPr/>
+        </p:nvPicPr>
+        <p:blipFill>
+          <a:blip r:embed="rId6" cstate="print">
+            <a:extLst>
+              <a:ext uri="{28A0092B-C50C-407E-A947-70E740481C1C}">
+                <a14:useLocalDpi xmlns:a14="http://schemas.microsoft.com/office/drawing/2010/main" val="0"/>
+              </a:ext>
+            </a:extLst>
+          </a:blip>
+          <a:srcRect/>
+          <a:stretch>
+            <a:fillRect/>
+          </a:stretch>
+        </p:blipFill>
+        <p:spPr bwMode="auto">
+          <a:xfrm>
+            <a:off x="3527974" y="5221209"/>
+            <a:ext cx="1207118" cy="1207118"/>
+          </a:xfrm>
+          <a:prstGeom prst="rect">
+            <a:avLst/>
+          </a:prstGeom>
+          <a:noFill/>
+          <a:extLst>
+            <a:ext uri="{909E8E84-426E-40DD-AFC4-6F175D3DCCD1}">
+              <a14:hiddenFill xmlns:a14="http://schemas.microsoft.com/office/drawing/2010/main">
+                <a:solidFill>
+                  <a:srgbClr val="FFFFFF"/>
+                </a:solidFill>
+              </a14:hiddenFill>
+            </a:ext>
+          </a:extLst>
+        </p:spPr>
+      </p:pic>
+      <p:sp>
+        <p:nvSpPr>
+          <p:cNvPr id="3" name="AutoShape 8" descr="Resultado de imagem para viatura icone"/>
+          <p:cNvSpPr>
+            <a:spLocks noChangeAspect="1" noChangeArrowheads="1"/>
+          </p:cNvSpPr>
+          <p:nvPr/>
+        </p:nvSpPr>
+        <p:spPr bwMode="auto">
+          <a:xfrm>
+            <a:off x="155575" y="-144463"/>
+            <a:ext cx="304800" cy="304801"/>
+          </a:xfrm>
+          <a:prstGeom prst="rect">
+            <a:avLst/>
+          </a:prstGeom>
+          <a:noFill/>
+          <a:extLst>
+            <a:ext uri="{909E8E84-426E-40DD-AFC4-6F175D3DCCD1}">
+              <a14:hiddenFill xmlns:a14="http://schemas.microsoft.com/office/drawing/2010/main">
+                <a:solidFill>
+                  <a:srgbClr val="FFFFFF"/>
+                </a:solidFill>
+              </a14:hiddenFill>
+            </a:ext>
+          </a:extLst>
+        </p:spPr>
+        <p:txBody>
+          <a:bodyPr vert="horz" wrap="square" lIns="91440" tIns="45720" rIns="91440" bIns="45720" numCol="1" anchor="t" anchorCtr="0" compatLnSpc="1">
+            <a:prstTxWarp prst="textNoShape">
+              <a:avLst/>
+            </a:prstTxWarp>
+          </a:bodyPr>
+          <a:lstStyle/>
+          <a:p>
+            <a:endParaRPr lang="pt-BR"/>
+          </a:p>
+        </p:txBody>
+      </p:sp>
+      <p:sp>
+        <p:nvSpPr>
+          <p:cNvPr id="4" name="AutoShape 10" descr="Resultado de imagem para viatura icone"/>
+          <p:cNvSpPr>
+            <a:spLocks noChangeAspect="1" noChangeArrowheads="1"/>
+          </p:cNvSpPr>
+          <p:nvPr/>
+        </p:nvSpPr>
+        <p:spPr bwMode="auto">
+          <a:xfrm>
+            <a:off x="307975" y="7937"/>
+            <a:ext cx="304800" cy="304801"/>
+          </a:xfrm>
+          <a:prstGeom prst="rect">
+            <a:avLst/>
+          </a:prstGeom>
+          <a:noFill/>
+          <a:extLst>
+            <a:ext uri="{909E8E84-426E-40DD-AFC4-6F175D3DCCD1}">
+              <a14:hiddenFill xmlns:a14="http://schemas.microsoft.com/office/drawing/2010/main">
+                <a:solidFill>
+                  <a:srgbClr val="FFFFFF"/>
+                </a:solidFill>
+              </a14:hiddenFill>
+            </a:ext>
+          </a:extLst>
+        </p:spPr>
+        <p:txBody>
+          <a:bodyPr vert="horz" wrap="square" lIns="91440" tIns="45720" rIns="91440" bIns="45720" numCol="1" anchor="t" anchorCtr="0" compatLnSpc="1">
+            <a:prstTxWarp prst="textNoShape">
+              <a:avLst/>
+            </a:prstTxWarp>
+          </a:bodyPr>
+          <a:lstStyle/>
+          <a:p>
+            <a:endParaRPr lang="pt-BR"/>
+          </a:p>
+        </p:txBody>
+      </p:sp>
+      <p:sp>
+        <p:nvSpPr>
+          <p:cNvPr id="5" name="AutoShape 12" descr="Resultado de imagem para viatura icone"/>
+          <p:cNvSpPr>
+            <a:spLocks noChangeAspect="1" noChangeArrowheads="1"/>
+          </p:cNvSpPr>
+          <p:nvPr/>
+        </p:nvSpPr>
+        <p:spPr bwMode="auto">
+          <a:xfrm>
+            <a:off x="460375" y="160337"/>
+            <a:ext cx="304800" cy="304801"/>
+          </a:xfrm>
+          <a:prstGeom prst="rect">
+            <a:avLst/>
+          </a:prstGeom>
+          <a:noFill/>
+          <a:extLst>
+            <a:ext uri="{909E8E84-426E-40DD-AFC4-6F175D3DCCD1}">
+              <a14:hiddenFill xmlns:a14="http://schemas.microsoft.com/office/drawing/2010/main">
+                <a:solidFill>
+                  <a:srgbClr val="FFFFFF"/>
+                </a:solidFill>
+              </a14:hiddenFill>
+            </a:ext>
+          </a:extLst>
+        </p:spPr>
+        <p:txBody>
+          <a:bodyPr vert="horz" wrap="square" lIns="91440" tIns="45720" rIns="91440" bIns="45720" numCol="1" anchor="t" anchorCtr="0" compatLnSpc="1">
+            <a:prstTxWarp prst="textNoShape">
+              <a:avLst/>
+            </a:prstTxWarp>
+          </a:bodyPr>
+          <a:lstStyle/>
+          <a:p>
+            <a:endParaRPr lang="pt-BR"/>
+          </a:p>
+        </p:txBody>
+      </p:sp>
       <p:sp>
         <p:nvSpPr>
           <p:cNvPr id="10" name="Seta para baixo 9"/>
@@ -9069,16 +10235,16 @@
       </p:sp>
       <p:sp>
         <p:nvSpPr>
-          <p:cNvPr id="19" name="Seta para baixo 18"/>
+          <p:cNvPr id="13" name="Seta para a direita 12"/>
           <p:cNvSpPr/>
           <p:nvPr/>
         </p:nvSpPr>
         <p:spPr>
           <a:xfrm>
-            <a:off x="6802996" y="2680362"/>
-            <a:ext cx="259308" cy="605841"/>
-          </a:xfrm>
-          <a:prstGeom prst="downArrow">
+            <a:off x="2402006" y="5653971"/>
+            <a:ext cx="791570" cy="292653"/>
+          </a:xfrm>
+          <a:prstGeom prst="rightArrow">
             <a:avLst/>
           </a:prstGeom>
         </p:spPr>
@@ -9109,174 +10275,192 @@
       </p:sp>
       <p:sp>
         <p:nvSpPr>
-          <p:cNvPr id="11" name="Seta para cima 10"/>
-          <p:cNvSpPr/>
-          <p:nvPr/>
-        </p:nvSpPr>
-        <p:spPr>
-          <a:xfrm>
-            <a:off x="3981407" y="4387291"/>
-            <a:ext cx="300250" cy="704673"/>
-          </a:xfrm>
-          <a:prstGeom prst="upArrow">
-            <a:avLst/>
-          </a:prstGeom>
-        </p:spPr>
-        <p:style>
-          <a:lnRef idx="2">
-            <a:schemeClr val="accent1">
-              <a:shade val="50000"/>
-            </a:schemeClr>
-          </a:lnRef>
-          <a:fillRef idx="1">
-            <a:schemeClr val="accent1"/>
-          </a:fillRef>
-          <a:effectRef idx="0">
-            <a:schemeClr val="accent1"/>
-          </a:effectRef>
-          <a:fontRef idx="minor">
-            <a:schemeClr val="lt1"/>
-          </a:fontRef>
-        </p:style>
-        <p:txBody>
-          <a:bodyPr rtlCol="0" anchor="ctr"/>
+          <p:cNvPr id="14" name="AutoShape 21" descr="Resultado de imagem para planilha icone"/>
+          <p:cNvSpPr>
+            <a:spLocks noChangeAspect="1" noChangeArrowheads="1"/>
+          </p:cNvSpPr>
+          <p:nvPr/>
+        </p:nvSpPr>
+        <p:spPr bwMode="auto">
+          <a:xfrm>
+            <a:off x="612775" y="312737"/>
+            <a:ext cx="304800" cy="304801"/>
+          </a:xfrm>
+          <a:prstGeom prst="rect">
+            <a:avLst/>
+          </a:prstGeom>
+          <a:noFill/>
+          <a:extLst>
+            <a:ext uri="{909E8E84-426E-40DD-AFC4-6F175D3DCCD1}">
+              <a14:hiddenFill xmlns:a14="http://schemas.microsoft.com/office/drawing/2010/main">
+                <a:solidFill>
+                  <a:srgbClr val="FFFFFF"/>
+                </a:solidFill>
+              </a14:hiddenFill>
+            </a:ext>
+          </a:extLst>
+        </p:spPr>
+        <p:txBody>
+          <a:bodyPr vert="horz" wrap="square" lIns="91440" tIns="45720" rIns="91440" bIns="45720" numCol="1" anchor="t" anchorCtr="0" compatLnSpc="1">
+            <a:prstTxWarp prst="textNoShape">
+              <a:avLst/>
+            </a:prstTxWarp>
+          </a:bodyPr>
+          <a:lstStyle/>
+          <a:p>
+            <a:endParaRPr lang="pt-BR"/>
+          </a:p>
+        </p:txBody>
+      </p:sp>
+    </p:spTree>
+    <p:extLst>
+      <p:ext uri="{BB962C8B-B14F-4D97-AF65-F5344CB8AC3E}">
+        <p14:creationId xmlns:p14="http://schemas.microsoft.com/office/powerpoint/2010/main" val="3320848696"/>
+      </p:ext>
+    </p:extLst>
+  </p:cSld>
+  <p:clrMapOvr>
+    <a:masterClrMapping/>
+  </p:clrMapOvr>
+  <p:timing>
+    <p:tnLst>
+      <p:par>
+        <p:cTn id="1" dur="indefinite" restart="never" nodeType="tmRoot"/>
+      </p:par>
+    </p:tnLst>
+  </p:timing>
+</p:sld>
+</file>
+
+<file path=ppt/slides/slide8.xml><?xml version="1.0" encoding="utf-8"?>
+<p:sld xmlns:a="http://schemas.openxmlformats.org/drawingml/2006/main" xmlns:r="http://schemas.openxmlformats.org/officeDocument/2006/relationships" xmlns:p="http://schemas.openxmlformats.org/presentationml/2006/main">
+  <p:cSld>
+    <p:spTree>
+      <p:nvGrpSpPr>
+        <p:cNvPr id="1" name=""/>
+        <p:cNvGrpSpPr/>
+        <p:nvPr/>
+      </p:nvGrpSpPr>
+      <p:grpSpPr>
+        <a:xfrm>
+          <a:off x="0" y="0"/>
+          <a:ext cx="0" cy="0"/>
+          <a:chOff x="0" y="0"/>
+          <a:chExt cx="0" cy="0"/>
+        </a:xfrm>
+      </p:grpSpPr>
+      <p:sp>
+        <p:nvSpPr>
+          <p:cNvPr id="2" name="Título 1"/>
+          <p:cNvSpPr>
+            <a:spLocks noGrp="1"/>
+          </p:cNvSpPr>
+          <p:nvPr>
+            <p:ph type="title"/>
+          </p:nvPr>
+        </p:nvSpPr>
+        <p:spPr>
+          <a:xfrm>
+            <a:off x="73652" y="154155"/>
+            <a:ext cx="10515600" cy="822053"/>
+          </a:xfrm>
+        </p:spPr>
+        <p:txBody>
+          <a:bodyPr>
+            <a:normAutofit fontScale="90000"/>
+          </a:bodyPr>
           <a:lstStyle/>
           <a:p>
             <a:pPr algn="ctr"/>
-            <a:endParaRPr lang="pt-BR"/>
-          </a:p>
-        </p:txBody>
-      </p:sp>
-      <p:sp>
-        <p:nvSpPr>
-          <p:cNvPr id="13" name="Seta para a direita 12"/>
-          <p:cNvSpPr/>
-          <p:nvPr/>
-        </p:nvSpPr>
-        <p:spPr>
-          <a:xfrm>
-            <a:off x="2402006" y="5653971"/>
-            <a:ext cx="791570" cy="292653"/>
-          </a:xfrm>
-          <a:prstGeom prst="rightArrow">
-            <a:avLst/>
-          </a:prstGeom>
-        </p:spPr>
-        <p:style>
-          <a:lnRef idx="2">
-            <a:schemeClr val="accent1">
-              <a:shade val="50000"/>
-            </a:schemeClr>
-          </a:lnRef>
-          <a:fillRef idx="1">
-            <a:schemeClr val="accent1"/>
-          </a:fillRef>
-          <a:effectRef idx="0">
-            <a:schemeClr val="accent1"/>
-          </a:effectRef>
-          <a:fontRef idx="minor">
-            <a:schemeClr val="lt1"/>
-          </a:fontRef>
-        </p:style>
-        <p:txBody>
-          <a:bodyPr rtlCol="0" anchor="ctr"/>
-          <a:lstStyle/>
-          <a:p>
-            <a:pPr algn="ctr"/>
-            <a:endParaRPr lang="pt-BR"/>
-          </a:p>
-        </p:txBody>
-      </p:sp>
-      <p:sp>
-        <p:nvSpPr>
-          <p:cNvPr id="23" name="Seta para a direita 22"/>
-          <p:cNvSpPr/>
-          <p:nvPr/>
-        </p:nvSpPr>
-        <p:spPr>
-          <a:xfrm>
-            <a:off x="4981397" y="1720959"/>
-            <a:ext cx="791570" cy="292653"/>
-          </a:xfrm>
-          <a:prstGeom prst="rightArrow">
-            <a:avLst/>
-          </a:prstGeom>
-        </p:spPr>
-        <p:style>
-          <a:lnRef idx="2">
-            <a:schemeClr val="accent1">
-              <a:shade val="50000"/>
-            </a:schemeClr>
-          </a:lnRef>
-          <a:fillRef idx="1">
-            <a:schemeClr val="accent1"/>
-          </a:fillRef>
-          <a:effectRef idx="0">
-            <a:schemeClr val="accent1"/>
-          </a:effectRef>
-          <a:fontRef idx="minor">
-            <a:schemeClr val="lt1"/>
-          </a:fontRef>
-        </p:style>
-        <p:txBody>
-          <a:bodyPr rtlCol="0" anchor="ctr"/>
-          <a:lstStyle/>
-          <a:p>
-            <a:pPr algn="ctr"/>
-            <a:endParaRPr lang="pt-BR"/>
-          </a:p>
-        </p:txBody>
-      </p:sp>
-      <p:sp>
-        <p:nvSpPr>
-          <p:cNvPr id="24" name="Seta para cima 23"/>
-          <p:cNvSpPr/>
-          <p:nvPr/>
-        </p:nvSpPr>
-        <p:spPr>
-          <a:xfrm>
-            <a:off x="3983682" y="2493884"/>
-            <a:ext cx="300250" cy="704673"/>
-          </a:xfrm>
-          <a:prstGeom prst="upArrow">
-            <a:avLst/>
-          </a:prstGeom>
-        </p:spPr>
-        <p:style>
-          <a:lnRef idx="2">
-            <a:schemeClr val="accent1">
-              <a:shade val="50000"/>
-            </a:schemeClr>
-          </a:lnRef>
-          <a:fillRef idx="1">
-            <a:schemeClr val="accent1"/>
-          </a:fillRef>
-          <a:effectRef idx="0">
-            <a:schemeClr val="accent1"/>
-          </a:effectRef>
-          <a:fontRef idx="minor">
-            <a:schemeClr val="lt1"/>
-          </a:fontRef>
-        </p:style>
-        <p:txBody>
-          <a:bodyPr rtlCol="0" anchor="ctr"/>
-          <a:lstStyle/>
-          <a:p>
-            <a:pPr algn="ctr"/>
-            <a:endParaRPr lang="pt-BR"/>
+            <a:r>
+              <a:rPr lang="pt-BR" dirty="0" smtClean="0"/>
+              <a:t>3. Fluxo de uma </a:t>
+            </a:r>
+            <a:r>
+              <a:rPr lang="pt-BR" dirty="0" smtClean="0"/>
+              <a:t>ocorrência</a:t>
+            </a:r>
+            <a:br>
+              <a:rPr lang="pt-BR" dirty="0" smtClean="0"/>
+            </a:br>
+            <a:r>
+              <a:rPr lang="pt-BR" dirty="0" smtClean="0"/>
+              <a:t>Tradicional</a:t>
+            </a:r>
+            <a:endParaRPr lang="pt-BR" dirty="0"/>
           </a:p>
         </p:txBody>
       </p:sp>
       <p:pic>
         <p:nvPicPr>
-          <p:cNvPr id="2066" name="Picture 18"/>
+          <p:cNvPr id="8" name="Imagem 7"/>
+          <p:cNvPicPr>
+            <a:picLocks noChangeAspect="1"/>
+          </p:cNvPicPr>
+          <p:nvPr/>
+        </p:nvPicPr>
+        <p:blipFill>
+          <a:blip r:embed="rId2" cstate="print">
+            <a:extLst>
+              <a:ext uri="{28A0092B-C50C-407E-A947-70E740481C1C}">
+                <a14:useLocalDpi xmlns:a14="http://schemas.microsoft.com/office/drawing/2010/main" val="0"/>
+              </a:ext>
+            </a:extLst>
+          </a:blip>
+          <a:stretch>
+            <a:fillRect/>
+          </a:stretch>
+        </p:blipFill>
+        <p:spPr>
+          <a:xfrm>
+            <a:off x="104916" y="98107"/>
+            <a:ext cx="1653512" cy="1168456"/>
+          </a:xfrm>
+          <a:prstGeom prst="rect">
+            <a:avLst/>
+          </a:prstGeom>
+        </p:spPr>
+      </p:pic>
+      <p:pic>
+        <p:nvPicPr>
+          <p:cNvPr id="9" name="Imagem 8"/>
+          <p:cNvPicPr>
+            <a:picLocks noChangeAspect="1"/>
+          </p:cNvPicPr>
+          <p:nvPr/>
+        </p:nvPicPr>
+        <p:blipFill>
+          <a:blip r:embed="rId3" cstate="print">
+            <a:extLst>
+              <a:ext uri="{28A0092B-C50C-407E-A947-70E740481C1C}">
+                <a14:useLocalDpi xmlns:a14="http://schemas.microsoft.com/office/drawing/2010/main" val="0"/>
+              </a:ext>
+            </a:extLst>
+          </a:blip>
+          <a:stretch>
+            <a:fillRect/>
+          </a:stretch>
+        </p:blipFill>
+        <p:spPr>
+          <a:xfrm>
+            <a:off x="8894699" y="-16327"/>
+            <a:ext cx="2326039" cy="1163019"/>
+          </a:xfrm>
+          <a:prstGeom prst="rect">
+            <a:avLst/>
+          </a:prstGeom>
+        </p:spPr>
+      </p:pic>
+      <p:pic>
+        <p:nvPicPr>
+          <p:cNvPr id="2050" name="Picture 2"/>
           <p:cNvPicPr>
             <a:picLocks noChangeAspect="1" noChangeArrowheads="1"/>
           </p:cNvPicPr>
           <p:nvPr/>
         </p:nvPicPr>
         <p:blipFill>
-          <a:blip r:embed="rId11">
+          <a:blip r:embed="rId4">
             <a:extLst>
               <a:ext uri="{28A0092B-C50C-407E-A947-70E740481C1C}">
                 <a14:useLocalDpi xmlns:a14="http://schemas.microsoft.com/office/drawing/2010/main" val="0"/>
@@ -9290,8 +10474,8 @@
         </p:blipFill>
         <p:spPr bwMode="auto">
           <a:xfrm>
-            <a:off x="6317796" y="5337995"/>
-            <a:ext cx="1400175" cy="1285875"/>
+            <a:off x="460375" y="1346862"/>
+            <a:ext cx="1609725" cy="1333500"/>
           </a:xfrm>
           <a:prstGeom prst="rect">
             <a:avLst/>
@@ -9333,14 +10517,14 @@
       </p:pic>
       <p:pic>
         <p:nvPicPr>
-          <p:cNvPr id="2067" name="Picture 19"/>
+          <p:cNvPr id="2052" name="Picture 4"/>
           <p:cNvPicPr>
             <a:picLocks noChangeAspect="1" noChangeArrowheads="1"/>
           </p:cNvPicPr>
           <p:nvPr/>
         </p:nvPicPr>
         <p:blipFill>
-          <a:blip r:embed="rId12">
+          <a:blip r:embed="rId5">
             <a:extLst>
               <a:ext uri="{28A0092B-C50C-407E-A947-70E740481C1C}">
                 <a14:useLocalDpi xmlns:a14="http://schemas.microsoft.com/office/drawing/2010/main" val="0"/>
@@ -9354,8 +10538,8 @@
         </p:blipFill>
         <p:spPr bwMode="auto">
           <a:xfrm>
-            <a:off x="9093464" y="3286203"/>
-            <a:ext cx="1476376" cy="995363"/>
+            <a:off x="460375" y="4521894"/>
+            <a:ext cx="1525920" cy="1632203"/>
           </a:xfrm>
           <a:prstGeom prst="rect">
             <a:avLst/>
@@ -9395,55 +10579,16 @@
           </a:extLst>
         </p:spPr>
       </p:pic>
-      <p:sp>
-        <p:nvSpPr>
-          <p:cNvPr id="14" name="AutoShape 21" descr="Resultado de imagem para planilha icone"/>
-          <p:cNvSpPr>
-            <a:spLocks noChangeAspect="1" noChangeArrowheads="1"/>
-          </p:cNvSpPr>
-          <p:nvPr/>
-        </p:nvSpPr>
-        <p:spPr bwMode="auto">
-          <a:xfrm>
-            <a:off x="612775" y="312737"/>
-            <a:ext cx="304800" cy="304801"/>
-          </a:xfrm>
-          <a:prstGeom prst="rect">
-            <a:avLst/>
-          </a:prstGeom>
-          <a:noFill/>
-          <a:extLst>
-            <a:ext uri="{909E8E84-426E-40DD-AFC4-6F175D3DCCD1}">
-              <a14:hiddenFill xmlns:a14="http://schemas.microsoft.com/office/drawing/2010/main">
-                <a:solidFill>
-                  <a:srgbClr val="FFFFFF"/>
-                </a:solidFill>
-              </a14:hiddenFill>
-            </a:ext>
-          </a:extLst>
-        </p:spPr>
-        <p:txBody>
-          <a:bodyPr vert="horz" wrap="square" lIns="91440" tIns="45720" rIns="91440" bIns="45720" numCol="1" anchor="t" anchorCtr="0" compatLnSpc="1">
-            <a:prstTxWarp prst="textNoShape">
-              <a:avLst/>
-            </a:prstTxWarp>
-          </a:bodyPr>
-          <a:lstStyle/>
-          <a:p>
-            <a:endParaRPr lang="pt-BR"/>
-          </a:p>
-        </p:txBody>
-      </p:sp>
       <p:pic>
         <p:nvPicPr>
-          <p:cNvPr id="2070" name="Picture 22"/>
+          <p:cNvPr id="2054" name="Picture 6" descr="Resultado de imagem para central icone"/>
           <p:cNvPicPr>
             <a:picLocks noChangeAspect="1" noChangeArrowheads="1"/>
           </p:cNvPicPr>
           <p:nvPr/>
         </p:nvPicPr>
         <p:blipFill>
-          <a:blip r:embed="rId13">
+          <a:blip r:embed="rId6" cstate="print">
             <a:extLst>
               <a:ext uri="{28A0092B-C50C-407E-A947-70E740481C1C}">
                 <a14:useLocalDpi xmlns:a14="http://schemas.microsoft.com/office/drawing/2010/main" val="0"/>
@@ -9457,8 +10602,166 @@
         </p:blipFill>
         <p:spPr bwMode="auto">
           <a:xfrm>
-            <a:off x="9210197" y="1217775"/>
-            <a:ext cx="1071563" cy="1071563"/>
+            <a:off x="3527974" y="5221209"/>
+            <a:ext cx="1207118" cy="1207118"/>
+          </a:xfrm>
+          <a:prstGeom prst="rect">
+            <a:avLst/>
+          </a:prstGeom>
+          <a:noFill/>
+          <a:extLst>
+            <a:ext uri="{909E8E84-426E-40DD-AFC4-6F175D3DCCD1}">
+              <a14:hiddenFill xmlns:a14="http://schemas.microsoft.com/office/drawing/2010/main">
+                <a:solidFill>
+                  <a:srgbClr val="FFFFFF"/>
+                </a:solidFill>
+              </a14:hiddenFill>
+            </a:ext>
+          </a:extLst>
+        </p:spPr>
+      </p:pic>
+      <p:sp>
+        <p:nvSpPr>
+          <p:cNvPr id="3" name="AutoShape 8" descr="Resultado de imagem para viatura icone"/>
+          <p:cNvSpPr>
+            <a:spLocks noChangeAspect="1" noChangeArrowheads="1"/>
+          </p:cNvSpPr>
+          <p:nvPr/>
+        </p:nvSpPr>
+        <p:spPr bwMode="auto">
+          <a:xfrm>
+            <a:off x="155575" y="-144463"/>
+            <a:ext cx="304800" cy="304801"/>
+          </a:xfrm>
+          <a:prstGeom prst="rect">
+            <a:avLst/>
+          </a:prstGeom>
+          <a:noFill/>
+          <a:extLst>
+            <a:ext uri="{909E8E84-426E-40DD-AFC4-6F175D3DCCD1}">
+              <a14:hiddenFill xmlns:a14="http://schemas.microsoft.com/office/drawing/2010/main">
+                <a:solidFill>
+                  <a:srgbClr val="FFFFFF"/>
+                </a:solidFill>
+              </a14:hiddenFill>
+            </a:ext>
+          </a:extLst>
+        </p:spPr>
+        <p:txBody>
+          <a:bodyPr vert="horz" wrap="square" lIns="91440" tIns="45720" rIns="91440" bIns="45720" numCol="1" anchor="t" anchorCtr="0" compatLnSpc="1">
+            <a:prstTxWarp prst="textNoShape">
+              <a:avLst/>
+            </a:prstTxWarp>
+          </a:bodyPr>
+          <a:lstStyle/>
+          <a:p>
+            <a:endParaRPr lang="pt-BR"/>
+          </a:p>
+        </p:txBody>
+      </p:sp>
+      <p:sp>
+        <p:nvSpPr>
+          <p:cNvPr id="4" name="AutoShape 10" descr="Resultado de imagem para viatura icone"/>
+          <p:cNvSpPr>
+            <a:spLocks noChangeAspect="1" noChangeArrowheads="1"/>
+          </p:cNvSpPr>
+          <p:nvPr/>
+        </p:nvSpPr>
+        <p:spPr bwMode="auto">
+          <a:xfrm>
+            <a:off x="307975" y="7937"/>
+            <a:ext cx="304800" cy="304801"/>
+          </a:xfrm>
+          <a:prstGeom prst="rect">
+            <a:avLst/>
+          </a:prstGeom>
+          <a:noFill/>
+          <a:extLst>
+            <a:ext uri="{909E8E84-426E-40DD-AFC4-6F175D3DCCD1}">
+              <a14:hiddenFill xmlns:a14="http://schemas.microsoft.com/office/drawing/2010/main">
+                <a:solidFill>
+                  <a:srgbClr val="FFFFFF"/>
+                </a:solidFill>
+              </a14:hiddenFill>
+            </a:ext>
+          </a:extLst>
+        </p:spPr>
+        <p:txBody>
+          <a:bodyPr vert="horz" wrap="square" lIns="91440" tIns="45720" rIns="91440" bIns="45720" numCol="1" anchor="t" anchorCtr="0" compatLnSpc="1">
+            <a:prstTxWarp prst="textNoShape">
+              <a:avLst/>
+            </a:prstTxWarp>
+          </a:bodyPr>
+          <a:lstStyle/>
+          <a:p>
+            <a:endParaRPr lang="pt-BR"/>
+          </a:p>
+        </p:txBody>
+      </p:sp>
+      <p:sp>
+        <p:nvSpPr>
+          <p:cNvPr id="5" name="AutoShape 12" descr="Resultado de imagem para viatura icone"/>
+          <p:cNvSpPr>
+            <a:spLocks noChangeAspect="1" noChangeArrowheads="1"/>
+          </p:cNvSpPr>
+          <p:nvPr/>
+        </p:nvSpPr>
+        <p:spPr bwMode="auto">
+          <a:xfrm>
+            <a:off x="460375" y="160337"/>
+            <a:ext cx="304800" cy="304801"/>
+          </a:xfrm>
+          <a:prstGeom prst="rect">
+            <a:avLst/>
+          </a:prstGeom>
+          <a:noFill/>
+          <a:extLst>
+            <a:ext uri="{909E8E84-426E-40DD-AFC4-6F175D3DCCD1}">
+              <a14:hiddenFill xmlns:a14="http://schemas.microsoft.com/office/drawing/2010/main">
+                <a:solidFill>
+                  <a:srgbClr val="FFFFFF"/>
+                </a:solidFill>
+              </a14:hiddenFill>
+            </a:ext>
+          </a:extLst>
+        </p:spPr>
+        <p:txBody>
+          <a:bodyPr vert="horz" wrap="square" lIns="91440" tIns="45720" rIns="91440" bIns="45720" numCol="1" anchor="t" anchorCtr="0" compatLnSpc="1">
+            <a:prstTxWarp prst="textNoShape">
+              <a:avLst/>
+            </a:prstTxWarp>
+          </a:bodyPr>
+          <a:lstStyle/>
+          <a:p>
+            <a:endParaRPr lang="pt-BR"/>
+          </a:p>
+        </p:txBody>
+      </p:sp>
+      <p:pic>
+        <p:nvPicPr>
+          <p:cNvPr id="2061" name="Picture 13"/>
+          <p:cNvPicPr>
+            <a:picLocks noChangeAspect="1" noChangeArrowheads="1"/>
+          </p:cNvPicPr>
+          <p:nvPr/>
+        </p:nvPicPr>
+        <p:blipFill>
+          <a:blip r:embed="rId7">
+            <a:extLst>
+              <a:ext uri="{28A0092B-C50C-407E-A947-70E740481C1C}">
+                <a14:useLocalDpi xmlns:a14="http://schemas.microsoft.com/office/drawing/2010/main" val="0"/>
+              </a:ext>
+            </a:extLst>
+          </a:blip>
+          <a:srcRect/>
+          <a:stretch>
+            <a:fillRect/>
+          </a:stretch>
+        </p:blipFill>
+        <p:spPr bwMode="auto">
+          <a:xfrm>
+            <a:off x="3344859" y="2846221"/>
+            <a:ext cx="1573347" cy="1573347"/>
           </a:xfrm>
           <a:prstGeom prst="rect">
             <a:avLst/>
@@ -9500,14 +10803,14 @@
       </p:pic>
       <p:pic>
         <p:nvPicPr>
-          <p:cNvPr id="2071" name="Picture 23"/>
+          <p:cNvPr id="2063" name="Picture 15" descr="Resultado de imagem para ladrao icone"/>
           <p:cNvPicPr>
             <a:picLocks noChangeAspect="1" noChangeArrowheads="1"/>
           </p:cNvPicPr>
           <p:nvPr/>
         </p:nvPicPr>
         <p:blipFill>
-          <a:blip r:embed="rId14" cstate="print">
+          <a:blip r:embed="rId8" cstate="print">
             <a:extLst>
               <a:ext uri="{28A0092B-C50C-407E-A947-70E740481C1C}">
                 <a14:useLocalDpi xmlns:a14="http://schemas.microsoft.com/office/drawing/2010/main" val="0"/>
@@ -9521,8 +10824,49 @@
         </p:blipFill>
         <p:spPr bwMode="auto">
           <a:xfrm>
-            <a:off x="9346269" y="5363165"/>
-            <a:ext cx="967811" cy="1283530"/>
+            <a:off x="3527974" y="1065005"/>
+            <a:ext cx="1453423" cy="1453423"/>
+          </a:xfrm>
+          <a:prstGeom prst="rect">
+            <a:avLst/>
+          </a:prstGeom>
+          <a:noFill/>
+          <a:extLst>
+            <a:ext uri="{909E8E84-426E-40DD-AFC4-6F175D3DCCD1}">
+              <a14:hiddenFill xmlns:a14="http://schemas.microsoft.com/office/drawing/2010/main">
+                <a:solidFill>
+                  <a:srgbClr val="FFFFFF"/>
+                </a:solidFill>
+              </a14:hiddenFill>
+            </a:ext>
+          </a:extLst>
+        </p:spPr>
+      </p:pic>
+      <p:pic>
+        <p:nvPicPr>
+          <p:cNvPr id="2064" name="Picture 16"/>
+          <p:cNvPicPr>
+            <a:picLocks noChangeAspect="1" noChangeArrowheads="1"/>
+          </p:cNvPicPr>
+          <p:nvPr/>
+        </p:nvPicPr>
+        <p:blipFill>
+          <a:blip r:embed="rId9">
+            <a:extLst>
+              <a:ext uri="{28A0092B-C50C-407E-A947-70E740481C1C}">
+                <a14:useLocalDpi xmlns:a14="http://schemas.microsoft.com/office/drawing/2010/main" val="0"/>
+              </a:ext>
+            </a:extLst>
+          </a:blip>
+          <a:srcRect/>
+          <a:stretch>
+            <a:fillRect/>
+          </a:stretch>
+        </p:blipFill>
+        <p:spPr bwMode="auto">
+          <a:xfrm>
+            <a:off x="5956259" y="1146692"/>
+            <a:ext cx="1762125" cy="1476375"/>
           </a:xfrm>
           <a:prstGeom prst="rect">
             <a:avLst/>
@@ -9562,18 +10906,82 @@
           </a:extLst>
         </p:spPr>
       </p:pic>
-      <p:sp>
-        <p:nvSpPr>
-          <p:cNvPr id="30" name="Seta para cima 29"/>
+      <p:pic>
+        <p:nvPicPr>
+          <p:cNvPr id="2065" name="Picture 17"/>
+          <p:cNvPicPr>
+            <a:picLocks noChangeAspect="1" noChangeArrowheads="1"/>
+          </p:cNvPicPr>
+          <p:nvPr/>
+        </p:nvPicPr>
+        <p:blipFill>
+          <a:blip r:embed="rId10" cstate="print">
+            <a:extLst>
+              <a:ext uri="{28A0092B-C50C-407E-A947-70E740481C1C}">
+                <a14:useLocalDpi xmlns:a14="http://schemas.microsoft.com/office/drawing/2010/main" val="0"/>
+              </a:ext>
+            </a:extLst>
+          </a:blip>
+          <a:srcRect/>
+          <a:stretch>
+            <a:fillRect/>
+          </a:stretch>
+        </p:blipFill>
+        <p:spPr bwMode="auto">
+          <a:xfrm>
+            <a:off x="6384323" y="3434116"/>
+            <a:ext cx="1096654" cy="1223191"/>
+          </a:xfrm>
+          <a:prstGeom prst="rect">
+            <a:avLst/>
+          </a:prstGeom>
+          <a:noFill/>
+          <a:ln>
+            <a:noFill/>
+          </a:ln>
+          <a:effectLst/>
+          <a:extLst>
+            <a:ext uri="{909E8E84-426E-40DD-AFC4-6F175D3DCCD1}">
+              <a14:hiddenFill xmlns:a14="http://schemas.microsoft.com/office/drawing/2010/main">
+                <a:solidFill>
+                  <a:schemeClr val="accent1"/>
+                </a:solidFill>
+              </a14:hiddenFill>
+            </a:ext>
+            <a:ext uri="{91240B29-F687-4F45-9708-019B960494DF}">
+              <a14:hiddenLine xmlns:a14="http://schemas.microsoft.com/office/drawing/2010/main" w="9525">
+                <a:solidFill>
+                  <a:schemeClr val="tx1"/>
+                </a:solidFill>
+                <a:miter lim="800000"/>
+                <a:headEnd/>
+                <a:tailEnd/>
+              </a14:hiddenLine>
+            </a:ext>
+            <a:ext uri="{AF507438-7753-43E0-B8FC-AC1667EBCBE1}">
+              <a14:hiddenEffects xmlns:a14="http://schemas.microsoft.com/office/drawing/2010/main">
+                <a:effectLst>
+                  <a:outerShdw dist="35921" dir="2700000" algn="ctr" rotWithShape="0">
+                    <a:schemeClr val="bg2"/>
+                  </a:outerShdw>
+                </a:effectLst>
+              </a14:hiddenEffects>
+            </a:ext>
+          </a:extLst>
+        </p:spPr>
+      </p:pic>
+      <p:sp>
+        <p:nvSpPr>
+          <p:cNvPr id="10" name="Seta para baixo 9"/>
           <p:cNvSpPr/>
           <p:nvPr/>
         </p:nvSpPr>
         <p:spPr>
           <a:xfrm>
-            <a:off x="9681527" y="4356108"/>
-            <a:ext cx="300250" cy="704673"/>
-          </a:xfrm>
-          <a:prstGeom prst="upArrow">
+            <a:off x="1189215" y="3254171"/>
+            <a:ext cx="259308" cy="605841"/>
+          </a:xfrm>
+          <a:prstGeom prst="downArrow">
             <a:avLst/>
           </a:prstGeom>
         </p:spPr>
@@ -9604,16 +11012,16 @@
       </p:sp>
       <p:sp>
         <p:nvSpPr>
-          <p:cNvPr id="31" name="Seta para cima 30"/>
+          <p:cNvPr id="19" name="Seta para baixo 18"/>
           <p:cNvSpPr/>
           <p:nvPr/>
         </p:nvSpPr>
         <p:spPr>
           <a:xfrm>
-            <a:off x="9650445" y="2300060"/>
-            <a:ext cx="300250" cy="704673"/>
-          </a:xfrm>
-          <a:prstGeom prst="upArrow">
+            <a:off x="6802996" y="2680362"/>
+            <a:ext cx="259308" cy="605841"/>
+          </a:xfrm>
+          <a:prstGeom prst="downArrow">
             <a:avLst/>
           </a:prstGeom>
         </p:spPr>
@@ -9644,16 +11052,16 @@
       </p:sp>
       <p:sp>
         <p:nvSpPr>
-          <p:cNvPr id="32" name="Seta para a direita 31"/>
+          <p:cNvPr id="11" name="Seta para cima 10"/>
           <p:cNvSpPr/>
           <p:nvPr/>
         </p:nvSpPr>
         <p:spPr>
           <a:xfrm>
-            <a:off x="8064424" y="5678441"/>
-            <a:ext cx="791570" cy="292653"/>
-          </a:xfrm>
-          <a:prstGeom prst="rightArrow">
+            <a:off x="3981407" y="4387291"/>
+            <a:ext cx="300250" cy="704673"/>
+          </a:xfrm>
+          <a:prstGeom prst="upArrow">
             <a:avLst/>
           </a:prstGeom>
         </p:spPr>
@@ -9684,16 +11092,16 @@
       </p:sp>
       <p:sp>
         <p:nvSpPr>
-          <p:cNvPr id="33" name="Seta para baixo 32"/>
+          <p:cNvPr id="13" name="Seta para a direita 12"/>
           <p:cNvSpPr/>
           <p:nvPr/>
         </p:nvSpPr>
         <p:spPr>
           <a:xfrm>
-            <a:off x="6751339" y="4708444"/>
-            <a:ext cx="259308" cy="605841"/>
-          </a:xfrm>
-          <a:prstGeom prst="downArrow">
+            <a:off x="2402006" y="5653971"/>
+            <a:ext cx="791570" cy="292653"/>
+          </a:xfrm>
+          <a:prstGeom prst="rightArrow">
             <a:avLst/>
           </a:prstGeom>
         </p:spPr>
@@ -9724,446 +11132,94 @@
       </p:sp>
       <p:sp>
         <p:nvSpPr>
-          <p:cNvPr id="15" name="CaixaDeTexto 14"/>
-          <p:cNvSpPr txBox="1"/>
-          <p:nvPr/>
-        </p:nvSpPr>
-        <p:spPr>
-          <a:xfrm>
-            <a:off x="6329731" y="3187760"/>
-            <a:ext cx="1087670" cy="369332"/>
-          </a:xfrm>
-          <a:prstGeom prst="rect">
-            <a:avLst/>
-          </a:prstGeom>
-          <a:noFill/>
-        </p:spPr>
-        <p:txBody>
-          <a:bodyPr wrap="none" rtlCol="0">
-            <a:spAutoFit/>
-          </a:bodyPr>
-          <a:lstStyle/>
-          <a:p>
-            <a:r>
-              <a:rPr lang="pt-BR" dirty="0" smtClean="0"/>
-              <a:t>Delegacia</a:t>
-            </a:r>
-            <a:endParaRPr lang="pt-BR" dirty="0"/>
-          </a:p>
-        </p:txBody>
-      </p:sp>
-      <p:sp>
-        <p:nvSpPr>
-          <p:cNvPr id="35" name="CaixaDeTexto 34"/>
-          <p:cNvSpPr txBox="1"/>
-          <p:nvPr/>
-        </p:nvSpPr>
-        <p:spPr>
-          <a:xfrm>
-            <a:off x="9341213" y="2962150"/>
-            <a:ext cx="895502" cy="369332"/>
-          </a:xfrm>
-          <a:prstGeom prst="rect">
-            <a:avLst/>
-          </a:prstGeom>
-          <a:noFill/>
-        </p:spPr>
-        <p:txBody>
-          <a:bodyPr wrap="none" rtlCol="0">
-            <a:spAutoFit/>
-          </a:bodyPr>
-          <a:lstStyle/>
-          <a:p>
-            <a:r>
-              <a:rPr lang="pt-BR" dirty="0" smtClean="0"/>
-              <a:t>Quartel</a:t>
-            </a:r>
-            <a:endParaRPr lang="pt-BR" dirty="0"/>
-          </a:p>
-        </p:txBody>
-      </p:sp>
-      <p:sp>
-        <p:nvSpPr>
-          <p:cNvPr id="36" name="CaixaDeTexto 35"/>
-          <p:cNvSpPr txBox="1"/>
-          <p:nvPr/>
-        </p:nvSpPr>
-        <p:spPr>
-          <a:xfrm>
-            <a:off x="9137568" y="5014000"/>
-            <a:ext cx="1326004" cy="369332"/>
-          </a:xfrm>
-          <a:prstGeom prst="rect">
-            <a:avLst/>
-          </a:prstGeom>
-          <a:noFill/>
-        </p:spPr>
-        <p:txBody>
-          <a:bodyPr wrap="none" rtlCol="0">
-            <a:spAutoFit/>
-          </a:bodyPr>
-          <a:lstStyle/>
-          <a:p>
-            <a:r>
-              <a:rPr lang="pt-BR" dirty="0" smtClean="0"/>
-              <a:t>BO Validado</a:t>
-            </a:r>
-            <a:endParaRPr lang="pt-BR" dirty="0"/>
-          </a:p>
-        </p:txBody>
-      </p:sp>
-    </p:spTree>
-  </p:cSld>
-  <p:clrMapOvr>
-    <a:masterClrMapping/>
-  </p:clrMapOvr>
-  <p:timing>
-    <p:tnLst>
-      <p:par>
-        <p:cTn id="1" dur="indefinite" restart="never" nodeType="tmRoot"/>
-      </p:par>
-    </p:tnLst>
-  </p:timing>
-</p:sld>
-</file>
-
-<file path=ppt/slides/slide6.xml><?xml version="1.0" encoding="utf-8"?>
-<p:sld xmlns:a="http://schemas.openxmlformats.org/drawingml/2006/main" xmlns:r="http://schemas.openxmlformats.org/officeDocument/2006/relationships" xmlns:p="http://schemas.openxmlformats.org/presentationml/2006/main">
-  <p:cSld>
-    <p:spTree>
-      <p:nvGrpSpPr>
-        <p:cNvPr id="1" name=""/>
-        <p:cNvGrpSpPr/>
-        <p:nvPr/>
-      </p:nvGrpSpPr>
-      <p:grpSpPr>
-        <a:xfrm>
-          <a:off x="0" y="0"/>
-          <a:ext cx="0" cy="0"/>
-          <a:chOff x="0" y="0"/>
-          <a:chExt cx="0" cy="0"/>
-        </a:xfrm>
-      </p:grpSpPr>
-      <p:sp>
-        <p:nvSpPr>
-          <p:cNvPr id="2" name="Título 1"/>
-          <p:cNvSpPr>
-            <a:spLocks noGrp="1"/>
-          </p:cNvSpPr>
-          <p:nvPr>
-            <p:ph type="title"/>
-          </p:nvPr>
-        </p:nvSpPr>
-        <p:spPr/>
-        <p:txBody>
-          <a:bodyPr/>
+          <p:cNvPr id="23" name="Seta para a direita 22"/>
+          <p:cNvSpPr/>
+          <p:nvPr/>
+        </p:nvSpPr>
+        <p:spPr>
+          <a:xfrm>
+            <a:off x="4981397" y="1720959"/>
+            <a:ext cx="791570" cy="292653"/>
+          </a:xfrm>
+          <a:prstGeom prst="rightArrow">
+            <a:avLst/>
+          </a:prstGeom>
+        </p:spPr>
+        <p:style>
+          <a:lnRef idx="2">
+            <a:schemeClr val="accent1">
+              <a:shade val="50000"/>
+            </a:schemeClr>
+          </a:lnRef>
+          <a:fillRef idx="1">
+            <a:schemeClr val="accent1"/>
+          </a:fillRef>
+          <a:effectRef idx="0">
+            <a:schemeClr val="accent1"/>
+          </a:effectRef>
+          <a:fontRef idx="minor">
+            <a:schemeClr val="lt1"/>
+          </a:fontRef>
+        </p:style>
+        <p:txBody>
+          <a:bodyPr rtlCol="0" anchor="ctr"/>
           <a:lstStyle/>
           <a:p>
             <a:pPr algn="ctr"/>
-            <a:r>
-              <a:rPr lang="pt-BR" dirty="0" smtClean="0"/>
-              <a:t>Problemática</a:t>
-            </a:r>
-            <a:endParaRPr lang="pt-BR" dirty="0"/>
-          </a:p>
-        </p:txBody>
-      </p:sp>
-      <p:sp>
-        <p:nvSpPr>
-          <p:cNvPr id="3" name="Espaço Reservado para Conteúdo 2"/>
-          <p:cNvSpPr>
-            <a:spLocks noGrp="1"/>
-          </p:cNvSpPr>
-          <p:nvPr>
-            <p:ph idx="1"/>
-          </p:nvPr>
-        </p:nvSpPr>
-        <p:spPr/>
-        <p:txBody>
-          <a:bodyPr>
-            <a:normAutofit/>
-          </a:bodyPr>
-          <a:lstStyle/>
-          <a:p>
-            <a:pPr algn="just"/>
-            <a:r>
-              <a:rPr lang="pt-BR" sz="2800" dirty="0" smtClean="0"/>
-              <a:t>Procedimento demora muito.</a:t>
-            </a:r>
-          </a:p>
-          <a:p>
-            <a:pPr algn="just"/>
-            <a:r>
-              <a:rPr lang="pt-BR" sz="2800" dirty="0" smtClean="0"/>
-              <a:t>Falta interligação entre sistemas do COPOM(</a:t>
-            </a:r>
-            <a:r>
-              <a:rPr lang="pt-BR" sz="2800" dirty="0" err="1" smtClean="0"/>
-              <a:t>Ati</a:t>
-            </a:r>
-            <a:r>
-              <a:rPr lang="pt-BR" sz="2800" dirty="0" smtClean="0"/>
-              <a:t>), PM e Policia Civil.</a:t>
-            </a:r>
-          </a:p>
-          <a:p>
-            <a:pPr algn="just"/>
-            <a:r>
-              <a:rPr lang="pt-BR" sz="2800" dirty="0" smtClean="0"/>
-              <a:t>Muitos papeis de procedimentos e ocorrências (ocupa muito espaço físico).</a:t>
-            </a:r>
-          </a:p>
-          <a:p>
-            <a:pPr algn="just"/>
-            <a:r>
-              <a:rPr lang="pt-BR" sz="2800" dirty="0" smtClean="0"/>
-              <a:t>Dados estatísticos quase inexistentes.</a:t>
-            </a:r>
-          </a:p>
-          <a:p>
-            <a:pPr algn="just"/>
-            <a:r>
-              <a:rPr lang="pt-BR" sz="2800" dirty="0" smtClean="0"/>
-              <a:t>Muitos policiais para preencher planilhas com base nos boletins escritos à mão (em média 2 por batalhão);</a:t>
-            </a:r>
-          </a:p>
-          <a:p>
-            <a:pPr algn="just"/>
-            <a:r>
-              <a:rPr lang="pt-BR" sz="2800" dirty="0" smtClean="0"/>
-              <a:t>Muito ruído nos dados;</a:t>
-            </a:r>
-          </a:p>
-          <a:p>
-            <a:pPr algn="just"/>
-            <a:r>
-              <a:rPr lang="pt-BR" sz="2800" dirty="0" smtClean="0"/>
-              <a:t>IMPOSSÍVEL  MINERAR!</a:t>
-            </a:r>
-          </a:p>
-          <a:p>
-            <a:pPr algn="just"/>
-            <a:endParaRPr lang="pt-BR" sz="3200" dirty="0"/>
-          </a:p>
-          <a:p>
-            <a:pPr lvl="1" algn="just">
-              <a:buFont typeface="Courier New" panose="02070309020205020404" pitchFamily="49" charset="0"/>
-              <a:buChar char="o"/>
-            </a:pPr>
-            <a:endParaRPr lang="pt-BR" dirty="0" smtClean="0"/>
-          </a:p>
-          <a:p>
-            <a:pPr lvl="1" algn="just">
-              <a:buFont typeface="Courier New" panose="02070309020205020404" pitchFamily="49" charset="0"/>
-              <a:buChar char="o"/>
-            </a:pPr>
-            <a:endParaRPr lang="pt-BR" dirty="0" smtClean="0"/>
-          </a:p>
-          <a:p>
-            <a:pPr lvl="1" algn="just">
-              <a:buFont typeface="Courier New" panose="02070309020205020404" pitchFamily="49" charset="0"/>
-              <a:buChar char="o"/>
-            </a:pPr>
-            <a:endParaRPr lang="pt-BR" dirty="0"/>
+            <a:endParaRPr lang="pt-BR"/>
+          </a:p>
+        </p:txBody>
+      </p:sp>
+      <p:sp>
+        <p:nvSpPr>
+          <p:cNvPr id="24" name="Seta para cima 23"/>
+          <p:cNvSpPr/>
+          <p:nvPr/>
+        </p:nvSpPr>
+        <p:spPr>
+          <a:xfrm>
+            <a:off x="3983682" y="2493884"/>
+            <a:ext cx="300250" cy="704673"/>
+          </a:xfrm>
+          <a:prstGeom prst="upArrow">
+            <a:avLst/>
+          </a:prstGeom>
+        </p:spPr>
+        <p:style>
+          <a:lnRef idx="2">
+            <a:schemeClr val="accent1">
+              <a:shade val="50000"/>
+            </a:schemeClr>
+          </a:lnRef>
+          <a:fillRef idx="1">
+            <a:schemeClr val="accent1"/>
+          </a:fillRef>
+          <a:effectRef idx="0">
+            <a:schemeClr val="accent1"/>
+          </a:effectRef>
+          <a:fontRef idx="minor">
+            <a:schemeClr val="lt1"/>
+          </a:fontRef>
+        </p:style>
+        <p:txBody>
+          <a:bodyPr rtlCol="0" anchor="ctr"/>
+          <a:lstStyle/>
+          <a:p>
+            <a:pPr algn="ctr"/>
+            <a:endParaRPr lang="pt-BR"/>
           </a:p>
         </p:txBody>
       </p:sp>
       <p:pic>
         <p:nvPicPr>
-          <p:cNvPr id="8" name="Imagem 7"/>
-          <p:cNvPicPr>
-            <a:picLocks noChangeAspect="1"/>
-          </p:cNvPicPr>
-          <p:nvPr/>
-        </p:nvPicPr>
-        <p:blipFill>
-          <a:blip r:embed="rId2" cstate="print">
-            <a:extLst>
-              <a:ext uri="{28A0092B-C50C-407E-A947-70E740481C1C}">
-                <a14:useLocalDpi xmlns:a14="http://schemas.microsoft.com/office/drawing/2010/main" val="0"/>
-              </a:ext>
-            </a:extLst>
-          </a:blip>
-          <a:stretch>
-            <a:fillRect/>
-          </a:stretch>
-        </p:blipFill>
-        <p:spPr>
-          <a:xfrm>
-            <a:off x="104916" y="98107"/>
-            <a:ext cx="1653512" cy="1168456"/>
-          </a:xfrm>
-          <a:prstGeom prst="rect">
-            <a:avLst/>
-          </a:prstGeom>
-        </p:spPr>
-      </p:pic>
-      <p:pic>
-        <p:nvPicPr>
-          <p:cNvPr id="9" name="Imagem 8"/>
-          <p:cNvPicPr>
-            <a:picLocks noChangeAspect="1"/>
-          </p:cNvPicPr>
-          <p:nvPr/>
-        </p:nvPicPr>
-        <p:blipFill>
-          <a:blip r:embed="rId3" cstate="print">
-            <a:extLst>
-              <a:ext uri="{28A0092B-C50C-407E-A947-70E740481C1C}">
-                <a14:useLocalDpi xmlns:a14="http://schemas.microsoft.com/office/drawing/2010/main" val="0"/>
-              </a:ext>
-            </a:extLst>
-          </a:blip>
-          <a:stretch>
-            <a:fillRect/>
-          </a:stretch>
-        </p:blipFill>
-        <p:spPr>
-          <a:xfrm>
-            <a:off x="8894699" y="-16327"/>
-            <a:ext cx="2326039" cy="1163019"/>
-          </a:xfrm>
-          <a:prstGeom prst="rect">
-            <a:avLst/>
-          </a:prstGeom>
-        </p:spPr>
-      </p:pic>
-    </p:spTree>
-    <p:extLst>
-      <p:ext uri="{BB962C8B-B14F-4D97-AF65-F5344CB8AC3E}">
-        <p14:creationId xmlns:p14="http://schemas.microsoft.com/office/powerpoint/2010/main" val="117740855"/>
-      </p:ext>
-    </p:extLst>
-  </p:cSld>
-  <p:clrMapOvr>
-    <a:masterClrMapping/>
-  </p:clrMapOvr>
-  <p:timing>
-    <p:tnLst>
-      <p:par>
-        <p:cTn id="1" dur="indefinite" restart="never" nodeType="tmRoot"/>
-      </p:par>
-    </p:tnLst>
-  </p:timing>
-</p:sld>
-</file>
-
-<file path=ppt/slides/slide7.xml><?xml version="1.0" encoding="utf-8"?>
-<p:sld xmlns:a="http://schemas.openxmlformats.org/drawingml/2006/main" xmlns:r="http://schemas.openxmlformats.org/officeDocument/2006/relationships" xmlns:p="http://schemas.openxmlformats.org/presentationml/2006/main">
-  <p:cSld>
-    <p:spTree>
-      <p:nvGrpSpPr>
-        <p:cNvPr id="1" name=""/>
-        <p:cNvGrpSpPr/>
-        <p:nvPr/>
-      </p:nvGrpSpPr>
-      <p:grpSpPr>
-        <a:xfrm>
-          <a:off x="0" y="0"/>
-          <a:ext cx="0" cy="0"/>
-          <a:chOff x="0" y="0"/>
-          <a:chExt cx="0" cy="0"/>
-        </a:xfrm>
-      </p:grpSpPr>
-      <p:sp>
-        <p:nvSpPr>
-          <p:cNvPr id="2" name="Título 1"/>
-          <p:cNvSpPr>
-            <a:spLocks noGrp="1"/>
-          </p:cNvSpPr>
-          <p:nvPr>
-            <p:ph type="title"/>
-          </p:nvPr>
-        </p:nvSpPr>
-        <p:spPr>
-          <a:xfrm>
-            <a:off x="300551" y="1253863"/>
-            <a:ext cx="10515600" cy="1325563"/>
-          </a:xfrm>
-        </p:spPr>
-        <p:txBody>
-          <a:bodyPr/>
-          <a:lstStyle/>
-          <a:p>
-            <a:pPr algn="ctr"/>
-            <a:r>
-              <a:rPr lang="pt-BR" dirty="0" smtClean="0"/>
-              <a:t>4. Proposta </a:t>
-            </a:r>
-            <a:endParaRPr lang="pt-BR" dirty="0"/>
-          </a:p>
-        </p:txBody>
-      </p:sp>
-      <p:pic>
-        <p:nvPicPr>
-          <p:cNvPr id="6" name="Imagem 5"/>
-          <p:cNvPicPr>
-            <a:picLocks noChangeAspect="1"/>
-          </p:cNvPicPr>
-          <p:nvPr/>
-        </p:nvPicPr>
-        <p:blipFill>
-          <a:blip r:embed="rId2" cstate="print">
-            <a:extLst>
-              <a:ext uri="{28A0092B-C50C-407E-A947-70E740481C1C}">
-                <a14:useLocalDpi xmlns:a14="http://schemas.microsoft.com/office/drawing/2010/main" val="0"/>
-              </a:ext>
-            </a:extLst>
-          </a:blip>
-          <a:stretch>
-            <a:fillRect/>
-          </a:stretch>
-        </p:blipFill>
-        <p:spPr>
-          <a:xfrm>
-            <a:off x="23356" y="0"/>
-            <a:ext cx="1170432" cy="777240"/>
-          </a:xfrm>
-          <a:prstGeom prst="rect">
-            <a:avLst/>
-          </a:prstGeom>
-        </p:spPr>
-      </p:pic>
-      <p:pic>
-        <p:nvPicPr>
-          <p:cNvPr id="7" name="Imagem 6"/>
-          <p:cNvPicPr>
-            <a:picLocks noChangeAspect="1"/>
-          </p:cNvPicPr>
-          <p:nvPr/>
-        </p:nvPicPr>
-        <p:blipFill>
-          <a:blip r:embed="rId3" cstate="print">
-            <a:extLst>
-              <a:ext uri="{28A0092B-C50C-407E-A947-70E740481C1C}">
-                <a14:useLocalDpi xmlns:a14="http://schemas.microsoft.com/office/drawing/2010/main" val="0"/>
-              </a:ext>
-            </a:extLst>
-          </a:blip>
-          <a:stretch>
-            <a:fillRect/>
-          </a:stretch>
-        </p:blipFill>
-        <p:spPr>
-          <a:xfrm>
-            <a:off x="10532125" y="14049"/>
-            <a:ext cx="1659875" cy="777473"/>
-          </a:xfrm>
-          <a:prstGeom prst="rect">
-            <a:avLst/>
-          </a:prstGeom>
-        </p:spPr>
-      </p:pic>
-      <p:pic>
-        <p:nvPicPr>
-          <p:cNvPr id="3074" name="Picture 2" descr="Resultado de imagem para proposta icon"/>
+          <p:cNvPr id="2066" name="Picture 18"/>
           <p:cNvPicPr>
             <a:picLocks noChangeAspect="1" noChangeArrowheads="1"/>
           </p:cNvPicPr>
           <p:nvPr/>
         </p:nvPicPr>
         <p:blipFill>
-          <a:blip r:embed="rId4">
+          <a:blip r:embed="rId11">
             <a:extLst>
               <a:ext uri="{28A0092B-C50C-407E-A947-70E740481C1C}">
                 <a14:useLocalDpi xmlns:a14="http://schemas.microsoft.com/office/drawing/2010/main" val="0"/>
@@ -10177,8 +11233,123 @@
         </p:blipFill>
         <p:spPr bwMode="auto">
           <a:xfrm>
-            <a:off x="4421875" y="2579426"/>
-            <a:ext cx="2702019" cy="2702019"/>
+            <a:off x="6317796" y="5337995"/>
+            <a:ext cx="1400175" cy="1285875"/>
+          </a:xfrm>
+          <a:prstGeom prst="rect">
+            <a:avLst/>
+          </a:prstGeom>
+          <a:noFill/>
+          <a:ln>
+            <a:noFill/>
+          </a:ln>
+          <a:effectLst/>
+          <a:extLst>
+            <a:ext uri="{909E8E84-426E-40DD-AFC4-6F175D3DCCD1}">
+              <a14:hiddenFill xmlns:a14="http://schemas.microsoft.com/office/drawing/2010/main">
+                <a:solidFill>
+                  <a:schemeClr val="accent1"/>
+                </a:solidFill>
+              </a14:hiddenFill>
+            </a:ext>
+            <a:ext uri="{91240B29-F687-4F45-9708-019B960494DF}">
+              <a14:hiddenLine xmlns:a14="http://schemas.microsoft.com/office/drawing/2010/main" w="9525">
+                <a:solidFill>
+                  <a:schemeClr val="tx1"/>
+                </a:solidFill>
+                <a:miter lim="800000"/>
+                <a:headEnd/>
+                <a:tailEnd/>
+              </a14:hiddenLine>
+            </a:ext>
+            <a:ext uri="{AF507438-7753-43E0-B8FC-AC1667EBCBE1}">
+              <a14:hiddenEffects xmlns:a14="http://schemas.microsoft.com/office/drawing/2010/main">
+                <a:effectLst>
+                  <a:outerShdw dist="35921" dir="2700000" algn="ctr" rotWithShape="0">
+                    <a:schemeClr val="bg2"/>
+                  </a:outerShdw>
+                </a:effectLst>
+              </a14:hiddenEffects>
+            </a:ext>
+          </a:extLst>
+        </p:spPr>
+      </p:pic>
+      <p:pic>
+        <p:nvPicPr>
+          <p:cNvPr id="2067" name="Picture 19"/>
+          <p:cNvPicPr>
+            <a:picLocks noChangeAspect="1" noChangeArrowheads="1"/>
+          </p:cNvPicPr>
+          <p:nvPr/>
+        </p:nvPicPr>
+        <p:blipFill>
+          <a:blip r:embed="rId12">
+            <a:extLst>
+              <a:ext uri="{28A0092B-C50C-407E-A947-70E740481C1C}">
+                <a14:useLocalDpi xmlns:a14="http://schemas.microsoft.com/office/drawing/2010/main" val="0"/>
+              </a:ext>
+            </a:extLst>
+          </a:blip>
+          <a:srcRect/>
+          <a:stretch>
+            <a:fillRect/>
+          </a:stretch>
+        </p:blipFill>
+        <p:spPr bwMode="auto">
+          <a:xfrm>
+            <a:off x="9093464" y="3286203"/>
+            <a:ext cx="1476376" cy="995363"/>
+          </a:xfrm>
+          <a:prstGeom prst="rect">
+            <a:avLst/>
+          </a:prstGeom>
+          <a:noFill/>
+          <a:ln>
+            <a:noFill/>
+          </a:ln>
+          <a:effectLst/>
+          <a:extLst>
+            <a:ext uri="{909E8E84-426E-40DD-AFC4-6F175D3DCCD1}">
+              <a14:hiddenFill xmlns:a14="http://schemas.microsoft.com/office/drawing/2010/main">
+                <a:solidFill>
+                  <a:schemeClr val="accent1"/>
+                </a:solidFill>
+              </a14:hiddenFill>
+            </a:ext>
+            <a:ext uri="{91240B29-F687-4F45-9708-019B960494DF}">
+              <a14:hiddenLine xmlns:a14="http://schemas.microsoft.com/office/drawing/2010/main" w="9525">
+                <a:solidFill>
+                  <a:schemeClr val="tx1"/>
+                </a:solidFill>
+                <a:miter lim="800000"/>
+                <a:headEnd/>
+                <a:tailEnd/>
+              </a14:hiddenLine>
+            </a:ext>
+            <a:ext uri="{AF507438-7753-43E0-B8FC-AC1667EBCBE1}">
+              <a14:hiddenEffects xmlns:a14="http://schemas.microsoft.com/office/drawing/2010/main">
+                <a:effectLst>
+                  <a:outerShdw dist="35921" dir="2700000" algn="ctr" rotWithShape="0">
+                    <a:schemeClr val="bg2"/>
+                  </a:outerShdw>
+                </a:effectLst>
+              </a14:hiddenEffects>
+            </a:ext>
+          </a:extLst>
+        </p:spPr>
+      </p:pic>
+      <p:sp>
+        <p:nvSpPr>
+          <p:cNvPr id="14" name="AutoShape 21" descr="Resultado de imagem para planilha icone"/>
+          <p:cNvSpPr>
+            <a:spLocks noChangeAspect="1" noChangeArrowheads="1"/>
+          </p:cNvSpPr>
+          <p:nvPr/>
+        </p:nvSpPr>
+        <p:spPr bwMode="auto">
+          <a:xfrm>
+            <a:off x="612775" y="312737"/>
+            <a:ext cx="304800" cy="304801"/>
           </a:xfrm>
           <a:prstGeom prst="rect">
             <a:avLst/>
@@ -10194,215 +11365,400 @@
             </a:ext>
           </a:extLst>
         </p:spPr>
-      </p:pic>
-    </p:spTree>
-  </p:cSld>
-  <p:clrMapOvr>
-    <a:masterClrMapping/>
-  </p:clrMapOvr>
-  <p:timing>
-    <p:tnLst>
-      <p:par>
-        <p:cTn id="1" dur="indefinite" restart="never" nodeType="tmRoot"/>
-      </p:par>
-    </p:tnLst>
-  </p:timing>
-</p:sld>
-</file>
-
-<file path=ppt/slides/slide8.xml><?xml version="1.0" encoding="utf-8"?>
-<p:sld xmlns:a="http://schemas.openxmlformats.org/drawingml/2006/main" xmlns:r="http://schemas.openxmlformats.org/officeDocument/2006/relationships" xmlns:p="http://schemas.openxmlformats.org/presentationml/2006/main">
-  <p:cSld>
-    <p:spTree>
-      <p:nvGrpSpPr>
-        <p:cNvPr id="1" name=""/>
-        <p:cNvGrpSpPr/>
-        <p:nvPr/>
-      </p:nvGrpSpPr>
-      <p:grpSpPr>
-        <a:xfrm>
-          <a:off x="0" y="0"/>
-          <a:ext cx="0" cy="0"/>
-          <a:chOff x="0" y="0"/>
-          <a:chExt cx="0" cy="0"/>
-        </a:xfrm>
-      </p:grpSpPr>
-      <p:sp>
-        <p:nvSpPr>
-          <p:cNvPr id="2" name="Título 1"/>
-          <p:cNvSpPr>
-            <a:spLocks noGrp="1"/>
-          </p:cNvSpPr>
-          <p:nvPr>
-            <p:ph type="title"/>
-          </p:nvPr>
-        </p:nvSpPr>
-        <p:spPr>
-          <a:xfrm>
-            <a:off x="608572" y="402785"/>
-            <a:ext cx="10160000" cy="1143000"/>
-          </a:xfrm>
-        </p:spPr>
-        <p:txBody>
-          <a:bodyPr>
-            <a:noAutofit/>
+        <p:txBody>
+          <a:bodyPr vert="horz" wrap="square" lIns="91440" tIns="45720" rIns="91440" bIns="45720" numCol="1" anchor="t" anchorCtr="0" compatLnSpc="1">
+            <a:prstTxWarp prst="textNoShape">
+              <a:avLst/>
+            </a:prstTxWarp>
           </a:bodyPr>
           <a:lstStyle/>
           <a:p>
-            <a:pPr algn="ctr"/>
-            <a:r>
-              <a:rPr lang="pt-BR" dirty="0" smtClean="0"/>
-              <a:t>O Aplicativo</a:t>
-            </a:r>
-            <a:endParaRPr lang="pt-BR" dirty="0"/>
-          </a:p>
-        </p:txBody>
-      </p:sp>
-      <p:sp>
-        <p:nvSpPr>
-          <p:cNvPr id="3" name="Espaço Reservado para Conteúdo 2"/>
-          <p:cNvSpPr>
-            <a:spLocks noGrp="1"/>
-          </p:cNvSpPr>
-          <p:nvPr>
-            <p:ph idx="1"/>
-          </p:nvPr>
-        </p:nvSpPr>
-        <p:spPr/>
-        <p:txBody>
-          <a:bodyPr/>
-          <a:lstStyle/>
-          <a:p>
-            <a:pPr algn="just"/>
-            <a:r>
-              <a:rPr lang="pt-BR" sz="2800" dirty="0" smtClean="0"/>
-              <a:t>Características</a:t>
-            </a:r>
-            <a:r>
-              <a:rPr lang="pt-BR" sz="2800" dirty="0" smtClean="0"/>
-              <a:t> básicas:</a:t>
-            </a:r>
-          </a:p>
-          <a:p>
-            <a:pPr lvl="1" algn="just"/>
-            <a:r>
-              <a:rPr lang="pt-BR" sz="2800" i="1" dirty="0" smtClean="0"/>
-              <a:t>Gerar boletins de ocorrência digitais;</a:t>
-            </a:r>
-          </a:p>
-          <a:p>
-            <a:pPr lvl="1" algn="just"/>
-            <a:r>
-              <a:rPr lang="pt-BR" sz="2800" i="1" dirty="0" smtClean="0"/>
-              <a:t>Armazenar todas as ocorrências policiais num só lugar;</a:t>
-            </a:r>
-          </a:p>
-          <a:p>
-            <a:pPr lvl="1" algn="just"/>
-            <a:r>
-              <a:rPr lang="pt-BR" sz="2800" i="1" dirty="0" smtClean="0"/>
-              <a:t>Propiciar facilidade na geração de estatísticas e relatórios;</a:t>
-            </a:r>
-          </a:p>
-          <a:p>
-            <a:pPr lvl="1" algn="just"/>
-            <a:r>
-              <a:rPr lang="pt-BR" sz="2800" i="1" dirty="0" smtClean="0"/>
-              <a:t>Não necessita de equipes para preencher planilhas;</a:t>
-            </a:r>
-          </a:p>
-          <a:p>
-            <a:pPr lvl="2" algn="just"/>
-            <a:r>
-              <a:rPr lang="pt-BR" sz="2600" i="1" dirty="0" smtClean="0"/>
-              <a:t>Efetivo é alocado em outras atividades;</a:t>
-            </a:r>
-          </a:p>
-          <a:p>
-            <a:pPr lvl="1" algn="just"/>
-            <a:endParaRPr lang="pt-BR" sz="2800" i="1" dirty="0" smtClean="0"/>
-          </a:p>
-          <a:p>
-            <a:pPr lvl="1" algn="just"/>
-            <a:endParaRPr lang="pt-BR" sz="2800" i="1" dirty="0" smtClean="0"/>
-          </a:p>
-          <a:p>
-            <a:pPr lvl="1" algn="just"/>
-            <a:endParaRPr lang="pt-BR" i="1" dirty="0" smtClean="0"/>
-          </a:p>
-          <a:p>
-            <a:pPr lvl="1">
-              <a:buFont typeface="Courier New" panose="02070309020205020404" pitchFamily="49" charset="0"/>
-              <a:buChar char="o"/>
-            </a:pPr>
-            <a:endParaRPr lang="pt-BR" dirty="0"/>
+            <a:endParaRPr lang="pt-BR"/>
           </a:p>
         </p:txBody>
       </p:sp>
       <p:pic>
         <p:nvPicPr>
-          <p:cNvPr id="6" name="Imagem 5"/>
+          <p:cNvPr id="2070" name="Picture 22"/>
           <p:cNvPicPr>
-            <a:picLocks noChangeAspect="1"/>
+            <a:picLocks noChangeAspect="1" noChangeArrowheads="1"/>
           </p:cNvPicPr>
           <p:nvPr/>
         </p:nvPicPr>
         <p:blipFill>
-          <a:blip r:embed="rId2" cstate="print">
+          <a:blip r:embed="rId13">
             <a:extLst>
               <a:ext uri="{28A0092B-C50C-407E-A947-70E740481C1C}">
                 <a14:useLocalDpi xmlns:a14="http://schemas.microsoft.com/office/drawing/2010/main" val="0"/>
               </a:ext>
             </a:extLst>
           </a:blip>
+          <a:srcRect/>
           <a:stretch>
             <a:fillRect/>
           </a:stretch>
         </p:blipFill>
-        <p:spPr>
-          <a:xfrm>
-            <a:off x="33728" y="14282"/>
-            <a:ext cx="1170432" cy="777240"/>
+        <p:spPr bwMode="auto">
+          <a:xfrm>
+            <a:off x="9210197" y="1217775"/>
+            <a:ext cx="1071563" cy="1071563"/>
           </a:xfrm>
           <a:prstGeom prst="rect">
             <a:avLst/>
           </a:prstGeom>
+          <a:noFill/>
+          <a:ln>
+            <a:noFill/>
+          </a:ln>
+          <a:effectLst/>
+          <a:extLst>
+            <a:ext uri="{909E8E84-426E-40DD-AFC4-6F175D3DCCD1}">
+              <a14:hiddenFill xmlns:a14="http://schemas.microsoft.com/office/drawing/2010/main">
+                <a:solidFill>
+                  <a:schemeClr val="accent1"/>
+                </a:solidFill>
+              </a14:hiddenFill>
+            </a:ext>
+            <a:ext uri="{91240B29-F687-4F45-9708-019B960494DF}">
+              <a14:hiddenLine xmlns:a14="http://schemas.microsoft.com/office/drawing/2010/main" w="9525">
+                <a:solidFill>
+                  <a:schemeClr val="tx1"/>
+                </a:solidFill>
+                <a:miter lim="800000"/>
+                <a:headEnd/>
+                <a:tailEnd/>
+              </a14:hiddenLine>
+            </a:ext>
+            <a:ext uri="{AF507438-7753-43E0-B8FC-AC1667EBCBE1}">
+              <a14:hiddenEffects xmlns:a14="http://schemas.microsoft.com/office/drawing/2010/main">
+                <a:effectLst>
+                  <a:outerShdw dist="35921" dir="2700000" algn="ctr" rotWithShape="0">
+                    <a:schemeClr val="bg2"/>
+                  </a:outerShdw>
+                </a:effectLst>
+              </a14:hiddenEffects>
+            </a:ext>
+          </a:extLst>
         </p:spPr>
       </p:pic>
       <p:pic>
         <p:nvPicPr>
-          <p:cNvPr id="7" name="Imagem 6"/>
+          <p:cNvPr id="2071" name="Picture 23"/>
           <p:cNvPicPr>
-            <a:picLocks noChangeAspect="1"/>
+            <a:picLocks noChangeAspect="1" noChangeArrowheads="1"/>
           </p:cNvPicPr>
           <p:nvPr/>
         </p:nvPicPr>
         <p:blipFill>
-          <a:blip r:embed="rId3" cstate="print">
+          <a:blip r:embed="rId14" cstate="print">
             <a:extLst>
               <a:ext uri="{28A0092B-C50C-407E-A947-70E740481C1C}">
                 <a14:useLocalDpi xmlns:a14="http://schemas.microsoft.com/office/drawing/2010/main" val="0"/>
               </a:ext>
             </a:extLst>
           </a:blip>
+          <a:srcRect/>
           <a:stretch>
             <a:fillRect/>
           </a:stretch>
         </p:blipFill>
-        <p:spPr>
-          <a:xfrm>
-            <a:off x="10532125" y="14049"/>
-            <a:ext cx="1659875" cy="777473"/>
+        <p:spPr bwMode="auto">
+          <a:xfrm>
+            <a:off x="9346269" y="5363165"/>
+            <a:ext cx="967811" cy="1283530"/>
           </a:xfrm>
           <a:prstGeom prst="rect">
             <a:avLst/>
           </a:prstGeom>
+          <a:noFill/>
+          <a:ln>
+            <a:noFill/>
+          </a:ln>
+          <a:effectLst/>
+          <a:extLst>
+            <a:ext uri="{909E8E84-426E-40DD-AFC4-6F175D3DCCD1}">
+              <a14:hiddenFill xmlns:a14="http://schemas.microsoft.com/office/drawing/2010/main">
+                <a:solidFill>
+                  <a:schemeClr val="accent1"/>
+                </a:solidFill>
+              </a14:hiddenFill>
+            </a:ext>
+            <a:ext uri="{91240B29-F687-4F45-9708-019B960494DF}">
+              <a14:hiddenLine xmlns:a14="http://schemas.microsoft.com/office/drawing/2010/main" w="9525">
+                <a:solidFill>
+                  <a:schemeClr val="tx1"/>
+                </a:solidFill>
+                <a:miter lim="800000"/>
+                <a:headEnd/>
+                <a:tailEnd/>
+              </a14:hiddenLine>
+            </a:ext>
+            <a:ext uri="{AF507438-7753-43E0-B8FC-AC1667EBCBE1}">
+              <a14:hiddenEffects xmlns:a14="http://schemas.microsoft.com/office/drawing/2010/main">
+                <a:effectLst>
+                  <a:outerShdw dist="35921" dir="2700000" algn="ctr" rotWithShape="0">
+                    <a:schemeClr val="bg2"/>
+                  </a:outerShdw>
+                </a:effectLst>
+              </a14:hiddenEffects>
+            </a:ext>
+          </a:extLst>
         </p:spPr>
       </p:pic>
+      <p:sp>
+        <p:nvSpPr>
+          <p:cNvPr id="30" name="Seta para cima 29"/>
+          <p:cNvSpPr/>
+          <p:nvPr/>
+        </p:nvSpPr>
+        <p:spPr>
+          <a:xfrm>
+            <a:off x="9681527" y="4356108"/>
+            <a:ext cx="300250" cy="704673"/>
+          </a:xfrm>
+          <a:prstGeom prst="upArrow">
+            <a:avLst/>
+          </a:prstGeom>
+        </p:spPr>
+        <p:style>
+          <a:lnRef idx="2">
+            <a:schemeClr val="accent1">
+              <a:shade val="50000"/>
+            </a:schemeClr>
+          </a:lnRef>
+          <a:fillRef idx="1">
+            <a:schemeClr val="accent1"/>
+          </a:fillRef>
+          <a:effectRef idx="0">
+            <a:schemeClr val="accent1"/>
+          </a:effectRef>
+          <a:fontRef idx="minor">
+            <a:schemeClr val="lt1"/>
+          </a:fontRef>
+        </p:style>
+        <p:txBody>
+          <a:bodyPr rtlCol="0" anchor="ctr"/>
+          <a:lstStyle/>
+          <a:p>
+            <a:pPr algn="ctr"/>
+            <a:endParaRPr lang="pt-BR"/>
+          </a:p>
+        </p:txBody>
+      </p:sp>
+      <p:sp>
+        <p:nvSpPr>
+          <p:cNvPr id="31" name="Seta para cima 30"/>
+          <p:cNvSpPr/>
+          <p:nvPr/>
+        </p:nvSpPr>
+        <p:spPr>
+          <a:xfrm>
+            <a:off x="9650445" y="2300060"/>
+            <a:ext cx="300250" cy="704673"/>
+          </a:xfrm>
+          <a:prstGeom prst="upArrow">
+            <a:avLst/>
+          </a:prstGeom>
+        </p:spPr>
+        <p:style>
+          <a:lnRef idx="2">
+            <a:schemeClr val="accent1">
+              <a:shade val="50000"/>
+            </a:schemeClr>
+          </a:lnRef>
+          <a:fillRef idx="1">
+            <a:schemeClr val="accent1"/>
+          </a:fillRef>
+          <a:effectRef idx="0">
+            <a:schemeClr val="accent1"/>
+          </a:effectRef>
+          <a:fontRef idx="minor">
+            <a:schemeClr val="lt1"/>
+          </a:fontRef>
+        </p:style>
+        <p:txBody>
+          <a:bodyPr rtlCol="0" anchor="ctr"/>
+          <a:lstStyle/>
+          <a:p>
+            <a:pPr algn="ctr"/>
+            <a:endParaRPr lang="pt-BR"/>
+          </a:p>
+        </p:txBody>
+      </p:sp>
+      <p:sp>
+        <p:nvSpPr>
+          <p:cNvPr id="32" name="Seta para a direita 31"/>
+          <p:cNvSpPr/>
+          <p:nvPr/>
+        </p:nvSpPr>
+        <p:spPr>
+          <a:xfrm>
+            <a:off x="8064424" y="5678441"/>
+            <a:ext cx="791570" cy="292653"/>
+          </a:xfrm>
+          <a:prstGeom prst="rightArrow">
+            <a:avLst/>
+          </a:prstGeom>
+        </p:spPr>
+        <p:style>
+          <a:lnRef idx="2">
+            <a:schemeClr val="accent1">
+              <a:shade val="50000"/>
+            </a:schemeClr>
+          </a:lnRef>
+          <a:fillRef idx="1">
+            <a:schemeClr val="accent1"/>
+          </a:fillRef>
+          <a:effectRef idx="0">
+            <a:schemeClr val="accent1"/>
+          </a:effectRef>
+          <a:fontRef idx="minor">
+            <a:schemeClr val="lt1"/>
+          </a:fontRef>
+        </p:style>
+        <p:txBody>
+          <a:bodyPr rtlCol="0" anchor="ctr"/>
+          <a:lstStyle/>
+          <a:p>
+            <a:pPr algn="ctr"/>
+            <a:endParaRPr lang="pt-BR"/>
+          </a:p>
+        </p:txBody>
+      </p:sp>
+      <p:sp>
+        <p:nvSpPr>
+          <p:cNvPr id="33" name="Seta para baixo 32"/>
+          <p:cNvSpPr/>
+          <p:nvPr/>
+        </p:nvSpPr>
+        <p:spPr>
+          <a:xfrm>
+            <a:off x="6751339" y="4708444"/>
+            <a:ext cx="259308" cy="605841"/>
+          </a:xfrm>
+          <a:prstGeom prst="downArrow">
+            <a:avLst/>
+          </a:prstGeom>
+        </p:spPr>
+        <p:style>
+          <a:lnRef idx="2">
+            <a:schemeClr val="accent1">
+              <a:shade val="50000"/>
+            </a:schemeClr>
+          </a:lnRef>
+          <a:fillRef idx="1">
+            <a:schemeClr val="accent1"/>
+          </a:fillRef>
+          <a:effectRef idx="0">
+            <a:schemeClr val="accent1"/>
+          </a:effectRef>
+          <a:fontRef idx="minor">
+            <a:schemeClr val="lt1"/>
+          </a:fontRef>
+        </p:style>
+        <p:txBody>
+          <a:bodyPr rtlCol="0" anchor="ctr"/>
+          <a:lstStyle/>
+          <a:p>
+            <a:pPr algn="ctr"/>
+            <a:endParaRPr lang="pt-BR"/>
+          </a:p>
+        </p:txBody>
+      </p:sp>
+      <p:sp>
+        <p:nvSpPr>
+          <p:cNvPr id="15" name="CaixaDeTexto 14"/>
+          <p:cNvSpPr txBox="1"/>
+          <p:nvPr/>
+        </p:nvSpPr>
+        <p:spPr>
+          <a:xfrm>
+            <a:off x="6329731" y="3187760"/>
+            <a:ext cx="1087670" cy="369332"/>
+          </a:xfrm>
+          <a:prstGeom prst="rect">
+            <a:avLst/>
+          </a:prstGeom>
+          <a:noFill/>
+        </p:spPr>
+        <p:txBody>
+          <a:bodyPr wrap="none" rtlCol="0">
+            <a:spAutoFit/>
+          </a:bodyPr>
+          <a:lstStyle/>
+          <a:p>
+            <a:r>
+              <a:rPr lang="pt-BR" dirty="0" smtClean="0"/>
+              <a:t>Delegacia</a:t>
+            </a:r>
+            <a:endParaRPr lang="pt-BR" dirty="0"/>
+          </a:p>
+        </p:txBody>
+      </p:sp>
+      <p:sp>
+        <p:nvSpPr>
+          <p:cNvPr id="35" name="CaixaDeTexto 34"/>
+          <p:cNvSpPr txBox="1"/>
+          <p:nvPr/>
+        </p:nvSpPr>
+        <p:spPr>
+          <a:xfrm>
+            <a:off x="9341213" y="2962150"/>
+            <a:ext cx="895502" cy="369332"/>
+          </a:xfrm>
+          <a:prstGeom prst="rect">
+            <a:avLst/>
+          </a:prstGeom>
+          <a:noFill/>
+        </p:spPr>
+        <p:txBody>
+          <a:bodyPr wrap="none" rtlCol="0">
+            <a:spAutoFit/>
+          </a:bodyPr>
+          <a:lstStyle/>
+          <a:p>
+            <a:r>
+              <a:rPr lang="pt-BR" dirty="0" smtClean="0"/>
+              <a:t>Quartel</a:t>
+            </a:r>
+            <a:endParaRPr lang="pt-BR" dirty="0"/>
+          </a:p>
+        </p:txBody>
+      </p:sp>
+      <p:sp>
+        <p:nvSpPr>
+          <p:cNvPr id="36" name="CaixaDeTexto 35"/>
+          <p:cNvSpPr txBox="1"/>
+          <p:nvPr/>
+        </p:nvSpPr>
+        <p:spPr>
+          <a:xfrm>
+            <a:off x="9137568" y="5014000"/>
+            <a:ext cx="1326004" cy="369332"/>
+          </a:xfrm>
+          <a:prstGeom prst="rect">
+            <a:avLst/>
+          </a:prstGeom>
+          <a:noFill/>
+        </p:spPr>
+        <p:txBody>
+          <a:bodyPr wrap="none" rtlCol="0">
+            <a:spAutoFit/>
+          </a:bodyPr>
+          <a:lstStyle/>
+          <a:p>
+            <a:r>
+              <a:rPr lang="pt-BR" dirty="0" smtClean="0"/>
+              <a:t>BO Validado</a:t>
+            </a:r>
+            <a:endParaRPr lang="pt-BR" dirty="0"/>
+          </a:p>
+        </p:txBody>
+      </p:sp>
     </p:spTree>
     <p:extLst>
       <p:ext uri="{BB962C8B-B14F-4D97-AF65-F5344CB8AC3E}">
-        <p14:creationId xmlns:p14="http://schemas.microsoft.com/office/powerpoint/2010/main" val="1206450984"/>
+        <p14:creationId xmlns:p14="http://schemas.microsoft.com/office/powerpoint/2010/main" val="1145181432"/>
       </p:ext>
     </p:extLst>
   </p:cSld>
@@ -10446,12 +11802,7 @@
             <p:ph type="title"/>
           </p:nvPr>
         </p:nvSpPr>
-        <p:spPr>
-          <a:xfrm>
-            <a:off x="249366" y="128740"/>
-            <a:ext cx="10515600" cy="1325563"/>
-          </a:xfrm>
-        </p:spPr>
+        <p:spPr/>
         <p:txBody>
           <a:bodyPr/>
           <a:lstStyle/>
@@ -10459,15 +11810,115 @@
             <a:pPr algn="ctr"/>
             <a:r>
               <a:rPr lang="pt-BR" dirty="0" smtClean="0"/>
-              <a:t>5. Sistema Proposto</a:t>
-            </a:r>
+              <a:t>Problemática</a:t>
+            </a:r>
+            <a:endParaRPr lang="pt-BR" dirty="0"/>
+          </a:p>
+        </p:txBody>
+      </p:sp>
+      <p:sp>
+        <p:nvSpPr>
+          <p:cNvPr id="3" name="Espaço Reservado para Conteúdo 2"/>
+          <p:cNvSpPr>
+            <a:spLocks noGrp="1"/>
+          </p:cNvSpPr>
+          <p:nvPr>
+            <p:ph idx="1"/>
+          </p:nvPr>
+        </p:nvSpPr>
+        <p:spPr/>
+        <p:txBody>
+          <a:bodyPr>
+            <a:normAutofit/>
+          </a:bodyPr>
+          <a:lstStyle/>
+          <a:p>
+            <a:pPr algn="just"/>
+            <a:r>
+              <a:rPr lang="pt-BR" sz="2800" dirty="0" smtClean="0"/>
+              <a:t>Procedimento demora muito.</a:t>
+            </a:r>
+          </a:p>
+          <a:p>
+            <a:pPr algn="just"/>
+            <a:r>
+              <a:rPr lang="pt-BR" sz="2800" dirty="0" smtClean="0"/>
+              <a:t>Falta interligação entre sistemas do COPOM(</a:t>
+            </a:r>
+            <a:r>
+              <a:rPr lang="pt-BR" sz="2800" dirty="0" err="1" smtClean="0"/>
+              <a:t>Ati</a:t>
+            </a:r>
+            <a:r>
+              <a:rPr lang="pt-BR" sz="2800" dirty="0" smtClean="0"/>
+              <a:t>), PM e Policia Civil.</a:t>
+            </a:r>
+          </a:p>
+          <a:p>
+            <a:pPr algn="just"/>
+            <a:r>
+              <a:rPr lang="pt-BR" sz="2800" dirty="0" smtClean="0"/>
+              <a:t>Muitos papeis de procedimentos e ocorrências (ocupa muito espaço físico).</a:t>
+            </a:r>
+          </a:p>
+          <a:p>
+            <a:pPr algn="just"/>
+            <a:r>
+              <a:rPr lang="pt-BR" sz="2800" dirty="0" smtClean="0"/>
+              <a:t>Dados estatísticos quase inexistentes.</a:t>
+            </a:r>
+          </a:p>
+          <a:p>
+            <a:pPr algn="just"/>
+            <a:r>
+              <a:rPr lang="pt-BR" sz="2800" dirty="0" smtClean="0"/>
+              <a:t>Muitos policiais para preencher planilhas com base nos boletins escritos à mão (em média 2 por batalhão);</a:t>
+            </a:r>
+          </a:p>
+          <a:p>
+            <a:pPr algn="just"/>
+            <a:r>
+              <a:rPr lang="pt-BR" sz="2800" dirty="0" smtClean="0"/>
+              <a:t>Muito ruído nos dados;</a:t>
+            </a:r>
+          </a:p>
+          <a:p>
+            <a:pPr algn="just"/>
+            <a:r>
+              <a:rPr lang="pt-BR" sz="2800" dirty="0" smtClean="0"/>
+              <a:t>IMPOSSÍVEL  MINERAR!</a:t>
+            </a:r>
+          </a:p>
+          <a:p>
+            <a:pPr algn="just"/>
+            <a:endParaRPr lang="pt-BR" sz="3200" dirty="0"/>
+          </a:p>
+          <a:p>
+            <a:pPr lvl="1" algn="just">
+              <a:buFont typeface="Courier New" panose="02070309020205020404" pitchFamily="49" charset="0"/>
+              <a:buChar char="o"/>
+            </a:pPr>
+            <a:endParaRPr lang="pt-BR" dirty="0" smtClean="0"/>
+          </a:p>
+          <a:p>
+            <a:pPr lvl="1" algn="just">
+              <a:buFont typeface="Courier New" panose="02070309020205020404" pitchFamily="49" charset="0"/>
+              <a:buChar char="o"/>
+            </a:pPr>
+            <a:endParaRPr lang="pt-BR" dirty="0" smtClean="0"/>
+          </a:p>
+          <a:p>
+            <a:pPr lvl="1" algn="just">
+              <a:buFont typeface="Courier New" panose="02070309020205020404" pitchFamily="49" charset="0"/>
+              <a:buChar char="o"/>
+            </a:pPr>
             <a:endParaRPr lang="pt-BR" dirty="0"/>
           </a:p>
         </p:txBody>
       </p:sp>
       <p:pic>
         <p:nvPicPr>
-          <p:cNvPr id="6" name="Imagem 5"/>
+          <p:cNvPr id="8" name="Imagem 7"/>
           <p:cNvPicPr>
             <a:picLocks noChangeAspect="1"/>
           </p:cNvPicPr>
@@ -10487,8 +11938,8 @@
         </p:blipFill>
         <p:spPr>
           <a:xfrm>
-            <a:off x="23356" y="0"/>
-            <a:ext cx="1170432" cy="777240"/>
+            <a:off x="104916" y="98107"/>
+            <a:ext cx="1653512" cy="1168456"/>
           </a:xfrm>
           <a:prstGeom prst="rect">
             <a:avLst/>
@@ -10497,7 +11948,7 @@
       </p:pic>
       <p:pic>
         <p:nvPicPr>
-          <p:cNvPr id="7" name="Imagem 6"/>
+          <p:cNvPr id="9" name="Imagem 8"/>
           <p:cNvPicPr>
             <a:picLocks noChangeAspect="1"/>
           </p:cNvPicPr>
@@ -10517,69 +11968,20 @@
         </p:blipFill>
         <p:spPr>
           <a:xfrm>
-            <a:off x="10532125" y="14049"/>
-            <a:ext cx="1659875" cy="777473"/>
+            <a:off x="8894699" y="-16327"/>
+            <a:ext cx="2326039" cy="1163019"/>
           </a:xfrm>
           <a:prstGeom prst="rect">
             <a:avLst/>
           </a:prstGeom>
-        </p:spPr>
-      </p:pic>
-      <p:pic>
-        <p:nvPicPr>
-          <p:cNvPr id="4098" name="Picture 2" descr="Diagrama da Arquitetura do Sistema"/>
-          <p:cNvPicPr>
-            <a:picLocks noChangeAspect="1" noChangeArrowheads="1"/>
-          </p:cNvPicPr>
-          <p:nvPr/>
-        </p:nvPicPr>
-        <p:blipFill>
-          <a:blip r:embed="rId4">
-            <a:extLst>
-              <a:ext uri="{28A0092B-C50C-407E-A947-70E740481C1C}">
-                <a14:useLocalDpi xmlns:a14="http://schemas.microsoft.com/office/drawing/2010/main" val="0"/>
-              </a:ext>
-            </a:extLst>
-          </a:blip>
-          <a:srcRect l="9915" t="13150" r="5307"/>
-          <a:stretch>
-            <a:fillRect/>
-          </a:stretch>
-        </p:blipFill>
-        <p:spPr bwMode="auto">
-          <a:xfrm>
-            <a:off x="941697" y="1321830"/>
-            <a:ext cx="8443429" cy="5010731"/>
-          </a:xfrm>
-          <a:prstGeom prst="rect">
-            <a:avLst/>
-          </a:prstGeom>
-          <a:noFill/>
-          <a:ln>
-            <a:noFill/>
-          </a:ln>
-          <a:extLst>
-            <a:ext uri="{909E8E84-426E-40DD-AFC4-6F175D3DCCD1}">
-              <a14:hiddenFill xmlns:a14="http://schemas.microsoft.com/office/drawing/2010/main">
-                <a:solidFill>
-                  <a:srgbClr val="FFFFFF"/>
-                </a:solidFill>
-              </a14:hiddenFill>
-            </a:ext>
-            <a:ext uri="{91240B29-F687-4F45-9708-019B960494DF}">
-              <a14:hiddenLine xmlns:a14="http://schemas.microsoft.com/office/drawing/2010/main" w="9525">
-                <a:solidFill>
-                  <a:srgbClr val="000000"/>
-                </a:solidFill>
-                <a:miter lim="800000"/>
-                <a:headEnd/>
-                <a:tailEnd/>
-              </a14:hiddenLine>
-            </a:ext>
-          </a:extLst>
         </p:spPr>
       </p:pic>
     </p:spTree>
+    <p:extLst>
+      <p:ext uri="{BB962C8B-B14F-4D97-AF65-F5344CB8AC3E}">
+        <p14:creationId xmlns:p14="http://schemas.microsoft.com/office/powerpoint/2010/main" val="117740855"/>
+      </p:ext>
+    </p:extLst>
   </p:cSld>
   <p:clrMapOvr>
     <a:masterClrMapping/>
@@ -11082,7 +12484,7 @@
   <a:extraClrSchemeLst/>
   <a:extLst>
     <a:ext uri="{05A4C25C-085E-4340-85A3-A5531E510DB2}">
-      <thm15:themeFamily xmlns:thm15="http://schemas.microsoft.com/office/thememl/2012/main" xmlns="" name="Office Theme" id="{62F939B6-93AF-4DB8-9C6B-D6C7DFDC589F}" vid="{4A3C46E8-61CC-4603-A589-7422A47A8E4A}"/>
+      <thm15:themeFamily xmlns="" xmlns:thm15="http://schemas.microsoft.com/office/thememl/2012/main" name="Office Theme" id="{62F939B6-93AF-4DB8-9C6B-D6C7DFDC589F}" vid="{4A3C46E8-61CC-4603-A589-7422A47A8E4A}"/>
     </a:ext>
   </a:extLst>
 </a:theme>

--- a/Apresentação_PPT.pptx
+++ b/Apresentação_PPT.pptx
@@ -5,36 +5,31 @@
     <p:sldMasterId id="2147483672" r:id="rId1"/>
   </p:sldMasterIdLst>
   <p:notesMasterIdLst>
-    <p:notesMasterId r:id="rId29"/>
+    <p:notesMasterId r:id="rId24"/>
   </p:notesMasterIdLst>
   <p:sldIdLst>
     <p:sldId id="256" r:id="rId2"/>
-    <p:sldId id="306" r:id="rId3"/>
-    <p:sldId id="299" r:id="rId4"/>
-    <p:sldId id="259" r:id="rId5"/>
-    <p:sldId id="300" r:id="rId6"/>
-    <p:sldId id="308" r:id="rId7"/>
-    <p:sldId id="309" r:id="rId8"/>
-    <p:sldId id="310" r:id="rId9"/>
-    <p:sldId id="261" r:id="rId10"/>
-    <p:sldId id="301" r:id="rId11"/>
-    <p:sldId id="274" r:id="rId12"/>
-    <p:sldId id="303" r:id="rId13"/>
-    <p:sldId id="307" r:id="rId14"/>
-    <p:sldId id="283" r:id="rId15"/>
-    <p:sldId id="284" r:id="rId16"/>
-    <p:sldId id="285" r:id="rId17"/>
-    <p:sldId id="286" r:id="rId18"/>
-    <p:sldId id="289" r:id="rId19"/>
-    <p:sldId id="290" r:id="rId20"/>
-    <p:sldId id="291" r:id="rId21"/>
-    <p:sldId id="287" r:id="rId22"/>
-    <p:sldId id="304" r:id="rId23"/>
-    <p:sldId id="305" r:id="rId24"/>
-    <p:sldId id="293" r:id="rId25"/>
-    <p:sldId id="294" r:id="rId26"/>
-    <p:sldId id="295" r:id="rId27"/>
-    <p:sldId id="296" r:id="rId28"/>
+    <p:sldId id="314" r:id="rId3"/>
+    <p:sldId id="315" r:id="rId4"/>
+    <p:sldId id="306" r:id="rId5"/>
+    <p:sldId id="311" r:id="rId6"/>
+    <p:sldId id="316" r:id="rId7"/>
+    <p:sldId id="299" r:id="rId8"/>
+    <p:sldId id="259" r:id="rId9"/>
+    <p:sldId id="301" r:id="rId10"/>
+    <p:sldId id="274" r:id="rId11"/>
+    <p:sldId id="303" r:id="rId12"/>
+    <p:sldId id="307" r:id="rId13"/>
+    <p:sldId id="283" r:id="rId14"/>
+    <p:sldId id="285" r:id="rId15"/>
+    <p:sldId id="317" r:id="rId16"/>
+    <p:sldId id="318" r:id="rId17"/>
+    <p:sldId id="319" r:id="rId18"/>
+    <p:sldId id="304" r:id="rId19"/>
+    <p:sldId id="305" r:id="rId20"/>
+    <p:sldId id="294" r:id="rId21"/>
+    <p:sldId id="295" r:id="rId22"/>
+    <p:sldId id="313" r:id="rId23"/>
   </p:sldIdLst>
   <p:sldSz cx="12192000" cy="6858000"/>
   <p:notesSz cx="6858000" cy="9144000"/>
@@ -135,7 +130,7 @@
   </p:defaultTextStyle>
   <p:extLst>
     <p:ext uri="{EFAFB233-063F-42B5-8137-9DF3F51BA10A}">
-      <p15:sldGuideLst xmlns="" xmlns:p15="http://schemas.microsoft.com/office/powerpoint/2012/main">
+      <p15:sldGuideLst xmlns:p15="http://schemas.microsoft.com/office/powerpoint/2012/main" xmlns="">
         <p15:guide id="1" orient="horz" pos="2160">
           <p15:clr>
             <a:srgbClr val="A4A3A4"/>
@@ -235,7 +230,7 @@
             <a:fld id="{24518117-2BFA-4AA4-80F1-4EA246DAF033}" type="datetimeFigureOut">
               <a:rPr lang="pt-BR" smtClean="0"/>
               <a:pPr/>
-              <a:t>10/12/2019</a:t>
+              <a:t>13/12/2019</a:t>
             </a:fld>
             <a:endParaRPr lang="pt-BR"/>
           </a:p>
@@ -665,7 +660,7 @@
             <a:fld id="{EC276384-C794-440F-BB0A-FC7B255550B3}" type="slidenum">
               <a:rPr lang="pt-BR" smtClean="0"/>
               <a:pPr/>
-              <a:t>27</a:t>
+              <a:t>22</a:t>
             </a:fld>
             <a:endParaRPr lang="pt-BR"/>
           </a:p>
@@ -674,7 +669,7 @@
     </p:spTree>
     <p:extLst>
       <p:ext uri="{BB962C8B-B14F-4D97-AF65-F5344CB8AC3E}">
-        <p14:creationId xmlns:p14="http://schemas.microsoft.com/office/powerpoint/2010/main" val="2976762683"/>
+        <p14:creationId xmlns:p14="http://schemas.microsoft.com/office/powerpoint/2010/main" val="2536541278"/>
       </p:ext>
     </p:extLst>
   </p:cSld>
@@ -878,7 +873,7 @@
           <a:p>
             <a:fld id="{B4C5F0F8-D682-4E87-83AA-67CD3977EE44}" type="datetime1">
               <a:rPr lang="pt-BR" smtClean="0"/>
-              <a:t>10/12/2019</a:t>
+              <a:t>13/12/2019</a:t>
             </a:fld>
             <a:endParaRPr lang="pt-BR"/>
           </a:p>
@@ -1048,7 +1043,7 @@
           <a:p>
             <a:fld id="{9FD068B7-2DF7-41DF-B5D0-4EF1D68E9ADA}" type="datetime1">
               <a:rPr lang="pt-BR" smtClean="0"/>
-              <a:t>10/12/2019</a:t>
+              <a:t>13/12/2019</a:t>
             </a:fld>
             <a:endParaRPr lang="pt-BR"/>
           </a:p>
@@ -1228,7 +1223,7 @@
           <a:p>
             <a:fld id="{40007C23-BDD9-4F60-BB4C-401BE9A1B3B7}" type="datetime1">
               <a:rPr lang="pt-BR" smtClean="0"/>
-              <a:t>10/12/2019</a:t>
+              <a:t>13/12/2019</a:t>
             </a:fld>
             <a:endParaRPr lang="pt-BR"/>
           </a:p>
@@ -1398,7 +1393,7 @@
           <a:p>
             <a:fld id="{68237C2B-F1AD-4D73-8F96-A4F76B7BB2A7}" type="datetime1">
               <a:rPr lang="pt-BR" smtClean="0"/>
-              <a:t>10/12/2019</a:t>
+              <a:t>13/12/2019</a:t>
             </a:fld>
             <a:endParaRPr lang="pt-BR"/>
           </a:p>
@@ -1644,7 +1639,7 @@
           <a:p>
             <a:fld id="{8D4934AC-D8AE-4F76-A06C-588FB0CF0D8A}" type="datetime1">
               <a:rPr lang="pt-BR" smtClean="0"/>
-              <a:t>10/12/2019</a:t>
+              <a:t>13/12/2019</a:t>
             </a:fld>
             <a:endParaRPr lang="pt-BR"/>
           </a:p>
@@ -1932,7 +1927,7 @@
           <a:p>
             <a:fld id="{C56FFEB9-335B-4E1E-8425-0BD7AA41122E}" type="datetime1">
               <a:rPr lang="pt-BR" smtClean="0"/>
-              <a:t>10/12/2019</a:t>
+              <a:t>13/12/2019</a:t>
             </a:fld>
             <a:endParaRPr lang="pt-BR"/>
           </a:p>
@@ -2366,7 +2361,7 @@
           <a:p>
             <a:fld id="{1BF70063-4DD5-4095-AD58-142430E22B2E}" type="datetime1">
               <a:rPr lang="pt-BR" smtClean="0"/>
-              <a:t>10/12/2019</a:t>
+              <a:t>13/12/2019</a:t>
             </a:fld>
             <a:endParaRPr lang="pt-BR"/>
           </a:p>
@@ -2484,7 +2479,7 @@
           <a:p>
             <a:fld id="{0CDC1413-D4DC-4DF0-A703-70D692EE30B0}" type="datetime1">
               <a:rPr lang="pt-BR" smtClean="0"/>
-              <a:t>10/12/2019</a:t>
+              <a:t>13/12/2019</a:t>
             </a:fld>
             <a:endParaRPr lang="pt-BR"/>
           </a:p>
@@ -2579,7 +2574,7 @@
           <a:p>
             <a:fld id="{F5B442D0-DA8C-43CE-BA77-665D93CAC064}" type="datetime1">
               <a:rPr lang="pt-BR" smtClean="0"/>
-              <a:t>10/12/2019</a:t>
+              <a:t>13/12/2019</a:t>
             </a:fld>
             <a:endParaRPr lang="pt-BR"/>
           </a:p>
@@ -2773,7 +2768,7 @@
           <a:p>
             <a:fld id="{70F00A9A-B89F-4D32-A950-2CF6DA7A243E}" type="datetime1">
               <a:rPr lang="pt-BR" smtClean="0"/>
-              <a:t>10/12/2019</a:t>
+              <a:t>13/12/2019</a:t>
             </a:fld>
             <a:endParaRPr lang="pt-BR"/>
           </a:p>
@@ -3096,7 +3091,7 @@
           <a:p>
             <a:fld id="{419B4094-E8B0-4283-A6AD-FFFC696780D6}" type="datetime1">
               <a:rPr lang="pt-BR" smtClean="0"/>
-              <a:t>10/12/2019</a:t>
+              <a:t>13/12/2019</a:t>
             </a:fld>
             <a:endParaRPr lang="pt-BR"/>
           </a:p>
@@ -3485,7 +3480,7 @@
           <a:p>
             <a:fld id="{4CFE2B48-EC0E-45DF-8CB1-8E2EAFFC15AC}" type="datetime1">
               <a:rPr lang="pt-BR" smtClean="0"/>
-              <a:t>10/12/2019</a:t>
+              <a:t>13/12/2019</a:t>
             </a:fld>
             <a:endParaRPr lang="pt-BR"/>
           </a:p>
@@ -3857,13 +3852,14 @@
           </a:xfrm>
         </p:spPr>
         <p:txBody>
-          <a:bodyPr/>
+          <a:bodyPr>
+            <a:noAutofit/>
+          </a:bodyPr>
           <a:lstStyle/>
           <a:p>
             <a:pPr algn="l"/>
             <a:r>
-              <a:rPr lang="pt-BR" dirty="0" smtClean="0">
-                <a:latin typeface="Verdana" pitchFamily="34" charset="0"/>
+              <a:rPr lang="pt-BR" sz="2800" dirty="0" smtClean="0">
                 <a:ea typeface="Verdana" pitchFamily="34" charset="0"/>
                 <a:cs typeface="Verdana" pitchFamily="34" charset="0"/>
               </a:rPr>
@@ -3873,15 +3869,34 @@
           <a:p>
             <a:pPr algn="l"/>
             <a:r>
-              <a:rPr lang="pt-BR" dirty="0" smtClean="0">
-                <a:latin typeface="Verdana" pitchFamily="34" charset="0"/>
+              <a:rPr lang="pt-BR" sz="2800" dirty="0" smtClean="0">
                 <a:ea typeface="Verdana" pitchFamily="34" charset="0"/>
                 <a:cs typeface="Verdana" pitchFamily="34" charset="0"/>
               </a:rPr>
-              <a:t>Orientadora: Profa. Dra. Eliane Maria Loiola </a:t>
-            </a:r>
-            <a:endParaRPr lang="pt-BR" dirty="0">
-              <a:latin typeface="Verdana" pitchFamily="34" charset="0"/>
+              <a:t>Orientadora: </a:t>
+            </a:r>
+            <a:r>
+              <a:rPr lang="pt-BR" sz="2800" dirty="0" err="1" smtClean="0">
+                <a:ea typeface="Verdana" pitchFamily="34" charset="0"/>
+                <a:cs typeface="Verdana" pitchFamily="34" charset="0"/>
+              </a:rPr>
+              <a:t>Profª</a:t>
+            </a:r>
+            <a:r>
+              <a:rPr lang="pt-BR" sz="2800" dirty="0" smtClean="0">
+                <a:ea typeface="Verdana" pitchFamily="34" charset="0"/>
+                <a:cs typeface="Verdana" pitchFamily="34" charset="0"/>
+              </a:rPr>
+              <a:t>. </a:t>
+            </a:r>
+            <a:r>
+              <a:rPr lang="pt-BR" sz="2800" dirty="0" smtClean="0">
+                <a:ea typeface="Verdana" pitchFamily="34" charset="0"/>
+                <a:cs typeface="Verdana" pitchFamily="34" charset="0"/>
+              </a:rPr>
+              <a:t>Dra. Eliane Maria Loiola </a:t>
+            </a:r>
+            <a:endParaRPr lang="pt-BR" sz="2800" dirty="0">
               <a:ea typeface="Verdana" pitchFamily="34" charset="0"/>
               <a:cs typeface="Verdana" pitchFamily="34" charset="0"/>
             </a:endParaRPr>
@@ -4027,67 +4042,147 @@
         </p:nvSpPr>
         <p:spPr>
           <a:xfrm>
-            <a:off x="300551" y="1253863"/>
-            <a:ext cx="10515600" cy="1325563"/>
-          </a:xfrm>
-        </p:spPr>
+            <a:off x="608572" y="402785"/>
+            <a:ext cx="10160000" cy="1143000"/>
+          </a:xfrm>
+        </p:spPr>
+        <p:txBody>
+          <a:bodyPr>
+            <a:noAutofit/>
+          </a:bodyPr>
+          <a:lstStyle/>
+          <a:p>
+            <a:pPr algn="ctr"/>
+            <a:r>
+              <a:rPr lang="pt-BR" dirty="0" smtClean="0"/>
+              <a:t>Aplicativo</a:t>
+            </a:r>
+            <a:endParaRPr lang="pt-BR" dirty="0"/>
+          </a:p>
+        </p:txBody>
+      </p:sp>
+      <p:sp>
+        <p:nvSpPr>
+          <p:cNvPr id="3" name="Espaço Reservado para Conteúdo 2"/>
+          <p:cNvSpPr>
+            <a:spLocks noGrp="1"/>
+          </p:cNvSpPr>
+          <p:nvPr>
+            <p:ph idx="1"/>
+          </p:nvPr>
+        </p:nvSpPr>
+        <p:spPr/>
         <p:txBody>
           <a:bodyPr/>
           <a:lstStyle/>
           <a:p>
-            <a:pPr algn="ctr"/>
-            <a:r>
-              <a:rPr lang="pt-BR" dirty="0" smtClean="0"/>
-              <a:t>4. Proposta </a:t>
-            </a:r>
+            <a:pPr algn="just"/>
+            <a:r>
+              <a:rPr lang="pt-BR" sz="2800" dirty="0" smtClean="0"/>
+              <a:t>Características básicas:</a:t>
+            </a:r>
+          </a:p>
+          <a:p>
+            <a:pPr lvl="1" algn="just"/>
+            <a:r>
+              <a:rPr lang="pt-BR" sz="2800" i="1" dirty="0" smtClean="0"/>
+              <a:t>Gerar boletins de ocorrência digitais;</a:t>
+            </a:r>
+          </a:p>
+          <a:p>
+            <a:pPr lvl="1" algn="just"/>
+            <a:r>
+              <a:rPr lang="pt-BR" sz="2800" i="1" dirty="0" smtClean="0"/>
+              <a:t>Armazenar todas as ocorrências policiais num só lugar;</a:t>
+            </a:r>
+          </a:p>
+          <a:p>
+            <a:pPr lvl="1" algn="just"/>
+            <a:r>
+              <a:rPr lang="pt-BR" sz="2800" i="1" dirty="0" smtClean="0"/>
+              <a:t>Propiciar facilidade na geração de estatísticas e relatórios;</a:t>
+            </a:r>
+          </a:p>
+          <a:p>
+            <a:pPr lvl="1" algn="just"/>
+            <a:r>
+              <a:rPr lang="pt-BR" sz="2800" i="1" dirty="0" smtClean="0"/>
+              <a:t>Não necessita de equipes para preencher planilhas;</a:t>
+            </a:r>
+          </a:p>
+          <a:p>
+            <a:pPr lvl="2" algn="just"/>
+            <a:r>
+              <a:rPr lang="pt-BR" sz="2600" i="1" dirty="0" smtClean="0"/>
+              <a:t>Efetivo é alocado em outras atividades</a:t>
+            </a:r>
+            <a:r>
+              <a:rPr lang="pt-BR" sz="2600" i="1" dirty="0" smtClean="0"/>
+              <a:t>;</a:t>
+            </a:r>
+          </a:p>
+          <a:p>
+            <a:pPr lvl="1" algn="just"/>
+            <a:r>
+              <a:rPr lang="pt-BR" sz="2800" i="1" dirty="0" smtClean="0"/>
+              <a:t>Dispensa treinamento árduo (os campos a serem preenchidos são iguais ao BO tradicional);</a:t>
+            </a:r>
+            <a:endParaRPr lang="pt-BR" sz="2800" i="1" dirty="0" smtClean="0"/>
+          </a:p>
+          <a:p>
+            <a:pPr lvl="1" algn="just"/>
+            <a:endParaRPr lang="pt-BR" sz="2800" i="1" dirty="0" smtClean="0"/>
+          </a:p>
+          <a:p>
+            <a:pPr lvl="1" algn="just"/>
+            <a:endParaRPr lang="pt-BR" sz="2800" i="1" dirty="0" smtClean="0"/>
+          </a:p>
+          <a:p>
+            <a:pPr lvl="1" algn="just"/>
+            <a:endParaRPr lang="pt-BR" i="1" dirty="0" smtClean="0"/>
+          </a:p>
+          <a:p>
+            <a:pPr lvl="1">
+              <a:buFont typeface="Courier New" panose="02070309020205020404" pitchFamily="49" charset="0"/>
+              <a:buChar char="o"/>
+            </a:pPr>
             <a:endParaRPr lang="pt-BR" dirty="0"/>
           </a:p>
         </p:txBody>
       </p:sp>
       <p:pic>
         <p:nvPicPr>
-          <p:cNvPr id="3074" name="Picture 2" descr="Resultado de imagem para proposta icon"/>
+          <p:cNvPr id="8" name="Imagem 7"/>
           <p:cNvPicPr>
-            <a:picLocks noChangeAspect="1" noChangeArrowheads="1"/>
+            <a:picLocks noChangeAspect="1"/>
           </p:cNvPicPr>
           <p:nvPr/>
         </p:nvPicPr>
         <p:blipFill>
-          <a:blip r:embed="rId2">
+          <a:blip r:embed="rId2" cstate="print">
             <a:extLst>
               <a:ext uri="{28A0092B-C50C-407E-A947-70E740481C1C}">
                 <a14:useLocalDpi xmlns:a14="http://schemas.microsoft.com/office/drawing/2010/main" val="0"/>
               </a:ext>
             </a:extLst>
           </a:blip>
-          <a:srcRect/>
           <a:stretch>
             <a:fillRect/>
           </a:stretch>
         </p:blipFill>
-        <p:spPr bwMode="auto">
-          <a:xfrm>
-            <a:off x="4421875" y="2579426"/>
-            <a:ext cx="2702019" cy="2702019"/>
+        <p:spPr>
+          <a:xfrm>
+            <a:off x="104916" y="98107"/>
+            <a:ext cx="1653512" cy="1168456"/>
           </a:xfrm>
           <a:prstGeom prst="rect">
             <a:avLst/>
           </a:prstGeom>
-          <a:noFill/>
-          <a:extLst>
-            <a:ext uri="{909E8E84-426E-40DD-AFC4-6F175D3DCCD1}">
-              <a14:hiddenFill xmlns:a14="http://schemas.microsoft.com/office/drawing/2010/main">
-                <a:solidFill>
-                  <a:srgbClr val="FFFFFF"/>
-                </a:solidFill>
-              </a14:hiddenFill>
-            </a:ext>
-          </a:extLst>
         </p:spPr>
       </p:pic>
       <p:pic>
         <p:nvPicPr>
-          <p:cNvPr id="8" name="Imagem 7"/>
+          <p:cNvPr id="9" name="Imagem 8"/>
           <p:cNvPicPr>
             <a:picLocks noChangeAspect="1"/>
           </p:cNvPicPr>
@@ -4107,36 +4202,6 @@
         </p:blipFill>
         <p:spPr>
           <a:xfrm>
-            <a:off x="104916" y="98107"/>
-            <a:ext cx="1653512" cy="1168456"/>
-          </a:xfrm>
-          <a:prstGeom prst="rect">
-            <a:avLst/>
-          </a:prstGeom>
-        </p:spPr>
-      </p:pic>
-      <p:pic>
-        <p:nvPicPr>
-          <p:cNvPr id="9" name="Imagem 8"/>
-          <p:cNvPicPr>
-            <a:picLocks noChangeAspect="1"/>
-          </p:cNvPicPr>
-          <p:nvPr/>
-        </p:nvPicPr>
-        <p:blipFill>
-          <a:blip r:embed="rId4" cstate="print">
-            <a:extLst>
-              <a:ext uri="{28A0092B-C50C-407E-A947-70E740481C1C}">
-                <a14:useLocalDpi xmlns:a14="http://schemas.microsoft.com/office/drawing/2010/main" val="0"/>
-              </a:ext>
-            </a:extLst>
-          </a:blip>
-          <a:stretch>
-            <a:fillRect/>
-          </a:stretch>
-        </p:blipFill>
-        <p:spPr>
-          <a:xfrm>
             <a:off x="8894699" y="-16327"/>
             <a:ext cx="2326039" cy="1163019"/>
           </a:xfrm>
@@ -4146,6 +4211,11 @@
         </p:spPr>
       </p:pic>
     </p:spTree>
+    <p:extLst>
+      <p:ext uri="{BB962C8B-B14F-4D97-AF65-F5344CB8AC3E}">
+        <p14:creationId xmlns:p14="http://schemas.microsoft.com/office/powerpoint/2010/main" val="1206450984"/>
+      </p:ext>
+    </p:extLst>
   </p:cSld>
   <p:clrMapOvr>
     <a:masterClrMapping/>
@@ -4189,135 +4259,80 @@
         </p:nvSpPr>
         <p:spPr>
           <a:xfrm>
-            <a:off x="608572" y="402785"/>
-            <a:ext cx="10160000" cy="1143000"/>
-          </a:xfrm>
-        </p:spPr>
-        <p:txBody>
-          <a:bodyPr>
-            <a:noAutofit/>
-          </a:bodyPr>
+            <a:off x="249366" y="128740"/>
+            <a:ext cx="10515600" cy="1325563"/>
+          </a:xfrm>
+        </p:spPr>
+        <p:txBody>
+          <a:bodyPr/>
           <a:lstStyle/>
           <a:p>
             <a:pPr algn="ctr"/>
             <a:r>
               <a:rPr lang="pt-BR" dirty="0" smtClean="0"/>
-              <a:t>O Aplicativo</a:t>
-            </a:r>
-            <a:endParaRPr lang="pt-BR" dirty="0"/>
-          </a:p>
-        </p:txBody>
-      </p:sp>
-      <p:sp>
-        <p:nvSpPr>
-          <p:cNvPr id="3" name="Espaço Reservado para Conteúdo 2"/>
-          <p:cNvSpPr>
-            <a:spLocks noGrp="1"/>
-          </p:cNvSpPr>
-          <p:nvPr>
-            <p:ph idx="1"/>
-          </p:nvPr>
-        </p:nvSpPr>
-        <p:spPr/>
-        <p:txBody>
-          <a:bodyPr/>
-          <a:lstStyle/>
-          <a:p>
-            <a:pPr algn="just"/>
-            <a:r>
-              <a:rPr lang="pt-BR" sz="2800" dirty="0" smtClean="0"/>
-              <a:t>Características básicas:</a:t>
-            </a:r>
-          </a:p>
-          <a:p>
-            <a:pPr lvl="1" algn="just"/>
-            <a:r>
-              <a:rPr lang="pt-BR" sz="2800" i="1" dirty="0" smtClean="0"/>
-              <a:t>Gerar boletins de ocorrência digitais;</a:t>
-            </a:r>
-          </a:p>
-          <a:p>
-            <a:pPr lvl="1" algn="just"/>
-            <a:r>
-              <a:rPr lang="pt-BR" sz="2800" i="1" dirty="0" smtClean="0"/>
-              <a:t>Armazenar todas as ocorrências policiais num só lugar;</a:t>
-            </a:r>
-          </a:p>
-          <a:p>
-            <a:pPr lvl="1" algn="just"/>
-            <a:r>
-              <a:rPr lang="pt-BR" sz="2800" i="1" dirty="0" smtClean="0"/>
-              <a:t>Propiciar facilidade na geração de estatísticas e relatórios;</a:t>
-            </a:r>
-          </a:p>
-          <a:p>
-            <a:pPr lvl="1" algn="just"/>
-            <a:r>
-              <a:rPr lang="pt-BR" sz="2800" i="1" dirty="0" smtClean="0"/>
-              <a:t>Não necessita de equipes para preencher planilhas;</a:t>
-            </a:r>
-          </a:p>
-          <a:p>
-            <a:pPr lvl="2" algn="just"/>
-            <a:r>
-              <a:rPr lang="pt-BR" sz="2600" i="1" dirty="0" smtClean="0"/>
-              <a:t>Efetivo é alocado em outras atividades;</a:t>
-            </a:r>
-          </a:p>
-          <a:p>
-            <a:pPr lvl="1" algn="just"/>
-            <a:endParaRPr lang="pt-BR" sz="2800" i="1" dirty="0" smtClean="0"/>
-          </a:p>
-          <a:p>
-            <a:pPr lvl="1" algn="just"/>
-            <a:endParaRPr lang="pt-BR" sz="2800" i="1" dirty="0" smtClean="0"/>
-          </a:p>
-          <a:p>
-            <a:pPr lvl="1" algn="just"/>
-            <a:endParaRPr lang="pt-BR" i="1" dirty="0" smtClean="0"/>
-          </a:p>
-          <a:p>
-            <a:pPr lvl="1">
-              <a:buFont typeface="Courier New" panose="02070309020205020404" pitchFamily="49" charset="0"/>
-              <a:buChar char="o"/>
-            </a:pPr>
+              <a:t>5. Sistema Proposto</a:t>
+            </a:r>
             <a:endParaRPr lang="pt-BR" dirty="0"/>
           </a:p>
         </p:txBody>
       </p:sp>
       <p:pic>
         <p:nvPicPr>
-          <p:cNvPr id="8" name="Imagem 7"/>
+          <p:cNvPr id="4098" name="Picture 2" descr="Diagrama da Arquitetura do Sistema"/>
           <p:cNvPicPr>
-            <a:picLocks noChangeAspect="1"/>
+            <a:picLocks noChangeAspect="1" noChangeArrowheads="1"/>
           </p:cNvPicPr>
           <p:nvPr/>
         </p:nvPicPr>
         <p:blipFill>
-          <a:blip r:embed="rId2" cstate="print">
+          <a:blip r:embed="rId2">
             <a:extLst>
               <a:ext uri="{28A0092B-C50C-407E-A947-70E740481C1C}">
                 <a14:useLocalDpi xmlns:a14="http://schemas.microsoft.com/office/drawing/2010/main" val="0"/>
               </a:ext>
             </a:extLst>
           </a:blip>
+          <a:srcRect l="9915" t="13150" r="5307"/>
           <a:stretch>
             <a:fillRect/>
           </a:stretch>
         </p:blipFill>
-        <p:spPr>
-          <a:xfrm>
-            <a:off x="104916" y="98107"/>
-            <a:ext cx="1653512" cy="1168456"/>
+        <p:spPr bwMode="auto">
+          <a:xfrm>
+            <a:off x="941697" y="1321830"/>
+            <a:ext cx="8443429" cy="5010731"/>
           </a:xfrm>
           <a:prstGeom prst="rect">
             <a:avLst/>
           </a:prstGeom>
+          <a:noFill/>
+          <a:ln>
+            <a:noFill/>
+          </a:ln>
+          <a:extLst>
+            <a:ext uri="{909E8E84-426E-40DD-AFC4-6F175D3DCCD1}">
+              <a14:hiddenFill xmlns:a14="http://schemas.microsoft.com/office/drawing/2010/main">
+                <a:solidFill>
+                  <a:srgbClr val="FFFFFF"/>
+                </a:solidFill>
+              </a14:hiddenFill>
+            </a:ext>
+            <a:ext uri="{91240B29-F687-4F45-9708-019B960494DF}">
+              <a14:hiddenLine xmlns:a14="http://schemas.microsoft.com/office/drawing/2010/main" w="9525">
+                <a:solidFill>
+                  <a:srgbClr val="000000"/>
+                </a:solidFill>
+                <a:miter lim="800000"/>
+                <a:headEnd/>
+                <a:tailEnd/>
+              </a14:hiddenLine>
+            </a:ext>
+          </a:extLst>
         </p:spPr>
       </p:pic>
       <p:pic>
         <p:nvPicPr>
-          <p:cNvPr id="9" name="Imagem 8"/>
+          <p:cNvPr id="8" name="Imagem 7"/>
           <p:cNvPicPr>
             <a:picLocks noChangeAspect="1"/>
           </p:cNvPicPr>
@@ -4337,6 +4352,36 @@
         </p:blipFill>
         <p:spPr>
           <a:xfrm>
+            <a:off x="104916" y="98107"/>
+            <a:ext cx="1653512" cy="1168456"/>
+          </a:xfrm>
+          <a:prstGeom prst="rect">
+            <a:avLst/>
+          </a:prstGeom>
+        </p:spPr>
+      </p:pic>
+      <p:pic>
+        <p:nvPicPr>
+          <p:cNvPr id="9" name="Imagem 8"/>
+          <p:cNvPicPr>
+            <a:picLocks noChangeAspect="1"/>
+          </p:cNvPicPr>
+          <p:nvPr/>
+        </p:nvPicPr>
+        <p:blipFill>
+          <a:blip r:embed="rId4" cstate="print">
+            <a:extLst>
+              <a:ext uri="{28A0092B-C50C-407E-A947-70E740481C1C}">
+                <a14:useLocalDpi xmlns:a14="http://schemas.microsoft.com/office/drawing/2010/main" val="0"/>
+              </a:ext>
+            </a:extLst>
+          </a:blip>
+          <a:stretch>
+            <a:fillRect/>
+          </a:stretch>
+        </p:blipFill>
+        <p:spPr>
+          <a:xfrm>
             <a:off x="8894699" y="-16327"/>
             <a:ext cx="2326039" cy="1163019"/>
           </a:xfrm>
@@ -4346,11 +4391,6 @@
         </p:spPr>
       </p:pic>
     </p:spTree>
-    <p:extLst>
-      <p:ext uri="{BB962C8B-B14F-4D97-AF65-F5344CB8AC3E}">
-        <p14:creationId xmlns:p14="http://schemas.microsoft.com/office/powerpoint/2010/main" val="1206450984"/>
-      </p:ext>
-    </p:extLst>
   </p:cSld>
   <p:clrMapOvr>
     <a:masterClrMapping/>
@@ -4394,181 +4434,6 @@
         </p:nvSpPr>
         <p:spPr>
           <a:xfrm>
-            <a:off x="249366" y="128740"/>
-            <a:ext cx="10515600" cy="1325563"/>
-          </a:xfrm>
-        </p:spPr>
-        <p:txBody>
-          <a:bodyPr/>
-          <a:lstStyle/>
-          <a:p>
-            <a:pPr algn="ctr"/>
-            <a:r>
-              <a:rPr lang="pt-BR" dirty="0" smtClean="0"/>
-              <a:t>5. Sistema Proposto</a:t>
-            </a:r>
-            <a:endParaRPr lang="pt-BR" dirty="0"/>
-          </a:p>
-        </p:txBody>
-      </p:sp>
-      <p:pic>
-        <p:nvPicPr>
-          <p:cNvPr id="4098" name="Picture 2" descr="Diagrama da Arquitetura do Sistema"/>
-          <p:cNvPicPr>
-            <a:picLocks noChangeAspect="1" noChangeArrowheads="1"/>
-          </p:cNvPicPr>
-          <p:nvPr/>
-        </p:nvPicPr>
-        <p:blipFill>
-          <a:blip r:embed="rId2">
-            <a:extLst>
-              <a:ext uri="{28A0092B-C50C-407E-A947-70E740481C1C}">
-                <a14:useLocalDpi xmlns:a14="http://schemas.microsoft.com/office/drawing/2010/main" val="0"/>
-              </a:ext>
-            </a:extLst>
-          </a:blip>
-          <a:srcRect l="9915" t="13150" r="5307"/>
-          <a:stretch>
-            <a:fillRect/>
-          </a:stretch>
-        </p:blipFill>
-        <p:spPr bwMode="auto">
-          <a:xfrm>
-            <a:off x="941697" y="1321830"/>
-            <a:ext cx="8443429" cy="5010731"/>
-          </a:xfrm>
-          <a:prstGeom prst="rect">
-            <a:avLst/>
-          </a:prstGeom>
-          <a:noFill/>
-          <a:ln>
-            <a:noFill/>
-          </a:ln>
-          <a:extLst>
-            <a:ext uri="{909E8E84-426E-40DD-AFC4-6F175D3DCCD1}">
-              <a14:hiddenFill xmlns:a14="http://schemas.microsoft.com/office/drawing/2010/main">
-                <a:solidFill>
-                  <a:srgbClr val="FFFFFF"/>
-                </a:solidFill>
-              </a14:hiddenFill>
-            </a:ext>
-            <a:ext uri="{91240B29-F687-4F45-9708-019B960494DF}">
-              <a14:hiddenLine xmlns:a14="http://schemas.microsoft.com/office/drawing/2010/main" w="9525">
-                <a:solidFill>
-                  <a:srgbClr val="000000"/>
-                </a:solidFill>
-                <a:miter lim="800000"/>
-                <a:headEnd/>
-                <a:tailEnd/>
-              </a14:hiddenLine>
-            </a:ext>
-          </a:extLst>
-        </p:spPr>
-      </p:pic>
-      <p:pic>
-        <p:nvPicPr>
-          <p:cNvPr id="8" name="Imagem 7"/>
-          <p:cNvPicPr>
-            <a:picLocks noChangeAspect="1"/>
-          </p:cNvPicPr>
-          <p:nvPr/>
-        </p:nvPicPr>
-        <p:blipFill>
-          <a:blip r:embed="rId3" cstate="print">
-            <a:extLst>
-              <a:ext uri="{28A0092B-C50C-407E-A947-70E740481C1C}">
-                <a14:useLocalDpi xmlns:a14="http://schemas.microsoft.com/office/drawing/2010/main" val="0"/>
-              </a:ext>
-            </a:extLst>
-          </a:blip>
-          <a:stretch>
-            <a:fillRect/>
-          </a:stretch>
-        </p:blipFill>
-        <p:spPr>
-          <a:xfrm>
-            <a:off x="104916" y="98107"/>
-            <a:ext cx="1653512" cy="1168456"/>
-          </a:xfrm>
-          <a:prstGeom prst="rect">
-            <a:avLst/>
-          </a:prstGeom>
-        </p:spPr>
-      </p:pic>
-      <p:pic>
-        <p:nvPicPr>
-          <p:cNvPr id="9" name="Imagem 8"/>
-          <p:cNvPicPr>
-            <a:picLocks noChangeAspect="1"/>
-          </p:cNvPicPr>
-          <p:nvPr/>
-        </p:nvPicPr>
-        <p:blipFill>
-          <a:blip r:embed="rId4" cstate="print">
-            <a:extLst>
-              <a:ext uri="{28A0092B-C50C-407E-A947-70E740481C1C}">
-                <a14:useLocalDpi xmlns:a14="http://schemas.microsoft.com/office/drawing/2010/main" val="0"/>
-              </a:ext>
-            </a:extLst>
-          </a:blip>
-          <a:stretch>
-            <a:fillRect/>
-          </a:stretch>
-        </p:blipFill>
-        <p:spPr>
-          <a:xfrm>
-            <a:off x="8894699" y="-16327"/>
-            <a:ext cx="2326039" cy="1163019"/>
-          </a:xfrm>
-          <a:prstGeom prst="rect">
-            <a:avLst/>
-          </a:prstGeom>
-        </p:spPr>
-      </p:pic>
-    </p:spTree>
-  </p:cSld>
-  <p:clrMapOvr>
-    <a:masterClrMapping/>
-  </p:clrMapOvr>
-  <p:timing>
-    <p:tnLst>
-      <p:par>
-        <p:cTn id="1" dur="indefinite" restart="never" nodeType="tmRoot"/>
-      </p:par>
-    </p:tnLst>
-  </p:timing>
-</p:sld>
-</file>
-
-<file path=ppt/slides/slide13.xml><?xml version="1.0" encoding="utf-8"?>
-<p:sld xmlns:a="http://schemas.openxmlformats.org/drawingml/2006/main" xmlns:r="http://schemas.openxmlformats.org/officeDocument/2006/relationships" xmlns:p="http://schemas.openxmlformats.org/presentationml/2006/main">
-  <p:cSld>
-    <p:spTree>
-      <p:nvGrpSpPr>
-        <p:cNvPr id="1" name=""/>
-        <p:cNvGrpSpPr/>
-        <p:nvPr/>
-      </p:nvGrpSpPr>
-      <p:grpSpPr>
-        <a:xfrm>
-          <a:off x="0" y="0"/>
-          <a:ext cx="0" cy="0"/>
-          <a:chOff x="0" y="0"/>
-          <a:chExt cx="0" cy="0"/>
-        </a:xfrm>
-      </p:grpSpPr>
-      <p:sp>
-        <p:nvSpPr>
-          <p:cNvPr id="2" name="Título 1"/>
-          <p:cNvSpPr>
-            <a:spLocks noGrp="1"/>
-          </p:cNvSpPr>
-          <p:nvPr>
-            <p:ph type="title"/>
-          </p:nvPr>
-        </p:nvSpPr>
-        <p:spPr>
-          <a:xfrm>
             <a:off x="73652" y="154155"/>
             <a:ext cx="10515600" cy="822053"/>
           </a:xfrm>
@@ -4583,10 +4448,6 @@
             <a:r>
               <a:rPr lang="pt-BR" sz="3200" dirty="0" smtClean="0"/>
               <a:t>3. Fluxo de ocorrência usando o </a:t>
-            </a:r>
-            <a:r>
-              <a:rPr lang="pt-BR" sz="3200" dirty="0" smtClean="0"/>
-              <a:t/>
             </a:r>
             <a:br>
               <a:rPr lang="pt-BR" sz="3200" dirty="0" smtClean="0"/>
@@ -5735,7 +5596,7 @@
 </p:sld>
 </file>
 
-<file path=ppt/slides/slide14.xml><?xml version="1.0" encoding="utf-8"?>
+<file path=ppt/slides/slide13.xml><?xml version="1.0" encoding="utf-8"?>
 <p:sld xmlns:a="http://schemas.openxmlformats.org/drawingml/2006/main" xmlns:r="http://schemas.openxmlformats.org/officeDocument/2006/relationships" xmlns:p="http://schemas.openxmlformats.org/presentationml/2006/main">
   <p:cSld>
     <p:spTree>
@@ -5762,7 +5623,12 @@
             <p:ph type="title"/>
           </p:nvPr>
         </p:nvSpPr>
-        <p:spPr/>
+        <p:spPr>
+          <a:xfrm>
+            <a:off x="609600" y="27900"/>
+            <a:ext cx="10160000" cy="1143000"/>
+          </a:xfrm>
+        </p:spPr>
         <p:txBody>
           <a:bodyPr>
             <a:normAutofit/>
@@ -5790,13 +5656,13 @@
         </p:nvSpPr>
         <p:spPr>
           <a:xfrm>
-            <a:off x="846462" y="2506662"/>
+            <a:off x="846462" y="1998672"/>
             <a:ext cx="10515600" cy="3705452"/>
           </a:xfrm>
         </p:spPr>
         <p:txBody>
           <a:bodyPr>
-            <a:normAutofit/>
+            <a:normAutofit fontScale="92500" lnSpcReduction="10000"/>
           </a:bodyPr>
           <a:lstStyle/>
           <a:p>
@@ -5821,8 +5687,42 @@
             <a:pPr algn="just"/>
             <a:r>
               <a:rPr lang="pt-BR" sz="3600" dirty="0" smtClean="0"/>
-              <a:t>Volume maior de ocorrências analisadas;</a:t>
-            </a:r>
+              <a:t>Volume maior de ocorrências analisadas</a:t>
+            </a:r>
+            <a:r>
+              <a:rPr lang="pt-BR" sz="3600" dirty="0" smtClean="0"/>
+              <a:t>;</a:t>
+            </a:r>
+          </a:p>
+          <a:p>
+            <a:pPr algn="just"/>
+            <a:r>
+              <a:rPr lang="pt-BR" sz="3600" dirty="0" smtClean="0"/>
+              <a:t>Para o Policial Militar:</a:t>
+            </a:r>
+          </a:p>
+          <a:p>
+            <a:pPr lvl="1" algn="just"/>
+            <a:r>
+              <a:rPr lang="pt-BR" sz="3400" i="1" dirty="0" smtClean="0"/>
+              <a:t>Elimina a necessidade de guardar os seus </a:t>
+            </a:r>
+            <a:r>
+              <a:rPr lang="pt-BR" sz="3400" i="1" dirty="0" err="1" smtClean="0"/>
+              <a:t>BOs</a:t>
+            </a:r>
+            <a:r>
+              <a:rPr lang="pt-BR" sz="3400" i="1" dirty="0" smtClean="0"/>
+              <a:t> em pastas na sua residência;</a:t>
+            </a:r>
+          </a:p>
+          <a:p>
+            <a:pPr lvl="1" algn="just"/>
+            <a:endParaRPr lang="pt-BR" sz="3400" i="1" dirty="0"/>
+          </a:p>
+          <a:p>
+            <a:pPr lvl="1" algn="just"/>
+            <a:endParaRPr lang="pt-BR" sz="3400" i="1" dirty="0" smtClean="0"/>
           </a:p>
           <a:p>
             <a:pPr algn="just"/>
@@ -5896,7 +5796,7 @@
         </p:blipFill>
         <p:spPr bwMode="auto">
           <a:xfrm>
-            <a:off x="5092929" y="1523994"/>
+            <a:off x="5092929" y="1088574"/>
             <a:ext cx="1195388" cy="1195388"/>
           </a:xfrm>
           <a:prstGeom prst="rect">
@@ -6017,6 +5917,196 @@
 </p:sld>
 </file>
 
+<file path=ppt/slides/slide14.xml><?xml version="1.0" encoding="utf-8"?>
+<p:sld xmlns:a="http://schemas.openxmlformats.org/drawingml/2006/main" xmlns:r="http://schemas.openxmlformats.org/officeDocument/2006/relationships" xmlns:p="http://schemas.openxmlformats.org/presentationml/2006/main">
+  <p:cSld>
+    <p:spTree>
+      <p:nvGrpSpPr>
+        <p:cNvPr id="1" name=""/>
+        <p:cNvGrpSpPr/>
+        <p:nvPr/>
+      </p:nvGrpSpPr>
+      <p:grpSpPr>
+        <a:xfrm>
+          <a:off x="0" y="0"/>
+          <a:ext cx="0" cy="0"/>
+          <a:chOff x="0" y="0"/>
+          <a:chExt cx="0" cy="0"/>
+        </a:xfrm>
+      </p:grpSpPr>
+      <p:sp>
+        <p:nvSpPr>
+          <p:cNvPr id="2" name="Título 1"/>
+          <p:cNvSpPr>
+            <a:spLocks noGrp="1"/>
+          </p:cNvSpPr>
+          <p:nvPr>
+            <p:ph type="title"/>
+          </p:nvPr>
+        </p:nvSpPr>
+        <p:spPr/>
+        <p:txBody>
+          <a:bodyPr/>
+          <a:lstStyle/>
+          <a:p>
+            <a:pPr algn="ctr"/>
+            <a:r>
+              <a:rPr lang="pt-BR" dirty="0" smtClean="0"/>
+              <a:t>Funcionalidades</a:t>
+            </a:r>
+            <a:endParaRPr lang="pt-BR" dirty="0"/>
+          </a:p>
+        </p:txBody>
+      </p:sp>
+      <p:sp>
+        <p:nvSpPr>
+          <p:cNvPr id="3" name="Espaço Reservado para Conteúdo 2"/>
+          <p:cNvSpPr>
+            <a:spLocks noGrp="1"/>
+          </p:cNvSpPr>
+          <p:nvPr>
+            <p:ph idx="1"/>
+          </p:nvPr>
+        </p:nvSpPr>
+        <p:spPr/>
+        <p:txBody>
+          <a:bodyPr>
+            <a:normAutofit/>
+          </a:bodyPr>
+          <a:lstStyle/>
+          <a:p>
+            <a:pPr lvl="0">
+              <a:lnSpc>
+                <a:spcPct val="150000"/>
+              </a:lnSpc>
+            </a:pPr>
+            <a:r>
+              <a:rPr lang="pt-BR" sz="3200" dirty="0" smtClean="0"/>
+              <a:t>Funcionalidade 1;</a:t>
+            </a:r>
+          </a:p>
+          <a:p>
+            <a:pPr lvl="0">
+              <a:lnSpc>
+                <a:spcPct val="150000"/>
+              </a:lnSpc>
+            </a:pPr>
+            <a:r>
+              <a:rPr lang="pt-BR" sz="3200" dirty="0" smtClean="0"/>
+              <a:t>Funcionalidade 2;</a:t>
+            </a:r>
+          </a:p>
+          <a:p>
+            <a:pPr lvl="0">
+              <a:lnSpc>
+                <a:spcPct val="150000"/>
+              </a:lnSpc>
+            </a:pPr>
+            <a:r>
+              <a:rPr lang="pt-BR" sz="3200" dirty="0" smtClean="0"/>
+              <a:t>Funcionalidade 3;</a:t>
+            </a:r>
+          </a:p>
+          <a:p>
+            <a:pPr lvl="0">
+              <a:lnSpc>
+                <a:spcPct val="150000"/>
+              </a:lnSpc>
+            </a:pPr>
+            <a:r>
+              <a:rPr lang="pt-BR" sz="3200" dirty="0" smtClean="0"/>
+              <a:t>Etc...</a:t>
+            </a:r>
+            <a:endParaRPr lang="pt-BR" sz="3200" dirty="0"/>
+          </a:p>
+          <a:p>
+            <a:pPr marL="0" indent="0">
+              <a:buNone/>
+            </a:pPr>
+            <a:endParaRPr lang="pt-BR" sz="3200" dirty="0"/>
+          </a:p>
+        </p:txBody>
+      </p:sp>
+      <p:pic>
+        <p:nvPicPr>
+          <p:cNvPr id="9" name="Imagem 8"/>
+          <p:cNvPicPr>
+            <a:picLocks noChangeAspect="1"/>
+          </p:cNvPicPr>
+          <p:nvPr/>
+        </p:nvPicPr>
+        <p:blipFill>
+          <a:blip r:embed="rId2" cstate="print">
+            <a:extLst>
+              <a:ext uri="{28A0092B-C50C-407E-A947-70E740481C1C}">
+                <a14:useLocalDpi xmlns:a14="http://schemas.microsoft.com/office/drawing/2010/main" val="0"/>
+              </a:ext>
+            </a:extLst>
+          </a:blip>
+          <a:stretch>
+            <a:fillRect/>
+          </a:stretch>
+        </p:blipFill>
+        <p:spPr>
+          <a:xfrm>
+            <a:off x="104916" y="98107"/>
+            <a:ext cx="1653512" cy="1168456"/>
+          </a:xfrm>
+          <a:prstGeom prst="rect">
+            <a:avLst/>
+          </a:prstGeom>
+        </p:spPr>
+      </p:pic>
+      <p:pic>
+        <p:nvPicPr>
+          <p:cNvPr id="10" name="Imagem 9"/>
+          <p:cNvPicPr>
+            <a:picLocks noChangeAspect="1"/>
+          </p:cNvPicPr>
+          <p:nvPr/>
+        </p:nvPicPr>
+        <p:blipFill>
+          <a:blip r:embed="rId3" cstate="print">
+            <a:extLst>
+              <a:ext uri="{28A0092B-C50C-407E-A947-70E740481C1C}">
+                <a14:useLocalDpi xmlns:a14="http://schemas.microsoft.com/office/drawing/2010/main" val="0"/>
+              </a:ext>
+            </a:extLst>
+          </a:blip>
+          <a:stretch>
+            <a:fillRect/>
+          </a:stretch>
+        </p:blipFill>
+        <p:spPr>
+          <a:xfrm>
+            <a:off x="8894699" y="-16327"/>
+            <a:ext cx="2326039" cy="1163019"/>
+          </a:xfrm>
+          <a:prstGeom prst="rect">
+            <a:avLst/>
+          </a:prstGeom>
+        </p:spPr>
+      </p:pic>
+    </p:spTree>
+    <p:extLst>
+      <p:ext uri="{BB962C8B-B14F-4D97-AF65-F5344CB8AC3E}">
+        <p14:creationId xmlns:p14="http://schemas.microsoft.com/office/powerpoint/2010/main" val="449466197"/>
+      </p:ext>
+    </p:extLst>
+  </p:cSld>
+  <p:clrMapOvr>
+    <a:masterClrMapping/>
+  </p:clrMapOvr>
+  <p:timing>
+    <p:tnLst>
+      <p:par>
+        <p:cTn id="1" dur="indefinite" restart="never" nodeType="tmRoot"/>
+      </p:par>
+    </p:tnLst>
+  </p:timing>
+</p:sld>
+</file>
+
 <file path=ppt/slides/slide15.xml><?xml version="1.0" encoding="utf-8"?>
 <p:sld xmlns:a="http://schemas.openxmlformats.org/drawingml/2006/main" xmlns:r="http://schemas.openxmlformats.org/officeDocument/2006/relationships" xmlns:p="http://schemas.openxmlformats.org/presentationml/2006/main">
   <p:cSld>
@@ -6044,12 +6134,7 @@
             <p:ph type="title"/>
           </p:nvPr>
         </p:nvSpPr>
-        <p:spPr>
-          <a:xfrm>
-            <a:off x="838200" y="84915"/>
-            <a:ext cx="10515600" cy="1325563"/>
-          </a:xfrm>
-        </p:spPr>
+        <p:spPr/>
         <p:txBody>
           <a:bodyPr/>
           <a:lstStyle/>
@@ -6057,127 +6142,45 @@
             <a:pPr algn="ctr"/>
             <a:r>
               <a:rPr lang="pt-BR" dirty="0" smtClean="0"/>
-              <a:t>SAE-RNF</a:t>
+              <a:t>Entregas</a:t>
             </a:r>
             <a:endParaRPr lang="pt-BR" dirty="0"/>
-          </a:p>
-        </p:txBody>
-      </p:sp>
-      <p:sp>
-        <p:nvSpPr>
-          <p:cNvPr id="3" name="Espaço Reservado para Conteúdo 2"/>
-          <p:cNvSpPr>
-            <a:spLocks noGrp="1"/>
-          </p:cNvSpPr>
-          <p:nvPr>
-            <p:ph idx="1"/>
-          </p:nvPr>
-        </p:nvSpPr>
-        <p:spPr>
-          <a:xfrm>
-            <a:off x="734961" y="1345675"/>
-            <a:ext cx="10515600" cy="4351338"/>
-          </a:xfrm>
-        </p:spPr>
-        <p:txBody>
-          <a:bodyPr>
-            <a:noAutofit/>
-          </a:bodyPr>
-          <a:lstStyle/>
-          <a:p>
-            <a:pPr algn="just"/>
-            <a:r>
-              <a:rPr lang="pt-BR" sz="3200" dirty="0" smtClean="0"/>
-              <a:t>Ferramenta web disponível em </a:t>
-            </a:r>
-            <a:r>
-              <a:rPr lang="pt-BR" sz="3200" u="sng" dirty="0" smtClean="0">
-                <a:hlinkClick r:id="rId2"/>
-              </a:rPr>
-              <a:t>www.saernf.orgfree.com</a:t>
-            </a:r>
-            <a:endParaRPr lang="pt-BR" sz="3200" u="sng" dirty="0" smtClean="0"/>
-          </a:p>
-          <a:p>
-            <a:pPr algn="just"/>
-            <a:r>
-              <a:rPr lang="pt-BR" sz="3200" dirty="0" smtClean="0"/>
-              <a:t>Usuários: </a:t>
-            </a:r>
-          </a:p>
-          <a:p>
-            <a:pPr lvl="1" algn="just">
-              <a:buFont typeface="Courier New" panose="02070309020205020404" pitchFamily="49" charset="0"/>
-              <a:buChar char="o"/>
-            </a:pPr>
-            <a:r>
-              <a:rPr lang="pt-BR" sz="2800" dirty="0" smtClean="0"/>
-              <a:t>Engenheiros </a:t>
-            </a:r>
-            <a:r>
-              <a:rPr lang="pt-BR" sz="2800" dirty="0"/>
-              <a:t>de </a:t>
-            </a:r>
-            <a:r>
-              <a:rPr lang="pt-BR" sz="2800" dirty="0" smtClean="0"/>
-              <a:t>requisitos </a:t>
-            </a:r>
-            <a:r>
-              <a:rPr lang="pt-BR" sz="2800" dirty="0"/>
-              <a:t>que desejam especificar de forma mais detalhada </a:t>
-            </a:r>
-            <a:r>
-              <a:rPr lang="pt-BR" sz="2800" dirty="0" smtClean="0"/>
-              <a:t>os </a:t>
-            </a:r>
-            <a:r>
-              <a:rPr lang="pt-BR" sz="2800" dirty="0" err="1" smtClean="0"/>
-              <a:t>RNFs</a:t>
-            </a:r>
-            <a:endParaRPr lang="pt-BR" sz="2800" dirty="0" smtClean="0"/>
-          </a:p>
-          <a:p>
-            <a:pPr lvl="1" algn="just">
-              <a:buFont typeface="Courier New" panose="02070309020205020404" pitchFamily="49" charset="0"/>
-              <a:buChar char="o"/>
-            </a:pPr>
-            <a:r>
-              <a:rPr lang="pt-BR" sz="2800" dirty="0" smtClean="0"/>
-              <a:t>Usuários </a:t>
-            </a:r>
-            <a:r>
-              <a:rPr lang="pt-BR" sz="2800" dirty="0"/>
-              <a:t>que querem consultar informações relacionadas a problemas e as suas formas de </a:t>
-            </a:r>
-            <a:r>
-              <a:rPr lang="pt-BR" sz="2800" dirty="0" smtClean="0"/>
-              <a:t>solução</a:t>
-            </a:r>
-          </a:p>
-          <a:p>
-            <a:pPr algn="just"/>
-            <a:r>
-              <a:rPr lang="pt-BR" sz="3200" i="1" dirty="0" smtClean="0"/>
-              <a:t>PHP</a:t>
-            </a:r>
-            <a:r>
-              <a:rPr lang="pt-BR" sz="3200" dirty="0" smtClean="0"/>
-              <a:t> em sua versão 5.5.12</a:t>
-            </a:r>
-          </a:p>
-          <a:p>
-            <a:pPr algn="just"/>
-            <a:r>
-              <a:rPr lang="pt-BR" sz="3200" i="1" dirty="0" smtClean="0"/>
-              <a:t>MySQL</a:t>
-            </a:r>
-            <a:endParaRPr lang="pt-BR" sz="3200" dirty="0" smtClean="0"/>
           </a:p>
         </p:txBody>
       </p:sp>
       <p:pic>
         <p:nvPicPr>
-          <p:cNvPr id="6" name="Imagem 5"/>
+          <p:cNvPr id="9" name="Imagem 8"/>
+          <p:cNvPicPr>
+            <a:picLocks noChangeAspect="1"/>
+          </p:cNvPicPr>
+          <p:nvPr/>
+        </p:nvPicPr>
+        <p:blipFill>
+          <a:blip r:embed="rId2" cstate="print">
+            <a:extLst>
+              <a:ext uri="{28A0092B-C50C-407E-A947-70E740481C1C}">
+                <a14:useLocalDpi xmlns:a14="http://schemas.microsoft.com/office/drawing/2010/main" val="0"/>
+              </a:ext>
+            </a:extLst>
+          </a:blip>
+          <a:stretch>
+            <a:fillRect/>
+          </a:stretch>
+        </p:blipFill>
+        <p:spPr>
+          <a:xfrm>
+            <a:off x="104916" y="98107"/>
+            <a:ext cx="1653512" cy="1168456"/>
+          </a:xfrm>
+          <a:prstGeom prst="rect">
+            <a:avLst/>
+          </a:prstGeom>
+        </p:spPr>
+      </p:pic>
+      <p:pic>
+        <p:nvPicPr>
+          <p:cNvPr id="10" name="Imagem 9"/>
           <p:cNvPicPr>
             <a:picLocks noChangeAspect="1"/>
           </p:cNvPicPr>
@@ -6197,8 +6200,8 @@
         </p:blipFill>
         <p:spPr>
           <a:xfrm>
-            <a:off x="23356" y="0"/>
-            <a:ext cx="1170432" cy="777240"/>
+            <a:off x="8894699" y="-16327"/>
+            <a:ext cx="2326039" cy="1163019"/>
           </a:xfrm>
           <a:prstGeom prst="rect">
             <a:avLst/>
@@ -6207,44 +6210,20 @@
       </p:pic>
       <p:pic>
         <p:nvPicPr>
-          <p:cNvPr id="7" name="Imagem 6"/>
+          <p:cNvPr id="2050" name="Picture 2"/>
           <p:cNvPicPr>
-            <a:picLocks noChangeAspect="1"/>
+            <a:picLocks noChangeAspect="1" noChangeArrowheads="1"/>
           </p:cNvPicPr>
           <p:nvPr/>
         </p:nvPicPr>
         <p:blipFill>
-          <a:blip r:embed="rId4" cstate="print">
+          <a:blip r:embed="rId4">
             <a:extLst>
               <a:ext uri="{28A0092B-C50C-407E-A947-70E740481C1C}">
                 <a14:useLocalDpi xmlns:a14="http://schemas.microsoft.com/office/drawing/2010/main" val="0"/>
               </a:ext>
             </a:extLst>
           </a:blip>
-          <a:stretch>
-            <a:fillRect/>
-          </a:stretch>
-        </p:blipFill>
-        <p:spPr>
-          <a:xfrm>
-            <a:off x="10532125" y="14049"/>
-            <a:ext cx="1659875" cy="777473"/>
-          </a:xfrm>
-          <a:prstGeom prst="rect">
-            <a:avLst/>
-          </a:prstGeom>
-        </p:spPr>
-      </p:pic>
-      <p:pic>
-        <p:nvPicPr>
-          <p:cNvPr id="8" name="Picture 2"/>
-          <p:cNvPicPr>
-            <a:picLocks noChangeAspect="1" noChangeArrowheads="1"/>
-          </p:cNvPicPr>
-          <p:nvPr/>
-        </p:nvPicPr>
-        <p:blipFill>
-          <a:blip r:embed="rId5"/>
           <a:srcRect/>
           <a:stretch>
             <a:fillRect/>
@@ -6252,26 +6231,51 @@
         </p:blipFill>
         <p:spPr bwMode="auto">
           <a:xfrm>
-            <a:off x="4886375" y="423069"/>
-            <a:ext cx="2221143" cy="526538"/>
+            <a:off x="1576612" y="1440769"/>
+            <a:ext cx="7901217" cy="4838246"/>
           </a:xfrm>
           <a:prstGeom prst="rect">
             <a:avLst/>
           </a:prstGeom>
           <a:noFill/>
-          <a:ln w="9525">
+          <a:ln>
             <a:noFill/>
-            <a:miter lim="800000"/>
-            <a:headEnd/>
-            <a:tailEnd/>
           </a:ln>
           <a:effectLst/>
+          <a:extLst>
+            <a:ext uri="{909E8E84-426E-40DD-AFC4-6F175D3DCCD1}">
+              <a14:hiddenFill xmlns:a14="http://schemas.microsoft.com/office/drawing/2010/main">
+                <a:solidFill>
+                  <a:schemeClr val="accent1"/>
+                </a:solidFill>
+              </a14:hiddenFill>
+            </a:ext>
+            <a:ext uri="{91240B29-F687-4F45-9708-019B960494DF}">
+              <a14:hiddenLine xmlns:a14="http://schemas.microsoft.com/office/drawing/2010/main" w="9525">
+                <a:solidFill>
+                  <a:schemeClr val="tx1"/>
+                </a:solidFill>
+                <a:miter lim="800000"/>
+                <a:headEnd/>
+                <a:tailEnd/>
+              </a14:hiddenLine>
+            </a:ext>
+            <a:ext uri="{AF507438-7753-43E0-B8FC-AC1667EBCBE1}">
+              <a14:hiddenEffects xmlns:a14="http://schemas.microsoft.com/office/drawing/2010/main">
+                <a:effectLst>
+                  <a:outerShdw dist="35921" dir="2700000" algn="ctr" rotWithShape="0">
+                    <a:schemeClr val="bg2"/>
+                  </a:outerShdw>
+                </a:effectLst>
+              </a14:hiddenEffects>
+            </a:ext>
+          </a:extLst>
         </p:spPr>
       </p:pic>
     </p:spTree>
     <p:extLst>
       <p:ext uri="{BB962C8B-B14F-4D97-AF65-F5344CB8AC3E}">
-        <p14:creationId xmlns:p14="http://schemas.microsoft.com/office/powerpoint/2010/main" val="804431430"/>
+        <p14:creationId xmlns:p14="http://schemas.microsoft.com/office/powerpoint/2010/main" val="3560607565"/>
       </p:ext>
     </p:extLst>
   </p:cSld>
@@ -6315,7 +6319,12 @@
             <p:ph type="title"/>
           </p:nvPr>
         </p:nvSpPr>
-        <p:spPr/>
+        <p:spPr>
+          <a:xfrm>
+            <a:off x="275778" y="274638"/>
+            <a:ext cx="10160000" cy="1143000"/>
+          </a:xfrm>
+        </p:spPr>
         <p:txBody>
           <a:bodyPr/>
           <a:lstStyle/>
@@ -6323,94 +6332,15 @@
             <a:pPr algn="ctr"/>
             <a:r>
               <a:rPr lang="pt-BR" dirty="0" smtClean="0"/>
-              <a:t>SAE-RNF - Funcionalidades</a:t>
+              <a:t>Prazo para finalização</a:t>
             </a:r>
             <a:endParaRPr lang="pt-BR" dirty="0"/>
-          </a:p>
-        </p:txBody>
-      </p:sp>
-      <p:sp>
-        <p:nvSpPr>
-          <p:cNvPr id="3" name="Espaço Reservado para Conteúdo 2"/>
-          <p:cNvSpPr>
-            <a:spLocks noGrp="1"/>
-          </p:cNvSpPr>
-          <p:nvPr>
-            <p:ph idx="1"/>
-          </p:nvPr>
-        </p:nvSpPr>
-        <p:spPr/>
-        <p:txBody>
-          <a:bodyPr>
-            <a:normAutofit/>
-          </a:bodyPr>
-          <a:lstStyle/>
-          <a:p>
-            <a:pPr lvl="0">
-              <a:lnSpc>
-                <a:spcPct val="150000"/>
-              </a:lnSpc>
-            </a:pPr>
-            <a:r>
-              <a:rPr lang="pt-BR" sz="3200" dirty="0"/>
-              <a:t>Cadastro de usuário</a:t>
-            </a:r>
-          </a:p>
-          <a:p>
-            <a:pPr lvl="0">
-              <a:lnSpc>
-                <a:spcPct val="150000"/>
-              </a:lnSpc>
-            </a:pPr>
-            <a:r>
-              <a:rPr lang="pt-BR" sz="3200" dirty="0"/>
-              <a:t>Cadastro de projeto</a:t>
-            </a:r>
-          </a:p>
-          <a:p>
-            <a:pPr lvl="0">
-              <a:lnSpc>
-                <a:spcPct val="150000"/>
-              </a:lnSpc>
-            </a:pPr>
-            <a:r>
-              <a:rPr lang="pt-BR" sz="3200" dirty="0"/>
-              <a:t>Cadastro de requisito não funcional</a:t>
-            </a:r>
-          </a:p>
-          <a:p>
-            <a:pPr lvl="0">
-              <a:lnSpc>
-                <a:spcPct val="150000"/>
-              </a:lnSpc>
-            </a:pPr>
-            <a:r>
-              <a:rPr lang="pt-BR" sz="3200" dirty="0"/>
-              <a:t>Convidar colaboradores</a:t>
-            </a:r>
-          </a:p>
-          <a:p>
-            <a:pPr lvl="0">
-              <a:lnSpc>
-                <a:spcPct val="150000"/>
-              </a:lnSpc>
-            </a:pPr>
-            <a:r>
-              <a:rPr lang="pt-BR" sz="3200" dirty="0"/>
-              <a:t>Impressão do documento ou gerar relatório</a:t>
-            </a:r>
-          </a:p>
-          <a:p>
-            <a:pPr marL="0" indent="0">
-              <a:buNone/>
-            </a:pPr>
-            <a:endParaRPr lang="pt-BR" sz="3200" dirty="0"/>
           </a:p>
         </p:txBody>
       </p:sp>
       <p:pic>
         <p:nvPicPr>
-          <p:cNvPr id="6" name="Imagem 5"/>
+          <p:cNvPr id="9" name="Imagem 8"/>
           <p:cNvPicPr>
             <a:picLocks noChangeAspect="1"/>
           </p:cNvPicPr>
@@ -6430,8 +6360,8 @@
         </p:blipFill>
         <p:spPr>
           <a:xfrm>
-            <a:off x="23356" y="0"/>
-            <a:ext cx="1170432" cy="777240"/>
+            <a:off x="104916" y="98107"/>
+            <a:ext cx="1653512" cy="1168456"/>
           </a:xfrm>
           <a:prstGeom prst="rect">
             <a:avLst/>
@@ -6440,7 +6370,7 @@
       </p:pic>
       <p:pic>
         <p:nvPicPr>
-          <p:cNvPr id="7" name="Imagem 6"/>
+          <p:cNvPr id="10" name="Imagem 9"/>
           <p:cNvPicPr>
             <a:picLocks noChangeAspect="1"/>
           </p:cNvPicPr>
@@ -6460,8 +6390,8 @@
         </p:blipFill>
         <p:spPr>
           <a:xfrm>
-            <a:off x="10532125" y="14049"/>
-            <a:ext cx="1659875" cy="777473"/>
+            <a:off x="8894699" y="-16327"/>
+            <a:ext cx="2326039" cy="1163019"/>
           </a:xfrm>
           <a:prstGeom prst="rect">
             <a:avLst/>
@@ -6470,14 +6400,20 @@
       </p:pic>
       <p:pic>
         <p:nvPicPr>
-          <p:cNvPr id="8" name="Picture 2"/>
+          <p:cNvPr id="3074" name="Picture 2"/>
           <p:cNvPicPr>
             <a:picLocks noChangeAspect="1" noChangeArrowheads="1"/>
           </p:cNvPicPr>
           <p:nvPr/>
         </p:nvPicPr>
         <p:blipFill>
-          <a:blip r:embed="rId4"/>
+          <a:blip r:embed="rId4">
+            <a:extLst>
+              <a:ext uri="{28A0092B-C50C-407E-A947-70E740481C1C}">
+                <a14:useLocalDpi xmlns:a14="http://schemas.microsoft.com/office/drawing/2010/main" val="0"/>
+              </a:ext>
+            </a:extLst>
+          </a:blip>
           <a:srcRect/>
           <a:stretch>
             <a:fillRect/>
@@ -6485,26 +6421,51 @@
         </p:blipFill>
         <p:spPr bwMode="auto">
           <a:xfrm>
-            <a:off x="3012221" y="777240"/>
-            <a:ext cx="2052761" cy="486622"/>
+            <a:off x="1569741" y="1934709"/>
+            <a:ext cx="7760007" cy="2448605"/>
           </a:xfrm>
           <a:prstGeom prst="rect">
             <a:avLst/>
           </a:prstGeom>
           <a:noFill/>
-          <a:ln w="9525">
+          <a:ln>
             <a:noFill/>
-            <a:miter lim="800000"/>
-            <a:headEnd/>
-            <a:tailEnd/>
           </a:ln>
           <a:effectLst/>
+          <a:extLst>
+            <a:ext uri="{909E8E84-426E-40DD-AFC4-6F175D3DCCD1}">
+              <a14:hiddenFill xmlns:a14="http://schemas.microsoft.com/office/drawing/2010/main">
+                <a:solidFill>
+                  <a:schemeClr val="accent1"/>
+                </a:solidFill>
+              </a14:hiddenFill>
+            </a:ext>
+            <a:ext uri="{91240B29-F687-4F45-9708-019B960494DF}">
+              <a14:hiddenLine xmlns:a14="http://schemas.microsoft.com/office/drawing/2010/main" w="9525">
+                <a:solidFill>
+                  <a:schemeClr val="tx1"/>
+                </a:solidFill>
+                <a:miter lim="800000"/>
+                <a:headEnd/>
+                <a:tailEnd/>
+              </a14:hiddenLine>
+            </a:ext>
+            <a:ext uri="{AF507438-7753-43E0-B8FC-AC1667EBCBE1}">
+              <a14:hiddenEffects xmlns:a14="http://schemas.microsoft.com/office/drawing/2010/main">
+                <a:effectLst>
+                  <a:outerShdw dist="35921" dir="2700000" algn="ctr" rotWithShape="0">
+                    <a:schemeClr val="bg2"/>
+                  </a:outerShdw>
+                </a:effectLst>
+              </a14:hiddenEffects>
+            </a:ext>
+          </a:extLst>
         </p:spPr>
       </p:pic>
     </p:spTree>
     <p:extLst>
       <p:ext uri="{BB962C8B-B14F-4D97-AF65-F5344CB8AC3E}">
-        <p14:creationId xmlns:p14="http://schemas.microsoft.com/office/powerpoint/2010/main" val="449466197"/>
+        <p14:creationId xmlns:p14="http://schemas.microsoft.com/office/powerpoint/2010/main" val="3817374451"/>
       </p:ext>
     </p:extLst>
   </p:cSld>
@@ -6550,37 +6511,33 @@
         </p:nvSpPr>
         <p:spPr>
           <a:xfrm>
-            <a:off x="838200" y="14049"/>
-            <a:ext cx="10515600" cy="1196201"/>
-          </a:xfrm>
-        </p:spPr>
-        <p:txBody>
-          <a:bodyPr>
-            <a:normAutofit/>
-          </a:bodyPr>
+            <a:off x="275778" y="274638"/>
+            <a:ext cx="10160000" cy="1143000"/>
+          </a:xfrm>
+        </p:spPr>
+        <p:txBody>
+          <a:bodyPr/>
           <a:lstStyle/>
           <a:p>
             <a:pPr algn="ctr"/>
             <a:r>
-              <a:rPr lang="pt-BR" sz="3600" dirty="0" smtClean="0"/>
-              <a:t>SAE-RNF – Diagrama de Casos de Uso</a:t>
-            </a:r>
-            <a:endParaRPr lang="pt-BR" sz="3600" dirty="0"/>
+              <a:rPr lang="pt-BR" dirty="0" smtClean="0"/>
+              <a:t>Protótipo do Aplicativo</a:t>
+            </a:r>
+            <a:endParaRPr lang="pt-BR" dirty="0"/>
           </a:p>
         </p:txBody>
       </p:sp>
       <p:pic>
         <p:nvPicPr>
-          <p:cNvPr id="9" name="Espaço Reservado para Conteúdo 8"/>
+          <p:cNvPr id="9" name="Imagem 8"/>
           <p:cNvPicPr>
-            <a:picLocks noGrp="1" noChangeAspect="1"/>
+            <a:picLocks noChangeAspect="1"/>
           </p:cNvPicPr>
-          <p:nvPr>
-            <p:ph idx="1"/>
-          </p:nvPr>
+          <p:nvPr/>
         </p:nvPicPr>
         <p:blipFill>
-          <a:blip r:embed="rId2">
+          <a:blip r:embed="rId2" cstate="print">
             <a:extLst>
               <a:ext uri="{28A0092B-C50C-407E-A947-70E740481C1C}">
                 <a14:useLocalDpi xmlns:a14="http://schemas.microsoft.com/office/drawing/2010/main" val="0"/>
@@ -6593,14 +6550,17 @@
         </p:blipFill>
         <p:spPr>
           <a:xfrm>
-            <a:off x="194908" y="1045730"/>
-            <a:ext cx="11755045" cy="5131235"/>
-          </a:xfrm>
+            <a:off x="104916" y="98107"/>
+            <a:ext cx="1653512" cy="1168456"/>
+          </a:xfrm>
+          <a:prstGeom prst="rect">
+            <a:avLst/>
+          </a:prstGeom>
         </p:spPr>
       </p:pic>
       <p:pic>
         <p:nvPicPr>
-          <p:cNvPr id="6" name="Imagem 5"/>
+          <p:cNvPr id="10" name="Imagem 9"/>
           <p:cNvPicPr>
             <a:picLocks noChangeAspect="1"/>
           </p:cNvPicPr>
@@ -6620,81 +6580,48 @@
         </p:blipFill>
         <p:spPr>
           <a:xfrm>
-            <a:off x="23356" y="0"/>
-            <a:ext cx="1170432" cy="777240"/>
+            <a:off x="8894699" y="-16327"/>
+            <a:ext cx="2326039" cy="1163019"/>
           </a:xfrm>
           <a:prstGeom prst="rect">
             <a:avLst/>
           </a:prstGeom>
         </p:spPr>
       </p:pic>
-      <p:pic>
-        <p:nvPicPr>
-          <p:cNvPr id="7" name="Imagem 6"/>
-          <p:cNvPicPr>
-            <a:picLocks noChangeAspect="1"/>
-          </p:cNvPicPr>
-          <p:nvPr/>
-        </p:nvPicPr>
-        <p:blipFill>
-          <a:blip r:embed="rId4" cstate="print">
-            <a:extLst>
-              <a:ext uri="{28A0092B-C50C-407E-A947-70E740481C1C}">
-                <a14:useLocalDpi xmlns:a14="http://schemas.microsoft.com/office/drawing/2010/main" val="0"/>
-              </a:ext>
-            </a:extLst>
-          </a:blip>
-          <a:stretch>
-            <a:fillRect/>
-          </a:stretch>
-        </p:blipFill>
-        <p:spPr>
-          <a:xfrm>
-            <a:off x="10532125" y="14049"/>
-            <a:ext cx="1659875" cy="777473"/>
+      <p:sp>
+        <p:nvSpPr>
+          <p:cNvPr id="4" name="CaixaDeTexto 3"/>
+          <p:cNvSpPr txBox="1"/>
+          <p:nvPr/>
+        </p:nvSpPr>
+        <p:spPr>
+          <a:xfrm>
+            <a:off x="1364343" y="3193849"/>
+            <a:ext cx="3643085" cy="523220"/>
           </a:xfrm>
           <a:prstGeom prst="rect">
             <a:avLst/>
           </a:prstGeom>
-        </p:spPr>
-      </p:pic>
-      <p:pic>
-        <p:nvPicPr>
-          <p:cNvPr id="10" name="Picture 2"/>
-          <p:cNvPicPr>
-            <a:picLocks noChangeAspect="1" noChangeArrowheads="1"/>
-          </p:cNvPicPr>
-          <p:nvPr/>
-        </p:nvPicPr>
-        <p:blipFill>
-          <a:blip r:embed="rId5"/>
-          <a:srcRect/>
-          <a:stretch>
-            <a:fillRect/>
-          </a:stretch>
-        </p:blipFill>
-        <p:spPr bwMode="auto">
-          <a:xfrm>
-            <a:off x="2654164" y="349624"/>
-            <a:ext cx="1669179" cy="395691"/>
-          </a:xfrm>
-          <a:prstGeom prst="rect">
-            <a:avLst/>
-          </a:prstGeom>
           <a:noFill/>
-          <a:ln w="9525">
-            <a:noFill/>
-            <a:miter lim="800000"/>
-            <a:headEnd/>
-            <a:tailEnd/>
-          </a:ln>
-          <a:effectLst/>
-        </p:spPr>
-      </p:pic>
+        </p:spPr>
+        <p:txBody>
+          <a:bodyPr wrap="square" rtlCol="0">
+            <a:spAutoFit/>
+          </a:bodyPr>
+          <a:lstStyle/>
+          <a:p>
+            <a:r>
+              <a:rPr lang="pt-BR" sz="2800" dirty="0" smtClean="0"/>
+              <a:t>Mostrar o protótipo...</a:t>
+            </a:r>
+            <a:endParaRPr lang="pt-BR" sz="2800" dirty="0"/>
+          </a:p>
+        </p:txBody>
+      </p:sp>
     </p:spTree>
     <p:extLst>
       <p:ext uri="{BB962C8B-B14F-4D97-AF65-F5344CB8AC3E}">
-        <p14:creationId xmlns:p14="http://schemas.microsoft.com/office/powerpoint/2010/main" val="1640901265"/>
+        <p14:creationId xmlns:p14="http://schemas.microsoft.com/office/powerpoint/2010/main" val="740205552"/>
       </p:ext>
     </p:extLst>
   </p:cSld>
@@ -6740,7 +6667,7 @@
         </p:nvSpPr>
         <p:spPr>
           <a:xfrm>
-            <a:off x="838200" y="11175"/>
+            <a:off x="596842" y="2226232"/>
             <a:ext cx="10515600" cy="1325563"/>
           </a:xfrm>
         </p:spPr>
@@ -6749,22 +6676,28 @@
           <a:lstStyle/>
           <a:p>
             <a:pPr algn="ctr"/>
+            <a:r>
+              <a:rPr lang="pt-BR" dirty="0" smtClean="0"/>
+              <a:t>Conclusão </a:t>
+            </a:r>
+            <a:r>
+              <a:rPr lang="pt-BR" dirty="0" smtClean="0"/>
+              <a:t>e Trabalhos Futuros</a:t>
+            </a:r>
             <a:endParaRPr lang="pt-BR" dirty="0"/>
           </a:p>
         </p:txBody>
       </p:sp>
       <p:pic>
         <p:nvPicPr>
-          <p:cNvPr id="8" name="Espaço Reservado para Conteúdo 7"/>
+          <p:cNvPr id="5" name="Imagem 4"/>
           <p:cNvPicPr>
-            <a:picLocks noGrp="1" noChangeAspect="1"/>
+            <a:picLocks noChangeAspect="1"/>
           </p:cNvPicPr>
-          <p:nvPr>
-            <p:ph idx="1"/>
-          </p:nvPr>
+          <p:nvPr/>
         </p:nvPicPr>
         <p:blipFill>
-          <a:blip r:embed="rId2">
+          <a:blip r:embed="rId2" cstate="print">
             <a:extLst>
               <a:ext uri="{28A0092B-C50C-407E-A947-70E740481C1C}">
                 <a14:useLocalDpi xmlns:a14="http://schemas.microsoft.com/office/drawing/2010/main" val="0"/>
@@ -6777,17 +6710,45 @@
         </p:blipFill>
         <p:spPr>
           <a:xfrm>
-            <a:off x="124270" y="412378"/>
-            <a:ext cx="11981679" cy="5522259"/>
-          </a:xfrm>
+            <a:off x="104916" y="98107"/>
+            <a:ext cx="1653512" cy="1168456"/>
+          </a:xfrm>
+          <a:prstGeom prst="rect">
+            <a:avLst/>
+          </a:prstGeom>
+        </p:spPr>
+      </p:pic>
+      <p:pic>
+        <p:nvPicPr>
+          <p:cNvPr id="8" name="Imagem 7"/>
+          <p:cNvPicPr>
+            <a:picLocks noChangeAspect="1"/>
+          </p:cNvPicPr>
+          <p:nvPr/>
+        </p:nvPicPr>
+        <p:blipFill>
+          <a:blip r:embed="rId3" cstate="print">
+            <a:extLst>
+              <a:ext uri="{28A0092B-C50C-407E-A947-70E740481C1C}">
+                <a14:useLocalDpi xmlns:a14="http://schemas.microsoft.com/office/drawing/2010/main" val="0"/>
+              </a:ext>
+            </a:extLst>
+          </a:blip>
+          <a:stretch>
+            <a:fillRect/>
+          </a:stretch>
+        </p:blipFill>
+        <p:spPr>
+          <a:xfrm>
+            <a:off x="8894699" y="-16327"/>
+            <a:ext cx="2326039" cy="1163019"/>
+          </a:xfrm>
+          <a:prstGeom prst="rect">
+            <a:avLst/>
+          </a:prstGeom>
         </p:spPr>
       </p:pic>
     </p:spTree>
-    <p:extLst>
-      <p:ext uri="{BB962C8B-B14F-4D97-AF65-F5344CB8AC3E}">
-        <p14:creationId xmlns:p14="http://schemas.microsoft.com/office/powerpoint/2010/main" val="2694515133"/>
-      </p:ext>
-    </p:extLst>
   </p:cSld>
   <p:clrMapOvr>
     <a:masterClrMapping/>
@@ -6829,33 +6790,71 @@
             <p:ph type="title"/>
           </p:nvPr>
         </p:nvSpPr>
-        <p:spPr>
-          <a:xfrm>
-            <a:off x="838200" y="-18323"/>
-            <a:ext cx="10515600" cy="1325563"/>
-          </a:xfrm>
-        </p:spPr>
+        <p:spPr/>
         <p:txBody>
           <a:bodyPr/>
           <a:lstStyle/>
           <a:p>
             <a:pPr algn="ctr"/>
+            <a:r>
+              <a:rPr lang="pt-BR" dirty="0" smtClean="0"/>
+              <a:t>Considerações</a:t>
+            </a:r>
+            <a:endParaRPr lang="pt-BR" dirty="0"/>
+          </a:p>
+        </p:txBody>
+      </p:sp>
+      <p:sp>
+        <p:nvSpPr>
+          <p:cNvPr id="3" name="Espaço Reservado para Conteúdo 2"/>
+          <p:cNvSpPr>
+            <a:spLocks noGrp="1"/>
+          </p:cNvSpPr>
+          <p:nvPr>
+            <p:ph idx="1"/>
+          </p:nvPr>
+        </p:nvSpPr>
+        <p:spPr/>
+        <p:txBody>
+          <a:bodyPr/>
+          <a:lstStyle/>
+          <a:p>
+            <a:pPr marL="228600" lvl="1" algn="just">
+              <a:spcBef>
+                <a:spcPts val="1000"/>
+              </a:spcBef>
+            </a:pPr>
+            <a:r>
+              <a:rPr lang="pt-BR" sz="2800" dirty="0" smtClean="0"/>
+              <a:t>Texto de considerações finais;</a:t>
+            </a:r>
+          </a:p>
+          <a:p>
+            <a:pPr marL="228600" lvl="1" algn="just">
+              <a:spcBef>
+                <a:spcPts val="1000"/>
+              </a:spcBef>
+            </a:pPr>
+            <a:endParaRPr lang="pt-BR" sz="2800" dirty="0"/>
+          </a:p>
+          <a:p>
+            <a:pPr marL="114300" indent="0">
+              <a:buNone/>
+            </a:pPr>
             <a:endParaRPr lang="pt-BR" dirty="0"/>
           </a:p>
         </p:txBody>
       </p:sp>
       <p:pic>
         <p:nvPicPr>
-          <p:cNvPr id="8" name="Espaço Reservado para Conteúdo 7"/>
+          <p:cNvPr id="9" name="Imagem 8"/>
           <p:cNvPicPr>
-            <a:picLocks noGrp="1" noChangeAspect="1"/>
+            <a:picLocks noChangeAspect="1"/>
           </p:cNvPicPr>
-          <p:nvPr>
-            <p:ph idx="1"/>
-          </p:nvPr>
+          <p:nvPr/>
         </p:nvPicPr>
         <p:blipFill>
-          <a:blip r:embed="rId2">
+          <a:blip r:embed="rId2" cstate="print">
             <a:extLst>
               <a:ext uri="{28A0092B-C50C-407E-A947-70E740481C1C}">
                 <a14:useLocalDpi xmlns:a14="http://schemas.microsoft.com/office/drawing/2010/main" val="0"/>
@@ -6868,17 +6867,45 @@
         </p:blipFill>
         <p:spPr>
           <a:xfrm>
-            <a:off x="1488142" y="62753"/>
-            <a:ext cx="9069253" cy="6658722"/>
-          </a:xfrm>
+            <a:off x="104916" y="98107"/>
+            <a:ext cx="1653512" cy="1168456"/>
+          </a:xfrm>
+          <a:prstGeom prst="rect">
+            <a:avLst/>
+          </a:prstGeom>
+        </p:spPr>
+      </p:pic>
+      <p:pic>
+        <p:nvPicPr>
+          <p:cNvPr id="10" name="Imagem 9"/>
+          <p:cNvPicPr>
+            <a:picLocks noChangeAspect="1"/>
+          </p:cNvPicPr>
+          <p:nvPr/>
+        </p:nvPicPr>
+        <p:blipFill>
+          <a:blip r:embed="rId3" cstate="print">
+            <a:extLst>
+              <a:ext uri="{28A0092B-C50C-407E-A947-70E740481C1C}">
+                <a14:useLocalDpi xmlns:a14="http://schemas.microsoft.com/office/drawing/2010/main" val="0"/>
+              </a:ext>
+            </a:extLst>
+          </a:blip>
+          <a:stretch>
+            <a:fillRect/>
+          </a:stretch>
+        </p:blipFill>
+        <p:spPr>
+          <a:xfrm>
+            <a:off x="8894699" y="-16327"/>
+            <a:ext cx="2326039" cy="1163019"/>
+          </a:xfrm>
+          <a:prstGeom prst="rect">
+            <a:avLst/>
+          </a:prstGeom>
         </p:spPr>
       </p:pic>
     </p:spTree>
-    <p:extLst>
-      <p:ext uri="{BB962C8B-B14F-4D97-AF65-F5344CB8AC3E}">
-        <p14:creationId xmlns:p14="http://schemas.microsoft.com/office/powerpoint/2010/main" val="1550961905"/>
-      </p:ext>
-    </p:extLst>
   </p:cSld>
   <p:clrMapOvr>
     <a:masterClrMapping/>
@@ -6922,7 +6949,7 @@
         </p:nvSpPr>
         <p:spPr>
           <a:xfrm>
-            <a:off x="350292" y="342877"/>
+            <a:off x="522514" y="463323"/>
             <a:ext cx="10160000" cy="1143000"/>
           </a:xfrm>
         </p:spPr>
@@ -6933,7 +6960,7 @@
             <a:pPr algn="ctr"/>
             <a:r>
               <a:rPr lang="pt-BR" dirty="0" smtClean="0"/>
-              <a:t>Caracterização do problema</a:t>
+              <a:t>Contextualização</a:t>
             </a:r>
             <a:endParaRPr lang="pt-BR" dirty="0"/>
           </a:p>
@@ -6951,62 +6978,59 @@
         </p:nvSpPr>
         <p:spPr>
           <a:xfrm>
-            <a:off x="527715" y="1624083"/>
-            <a:ext cx="10160000" cy="2169996"/>
+            <a:off x="609600" y="1803396"/>
+            <a:ext cx="10160000" cy="4800600"/>
           </a:xfrm>
         </p:spPr>
         <p:txBody>
           <a:bodyPr>
-            <a:normAutofit fontScale="25000" lnSpcReduction="20000"/>
+            <a:normAutofit/>
           </a:bodyPr>
           <a:lstStyle/>
           <a:p>
-            <a:pPr marL="0" indent="0" algn="ctr">
-              <a:buNone/>
-            </a:pPr>
-            <a:endParaRPr lang="pt-BR" dirty="0"/>
-          </a:p>
-          <a:p>
-            <a:pPr indent="-342900"/>
-            <a:r>
-              <a:rPr lang="pt-BR" sz="11200" dirty="0" smtClean="0"/>
-              <a:t>Todas as ocorrências no âmbito da corporação são armazenadas em papeis.</a:t>
-            </a:r>
-          </a:p>
-          <a:p>
-            <a:pPr indent="-342900"/>
-            <a:r>
-              <a:rPr lang="pt-BR" sz="11200" dirty="0" smtClean="0"/>
-              <a:t>Muito esforço para repassar esses dados para planilhas do Excel.</a:t>
-            </a:r>
-          </a:p>
-          <a:p>
-            <a:pPr indent="-342900"/>
-            <a:r>
-              <a:rPr lang="pt-BR" sz="11200" dirty="0" smtClean="0"/>
-              <a:t>Estatísticas são quase impossíveis (só o básico).</a:t>
-            </a:r>
-          </a:p>
-          <a:p>
-            <a:pPr indent="-342900"/>
-            <a:r>
-              <a:rPr lang="pt-BR" sz="11200" dirty="0" smtClean="0"/>
-              <a:t>Mineração nem pensar.</a:t>
-            </a:r>
-          </a:p>
-          <a:p>
-            <a:pPr indent="-342900"/>
-            <a:endParaRPr lang="pt-BR" dirty="0" smtClean="0"/>
-          </a:p>
-          <a:p>
-            <a:pPr indent="-342900"/>
-            <a:endParaRPr lang="pt-BR" dirty="0"/>
+            <a:r>
+              <a:rPr lang="pt-BR" sz="2800" dirty="0" smtClean="0"/>
+              <a:t>A Polícia Militar de Pernambuco</a:t>
+            </a:r>
+          </a:p>
+          <a:p>
+            <a:pPr lvl="1"/>
+            <a:r>
+              <a:rPr lang="pt-BR" sz="2600" dirty="0" smtClean="0"/>
+              <a:t>Como age ?</a:t>
+            </a:r>
+          </a:p>
+          <a:p>
+            <a:r>
+              <a:rPr lang="pt-BR" sz="2800" dirty="0" smtClean="0"/>
+              <a:t>Existem ocorrências que não vão à delegacias ?</a:t>
+            </a:r>
+          </a:p>
+          <a:p>
+            <a:pPr lvl="1"/>
+            <a:r>
+              <a:rPr lang="pt-BR" sz="2600" b="1" dirty="0" smtClean="0"/>
+              <a:t>Sim</a:t>
+            </a:r>
+          </a:p>
+          <a:p>
+            <a:r>
+              <a:rPr lang="pt-BR" sz="2800" dirty="0" smtClean="0"/>
+              <a:t>Boletim de ocorrência tradicional (em papel)</a:t>
+            </a:r>
+          </a:p>
+          <a:p>
+            <a:pPr lvl="1"/>
+            <a:r>
+              <a:rPr lang="pt-BR" sz="2600" dirty="0" smtClean="0"/>
+              <a:t>Como funciona ?</a:t>
+            </a:r>
           </a:p>
         </p:txBody>
       </p:sp>
       <p:pic>
         <p:nvPicPr>
-          <p:cNvPr id="8" name="Imagem 7"/>
+          <p:cNvPr id="4" name="Imagem 3"/>
           <p:cNvPicPr>
             <a:picLocks noChangeAspect="1"/>
           </p:cNvPicPr>
@@ -7036,7 +7060,7 @@
       </p:pic>
       <p:pic>
         <p:nvPicPr>
-          <p:cNvPr id="9" name="Imagem 8"/>
+          <p:cNvPr id="5" name="Imagem 4"/>
           <p:cNvPicPr>
             <a:picLocks noChangeAspect="1"/>
           </p:cNvPicPr>
@@ -7064,51 +7088,10 @@
           </a:prstGeom>
         </p:spPr>
       </p:pic>
-      <p:pic>
-        <p:nvPicPr>
-          <p:cNvPr id="1026" name="Picture 2" descr="Resultado de imagem para problema"/>
-          <p:cNvPicPr>
-            <a:picLocks noChangeAspect="1" noChangeArrowheads="1"/>
-          </p:cNvPicPr>
-          <p:nvPr/>
-        </p:nvPicPr>
-        <p:blipFill>
-          <a:blip r:embed="rId4">
-            <a:extLst>
-              <a:ext uri="{28A0092B-C50C-407E-A947-70E740481C1C}">
-                <a14:useLocalDpi xmlns:a14="http://schemas.microsoft.com/office/drawing/2010/main" val="0"/>
-              </a:ext>
-            </a:extLst>
-          </a:blip>
-          <a:srcRect/>
-          <a:stretch>
-            <a:fillRect/>
-          </a:stretch>
-        </p:blipFill>
-        <p:spPr bwMode="auto">
-          <a:xfrm>
-            <a:off x="3589361" y="3878094"/>
-            <a:ext cx="4708478" cy="2207099"/>
-          </a:xfrm>
-          <a:prstGeom prst="rect">
-            <a:avLst/>
-          </a:prstGeom>
-          <a:noFill/>
-          <a:extLst>
-            <a:ext uri="{909E8E84-426E-40DD-AFC4-6F175D3DCCD1}">
-              <a14:hiddenFill xmlns:a14="http://schemas.microsoft.com/office/drawing/2010/main">
-                <a:solidFill>
-                  <a:srgbClr val="FFFFFF"/>
-                </a:solidFill>
-              </a14:hiddenFill>
-            </a:ext>
-          </a:extLst>
-        </p:spPr>
-      </p:pic>
     </p:spTree>
     <p:extLst>
       <p:ext uri="{BB962C8B-B14F-4D97-AF65-F5344CB8AC3E}">
-        <p14:creationId xmlns:p14="http://schemas.microsoft.com/office/powerpoint/2010/main" val="2036099309"/>
+        <p14:creationId xmlns:p14="http://schemas.microsoft.com/office/powerpoint/2010/main" val="1477290616"/>
       </p:ext>
     </p:extLst>
   </p:cSld>
@@ -7160,24 +7143,58 @@
             <a:pPr algn="ctr"/>
             <a:r>
               <a:rPr lang="pt-BR" dirty="0" smtClean="0"/>
-              <a:t>SAE-RNF – Cadastrar RNF</a:t>
-            </a:r>
+              <a:t>Trabalhos Futuros</a:t>
+            </a:r>
+            <a:endParaRPr lang="pt-BR" dirty="0"/>
+          </a:p>
+        </p:txBody>
+      </p:sp>
+      <p:sp>
+        <p:nvSpPr>
+          <p:cNvPr id="3" name="Espaço Reservado para Conteúdo 2"/>
+          <p:cNvSpPr>
+            <a:spLocks noGrp="1"/>
+          </p:cNvSpPr>
+          <p:nvPr>
+            <p:ph idx="1"/>
+          </p:nvPr>
+        </p:nvSpPr>
+        <p:spPr/>
+        <p:txBody>
+          <a:bodyPr>
+            <a:normAutofit/>
+          </a:bodyPr>
+          <a:lstStyle/>
+          <a:p>
+            <a:pPr lvl="0" algn="just"/>
+            <a:r>
+              <a:rPr lang="pt-BR" sz="2800" dirty="0" smtClean="0"/>
+              <a:t>Escolha de batalhão inicial para testes e uso do </a:t>
+            </a:r>
+            <a:r>
+              <a:rPr lang="pt-BR" sz="2800" dirty="0" err="1" smtClean="0"/>
+              <a:t>app</a:t>
+            </a:r>
+            <a:r>
+              <a:rPr lang="pt-BR" sz="2800" dirty="0" smtClean="0"/>
+              <a:t> (projeto piloto);</a:t>
+            </a:r>
+          </a:p>
+          <a:p>
             <a:endParaRPr lang="pt-BR" dirty="0"/>
           </a:p>
         </p:txBody>
       </p:sp>
       <p:pic>
         <p:nvPicPr>
-          <p:cNvPr id="8" name="Espaço Reservado para Conteúdo 7"/>
+          <p:cNvPr id="8" name="Imagem 7"/>
           <p:cNvPicPr>
-            <a:picLocks noGrp="1" noChangeAspect="1"/>
+            <a:picLocks noChangeAspect="1"/>
           </p:cNvPicPr>
-          <p:nvPr>
-            <p:ph idx="1"/>
-          </p:nvPr>
+          <p:nvPr/>
         </p:nvPicPr>
         <p:blipFill>
-          <a:blip r:embed="rId2">
+          <a:blip r:embed="rId2" cstate="print">
             <a:extLst>
               <a:ext uri="{28A0092B-C50C-407E-A947-70E740481C1C}">
                 <a14:useLocalDpi xmlns:a14="http://schemas.microsoft.com/office/drawing/2010/main" val="0"/>
@@ -7190,15 +7207,48 @@
         </p:blipFill>
         <p:spPr>
           <a:xfrm>
-            <a:off x="1416425" y="14047"/>
-            <a:ext cx="10586588" cy="6707428"/>
-          </a:xfrm>
+            <a:off x="104916" y="98107"/>
+            <a:ext cx="1653512" cy="1168456"/>
+          </a:xfrm>
+          <a:prstGeom prst="rect">
+            <a:avLst/>
+          </a:prstGeom>
+        </p:spPr>
+      </p:pic>
+      <p:pic>
+        <p:nvPicPr>
+          <p:cNvPr id="9" name="Imagem 8"/>
+          <p:cNvPicPr>
+            <a:picLocks noChangeAspect="1"/>
+          </p:cNvPicPr>
+          <p:nvPr/>
+        </p:nvPicPr>
+        <p:blipFill>
+          <a:blip r:embed="rId3" cstate="print">
+            <a:extLst>
+              <a:ext uri="{28A0092B-C50C-407E-A947-70E740481C1C}">
+                <a14:useLocalDpi xmlns:a14="http://schemas.microsoft.com/office/drawing/2010/main" val="0"/>
+              </a:ext>
+            </a:extLst>
+          </a:blip>
+          <a:stretch>
+            <a:fillRect/>
+          </a:stretch>
+        </p:blipFill>
+        <p:spPr>
+          <a:xfrm>
+            <a:off x="8894699" y="-16327"/>
+            <a:ext cx="2326039" cy="1163019"/>
+          </a:xfrm>
+          <a:prstGeom prst="rect">
+            <a:avLst/>
+          </a:prstGeom>
         </p:spPr>
       </p:pic>
     </p:spTree>
     <p:extLst>
       <p:ext uri="{BB962C8B-B14F-4D97-AF65-F5344CB8AC3E}">
-        <p14:creationId xmlns:p14="http://schemas.microsoft.com/office/powerpoint/2010/main" val="2386693924"/>
+        <p14:creationId xmlns:p14="http://schemas.microsoft.com/office/powerpoint/2010/main" val="2584194839"/>
       </p:ext>
     </p:extLst>
   </p:cSld>
@@ -7234,46 +7284,52 @@
       </p:grpSpPr>
       <p:sp>
         <p:nvSpPr>
-          <p:cNvPr id="2" name="Título 1"/>
+          <p:cNvPr id="3" name="Espaço Reservado para Conteúdo 2"/>
           <p:cNvSpPr>
             <a:spLocks noGrp="1"/>
           </p:cNvSpPr>
           <p:nvPr>
-            <p:ph type="title"/>
-          </p:nvPr>
-        </p:nvSpPr>
-        <p:spPr>
-          <a:xfrm>
-            <a:off x="4419600" y="134473"/>
-            <a:ext cx="5800165" cy="1281953"/>
-          </a:xfrm>
-        </p:spPr>
-        <p:txBody>
-          <a:bodyPr>
-            <a:normAutofit fontScale="90000"/>
-          </a:bodyPr>
-          <a:lstStyle/>
-          <a:p>
-            <a:r>
-              <a:rPr lang="pt-BR" sz="4000" dirty="0" smtClean="0"/>
-              <a:t>Modelo de dados (Conceitual)</a:t>
-            </a:r>
-            <a:endParaRPr lang="pt-BR" sz="4000" dirty="0"/>
+            <p:ph idx="1"/>
+          </p:nvPr>
+        </p:nvSpPr>
+        <p:spPr/>
+        <p:txBody>
+          <a:bodyPr/>
+          <a:lstStyle/>
+          <a:p>
+            <a:pPr marL="0" indent="0">
+              <a:buNone/>
+            </a:pPr>
+            <a:endParaRPr lang="pt-BR" dirty="0" smtClean="0"/>
+          </a:p>
+          <a:p>
+            <a:pPr marL="0" indent="0">
+              <a:buNone/>
+            </a:pPr>
+            <a:endParaRPr lang="pt-BR" dirty="0"/>
+          </a:p>
+          <a:p>
+            <a:pPr marL="0" indent="0" algn="ctr">
+              <a:buNone/>
+            </a:pPr>
+            <a:r>
+              <a:rPr lang="pt-BR" sz="4800" dirty="0" smtClean="0"/>
+              <a:t>Obrigado!</a:t>
+            </a:r>
+            <a:endParaRPr lang="pt-BR" sz="4800" dirty="0"/>
           </a:p>
         </p:txBody>
       </p:sp>
       <p:pic>
         <p:nvPicPr>
-          <p:cNvPr id="4" name="Espaço Reservado para Conteúdo 3"/>
+          <p:cNvPr id="8" name="Imagem 7"/>
           <p:cNvPicPr>
-            <a:picLocks noGrp="1" noChangeAspect="1"/>
+            <a:picLocks noChangeAspect="1"/>
           </p:cNvPicPr>
-          <p:nvPr>
-            <p:ph idx="1"/>
-          </p:nvPr>
+          <p:nvPr/>
         </p:nvPicPr>
         <p:blipFill>
-          <a:blip r:embed="rId2">
+          <a:blip r:embed="rId2" cstate="print">
             <a:extLst>
               <a:ext uri="{28A0092B-C50C-407E-A947-70E740481C1C}">
                 <a14:useLocalDpi xmlns:a14="http://schemas.microsoft.com/office/drawing/2010/main" val="0"/>
@@ -7286,14 +7342,17 @@
         </p:blipFill>
         <p:spPr>
           <a:xfrm>
-            <a:off x="1636712" y="1962150"/>
-            <a:ext cx="8105775" cy="4076700"/>
-          </a:xfrm>
+            <a:off x="104916" y="98107"/>
+            <a:ext cx="1653512" cy="1168456"/>
+          </a:xfrm>
+          <a:prstGeom prst="rect">
+            <a:avLst/>
+          </a:prstGeom>
         </p:spPr>
       </p:pic>
       <p:pic>
         <p:nvPicPr>
-          <p:cNvPr id="6" name="Imagem 5"/>
+          <p:cNvPr id="9" name="Imagem 8"/>
           <p:cNvPicPr>
             <a:picLocks noChangeAspect="1"/>
           </p:cNvPicPr>
@@ -7313,81 +7372,18 @@
         </p:blipFill>
         <p:spPr>
           <a:xfrm>
-            <a:off x="23356" y="0"/>
-            <a:ext cx="1170432" cy="777240"/>
+            <a:off x="8894699" y="-16327"/>
+            <a:ext cx="2326039" cy="1163019"/>
           </a:xfrm>
           <a:prstGeom prst="rect">
             <a:avLst/>
           </a:prstGeom>
-        </p:spPr>
-      </p:pic>
-      <p:pic>
-        <p:nvPicPr>
-          <p:cNvPr id="7" name="Imagem 6"/>
-          <p:cNvPicPr>
-            <a:picLocks noChangeAspect="1"/>
-          </p:cNvPicPr>
-          <p:nvPr/>
-        </p:nvPicPr>
-        <p:blipFill>
-          <a:blip r:embed="rId4" cstate="print">
-            <a:extLst>
-              <a:ext uri="{28A0092B-C50C-407E-A947-70E740481C1C}">
-                <a14:useLocalDpi xmlns:a14="http://schemas.microsoft.com/office/drawing/2010/main" val="0"/>
-              </a:ext>
-            </a:extLst>
-          </a:blip>
-          <a:stretch>
-            <a:fillRect/>
-          </a:stretch>
-        </p:blipFill>
-        <p:spPr>
-          <a:xfrm>
-            <a:off x="10532125" y="14049"/>
-            <a:ext cx="1659875" cy="777473"/>
-          </a:xfrm>
-          <a:prstGeom prst="rect">
-            <a:avLst/>
-          </a:prstGeom>
-        </p:spPr>
-      </p:pic>
-      <p:pic>
-        <p:nvPicPr>
-          <p:cNvPr id="9" name="Picture 2"/>
-          <p:cNvPicPr>
-            <a:picLocks noChangeAspect="1" noChangeArrowheads="1"/>
-          </p:cNvPicPr>
-          <p:nvPr/>
-        </p:nvPicPr>
-        <p:blipFill>
-          <a:blip r:embed="rId5"/>
-          <a:srcRect/>
-          <a:stretch>
-            <a:fillRect/>
-          </a:stretch>
-        </p:blipFill>
-        <p:spPr bwMode="auto">
-          <a:xfrm>
-            <a:off x="1818668" y="388620"/>
-            <a:ext cx="2466461" cy="584692"/>
-          </a:xfrm>
-          <a:prstGeom prst="rect">
-            <a:avLst/>
-          </a:prstGeom>
-          <a:noFill/>
-          <a:ln w="9525">
-            <a:noFill/>
-            <a:miter lim="800000"/>
-            <a:headEnd/>
-            <a:tailEnd/>
-          </a:ln>
-          <a:effectLst/>
         </p:spPr>
       </p:pic>
     </p:spTree>
     <p:extLst>
       <p:ext uri="{BB962C8B-B14F-4D97-AF65-F5344CB8AC3E}">
-        <p14:creationId xmlns:p14="http://schemas.microsoft.com/office/powerpoint/2010/main" val="1196615648"/>
+        <p14:creationId xmlns:p14="http://schemas.microsoft.com/office/powerpoint/2010/main" val="1091334697"/>
       </p:ext>
     </p:extLst>
   </p:cSld>
@@ -7428,61 +7424,101 @@
             <a:spLocks noGrp="1"/>
           </p:cNvSpPr>
           <p:nvPr>
-            <p:ph type="title"/>
-          </p:nvPr>
-        </p:nvSpPr>
-        <p:spPr>
-          <a:xfrm>
-            <a:off x="1177413" y="2400404"/>
-            <a:ext cx="10515600" cy="1325563"/>
-          </a:xfrm>
-        </p:spPr>
-        <p:txBody>
-          <a:bodyPr/>
+            <p:ph type="ctrTitle"/>
+          </p:nvPr>
+        </p:nvSpPr>
+        <p:spPr>
+          <a:xfrm>
+            <a:off x="1027206" y="1146972"/>
+            <a:ext cx="9144000" cy="2251881"/>
+          </a:xfrm>
+        </p:spPr>
+        <p:txBody>
+          <a:bodyPr>
+            <a:normAutofit fontScale="90000"/>
+          </a:bodyPr>
           <a:lstStyle/>
           <a:p>
             <a:pPr algn="ctr"/>
             <a:r>
-              <a:rPr lang="pt-BR" dirty="0" smtClean="0"/>
-              <a:t>6. Conclusão e Trabalhos Futuros</a:t>
-            </a:r>
-            <a:endParaRPr lang="pt-BR" dirty="0"/>
+              <a:rPr lang="pt-BR" sz="4800" b="1" dirty="0"/>
+              <a:t>APLICATIVO PARA REALIZAÇÃO DE BOLETINS DE OCORRÊNCIAS POLICIAIS</a:t>
+            </a:r>
+            <a:endParaRPr lang="pt-BR" sz="4800" dirty="0"/>
+          </a:p>
+        </p:txBody>
+      </p:sp>
+      <p:sp>
+        <p:nvSpPr>
+          <p:cNvPr id="3" name="Subtítulo 2"/>
+          <p:cNvSpPr>
+            <a:spLocks noGrp="1"/>
+          </p:cNvSpPr>
+          <p:nvPr>
+            <p:ph type="subTitle" idx="1"/>
+          </p:nvPr>
+        </p:nvSpPr>
+        <p:spPr>
+          <a:xfrm>
+            <a:off x="297456" y="5486401"/>
+            <a:ext cx="10730429" cy="914400"/>
+          </a:xfrm>
+        </p:spPr>
+        <p:txBody>
+          <a:bodyPr>
+            <a:noAutofit/>
+          </a:bodyPr>
+          <a:lstStyle/>
+          <a:p>
+            <a:pPr algn="l"/>
+            <a:r>
+              <a:rPr lang="pt-BR" sz="2800" dirty="0" smtClean="0">
+                <a:ea typeface="Verdana" pitchFamily="34" charset="0"/>
+                <a:cs typeface="Verdana" pitchFamily="34" charset="0"/>
+              </a:rPr>
+              <a:t>Marlon de Lima Castro</a:t>
+            </a:r>
+          </a:p>
+          <a:p>
+            <a:pPr algn="l"/>
+            <a:r>
+              <a:rPr lang="pt-BR" sz="2800" dirty="0" smtClean="0">
+                <a:ea typeface="Verdana" pitchFamily="34" charset="0"/>
+                <a:cs typeface="Verdana" pitchFamily="34" charset="0"/>
+              </a:rPr>
+              <a:t>Orientadora: </a:t>
+            </a:r>
+            <a:r>
+              <a:rPr lang="pt-BR" sz="2800" dirty="0" err="1" smtClean="0">
+                <a:ea typeface="Verdana" pitchFamily="34" charset="0"/>
+                <a:cs typeface="Verdana" pitchFamily="34" charset="0"/>
+              </a:rPr>
+              <a:t>Profª</a:t>
+            </a:r>
+            <a:r>
+              <a:rPr lang="pt-BR" sz="2800" dirty="0" smtClean="0">
+                <a:ea typeface="Verdana" pitchFamily="34" charset="0"/>
+                <a:cs typeface="Verdana" pitchFamily="34" charset="0"/>
+              </a:rPr>
+              <a:t>. </a:t>
+            </a:r>
+            <a:r>
+              <a:rPr lang="pt-BR" sz="2800" dirty="0" smtClean="0">
+                <a:ea typeface="Verdana" pitchFamily="34" charset="0"/>
+                <a:cs typeface="Verdana" pitchFamily="34" charset="0"/>
+              </a:rPr>
+              <a:t>Dra. Eliane Maria Loiola </a:t>
+            </a:r>
+            <a:endParaRPr lang="pt-BR" sz="2800" dirty="0">
+              <a:ea typeface="Verdana" pitchFamily="34" charset="0"/>
+              <a:cs typeface="Verdana" pitchFamily="34" charset="0"/>
+            </a:endParaRPr>
           </a:p>
         </p:txBody>
       </p:sp>
       <p:pic>
         <p:nvPicPr>
           <p:cNvPr id="6" name="Imagem 5"/>
-          <p:cNvPicPr>
-            <a:picLocks noChangeAspect="1"/>
-          </p:cNvPicPr>
-          <p:nvPr/>
-        </p:nvPicPr>
-        <p:blipFill>
-          <a:blip r:embed="rId2" cstate="print">
-            <a:extLst>
-              <a:ext uri="{28A0092B-C50C-407E-A947-70E740481C1C}">
-                <a14:useLocalDpi xmlns:a14="http://schemas.microsoft.com/office/drawing/2010/main" val="0"/>
-              </a:ext>
-            </a:extLst>
-          </a:blip>
-          <a:stretch>
-            <a:fillRect/>
-          </a:stretch>
-        </p:blipFill>
-        <p:spPr>
-          <a:xfrm>
-            <a:off x="23356" y="0"/>
-            <a:ext cx="1170432" cy="777240"/>
-          </a:xfrm>
-          <a:prstGeom prst="rect">
-            <a:avLst/>
-          </a:prstGeom>
-        </p:spPr>
-      </p:pic>
-      <p:pic>
-        <p:nvPicPr>
-          <p:cNvPr id="7" name="Imagem 6"/>
           <p:cNvPicPr>
             <a:picLocks noChangeAspect="1"/>
           </p:cNvPicPr>
@@ -7502,218 +7538,8 @@
         </p:blipFill>
         <p:spPr>
           <a:xfrm>
-            <a:off x="10532125" y="14049"/>
-            <a:ext cx="1659875" cy="777473"/>
-          </a:xfrm>
-          <a:prstGeom prst="rect">
-            <a:avLst/>
-          </a:prstGeom>
-        </p:spPr>
-      </p:pic>
-    </p:spTree>
-  </p:cSld>
-  <p:clrMapOvr>
-    <a:masterClrMapping/>
-  </p:clrMapOvr>
-  <p:timing>
-    <p:tnLst>
-      <p:par>
-        <p:cTn id="1" dur="indefinite" restart="never" nodeType="tmRoot"/>
-      </p:par>
-    </p:tnLst>
-  </p:timing>
-</p:sld>
-</file>
-
-<file path=ppt/slides/slide23.xml><?xml version="1.0" encoding="utf-8"?>
-<p:sld xmlns:a="http://schemas.openxmlformats.org/drawingml/2006/main" xmlns:r="http://schemas.openxmlformats.org/officeDocument/2006/relationships" xmlns:p="http://schemas.openxmlformats.org/presentationml/2006/main">
-  <p:cSld>
-    <p:spTree>
-      <p:nvGrpSpPr>
-        <p:cNvPr id="1" name=""/>
-        <p:cNvGrpSpPr/>
-        <p:nvPr/>
-      </p:nvGrpSpPr>
-      <p:grpSpPr>
-        <a:xfrm>
-          <a:off x="0" y="0"/>
-          <a:ext cx="0" cy="0"/>
-          <a:chOff x="0" y="0"/>
-          <a:chExt cx="0" cy="0"/>
-        </a:xfrm>
-      </p:grpSpPr>
-      <p:sp>
-        <p:nvSpPr>
-          <p:cNvPr id="2" name="Título 1"/>
-          <p:cNvSpPr>
-            <a:spLocks noGrp="1"/>
-          </p:cNvSpPr>
-          <p:nvPr>
-            <p:ph type="title"/>
-          </p:nvPr>
-        </p:nvSpPr>
-        <p:spPr/>
-        <p:txBody>
-          <a:bodyPr/>
-          <a:lstStyle/>
-          <a:p>
-            <a:pPr algn="ctr"/>
-            <a:r>
-              <a:rPr lang="pt-BR" dirty="0" smtClean="0"/>
-              <a:t>Considerações</a:t>
-            </a:r>
-            <a:endParaRPr lang="pt-BR" dirty="0"/>
-          </a:p>
-        </p:txBody>
-      </p:sp>
-      <p:sp>
-        <p:nvSpPr>
-          <p:cNvPr id="3" name="Espaço Reservado para Conteúdo 2"/>
-          <p:cNvSpPr>
-            <a:spLocks noGrp="1"/>
-          </p:cNvSpPr>
-          <p:nvPr>
-            <p:ph idx="1"/>
-          </p:nvPr>
-        </p:nvSpPr>
-        <p:spPr/>
-        <p:txBody>
-          <a:bodyPr/>
-          <a:lstStyle/>
-          <a:p>
-            <a:pPr marL="228600" lvl="1" algn="just">
-              <a:spcBef>
-                <a:spcPts val="1000"/>
-              </a:spcBef>
-            </a:pPr>
-            <a:r>
-              <a:rPr lang="pt-BR" sz="2800" dirty="0" smtClean="0"/>
-              <a:t>Escassez de </a:t>
-            </a:r>
-            <a:r>
-              <a:rPr lang="pt-BR" sz="2800" dirty="0"/>
-              <a:t>ferramentas integradas </a:t>
-            </a:r>
-            <a:r>
-              <a:rPr lang="pt-BR" sz="2800" dirty="0" smtClean="0"/>
-              <a:t>que:</a:t>
-            </a:r>
-            <a:endParaRPr lang="pt-BR" sz="2800" dirty="0"/>
-          </a:p>
-          <a:p>
-            <a:pPr lvl="1" algn="just">
-              <a:buFont typeface="Courier New" panose="02070309020205020404" pitchFamily="49" charset="0"/>
-              <a:buChar char="o"/>
-            </a:pPr>
-            <a:r>
-              <a:rPr lang="pt-BR" dirty="0" smtClean="0"/>
-              <a:t>Possibilitem o cadastro dos artefatos que compõem a abstração proposta, que visa ser mais rica;</a:t>
-            </a:r>
-          </a:p>
-          <a:p>
-            <a:pPr lvl="1" algn="just">
-              <a:buFont typeface="Courier New" panose="02070309020205020404" pitchFamily="49" charset="0"/>
-              <a:buChar char="o"/>
-            </a:pPr>
-            <a:r>
-              <a:rPr lang="pt-BR" dirty="0" smtClean="0"/>
-              <a:t>Deem apoio à especificação de requisitos não funcionais estimulando o seu reuso;</a:t>
-            </a:r>
-          </a:p>
-          <a:p>
-            <a:pPr lvl="1" algn="just">
-              <a:buFont typeface="Courier New" panose="02070309020205020404" pitchFamily="49" charset="0"/>
-              <a:buChar char="o"/>
-            </a:pPr>
-            <a:r>
-              <a:rPr lang="pt-BR" dirty="0" smtClean="0"/>
-              <a:t>Auxiliem o aprendizado às pessoas inexperientes em especificação de RNF.</a:t>
-            </a:r>
-          </a:p>
-          <a:p>
-            <a:pPr algn="just"/>
-            <a:r>
-              <a:rPr lang="pt-BR" dirty="0" smtClean="0"/>
-              <a:t>Contribuição</a:t>
-            </a:r>
-          </a:p>
-          <a:p>
-            <a:pPr lvl="1" algn="just">
-              <a:buFont typeface="Courier New" panose="02070309020205020404" pitchFamily="49" charset="0"/>
-              <a:buChar char="o"/>
-            </a:pPr>
-            <a:r>
-              <a:rPr lang="pt-BR" dirty="0" smtClean="0"/>
-              <a:t>Definição de novo </a:t>
-            </a:r>
-            <a:r>
-              <a:rPr lang="pt-BR" i="1" dirty="0" err="1" smtClean="0"/>
-              <a:t>template</a:t>
-            </a:r>
-            <a:r>
-              <a:rPr lang="pt-BR" dirty="0" smtClean="0"/>
-              <a:t> que integra a especificação das técnica: </a:t>
-            </a:r>
-            <a:r>
-              <a:rPr lang="pt-BR" dirty="0" err="1" smtClean="0"/>
-              <a:t>QaSE</a:t>
-            </a:r>
-            <a:r>
-              <a:rPr lang="pt-BR" dirty="0" smtClean="0"/>
-              <a:t>  e </a:t>
-            </a:r>
-            <a:r>
-              <a:rPr lang="pt-BR" i="1" dirty="0" smtClean="0"/>
-              <a:t>The </a:t>
-            </a:r>
-            <a:r>
-              <a:rPr lang="pt-BR" i="1" dirty="0" err="1" smtClean="0"/>
-              <a:t>Landing</a:t>
-            </a:r>
-            <a:r>
-              <a:rPr lang="pt-BR" i="1" dirty="0" smtClean="0"/>
-              <a:t> Zone.</a:t>
-            </a:r>
-          </a:p>
-          <a:p>
-            <a:pPr lvl="1" algn="just">
-              <a:buFont typeface="Courier New" panose="02070309020205020404" pitchFamily="49" charset="0"/>
-              <a:buChar char="o"/>
-            </a:pPr>
-            <a:r>
-              <a:rPr lang="pt-BR" dirty="0" smtClean="0"/>
-              <a:t>S</a:t>
-            </a:r>
-          </a:p>
-          <a:p>
-            <a:endParaRPr lang="pt-BR" dirty="0"/>
-          </a:p>
-        </p:txBody>
-      </p:sp>
-      <p:pic>
-        <p:nvPicPr>
-          <p:cNvPr id="6" name="Imagem 5"/>
-          <p:cNvPicPr>
-            <a:picLocks noChangeAspect="1"/>
-          </p:cNvPicPr>
-          <p:nvPr/>
-        </p:nvPicPr>
-        <p:blipFill>
-          <a:blip r:embed="rId2" cstate="print">
-            <a:extLst>
-              <a:ext uri="{28A0092B-C50C-407E-A947-70E740481C1C}">
-                <a14:useLocalDpi xmlns:a14="http://schemas.microsoft.com/office/drawing/2010/main" val="0"/>
-              </a:ext>
-            </a:extLst>
-          </a:blip>
-          <a:stretch>
-            <a:fillRect/>
-          </a:stretch>
-        </p:blipFill>
-        <p:spPr>
-          <a:xfrm>
-            <a:off x="23356" y="0"/>
-            <a:ext cx="1170432" cy="777240"/>
+            <a:off x="4753027" y="3493830"/>
+            <a:ext cx="1750985" cy="2030522"/>
           </a:xfrm>
           <a:prstGeom prst="rect">
             <a:avLst/>
@@ -7723,859 +7549,6 @@
       <p:pic>
         <p:nvPicPr>
           <p:cNvPr id="7" name="Imagem 6"/>
-          <p:cNvPicPr>
-            <a:picLocks noChangeAspect="1"/>
-          </p:cNvPicPr>
-          <p:nvPr/>
-        </p:nvPicPr>
-        <p:blipFill>
-          <a:blip r:embed="rId3" cstate="print">
-            <a:extLst>
-              <a:ext uri="{28A0092B-C50C-407E-A947-70E740481C1C}">
-                <a14:useLocalDpi xmlns:a14="http://schemas.microsoft.com/office/drawing/2010/main" val="0"/>
-              </a:ext>
-            </a:extLst>
-          </a:blip>
-          <a:stretch>
-            <a:fillRect/>
-          </a:stretch>
-        </p:blipFill>
-        <p:spPr>
-          <a:xfrm>
-            <a:off x="10532125" y="14049"/>
-            <a:ext cx="1659875" cy="777473"/>
-          </a:xfrm>
-          <a:prstGeom prst="rect">
-            <a:avLst/>
-          </a:prstGeom>
-        </p:spPr>
-      </p:pic>
-      <p:pic>
-        <p:nvPicPr>
-          <p:cNvPr id="8" name="Picture 2"/>
-          <p:cNvPicPr>
-            <a:picLocks noChangeAspect="1" noChangeArrowheads="1"/>
-          </p:cNvPicPr>
-          <p:nvPr/>
-        </p:nvPicPr>
-        <p:blipFill>
-          <a:blip r:embed="rId4"/>
-          <a:srcRect/>
-          <a:stretch>
-            <a:fillRect/>
-          </a:stretch>
-        </p:blipFill>
-        <p:spPr bwMode="auto">
-          <a:xfrm>
-            <a:off x="1603516" y="5422505"/>
-            <a:ext cx="1507237" cy="357301"/>
-          </a:xfrm>
-          <a:prstGeom prst="rect">
-            <a:avLst/>
-          </a:prstGeom>
-          <a:noFill/>
-          <a:ln w="9525">
-            <a:noFill/>
-            <a:miter lim="800000"/>
-            <a:headEnd/>
-            <a:tailEnd/>
-          </a:ln>
-          <a:effectLst/>
-        </p:spPr>
-      </p:pic>
-    </p:spTree>
-  </p:cSld>
-  <p:clrMapOvr>
-    <a:masterClrMapping/>
-  </p:clrMapOvr>
-  <p:timing>
-    <p:tnLst>
-      <p:par>
-        <p:cTn id="1" dur="indefinite" restart="never" nodeType="tmRoot"/>
-      </p:par>
-    </p:tnLst>
-  </p:timing>
-</p:sld>
-</file>
-
-<file path=ppt/slides/slide24.xml><?xml version="1.0" encoding="utf-8"?>
-<p:sld xmlns:a="http://schemas.openxmlformats.org/drawingml/2006/main" xmlns:r="http://schemas.openxmlformats.org/officeDocument/2006/relationships" xmlns:p="http://schemas.openxmlformats.org/presentationml/2006/main">
-  <p:cSld>
-    <p:spTree>
-      <p:nvGrpSpPr>
-        <p:cNvPr id="1" name=""/>
-        <p:cNvGrpSpPr/>
-        <p:nvPr/>
-      </p:nvGrpSpPr>
-      <p:grpSpPr>
-        <a:xfrm>
-          <a:off x="0" y="0"/>
-          <a:ext cx="0" cy="0"/>
-          <a:chOff x="0" y="0"/>
-          <a:chExt cx="0" cy="0"/>
-        </a:xfrm>
-      </p:grpSpPr>
-      <p:sp>
-        <p:nvSpPr>
-          <p:cNvPr id="2" name="Título 1"/>
-          <p:cNvSpPr>
-            <a:spLocks noGrp="1"/>
-          </p:cNvSpPr>
-          <p:nvPr>
-            <p:ph type="title"/>
-          </p:nvPr>
-        </p:nvSpPr>
-        <p:spPr/>
-        <p:txBody>
-          <a:bodyPr/>
-          <a:lstStyle/>
-          <a:p>
-            <a:pPr algn="ctr"/>
-            <a:r>
-              <a:rPr lang="pt-BR" dirty="0" smtClean="0"/>
-              <a:t>Limitações</a:t>
-            </a:r>
-            <a:endParaRPr lang="pt-BR" dirty="0"/>
-          </a:p>
-        </p:txBody>
-      </p:sp>
-      <p:sp>
-        <p:nvSpPr>
-          <p:cNvPr id="3" name="Espaço Reservado para Conteúdo 2"/>
-          <p:cNvSpPr>
-            <a:spLocks noGrp="1"/>
-          </p:cNvSpPr>
-          <p:nvPr>
-            <p:ph idx="1"/>
-          </p:nvPr>
-        </p:nvSpPr>
-        <p:spPr/>
-        <p:txBody>
-          <a:bodyPr/>
-          <a:lstStyle/>
-          <a:p>
-            <a:pPr algn="just"/>
-            <a:r>
-              <a:rPr lang="pt-BR" dirty="0" smtClean="0"/>
-              <a:t>O </a:t>
-            </a:r>
-            <a:r>
-              <a:rPr lang="pt-BR" dirty="0" err="1" smtClean="0"/>
-              <a:t>T</a:t>
-            </a:r>
-            <a:r>
-              <a:rPr lang="pt-BR" i="1" dirty="0" err="1" smtClean="0"/>
-              <a:t>emplate</a:t>
-            </a:r>
-            <a:r>
-              <a:rPr lang="pt-BR" dirty="0" smtClean="0"/>
-              <a:t> </a:t>
-            </a:r>
-            <a:r>
-              <a:rPr lang="pt-BR" dirty="0"/>
-              <a:t>proposto se limitou </a:t>
-            </a:r>
-            <a:r>
-              <a:rPr lang="pt-BR" dirty="0" smtClean="0"/>
-              <a:t>à </a:t>
-            </a:r>
-            <a:r>
-              <a:rPr lang="pt-BR" dirty="0"/>
-              <a:t>integração de duas </a:t>
-            </a:r>
-            <a:r>
-              <a:rPr lang="pt-BR" dirty="0" smtClean="0"/>
-              <a:t>abordagens</a:t>
-            </a:r>
-          </a:p>
-          <a:p>
-            <a:pPr lvl="1" algn="just"/>
-            <a:r>
-              <a:rPr lang="pt-BR" dirty="0"/>
-              <a:t>N</a:t>
-            </a:r>
-            <a:r>
-              <a:rPr lang="pt-BR" dirty="0" smtClean="0"/>
-              <a:t>ão </a:t>
-            </a:r>
-            <a:r>
-              <a:rPr lang="pt-BR" dirty="0"/>
-              <a:t>incorporando conceitos referentes a outras propostas que de alguma forma poderiam enriquecer a </a:t>
-            </a:r>
-            <a:r>
-              <a:rPr lang="pt-BR" dirty="0" smtClean="0"/>
-              <a:t>proposta</a:t>
-            </a:r>
-          </a:p>
-          <a:p>
-            <a:pPr lvl="1" algn="just"/>
-            <a:r>
-              <a:rPr lang="pt-BR" dirty="0"/>
-              <a:t>M</a:t>
-            </a:r>
-            <a:r>
-              <a:rPr lang="pt-BR" dirty="0" smtClean="0"/>
-              <a:t>antendo-se porém leve</a:t>
-            </a:r>
-            <a:endParaRPr lang="pt-BR" dirty="0"/>
-          </a:p>
-          <a:p>
-            <a:pPr algn="just"/>
-            <a:r>
-              <a:rPr lang="pt-BR" dirty="0" smtClean="0"/>
-              <a:t>O</a:t>
-            </a:r>
-            <a:r>
-              <a:rPr lang="pt-BR" i="1" dirty="0" smtClean="0"/>
-              <a:t> </a:t>
-            </a:r>
-            <a:r>
-              <a:rPr lang="pt-BR" i="1" dirty="0" err="1" smtClean="0"/>
-              <a:t>Template</a:t>
-            </a:r>
-            <a:r>
-              <a:rPr lang="pt-BR" dirty="0" smtClean="0"/>
-              <a:t> </a:t>
-            </a:r>
-            <a:r>
-              <a:rPr lang="pt-BR" dirty="0"/>
-              <a:t>não foi ainda usado por outras pessoas, nem aplicado em casos </a:t>
-            </a:r>
-            <a:r>
-              <a:rPr lang="pt-BR" dirty="0" smtClean="0"/>
-              <a:t>reais</a:t>
-            </a:r>
-            <a:endParaRPr lang="pt-BR" dirty="0"/>
-          </a:p>
-          <a:p>
-            <a:pPr algn="just"/>
-            <a:r>
-              <a:rPr lang="pt-BR" dirty="0"/>
-              <a:t>Sistema desenvolvido foca apenas nos </a:t>
-            </a:r>
-            <a:r>
-              <a:rPr lang="pt-BR" dirty="0" err="1" smtClean="0"/>
-              <a:t>RNFs</a:t>
-            </a:r>
-            <a:r>
-              <a:rPr lang="pt-BR" dirty="0" smtClean="0"/>
-              <a:t>, </a:t>
-            </a:r>
-            <a:r>
-              <a:rPr lang="pt-BR" dirty="0"/>
-              <a:t>não estando integrado ao processo de requisitos como um </a:t>
-            </a:r>
-            <a:r>
-              <a:rPr lang="pt-BR" dirty="0" smtClean="0"/>
-              <a:t>todo</a:t>
-            </a:r>
-            <a:endParaRPr lang="pt-BR" dirty="0"/>
-          </a:p>
-          <a:p>
-            <a:endParaRPr lang="pt-BR" dirty="0"/>
-          </a:p>
-        </p:txBody>
-      </p:sp>
-      <p:pic>
-        <p:nvPicPr>
-          <p:cNvPr id="6" name="Imagem 5"/>
-          <p:cNvPicPr>
-            <a:picLocks noChangeAspect="1"/>
-          </p:cNvPicPr>
-          <p:nvPr/>
-        </p:nvPicPr>
-        <p:blipFill>
-          <a:blip r:embed="rId2" cstate="print">
-            <a:extLst>
-              <a:ext uri="{28A0092B-C50C-407E-A947-70E740481C1C}">
-                <a14:useLocalDpi xmlns:a14="http://schemas.microsoft.com/office/drawing/2010/main" val="0"/>
-              </a:ext>
-            </a:extLst>
-          </a:blip>
-          <a:stretch>
-            <a:fillRect/>
-          </a:stretch>
-        </p:blipFill>
-        <p:spPr>
-          <a:xfrm>
-            <a:off x="23356" y="0"/>
-            <a:ext cx="1170432" cy="777240"/>
-          </a:xfrm>
-          <a:prstGeom prst="rect">
-            <a:avLst/>
-          </a:prstGeom>
-        </p:spPr>
-      </p:pic>
-      <p:pic>
-        <p:nvPicPr>
-          <p:cNvPr id="7" name="Imagem 6"/>
-          <p:cNvPicPr>
-            <a:picLocks noChangeAspect="1"/>
-          </p:cNvPicPr>
-          <p:nvPr/>
-        </p:nvPicPr>
-        <p:blipFill>
-          <a:blip r:embed="rId3" cstate="print">
-            <a:extLst>
-              <a:ext uri="{28A0092B-C50C-407E-A947-70E740481C1C}">
-                <a14:useLocalDpi xmlns:a14="http://schemas.microsoft.com/office/drawing/2010/main" val="0"/>
-              </a:ext>
-            </a:extLst>
-          </a:blip>
-          <a:stretch>
-            <a:fillRect/>
-          </a:stretch>
-        </p:blipFill>
-        <p:spPr>
-          <a:xfrm>
-            <a:off x="10532125" y="14049"/>
-            <a:ext cx="1659875" cy="777473"/>
-          </a:xfrm>
-          <a:prstGeom prst="rect">
-            <a:avLst/>
-          </a:prstGeom>
-        </p:spPr>
-      </p:pic>
-    </p:spTree>
-    <p:extLst>
-      <p:ext uri="{BB962C8B-B14F-4D97-AF65-F5344CB8AC3E}">
-        <p14:creationId xmlns:p14="http://schemas.microsoft.com/office/powerpoint/2010/main" val="1440492466"/>
-      </p:ext>
-    </p:extLst>
-  </p:cSld>
-  <p:clrMapOvr>
-    <a:masterClrMapping/>
-  </p:clrMapOvr>
-  <p:timing>
-    <p:tnLst>
-      <p:par>
-        <p:cTn id="1" dur="indefinite" restart="never" nodeType="tmRoot"/>
-      </p:par>
-    </p:tnLst>
-  </p:timing>
-</p:sld>
-</file>
-
-<file path=ppt/slides/slide25.xml><?xml version="1.0" encoding="utf-8"?>
-<p:sld xmlns:a="http://schemas.openxmlformats.org/drawingml/2006/main" xmlns:r="http://schemas.openxmlformats.org/officeDocument/2006/relationships" xmlns:p="http://schemas.openxmlformats.org/presentationml/2006/main">
-  <p:cSld>
-    <p:spTree>
-      <p:nvGrpSpPr>
-        <p:cNvPr id="1" name=""/>
-        <p:cNvGrpSpPr/>
-        <p:nvPr/>
-      </p:nvGrpSpPr>
-      <p:grpSpPr>
-        <a:xfrm>
-          <a:off x="0" y="0"/>
-          <a:ext cx="0" cy="0"/>
-          <a:chOff x="0" y="0"/>
-          <a:chExt cx="0" cy="0"/>
-        </a:xfrm>
-      </p:grpSpPr>
-      <p:sp>
-        <p:nvSpPr>
-          <p:cNvPr id="2" name="Título 1"/>
-          <p:cNvSpPr>
-            <a:spLocks noGrp="1"/>
-          </p:cNvSpPr>
-          <p:nvPr>
-            <p:ph type="title"/>
-          </p:nvPr>
-        </p:nvSpPr>
-        <p:spPr/>
-        <p:txBody>
-          <a:bodyPr/>
-          <a:lstStyle/>
-          <a:p>
-            <a:pPr algn="ctr"/>
-            <a:r>
-              <a:rPr lang="pt-BR" dirty="0" smtClean="0"/>
-              <a:t>Trabalhos Futuros</a:t>
-            </a:r>
-            <a:endParaRPr lang="pt-BR" dirty="0"/>
-          </a:p>
-        </p:txBody>
-      </p:sp>
-      <p:sp>
-        <p:nvSpPr>
-          <p:cNvPr id="3" name="Espaço Reservado para Conteúdo 2"/>
-          <p:cNvSpPr>
-            <a:spLocks noGrp="1"/>
-          </p:cNvSpPr>
-          <p:nvPr>
-            <p:ph idx="1"/>
-          </p:nvPr>
-        </p:nvSpPr>
-        <p:spPr/>
-        <p:txBody>
-          <a:bodyPr>
-            <a:normAutofit/>
-          </a:bodyPr>
-          <a:lstStyle/>
-          <a:p>
-            <a:pPr lvl="0" algn="just"/>
-            <a:r>
-              <a:rPr lang="pt-BR" dirty="0" smtClean="0"/>
-              <a:t>Aplicar </a:t>
-            </a:r>
-            <a:r>
-              <a:rPr lang="pt-BR" dirty="0"/>
-              <a:t>o </a:t>
-            </a:r>
-            <a:r>
-              <a:rPr lang="pt-BR" i="1" dirty="0" err="1"/>
-              <a:t>template</a:t>
-            </a:r>
-            <a:r>
-              <a:rPr lang="pt-BR" dirty="0"/>
-              <a:t> proposto a casos reais em empresas </a:t>
-            </a:r>
-            <a:r>
-              <a:rPr lang="pt-BR" dirty="0" smtClean="0"/>
-              <a:t>e </a:t>
-            </a:r>
-            <a:r>
-              <a:rPr lang="pt-BR" dirty="0"/>
-              <a:t>na </a:t>
-            </a:r>
-            <a:r>
-              <a:rPr lang="pt-BR" dirty="0" smtClean="0"/>
-              <a:t>academia</a:t>
-            </a:r>
-            <a:endParaRPr lang="pt-BR" dirty="0"/>
-          </a:p>
-          <a:p>
-            <a:pPr lvl="0" algn="just"/>
-            <a:r>
-              <a:rPr lang="pt-BR" dirty="0"/>
-              <a:t>Validar o </a:t>
-            </a:r>
-            <a:r>
-              <a:rPr lang="pt-BR" dirty="0" smtClean="0"/>
-              <a:t>SAE-RNF </a:t>
-            </a:r>
-            <a:r>
-              <a:rPr lang="pt-BR" dirty="0"/>
-              <a:t>com usuários, avaliar a usabilidade e receber sugestões de </a:t>
-            </a:r>
-            <a:r>
-              <a:rPr lang="pt-BR" dirty="0" smtClean="0"/>
-              <a:t>melhoria</a:t>
-            </a:r>
-            <a:endParaRPr lang="pt-BR" dirty="0"/>
-          </a:p>
-          <a:p>
-            <a:pPr lvl="0" algn="just"/>
-            <a:r>
-              <a:rPr lang="pt-BR" dirty="0"/>
-              <a:t>Fazer um estudo comparativo entre o </a:t>
-            </a:r>
-            <a:r>
-              <a:rPr lang="pt-BR" dirty="0" smtClean="0"/>
-              <a:t>SAE-RNF </a:t>
-            </a:r>
-            <a:r>
-              <a:rPr lang="pt-BR" dirty="0"/>
-              <a:t>e outras ferramentas existentes no </a:t>
-            </a:r>
-            <a:r>
-              <a:rPr lang="pt-BR" dirty="0" smtClean="0"/>
-              <a:t>mercado</a:t>
-            </a:r>
-            <a:endParaRPr lang="pt-BR" dirty="0"/>
-          </a:p>
-          <a:p>
-            <a:pPr lvl="0" algn="just"/>
-            <a:r>
-              <a:rPr lang="pt-BR" dirty="0" smtClean="0"/>
-              <a:t>Integrar </a:t>
-            </a:r>
-            <a:r>
-              <a:rPr lang="pt-BR" dirty="0"/>
-              <a:t>especificação ao modelo e ferramenta </a:t>
-            </a:r>
-            <a:r>
-              <a:rPr lang="pt-BR" dirty="0" smtClean="0"/>
-              <a:t>4REUse</a:t>
-            </a:r>
-            <a:endParaRPr lang="pt-BR" dirty="0"/>
-          </a:p>
-          <a:p>
-            <a:endParaRPr lang="pt-BR" dirty="0"/>
-          </a:p>
-        </p:txBody>
-      </p:sp>
-      <p:pic>
-        <p:nvPicPr>
-          <p:cNvPr id="6" name="Imagem 5"/>
-          <p:cNvPicPr>
-            <a:picLocks noChangeAspect="1"/>
-          </p:cNvPicPr>
-          <p:nvPr/>
-        </p:nvPicPr>
-        <p:blipFill>
-          <a:blip r:embed="rId2" cstate="print">
-            <a:extLst>
-              <a:ext uri="{28A0092B-C50C-407E-A947-70E740481C1C}">
-                <a14:useLocalDpi xmlns:a14="http://schemas.microsoft.com/office/drawing/2010/main" val="0"/>
-              </a:ext>
-            </a:extLst>
-          </a:blip>
-          <a:stretch>
-            <a:fillRect/>
-          </a:stretch>
-        </p:blipFill>
-        <p:spPr>
-          <a:xfrm>
-            <a:off x="23356" y="0"/>
-            <a:ext cx="1170432" cy="777240"/>
-          </a:xfrm>
-          <a:prstGeom prst="rect">
-            <a:avLst/>
-          </a:prstGeom>
-        </p:spPr>
-      </p:pic>
-      <p:pic>
-        <p:nvPicPr>
-          <p:cNvPr id="7" name="Imagem 6"/>
-          <p:cNvPicPr>
-            <a:picLocks noChangeAspect="1"/>
-          </p:cNvPicPr>
-          <p:nvPr/>
-        </p:nvPicPr>
-        <p:blipFill>
-          <a:blip r:embed="rId3" cstate="print">
-            <a:extLst>
-              <a:ext uri="{28A0092B-C50C-407E-A947-70E740481C1C}">
-                <a14:useLocalDpi xmlns:a14="http://schemas.microsoft.com/office/drawing/2010/main" val="0"/>
-              </a:ext>
-            </a:extLst>
-          </a:blip>
-          <a:stretch>
-            <a:fillRect/>
-          </a:stretch>
-        </p:blipFill>
-        <p:spPr>
-          <a:xfrm>
-            <a:off x="10532125" y="14049"/>
-            <a:ext cx="1659875" cy="777473"/>
-          </a:xfrm>
-          <a:prstGeom prst="rect">
-            <a:avLst/>
-          </a:prstGeom>
-        </p:spPr>
-      </p:pic>
-    </p:spTree>
-    <p:extLst>
-      <p:ext uri="{BB962C8B-B14F-4D97-AF65-F5344CB8AC3E}">
-        <p14:creationId xmlns:p14="http://schemas.microsoft.com/office/powerpoint/2010/main" val="2584194839"/>
-      </p:ext>
-    </p:extLst>
-  </p:cSld>
-  <p:clrMapOvr>
-    <a:masterClrMapping/>
-  </p:clrMapOvr>
-  <p:timing>
-    <p:tnLst>
-      <p:par>
-        <p:cTn id="1" dur="indefinite" restart="never" nodeType="tmRoot"/>
-      </p:par>
-    </p:tnLst>
-  </p:timing>
-</p:sld>
-</file>
-
-<file path=ppt/slides/slide26.xml><?xml version="1.0" encoding="utf-8"?>
-<p:sld xmlns:a="http://schemas.openxmlformats.org/drawingml/2006/main" xmlns:r="http://schemas.openxmlformats.org/officeDocument/2006/relationships" xmlns:p="http://schemas.openxmlformats.org/presentationml/2006/main">
-  <p:cSld>
-    <p:spTree>
-      <p:nvGrpSpPr>
-        <p:cNvPr id="1" name=""/>
-        <p:cNvGrpSpPr/>
-        <p:nvPr/>
-      </p:nvGrpSpPr>
-      <p:grpSpPr>
-        <a:xfrm>
-          <a:off x="0" y="0"/>
-          <a:ext cx="0" cy="0"/>
-          <a:chOff x="0" y="0"/>
-          <a:chExt cx="0" cy="0"/>
-        </a:xfrm>
-      </p:grpSpPr>
-      <p:sp>
-        <p:nvSpPr>
-          <p:cNvPr id="2" name="Título 1"/>
-          <p:cNvSpPr>
-            <a:spLocks noGrp="1"/>
-          </p:cNvSpPr>
-          <p:nvPr>
-            <p:ph type="title"/>
-          </p:nvPr>
-        </p:nvSpPr>
-        <p:spPr/>
-        <p:txBody>
-          <a:bodyPr/>
-          <a:lstStyle/>
-          <a:p>
-            <a:endParaRPr lang="pt-BR"/>
-          </a:p>
-        </p:txBody>
-      </p:sp>
-      <p:sp>
-        <p:nvSpPr>
-          <p:cNvPr id="3" name="Espaço Reservado para Conteúdo 2"/>
-          <p:cNvSpPr>
-            <a:spLocks noGrp="1"/>
-          </p:cNvSpPr>
-          <p:nvPr>
-            <p:ph idx="1"/>
-          </p:nvPr>
-        </p:nvSpPr>
-        <p:spPr/>
-        <p:txBody>
-          <a:bodyPr/>
-          <a:lstStyle/>
-          <a:p>
-            <a:pPr marL="0" indent="0">
-              <a:buNone/>
-            </a:pPr>
-            <a:endParaRPr lang="pt-BR" dirty="0" smtClean="0"/>
-          </a:p>
-          <a:p>
-            <a:pPr marL="0" indent="0">
-              <a:buNone/>
-            </a:pPr>
-            <a:endParaRPr lang="pt-BR" dirty="0"/>
-          </a:p>
-          <a:p>
-            <a:pPr marL="0" indent="0" algn="ctr">
-              <a:buNone/>
-            </a:pPr>
-            <a:r>
-              <a:rPr lang="pt-BR" sz="4800" dirty="0" smtClean="0"/>
-              <a:t>Obrigado!</a:t>
-            </a:r>
-            <a:endParaRPr lang="pt-BR" sz="4800" dirty="0"/>
-          </a:p>
-        </p:txBody>
-      </p:sp>
-      <p:pic>
-        <p:nvPicPr>
-          <p:cNvPr id="6" name="Imagem 5"/>
-          <p:cNvPicPr>
-            <a:picLocks noChangeAspect="1"/>
-          </p:cNvPicPr>
-          <p:nvPr/>
-        </p:nvPicPr>
-        <p:blipFill>
-          <a:blip r:embed="rId2" cstate="print">
-            <a:extLst>
-              <a:ext uri="{28A0092B-C50C-407E-A947-70E740481C1C}">
-                <a14:useLocalDpi xmlns:a14="http://schemas.microsoft.com/office/drawing/2010/main" val="0"/>
-              </a:ext>
-            </a:extLst>
-          </a:blip>
-          <a:stretch>
-            <a:fillRect/>
-          </a:stretch>
-        </p:blipFill>
-        <p:spPr>
-          <a:xfrm>
-            <a:off x="23356" y="0"/>
-            <a:ext cx="1170432" cy="777240"/>
-          </a:xfrm>
-          <a:prstGeom prst="rect">
-            <a:avLst/>
-          </a:prstGeom>
-        </p:spPr>
-      </p:pic>
-      <p:pic>
-        <p:nvPicPr>
-          <p:cNvPr id="7" name="Imagem 6"/>
-          <p:cNvPicPr>
-            <a:picLocks noChangeAspect="1"/>
-          </p:cNvPicPr>
-          <p:nvPr/>
-        </p:nvPicPr>
-        <p:blipFill>
-          <a:blip r:embed="rId3" cstate="print">
-            <a:extLst>
-              <a:ext uri="{28A0092B-C50C-407E-A947-70E740481C1C}">
-                <a14:useLocalDpi xmlns:a14="http://schemas.microsoft.com/office/drawing/2010/main" val="0"/>
-              </a:ext>
-            </a:extLst>
-          </a:blip>
-          <a:stretch>
-            <a:fillRect/>
-          </a:stretch>
-        </p:blipFill>
-        <p:spPr>
-          <a:xfrm>
-            <a:off x="10532125" y="14049"/>
-            <a:ext cx="1659875" cy="777473"/>
-          </a:xfrm>
-          <a:prstGeom prst="rect">
-            <a:avLst/>
-          </a:prstGeom>
-        </p:spPr>
-      </p:pic>
-    </p:spTree>
-    <p:extLst>
-      <p:ext uri="{BB962C8B-B14F-4D97-AF65-F5344CB8AC3E}">
-        <p14:creationId xmlns:p14="http://schemas.microsoft.com/office/powerpoint/2010/main" val="1091334697"/>
-      </p:ext>
-    </p:extLst>
-  </p:cSld>
-  <p:clrMapOvr>
-    <a:masterClrMapping/>
-  </p:clrMapOvr>
-  <p:timing>
-    <p:tnLst>
-      <p:par>
-        <p:cTn id="1" dur="indefinite" restart="never" nodeType="tmRoot"/>
-      </p:par>
-    </p:tnLst>
-  </p:timing>
-</p:sld>
-</file>
-
-<file path=ppt/slides/slide27.xml><?xml version="1.0" encoding="utf-8"?>
-<p:sld xmlns:a="http://schemas.openxmlformats.org/drawingml/2006/main" xmlns:r="http://schemas.openxmlformats.org/officeDocument/2006/relationships" xmlns:p="http://schemas.openxmlformats.org/presentationml/2006/main">
-  <p:cSld>
-    <p:spTree>
-      <p:nvGrpSpPr>
-        <p:cNvPr id="1" name=""/>
-        <p:cNvGrpSpPr/>
-        <p:nvPr/>
-      </p:nvGrpSpPr>
-      <p:grpSpPr>
-        <a:xfrm>
-          <a:off x="0" y="0"/>
-          <a:ext cx="0" cy="0"/>
-          <a:chOff x="0" y="0"/>
-          <a:chExt cx="0" cy="0"/>
-        </a:xfrm>
-      </p:grpSpPr>
-      <p:sp>
-        <p:nvSpPr>
-          <p:cNvPr id="2" name="Título 1"/>
-          <p:cNvSpPr>
-            <a:spLocks noGrp="1"/>
-          </p:cNvSpPr>
-          <p:nvPr>
-            <p:ph type="ctrTitle"/>
-          </p:nvPr>
-        </p:nvSpPr>
-        <p:spPr/>
-        <p:txBody>
-          <a:bodyPr>
-            <a:normAutofit fontScale="90000"/>
-          </a:bodyPr>
-          <a:lstStyle/>
-          <a:p>
-            <a:r>
-              <a:rPr lang="pt-BR" dirty="0" smtClean="0"/>
-              <a:t>Sistema de Apoio à Especificação de Requisitos não Funcionais</a:t>
-            </a:r>
-            <a:endParaRPr lang="pt-BR" dirty="0"/>
-          </a:p>
-        </p:txBody>
-      </p:sp>
-      <p:sp>
-        <p:nvSpPr>
-          <p:cNvPr id="3" name="Subtítulo 2"/>
-          <p:cNvSpPr>
-            <a:spLocks noGrp="1"/>
-          </p:cNvSpPr>
-          <p:nvPr>
-            <p:ph type="subTitle" idx="1"/>
-          </p:nvPr>
-        </p:nvSpPr>
-        <p:spPr>
-          <a:xfrm>
-            <a:off x="297456" y="5486402"/>
-            <a:ext cx="10730429" cy="1189821"/>
-          </a:xfrm>
-        </p:spPr>
-        <p:txBody>
-          <a:bodyPr/>
-          <a:lstStyle/>
-          <a:p>
-            <a:pPr algn="l"/>
-            <a:r>
-              <a:rPr lang="pt-BR" dirty="0" smtClean="0"/>
-              <a:t>Diogo Leal </a:t>
-            </a:r>
-            <a:r>
-              <a:rPr lang="pt-BR" dirty="0"/>
-              <a:t>P</a:t>
-            </a:r>
-            <a:r>
-              <a:rPr lang="pt-BR" dirty="0" smtClean="0"/>
-              <a:t>into </a:t>
-            </a:r>
-            <a:r>
-              <a:rPr lang="pt-BR" dirty="0" err="1"/>
-              <a:t>M</a:t>
-            </a:r>
-            <a:r>
-              <a:rPr lang="pt-BR" dirty="0" err="1" smtClean="0"/>
-              <a:t>arvão</a:t>
-            </a:r>
-            <a:endParaRPr lang="pt-BR" dirty="0" smtClean="0"/>
-          </a:p>
-          <a:p>
-            <a:pPr algn="l"/>
-            <a:r>
-              <a:rPr lang="pt-BR" dirty="0" smtClean="0"/>
-              <a:t>Orientadora: Profa. Dra. Maria Lencastre Pinheiro de </a:t>
-            </a:r>
-            <a:r>
-              <a:rPr lang="pt-BR" dirty="0"/>
-              <a:t>M</a:t>
-            </a:r>
-            <a:r>
-              <a:rPr lang="pt-BR" dirty="0" smtClean="0"/>
-              <a:t>enezes e Cruz </a:t>
-            </a:r>
-            <a:endParaRPr lang="pt-BR" dirty="0"/>
-          </a:p>
-        </p:txBody>
-      </p:sp>
-      <p:pic>
-        <p:nvPicPr>
-          <p:cNvPr id="4" name="Imagem 3"/>
-          <p:cNvPicPr>
-            <a:picLocks noChangeAspect="1"/>
-          </p:cNvPicPr>
-          <p:nvPr/>
-        </p:nvPicPr>
-        <p:blipFill>
-          <a:blip r:embed="rId3" cstate="print">
-            <a:extLst>
-              <a:ext uri="{28A0092B-C50C-407E-A947-70E740481C1C}">
-                <a14:useLocalDpi xmlns:a14="http://schemas.microsoft.com/office/drawing/2010/main" val="0"/>
-              </a:ext>
-            </a:extLst>
-          </a:blip>
-          <a:stretch>
-            <a:fillRect/>
-          </a:stretch>
-        </p:blipFill>
-        <p:spPr>
-          <a:xfrm>
-            <a:off x="23356" y="0"/>
-            <a:ext cx="1170432" cy="777240"/>
-          </a:xfrm>
-          <a:prstGeom prst="rect">
-            <a:avLst/>
-          </a:prstGeom>
-        </p:spPr>
-      </p:pic>
-      <p:pic>
-        <p:nvPicPr>
-          <p:cNvPr id="5" name="Imagem 4"/>
           <p:cNvPicPr>
             <a:picLocks noChangeAspect="1"/>
           </p:cNvPicPr>
@@ -8595,8 +7568,38 @@
         </p:blipFill>
         <p:spPr>
           <a:xfrm>
-            <a:off x="10532125" y="14049"/>
-            <a:ext cx="1659875" cy="777473"/>
+            <a:off x="104916" y="98107"/>
+            <a:ext cx="1653512" cy="1168456"/>
+          </a:xfrm>
+          <a:prstGeom prst="rect">
+            <a:avLst/>
+          </a:prstGeom>
+        </p:spPr>
+      </p:pic>
+      <p:pic>
+        <p:nvPicPr>
+          <p:cNvPr id="8" name="Imagem 7"/>
+          <p:cNvPicPr>
+            <a:picLocks noChangeAspect="1"/>
+          </p:cNvPicPr>
+          <p:nvPr/>
+        </p:nvPicPr>
+        <p:blipFill>
+          <a:blip r:embed="rId5" cstate="print">
+            <a:extLst>
+              <a:ext uri="{28A0092B-C50C-407E-A947-70E740481C1C}">
+                <a14:useLocalDpi xmlns:a14="http://schemas.microsoft.com/office/drawing/2010/main" val="0"/>
+              </a:ext>
+            </a:extLst>
+          </a:blip>
+          <a:stretch>
+            <a:fillRect/>
+          </a:stretch>
+        </p:blipFill>
+        <p:spPr>
+          <a:xfrm>
+            <a:off x="8894699" y="-16327"/>
+            <a:ext cx="2326039" cy="1163019"/>
           </a:xfrm>
           <a:prstGeom prst="rect">
             <a:avLst/>
@@ -8606,7 +7609,7 @@
     </p:spTree>
     <p:extLst>
       <p:ext uri="{BB962C8B-B14F-4D97-AF65-F5344CB8AC3E}">
-        <p14:creationId xmlns:p14="http://schemas.microsoft.com/office/powerpoint/2010/main" val="926085595"/>
+        <p14:creationId xmlns:p14="http://schemas.microsoft.com/office/powerpoint/2010/main" val="241934719"/>
       </p:ext>
     </p:extLst>
   </p:cSld>
@@ -8652,8 +7655,8 @@
         </p:nvSpPr>
         <p:spPr>
           <a:xfrm>
-            <a:off x="604207" y="1008332"/>
-            <a:ext cx="10515600" cy="1325563"/>
+            <a:off x="522514" y="463323"/>
+            <a:ext cx="10160000" cy="1143000"/>
           </a:xfrm>
         </p:spPr>
         <p:txBody>
@@ -8663,15 +7666,47 @@
             <a:pPr algn="ctr"/>
             <a:r>
               <a:rPr lang="pt-BR" dirty="0" smtClean="0"/>
-              <a:t>2. Objetivos</a:t>
+              <a:t>Contextualização</a:t>
             </a:r>
             <a:endParaRPr lang="pt-BR" dirty="0"/>
+          </a:p>
+        </p:txBody>
+      </p:sp>
+      <p:sp>
+        <p:nvSpPr>
+          <p:cNvPr id="3" name="Espaço Reservado para Conteúdo 2"/>
+          <p:cNvSpPr>
+            <a:spLocks noGrp="1"/>
+          </p:cNvSpPr>
+          <p:nvPr>
+            <p:ph idx="1"/>
+          </p:nvPr>
+        </p:nvSpPr>
+        <p:spPr>
+          <a:xfrm>
+            <a:off x="609600" y="1803396"/>
+            <a:ext cx="10160000" cy="664033"/>
+          </a:xfrm>
+        </p:spPr>
+        <p:txBody>
+          <a:bodyPr>
+            <a:normAutofit/>
+          </a:bodyPr>
+          <a:lstStyle/>
+          <a:p>
+            <a:pPr marL="114300" indent="0">
+              <a:buNone/>
+            </a:pPr>
+            <a:r>
+              <a:rPr lang="pt-BR" sz="2800" dirty="0" smtClean="0"/>
+              <a:t>Boletim de ocorrência tradicional (em papel)</a:t>
+            </a:r>
           </a:p>
         </p:txBody>
       </p:sp>
       <p:pic>
         <p:nvPicPr>
-          <p:cNvPr id="8" name="Imagem 7"/>
+          <p:cNvPr id="4" name="Imagem 3"/>
           <p:cNvPicPr>
             <a:picLocks noChangeAspect="1"/>
           </p:cNvPicPr>
@@ -8701,7 +7736,7 @@
       </p:pic>
       <p:pic>
         <p:nvPicPr>
-          <p:cNvPr id="9" name="Imagem 8"/>
+          <p:cNvPr id="5" name="Imagem 4"/>
           <p:cNvPicPr>
             <a:picLocks noChangeAspect="1"/>
           </p:cNvPicPr>
@@ -8731,46 +7766,40 @@
       </p:pic>
       <p:pic>
         <p:nvPicPr>
-          <p:cNvPr id="1026" name="Picture 2" descr="Resultado de imagem para objetivos"/>
+          <p:cNvPr id="6" name="Imagem 5"/>
           <p:cNvPicPr>
-            <a:picLocks noChangeAspect="1" noChangeArrowheads="1"/>
+            <a:picLocks noChangeAspect="1"/>
           </p:cNvPicPr>
           <p:nvPr/>
         </p:nvPicPr>
         <p:blipFill>
-          <a:blip r:embed="rId4">
+          <a:blip r:embed="rId4" cstate="print">
             <a:extLst>
               <a:ext uri="{28A0092B-C50C-407E-A947-70E740481C1C}">
                 <a14:useLocalDpi xmlns:a14="http://schemas.microsoft.com/office/drawing/2010/main" val="0"/>
               </a:ext>
             </a:extLst>
           </a:blip>
-          <a:srcRect/>
           <a:stretch>
             <a:fillRect/>
           </a:stretch>
         </p:blipFill>
-        <p:spPr bwMode="auto">
-          <a:xfrm>
-            <a:off x="4031539" y="2166535"/>
-            <a:ext cx="3596251" cy="2610182"/>
+        <p:spPr>
+          <a:xfrm>
+            <a:off x="461429" y="2563868"/>
+            <a:ext cx="10315326" cy="3677275"/>
           </a:xfrm>
           <a:prstGeom prst="rect">
             <a:avLst/>
           </a:prstGeom>
-          <a:noFill/>
-          <a:extLst>
-            <a:ext uri="{909E8E84-426E-40DD-AFC4-6F175D3DCCD1}">
-              <a14:hiddenFill xmlns:a14="http://schemas.microsoft.com/office/drawing/2010/main">
-                <a:solidFill>
-                  <a:srgbClr val="FFFFFF"/>
-                </a:solidFill>
-              </a14:hiddenFill>
-            </a:ext>
-          </a:extLst>
         </p:spPr>
       </p:pic>
     </p:spTree>
+    <p:extLst>
+      <p:ext uri="{BB962C8B-B14F-4D97-AF65-F5344CB8AC3E}">
+        <p14:creationId xmlns:p14="http://schemas.microsoft.com/office/powerpoint/2010/main" val="3770597627"/>
+      </p:ext>
+    </p:extLst>
   </p:cSld>
   <p:clrMapOvr>
     <a:masterClrMapping/>
@@ -8814,8 +7843,8 @@
         </p:nvSpPr>
         <p:spPr>
           <a:xfrm>
-            <a:off x="838200" y="306134"/>
-            <a:ext cx="10515600" cy="1325563"/>
+            <a:off x="350292" y="342877"/>
+            <a:ext cx="9911308" cy="1143000"/>
           </a:xfrm>
         </p:spPr>
         <p:txBody>
@@ -8825,7 +7854,7 @@
             <a:pPr algn="ctr"/>
             <a:r>
               <a:rPr lang="pt-BR" dirty="0" smtClean="0"/>
-              <a:t>Objetivos</a:t>
+              <a:t>Caracterização do problema</a:t>
             </a:r>
             <a:endParaRPr lang="pt-BR" dirty="0"/>
           </a:p>
@@ -8841,53 +7870,58 @@
             <p:ph idx="1"/>
           </p:nvPr>
         </p:nvSpPr>
-        <p:spPr/>
+        <p:spPr>
+          <a:xfrm>
+            <a:off x="527715" y="1624083"/>
+            <a:ext cx="10160000" cy="2169996"/>
+          </a:xfrm>
+        </p:spPr>
         <p:txBody>
           <a:bodyPr>
-            <a:normAutofit/>
+            <a:normAutofit fontScale="25000" lnSpcReduction="20000"/>
           </a:bodyPr>
           <a:lstStyle/>
           <a:p>
-            <a:pPr algn="just"/>
-            <a:r>
-              <a:rPr lang="pt-BR" sz="3200" dirty="0" smtClean="0"/>
-              <a:t>Apresentar a proposta </a:t>
-            </a:r>
-            <a:r>
-              <a:rPr lang="pt-BR" sz="3200" dirty="0"/>
-              <a:t>de </a:t>
-            </a:r>
-            <a:r>
-              <a:rPr lang="pt-BR" sz="3200" dirty="0" smtClean="0"/>
-              <a:t>um aplicativo para armazenar dados de </a:t>
-            </a:r>
-            <a:r>
-              <a:rPr lang="pt-BR" sz="3200" b="1" dirty="0" smtClean="0"/>
-              <a:t>TODAS</a:t>
-            </a:r>
-            <a:r>
-              <a:rPr lang="pt-BR" sz="3200" dirty="0" smtClean="0"/>
-              <a:t> as ocorrências policiais inclusive as que não têm condução às delegacias;</a:t>
-            </a:r>
-          </a:p>
-          <a:p>
-            <a:pPr algn="just"/>
-            <a:r>
-              <a:rPr lang="pt-BR" sz="3200" dirty="0" smtClean="0"/>
-              <a:t>A Ideia é que todos os Policiais Militares usem o </a:t>
-            </a:r>
-            <a:r>
-              <a:rPr lang="pt-BR" sz="3200" dirty="0" err="1" smtClean="0"/>
-              <a:t>App</a:t>
-            </a:r>
-            <a:r>
-              <a:rPr lang="pt-BR" sz="3200" dirty="0" smtClean="0"/>
-              <a:t>;</a:t>
-            </a:r>
-          </a:p>
-          <a:p>
-            <a:pPr algn="just"/>
-            <a:endParaRPr lang="pt-BR" sz="3200" dirty="0"/>
+            <a:pPr marL="0" indent="0" algn="ctr">
+              <a:buNone/>
+            </a:pPr>
+            <a:endParaRPr lang="pt-BR" dirty="0"/>
+          </a:p>
+          <a:p>
+            <a:pPr indent="-342900"/>
+            <a:r>
+              <a:rPr lang="pt-BR" sz="11200" dirty="0" smtClean="0"/>
+              <a:t>Todas as ocorrências no âmbito da corporação são armazenadas em papeis.</a:t>
+            </a:r>
+          </a:p>
+          <a:p>
+            <a:pPr indent="-342900"/>
+            <a:r>
+              <a:rPr lang="pt-BR" sz="11200" dirty="0" smtClean="0"/>
+              <a:t>Muito esforço para repassar esses dados para planilhas do Excel.</a:t>
+            </a:r>
+          </a:p>
+          <a:p>
+            <a:pPr indent="-342900"/>
+            <a:r>
+              <a:rPr lang="pt-BR" sz="11200" dirty="0" smtClean="0"/>
+              <a:t>Estatísticas são quase impossíveis (só o básico).</a:t>
+            </a:r>
+          </a:p>
+          <a:p>
+            <a:pPr indent="-342900"/>
+            <a:r>
+              <a:rPr lang="pt-BR" sz="11200" dirty="0" smtClean="0"/>
+              <a:t>Mineração nem pensar.</a:t>
+            </a:r>
+          </a:p>
+          <a:p>
+            <a:pPr indent="-342900"/>
+            <a:endParaRPr lang="pt-BR" dirty="0" smtClean="0"/>
+          </a:p>
+          <a:p>
+            <a:pPr indent="-342900"/>
+            <a:endParaRPr lang="pt-BR" dirty="0"/>
           </a:p>
         </p:txBody>
       </p:sp>
@@ -8951,10 +7985,51 @@
           </a:prstGeom>
         </p:spPr>
       </p:pic>
+      <p:pic>
+        <p:nvPicPr>
+          <p:cNvPr id="1026" name="Picture 2" descr="Resultado de imagem para problema"/>
+          <p:cNvPicPr>
+            <a:picLocks noChangeAspect="1" noChangeArrowheads="1"/>
+          </p:cNvPicPr>
+          <p:nvPr/>
+        </p:nvPicPr>
+        <p:blipFill>
+          <a:blip r:embed="rId4">
+            <a:extLst>
+              <a:ext uri="{28A0092B-C50C-407E-A947-70E740481C1C}">
+                <a14:useLocalDpi xmlns:a14="http://schemas.microsoft.com/office/drawing/2010/main" val="0"/>
+              </a:ext>
+            </a:extLst>
+          </a:blip>
+          <a:srcRect/>
+          <a:stretch>
+            <a:fillRect/>
+          </a:stretch>
+        </p:blipFill>
+        <p:spPr bwMode="auto">
+          <a:xfrm>
+            <a:off x="3589361" y="3878094"/>
+            <a:ext cx="4708478" cy="2207099"/>
+          </a:xfrm>
+          <a:prstGeom prst="rect">
+            <a:avLst/>
+          </a:prstGeom>
+          <a:noFill/>
+          <a:extLst>
+            <a:ext uri="{909E8E84-426E-40DD-AFC4-6F175D3DCCD1}">
+              <a14:hiddenFill xmlns:a14="http://schemas.microsoft.com/office/drawing/2010/main">
+                <a:solidFill>
+                  <a:srgbClr val="FFFFFF"/>
+                </a:solidFill>
+              </a14:hiddenFill>
+            </a:ext>
+          </a:extLst>
+        </p:spPr>
+      </p:pic>
     </p:spTree>
     <p:extLst>
       <p:ext uri="{BB962C8B-B14F-4D97-AF65-F5344CB8AC3E}">
-        <p14:creationId xmlns:p14="http://schemas.microsoft.com/office/powerpoint/2010/main" val="3663226375"/>
+        <p14:creationId xmlns:p14="http://schemas.microsoft.com/office/powerpoint/2010/main" val="2036099309"/>
       </p:ext>
     </p:extLst>
   </p:cSld>
@@ -8990,6 +8065,213 @@
       </p:grpSpPr>
       <p:sp>
         <p:nvSpPr>
+          <p:cNvPr id="3" name="Espaço Reservado para Conteúdo 2"/>
+          <p:cNvSpPr>
+            <a:spLocks noGrp="1"/>
+          </p:cNvSpPr>
+          <p:nvPr>
+            <p:ph idx="1"/>
+          </p:nvPr>
+        </p:nvSpPr>
+        <p:spPr/>
+        <p:txBody>
+          <a:bodyPr>
+            <a:normAutofit/>
+          </a:bodyPr>
+          <a:lstStyle/>
+          <a:p>
+            <a:pPr algn="just"/>
+            <a:r>
+              <a:rPr lang="pt-BR" sz="2800" dirty="0" smtClean="0"/>
+              <a:t>Muitos </a:t>
+            </a:r>
+            <a:r>
+              <a:rPr lang="pt-BR" sz="2800" dirty="0" smtClean="0"/>
+              <a:t>papeis de procedimentos e ocorrências (ocupa muito espaço físico).</a:t>
+            </a:r>
+          </a:p>
+          <a:p>
+            <a:pPr algn="just"/>
+            <a:r>
+              <a:rPr lang="pt-BR" sz="2800" dirty="0" smtClean="0"/>
+              <a:t>Dados estatísticos quase </a:t>
+            </a:r>
+            <a:r>
+              <a:rPr lang="pt-BR" sz="2800" dirty="0" smtClean="0"/>
+              <a:t>inexistentes (somente o básico).</a:t>
+            </a:r>
+            <a:endParaRPr lang="pt-BR" sz="2800" dirty="0" smtClean="0"/>
+          </a:p>
+          <a:p>
+            <a:pPr algn="just"/>
+            <a:r>
+              <a:rPr lang="pt-BR" sz="2800" dirty="0" smtClean="0"/>
+              <a:t>Muitos policiais para preencher planilhas com base nos boletins escritos à mão (em média 2 por batalhão);</a:t>
+            </a:r>
+          </a:p>
+          <a:p>
+            <a:pPr algn="just"/>
+            <a:r>
+              <a:rPr lang="pt-BR" sz="2800" dirty="0" smtClean="0"/>
+              <a:t>Muitos ruídos nos dados;</a:t>
+            </a:r>
+            <a:endParaRPr lang="pt-BR" sz="2800" dirty="0" smtClean="0"/>
+          </a:p>
+          <a:p>
+            <a:pPr algn="just"/>
+            <a:endParaRPr lang="pt-BR" sz="3200" dirty="0"/>
+          </a:p>
+          <a:p>
+            <a:pPr lvl="1" algn="just">
+              <a:buFont typeface="Courier New" panose="02070309020205020404" pitchFamily="49" charset="0"/>
+              <a:buChar char="o"/>
+            </a:pPr>
+            <a:endParaRPr lang="pt-BR" dirty="0" smtClean="0"/>
+          </a:p>
+          <a:p>
+            <a:pPr lvl="1" algn="just">
+              <a:buFont typeface="Courier New" panose="02070309020205020404" pitchFamily="49" charset="0"/>
+              <a:buChar char="o"/>
+            </a:pPr>
+            <a:endParaRPr lang="pt-BR" dirty="0" smtClean="0"/>
+          </a:p>
+          <a:p>
+            <a:pPr lvl="1" algn="just">
+              <a:buFont typeface="Courier New" panose="02070309020205020404" pitchFamily="49" charset="0"/>
+              <a:buChar char="o"/>
+            </a:pPr>
+            <a:endParaRPr lang="pt-BR" dirty="0"/>
+          </a:p>
+        </p:txBody>
+      </p:sp>
+      <p:pic>
+        <p:nvPicPr>
+          <p:cNvPr id="8" name="Imagem 7"/>
+          <p:cNvPicPr>
+            <a:picLocks noChangeAspect="1"/>
+          </p:cNvPicPr>
+          <p:nvPr/>
+        </p:nvPicPr>
+        <p:blipFill>
+          <a:blip r:embed="rId2" cstate="print">
+            <a:extLst>
+              <a:ext uri="{28A0092B-C50C-407E-A947-70E740481C1C}">
+                <a14:useLocalDpi xmlns:a14="http://schemas.microsoft.com/office/drawing/2010/main" val="0"/>
+              </a:ext>
+            </a:extLst>
+          </a:blip>
+          <a:stretch>
+            <a:fillRect/>
+          </a:stretch>
+        </p:blipFill>
+        <p:spPr>
+          <a:xfrm>
+            <a:off x="104916" y="98107"/>
+            <a:ext cx="1653512" cy="1168456"/>
+          </a:xfrm>
+          <a:prstGeom prst="rect">
+            <a:avLst/>
+          </a:prstGeom>
+        </p:spPr>
+      </p:pic>
+      <p:pic>
+        <p:nvPicPr>
+          <p:cNvPr id="9" name="Imagem 8"/>
+          <p:cNvPicPr>
+            <a:picLocks noChangeAspect="1"/>
+          </p:cNvPicPr>
+          <p:nvPr/>
+        </p:nvPicPr>
+        <p:blipFill>
+          <a:blip r:embed="rId3" cstate="print">
+            <a:extLst>
+              <a:ext uri="{28A0092B-C50C-407E-A947-70E740481C1C}">
+                <a14:useLocalDpi xmlns:a14="http://schemas.microsoft.com/office/drawing/2010/main" val="0"/>
+              </a:ext>
+            </a:extLst>
+          </a:blip>
+          <a:stretch>
+            <a:fillRect/>
+          </a:stretch>
+        </p:blipFill>
+        <p:spPr>
+          <a:xfrm>
+            <a:off x="8894699" y="-16327"/>
+            <a:ext cx="2326039" cy="1163019"/>
+          </a:xfrm>
+          <a:prstGeom prst="rect">
+            <a:avLst/>
+          </a:prstGeom>
+        </p:spPr>
+      </p:pic>
+      <p:sp>
+        <p:nvSpPr>
+          <p:cNvPr id="10" name="Título 1"/>
+          <p:cNvSpPr>
+            <a:spLocks noGrp="1"/>
+          </p:cNvSpPr>
+          <p:nvPr>
+            <p:ph type="title"/>
+          </p:nvPr>
+        </p:nvSpPr>
+        <p:spPr>
+          <a:xfrm>
+            <a:off x="350292" y="342877"/>
+            <a:ext cx="9911308" cy="1143000"/>
+          </a:xfrm>
+        </p:spPr>
+        <p:txBody>
+          <a:bodyPr/>
+          <a:lstStyle/>
+          <a:p>
+            <a:pPr algn="ctr"/>
+            <a:r>
+              <a:rPr lang="pt-BR" dirty="0" smtClean="0"/>
+              <a:t>Caracterização do problema</a:t>
+            </a:r>
+            <a:endParaRPr lang="pt-BR" dirty="0"/>
+          </a:p>
+        </p:txBody>
+      </p:sp>
+    </p:spTree>
+    <p:extLst>
+      <p:ext uri="{BB962C8B-B14F-4D97-AF65-F5344CB8AC3E}">
+        <p14:creationId xmlns:p14="http://schemas.microsoft.com/office/powerpoint/2010/main" val="3451281617"/>
+      </p:ext>
+    </p:extLst>
+  </p:cSld>
+  <p:clrMapOvr>
+    <a:masterClrMapping/>
+  </p:clrMapOvr>
+  <p:timing>
+    <p:tnLst>
+      <p:par>
+        <p:cTn id="1" dur="indefinite" restart="never" nodeType="tmRoot"/>
+      </p:par>
+    </p:tnLst>
+  </p:timing>
+</p:sld>
+</file>
+
+<file path=ppt/slides/slide6.xml><?xml version="1.0" encoding="utf-8"?>
+<p:sld xmlns:a="http://schemas.openxmlformats.org/drawingml/2006/main" xmlns:r="http://schemas.openxmlformats.org/officeDocument/2006/relationships" xmlns:p="http://schemas.openxmlformats.org/presentationml/2006/main">
+  <p:cSld>
+    <p:spTree>
+      <p:nvGrpSpPr>
+        <p:cNvPr id="1" name=""/>
+        <p:cNvGrpSpPr/>
+        <p:nvPr/>
+      </p:nvGrpSpPr>
+      <p:grpSpPr>
+        <a:xfrm>
+          <a:off x="0" y="0"/>
+          <a:ext cx="0" cy="0"/>
+          <a:chOff x="0" y="0"/>
+          <a:chExt cx="0" cy="0"/>
+        </a:xfrm>
+      </p:grpSpPr>
+      <p:sp>
+        <p:nvSpPr>
           <p:cNvPr id="2" name="Título 1"/>
           <p:cNvSpPr>
             <a:spLocks noGrp="1"/>
@@ -9013,18 +8295,14 @@
             <a:pPr algn="ctr"/>
             <a:r>
               <a:rPr lang="pt-BR" dirty="0" smtClean="0"/>
-              <a:t>3. Fluxo de uma </a:t>
-            </a:r>
-            <a:r>
-              <a:rPr lang="pt-BR" dirty="0" smtClean="0"/>
-              <a:t>ocorrência</a:t>
+              <a:t>Como funciona uma ocorrência </a:t>
             </a:r>
             <a:br>
               <a:rPr lang="pt-BR" dirty="0" smtClean="0"/>
             </a:br>
             <a:r>
               <a:rPr lang="pt-BR" dirty="0" smtClean="0"/>
-              <a:t>Tradicional</a:t>
+              <a:t>tradicional ?</a:t>
             </a:r>
             <a:endParaRPr lang="pt-BR" dirty="0"/>
           </a:p>
@@ -9154,306 +8432,16 @@
           </a:extLst>
         </p:spPr>
       </p:pic>
-      <p:sp>
-        <p:nvSpPr>
-          <p:cNvPr id="3" name="AutoShape 8" descr="Resultado de imagem para viatura icone"/>
-          <p:cNvSpPr>
-            <a:spLocks noChangeAspect="1" noChangeArrowheads="1"/>
-          </p:cNvSpPr>
-          <p:nvPr/>
-        </p:nvSpPr>
-        <p:spPr bwMode="auto">
-          <a:xfrm>
-            <a:off x="155575" y="-144463"/>
-            <a:ext cx="304800" cy="304801"/>
-          </a:xfrm>
-          <a:prstGeom prst="rect">
-            <a:avLst/>
-          </a:prstGeom>
-          <a:noFill/>
-          <a:extLst>
-            <a:ext uri="{909E8E84-426E-40DD-AFC4-6F175D3DCCD1}">
-              <a14:hiddenFill xmlns:a14="http://schemas.microsoft.com/office/drawing/2010/main">
-                <a:solidFill>
-                  <a:srgbClr val="FFFFFF"/>
-                </a:solidFill>
-              </a14:hiddenFill>
-            </a:ext>
-          </a:extLst>
-        </p:spPr>
-        <p:txBody>
-          <a:bodyPr vert="horz" wrap="square" lIns="91440" tIns="45720" rIns="91440" bIns="45720" numCol="1" anchor="t" anchorCtr="0" compatLnSpc="1">
-            <a:prstTxWarp prst="textNoShape">
-              <a:avLst/>
-            </a:prstTxWarp>
-          </a:bodyPr>
-          <a:lstStyle/>
-          <a:p>
-            <a:endParaRPr lang="pt-BR"/>
-          </a:p>
-        </p:txBody>
-      </p:sp>
-      <p:sp>
-        <p:nvSpPr>
-          <p:cNvPr id="4" name="AutoShape 10" descr="Resultado de imagem para viatura icone"/>
-          <p:cNvSpPr>
-            <a:spLocks noChangeAspect="1" noChangeArrowheads="1"/>
-          </p:cNvSpPr>
-          <p:nvPr/>
-        </p:nvSpPr>
-        <p:spPr bwMode="auto">
-          <a:xfrm>
-            <a:off x="307975" y="7937"/>
-            <a:ext cx="304800" cy="304801"/>
-          </a:xfrm>
-          <a:prstGeom prst="rect">
-            <a:avLst/>
-          </a:prstGeom>
-          <a:noFill/>
-          <a:extLst>
-            <a:ext uri="{909E8E84-426E-40DD-AFC4-6F175D3DCCD1}">
-              <a14:hiddenFill xmlns:a14="http://schemas.microsoft.com/office/drawing/2010/main">
-                <a:solidFill>
-                  <a:srgbClr val="FFFFFF"/>
-                </a:solidFill>
-              </a14:hiddenFill>
-            </a:ext>
-          </a:extLst>
-        </p:spPr>
-        <p:txBody>
-          <a:bodyPr vert="horz" wrap="square" lIns="91440" tIns="45720" rIns="91440" bIns="45720" numCol="1" anchor="t" anchorCtr="0" compatLnSpc="1">
-            <a:prstTxWarp prst="textNoShape">
-              <a:avLst/>
-            </a:prstTxWarp>
-          </a:bodyPr>
-          <a:lstStyle/>
-          <a:p>
-            <a:endParaRPr lang="pt-BR"/>
-          </a:p>
-        </p:txBody>
-      </p:sp>
-      <p:sp>
-        <p:nvSpPr>
-          <p:cNvPr id="5" name="AutoShape 12" descr="Resultado de imagem para viatura icone"/>
-          <p:cNvSpPr>
-            <a:spLocks noChangeAspect="1" noChangeArrowheads="1"/>
-          </p:cNvSpPr>
-          <p:nvPr/>
-        </p:nvSpPr>
-        <p:spPr bwMode="auto">
-          <a:xfrm>
-            <a:off x="460375" y="160337"/>
-            <a:ext cx="304800" cy="304801"/>
-          </a:xfrm>
-          <a:prstGeom prst="rect">
-            <a:avLst/>
-          </a:prstGeom>
-          <a:noFill/>
-          <a:extLst>
-            <a:ext uri="{909E8E84-426E-40DD-AFC4-6F175D3DCCD1}">
-              <a14:hiddenFill xmlns:a14="http://schemas.microsoft.com/office/drawing/2010/main">
-                <a:solidFill>
-                  <a:srgbClr val="FFFFFF"/>
-                </a:solidFill>
-              </a14:hiddenFill>
-            </a:ext>
-          </a:extLst>
-        </p:spPr>
-        <p:txBody>
-          <a:bodyPr vert="horz" wrap="square" lIns="91440" tIns="45720" rIns="91440" bIns="45720" numCol="1" anchor="t" anchorCtr="0" compatLnSpc="1">
-            <a:prstTxWarp prst="textNoShape">
-              <a:avLst/>
-            </a:prstTxWarp>
-          </a:bodyPr>
-          <a:lstStyle/>
-          <a:p>
-            <a:endParaRPr lang="pt-BR"/>
-          </a:p>
-        </p:txBody>
-      </p:sp>
-      <p:sp>
-        <p:nvSpPr>
-          <p:cNvPr id="14" name="AutoShape 21" descr="Resultado de imagem para planilha icone"/>
-          <p:cNvSpPr>
-            <a:spLocks noChangeAspect="1" noChangeArrowheads="1"/>
-          </p:cNvSpPr>
-          <p:nvPr/>
-        </p:nvSpPr>
-        <p:spPr bwMode="auto">
-          <a:xfrm>
-            <a:off x="612775" y="312737"/>
-            <a:ext cx="304800" cy="304801"/>
-          </a:xfrm>
-          <a:prstGeom prst="rect">
-            <a:avLst/>
-          </a:prstGeom>
-          <a:noFill/>
-          <a:extLst>
-            <a:ext uri="{909E8E84-426E-40DD-AFC4-6F175D3DCCD1}">
-              <a14:hiddenFill xmlns:a14="http://schemas.microsoft.com/office/drawing/2010/main">
-                <a:solidFill>
-                  <a:srgbClr val="FFFFFF"/>
-                </a:solidFill>
-              </a14:hiddenFill>
-            </a:ext>
-          </a:extLst>
-        </p:spPr>
-        <p:txBody>
-          <a:bodyPr vert="horz" wrap="square" lIns="91440" tIns="45720" rIns="91440" bIns="45720" numCol="1" anchor="t" anchorCtr="0" compatLnSpc="1">
-            <a:prstTxWarp prst="textNoShape">
-              <a:avLst/>
-            </a:prstTxWarp>
-          </a:bodyPr>
-          <a:lstStyle/>
-          <a:p>
-            <a:endParaRPr lang="pt-BR"/>
-          </a:p>
-        </p:txBody>
-      </p:sp>
-    </p:spTree>
-  </p:cSld>
-  <p:clrMapOvr>
-    <a:masterClrMapping/>
-  </p:clrMapOvr>
-  <p:timing>
-    <p:tnLst>
-      <p:par>
-        <p:cTn id="1" dur="indefinite" restart="never" nodeType="tmRoot"/>
-      </p:par>
-    </p:tnLst>
-  </p:timing>
-</p:sld>
-</file>
-
-<file path=ppt/slides/slide6.xml><?xml version="1.0" encoding="utf-8"?>
-<p:sld xmlns:a="http://schemas.openxmlformats.org/drawingml/2006/main" xmlns:r="http://schemas.openxmlformats.org/officeDocument/2006/relationships" xmlns:p="http://schemas.openxmlformats.org/presentationml/2006/main">
-  <p:cSld>
-    <p:spTree>
-      <p:nvGrpSpPr>
-        <p:cNvPr id="1" name=""/>
-        <p:cNvGrpSpPr/>
-        <p:nvPr/>
-      </p:nvGrpSpPr>
-      <p:grpSpPr>
-        <a:xfrm>
-          <a:off x="0" y="0"/>
-          <a:ext cx="0" cy="0"/>
-          <a:chOff x="0" y="0"/>
-          <a:chExt cx="0" cy="0"/>
-        </a:xfrm>
-      </p:grpSpPr>
-      <p:sp>
-        <p:nvSpPr>
-          <p:cNvPr id="2" name="Título 1"/>
-          <p:cNvSpPr>
-            <a:spLocks noGrp="1"/>
-          </p:cNvSpPr>
-          <p:nvPr>
-            <p:ph type="title"/>
-          </p:nvPr>
-        </p:nvSpPr>
-        <p:spPr>
-          <a:xfrm>
-            <a:off x="73652" y="154155"/>
-            <a:ext cx="10515600" cy="822053"/>
-          </a:xfrm>
-        </p:spPr>
-        <p:txBody>
-          <a:bodyPr>
-            <a:normAutofit fontScale="90000"/>
-          </a:bodyPr>
-          <a:lstStyle/>
-          <a:p>
-            <a:pPr algn="ctr"/>
-            <a:r>
-              <a:rPr lang="pt-BR" dirty="0" smtClean="0"/>
-              <a:t>3. Fluxo de uma </a:t>
-            </a:r>
-            <a:r>
-              <a:rPr lang="pt-BR" dirty="0" smtClean="0"/>
-              <a:t>ocorrência</a:t>
-            </a:r>
-            <a:br>
-              <a:rPr lang="pt-BR" dirty="0" smtClean="0"/>
-            </a:br>
-            <a:r>
-              <a:rPr lang="pt-BR" dirty="0" smtClean="0"/>
-              <a:t>Tradicional</a:t>
-            </a:r>
-            <a:endParaRPr lang="pt-BR" dirty="0"/>
-          </a:p>
-        </p:txBody>
-      </p:sp>
       <p:pic>
         <p:nvPicPr>
-          <p:cNvPr id="8" name="Imagem 7"/>
-          <p:cNvPicPr>
-            <a:picLocks noChangeAspect="1"/>
-          </p:cNvPicPr>
-          <p:nvPr/>
-        </p:nvPicPr>
-        <p:blipFill>
-          <a:blip r:embed="rId2" cstate="print">
-            <a:extLst>
-              <a:ext uri="{28A0092B-C50C-407E-A947-70E740481C1C}">
-                <a14:useLocalDpi xmlns:a14="http://schemas.microsoft.com/office/drawing/2010/main" val="0"/>
-              </a:ext>
-            </a:extLst>
-          </a:blip>
-          <a:stretch>
-            <a:fillRect/>
-          </a:stretch>
-        </p:blipFill>
-        <p:spPr>
-          <a:xfrm>
-            <a:off x="104916" y="98107"/>
-            <a:ext cx="1653512" cy="1168456"/>
-          </a:xfrm>
-          <a:prstGeom prst="rect">
-            <a:avLst/>
-          </a:prstGeom>
-        </p:spPr>
-      </p:pic>
-      <p:pic>
-        <p:nvPicPr>
-          <p:cNvPr id="9" name="Imagem 8"/>
-          <p:cNvPicPr>
-            <a:picLocks noChangeAspect="1"/>
-          </p:cNvPicPr>
-          <p:nvPr/>
-        </p:nvPicPr>
-        <p:blipFill>
-          <a:blip r:embed="rId3" cstate="print">
-            <a:extLst>
-              <a:ext uri="{28A0092B-C50C-407E-A947-70E740481C1C}">
-                <a14:useLocalDpi xmlns:a14="http://schemas.microsoft.com/office/drawing/2010/main" val="0"/>
-              </a:ext>
-            </a:extLst>
-          </a:blip>
-          <a:stretch>
-            <a:fillRect/>
-          </a:stretch>
-        </p:blipFill>
-        <p:spPr>
-          <a:xfrm>
-            <a:off x="8894699" y="-16327"/>
-            <a:ext cx="2326039" cy="1163019"/>
-          </a:xfrm>
-          <a:prstGeom prst="rect">
-            <a:avLst/>
-          </a:prstGeom>
-        </p:spPr>
-      </p:pic>
-      <p:pic>
-        <p:nvPicPr>
-          <p:cNvPr id="2050" name="Picture 2"/>
+          <p:cNvPr id="2052" name="Picture 4"/>
           <p:cNvPicPr>
             <a:picLocks noChangeAspect="1" noChangeArrowheads="1"/>
           </p:cNvPicPr>
           <p:nvPr/>
         </p:nvPicPr>
         <p:blipFill>
-          <a:blip r:embed="rId4">
+          <a:blip r:embed="rId5">
             <a:extLst>
               <a:ext uri="{28A0092B-C50C-407E-A947-70E740481C1C}">
                 <a14:useLocalDpi xmlns:a14="http://schemas.microsoft.com/office/drawing/2010/main" val="0"/>
@@ -9467,8 +8455,8 @@
         </p:blipFill>
         <p:spPr bwMode="auto">
           <a:xfrm>
-            <a:off x="460375" y="1346862"/>
-            <a:ext cx="1609725" cy="1333500"/>
+            <a:off x="460375" y="4521894"/>
+            <a:ext cx="1525920" cy="1632203"/>
           </a:xfrm>
           <a:prstGeom prst="rect">
             <a:avLst/>
@@ -9510,14 +8498,14 @@
       </p:pic>
       <p:pic>
         <p:nvPicPr>
-          <p:cNvPr id="2052" name="Picture 4"/>
+          <p:cNvPr id="2054" name="Picture 6" descr="Resultado de imagem para central icone"/>
           <p:cNvPicPr>
             <a:picLocks noChangeAspect="1" noChangeArrowheads="1"/>
           </p:cNvPicPr>
           <p:nvPr/>
         </p:nvPicPr>
         <p:blipFill>
-          <a:blip r:embed="rId5">
+          <a:blip r:embed="rId6" cstate="print">
             <a:extLst>
               <a:ext uri="{28A0092B-C50C-407E-A947-70E740481C1C}">
                 <a14:useLocalDpi xmlns:a14="http://schemas.microsoft.com/office/drawing/2010/main" val="0"/>
@@ -9531,8 +8519,166 @@
         </p:blipFill>
         <p:spPr bwMode="auto">
           <a:xfrm>
-            <a:off x="460375" y="4521894"/>
-            <a:ext cx="1525920" cy="1632203"/>
+            <a:off x="3527974" y="5337321"/>
+            <a:ext cx="1207118" cy="1207118"/>
+          </a:xfrm>
+          <a:prstGeom prst="rect">
+            <a:avLst/>
+          </a:prstGeom>
+          <a:noFill/>
+          <a:extLst>
+            <a:ext uri="{909E8E84-426E-40DD-AFC4-6F175D3DCCD1}">
+              <a14:hiddenFill xmlns:a14="http://schemas.microsoft.com/office/drawing/2010/main">
+                <a:solidFill>
+                  <a:srgbClr val="FFFFFF"/>
+                </a:solidFill>
+              </a14:hiddenFill>
+            </a:ext>
+          </a:extLst>
+        </p:spPr>
+      </p:pic>
+      <p:sp>
+        <p:nvSpPr>
+          <p:cNvPr id="3" name="AutoShape 8" descr="Resultado de imagem para viatura icone"/>
+          <p:cNvSpPr>
+            <a:spLocks noChangeAspect="1" noChangeArrowheads="1"/>
+          </p:cNvSpPr>
+          <p:nvPr/>
+        </p:nvSpPr>
+        <p:spPr bwMode="auto">
+          <a:xfrm>
+            <a:off x="155575" y="-144463"/>
+            <a:ext cx="304800" cy="304801"/>
+          </a:xfrm>
+          <a:prstGeom prst="rect">
+            <a:avLst/>
+          </a:prstGeom>
+          <a:noFill/>
+          <a:extLst>
+            <a:ext uri="{909E8E84-426E-40DD-AFC4-6F175D3DCCD1}">
+              <a14:hiddenFill xmlns:a14="http://schemas.microsoft.com/office/drawing/2010/main">
+                <a:solidFill>
+                  <a:srgbClr val="FFFFFF"/>
+                </a:solidFill>
+              </a14:hiddenFill>
+            </a:ext>
+          </a:extLst>
+        </p:spPr>
+        <p:txBody>
+          <a:bodyPr vert="horz" wrap="square" lIns="91440" tIns="45720" rIns="91440" bIns="45720" numCol="1" anchor="t" anchorCtr="0" compatLnSpc="1">
+            <a:prstTxWarp prst="textNoShape">
+              <a:avLst/>
+            </a:prstTxWarp>
+          </a:bodyPr>
+          <a:lstStyle/>
+          <a:p>
+            <a:endParaRPr lang="pt-BR"/>
+          </a:p>
+        </p:txBody>
+      </p:sp>
+      <p:sp>
+        <p:nvSpPr>
+          <p:cNvPr id="4" name="AutoShape 10" descr="Resultado de imagem para viatura icone"/>
+          <p:cNvSpPr>
+            <a:spLocks noChangeAspect="1" noChangeArrowheads="1"/>
+          </p:cNvSpPr>
+          <p:nvPr/>
+        </p:nvSpPr>
+        <p:spPr bwMode="auto">
+          <a:xfrm>
+            <a:off x="307975" y="7937"/>
+            <a:ext cx="304800" cy="304801"/>
+          </a:xfrm>
+          <a:prstGeom prst="rect">
+            <a:avLst/>
+          </a:prstGeom>
+          <a:noFill/>
+          <a:extLst>
+            <a:ext uri="{909E8E84-426E-40DD-AFC4-6F175D3DCCD1}">
+              <a14:hiddenFill xmlns:a14="http://schemas.microsoft.com/office/drawing/2010/main">
+                <a:solidFill>
+                  <a:srgbClr val="FFFFFF"/>
+                </a:solidFill>
+              </a14:hiddenFill>
+            </a:ext>
+          </a:extLst>
+        </p:spPr>
+        <p:txBody>
+          <a:bodyPr vert="horz" wrap="square" lIns="91440" tIns="45720" rIns="91440" bIns="45720" numCol="1" anchor="t" anchorCtr="0" compatLnSpc="1">
+            <a:prstTxWarp prst="textNoShape">
+              <a:avLst/>
+            </a:prstTxWarp>
+          </a:bodyPr>
+          <a:lstStyle/>
+          <a:p>
+            <a:endParaRPr lang="pt-BR"/>
+          </a:p>
+        </p:txBody>
+      </p:sp>
+      <p:sp>
+        <p:nvSpPr>
+          <p:cNvPr id="5" name="AutoShape 12" descr="Resultado de imagem para viatura icone"/>
+          <p:cNvSpPr>
+            <a:spLocks noChangeAspect="1" noChangeArrowheads="1"/>
+          </p:cNvSpPr>
+          <p:nvPr/>
+        </p:nvSpPr>
+        <p:spPr bwMode="auto">
+          <a:xfrm>
+            <a:off x="460375" y="160337"/>
+            <a:ext cx="304800" cy="304801"/>
+          </a:xfrm>
+          <a:prstGeom prst="rect">
+            <a:avLst/>
+          </a:prstGeom>
+          <a:noFill/>
+          <a:extLst>
+            <a:ext uri="{909E8E84-426E-40DD-AFC4-6F175D3DCCD1}">
+              <a14:hiddenFill xmlns:a14="http://schemas.microsoft.com/office/drawing/2010/main">
+                <a:solidFill>
+                  <a:srgbClr val="FFFFFF"/>
+                </a:solidFill>
+              </a14:hiddenFill>
+            </a:ext>
+          </a:extLst>
+        </p:spPr>
+        <p:txBody>
+          <a:bodyPr vert="horz" wrap="square" lIns="91440" tIns="45720" rIns="91440" bIns="45720" numCol="1" anchor="t" anchorCtr="0" compatLnSpc="1">
+            <a:prstTxWarp prst="textNoShape">
+              <a:avLst/>
+            </a:prstTxWarp>
+          </a:bodyPr>
+          <a:lstStyle/>
+          <a:p>
+            <a:endParaRPr lang="pt-BR"/>
+          </a:p>
+        </p:txBody>
+      </p:sp>
+      <p:pic>
+        <p:nvPicPr>
+          <p:cNvPr id="2061" name="Picture 13"/>
+          <p:cNvPicPr>
+            <a:picLocks noChangeAspect="1" noChangeArrowheads="1"/>
+          </p:cNvPicPr>
+          <p:nvPr/>
+        </p:nvPicPr>
+        <p:blipFill>
+          <a:blip r:embed="rId7">
+            <a:extLst>
+              <a:ext uri="{28A0092B-C50C-407E-A947-70E740481C1C}">
+                <a14:useLocalDpi xmlns:a14="http://schemas.microsoft.com/office/drawing/2010/main" val="0"/>
+              </a:ext>
+            </a:extLst>
+          </a:blip>
+          <a:srcRect/>
+          <a:stretch>
+            <a:fillRect/>
+          </a:stretch>
+        </p:blipFill>
+        <p:spPr bwMode="auto">
+          <a:xfrm>
+            <a:off x="3344859" y="2846221"/>
+            <a:ext cx="1573347" cy="1573347"/>
           </a:xfrm>
           <a:prstGeom prst="rect">
             <a:avLst/>
@@ -9572,18 +8718,31 @@
           </a:extLst>
         </p:spPr>
       </p:pic>
-      <p:sp>
-        <p:nvSpPr>
-          <p:cNvPr id="3" name="AutoShape 8" descr="Resultado de imagem para viatura icone"/>
-          <p:cNvSpPr>
-            <a:spLocks noChangeAspect="1" noChangeArrowheads="1"/>
-          </p:cNvSpPr>
-          <p:nvPr/>
-        </p:nvSpPr>
+      <p:pic>
+        <p:nvPicPr>
+          <p:cNvPr id="2063" name="Picture 15" descr="Resultado de imagem para ladrao icone"/>
+          <p:cNvPicPr>
+            <a:picLocks noChangeAspect="1" noChangeArrowheads="1"/>
+          </p:cNvPicPr>
+          <p:nvPr/>
+        </p:nvPicPr>
+        <p:blipFill>
+          <a:blip r:embed="rId8" cstate="print">
+            <a:extLst>
+              <a:ext uri="{28A0092B-C50C-407E-A947-70E740481C1C}">
+                <a14:useLocalDpi xmlns:a14="http://schemas.microsoft.com/office/drawing/2010/main" val="0"/>
+              </a:ext>
+            </a:extLst>
+          </a:blip>
+          <a:srcRect/>
+          <a:stretch>
+            <a:fillRect/>
+          </a:stretch>
+        </p:blipFill>
         <p:spPr bwMode="auto">
           <a:xfrm>
-            <a:off x="155575" y="-144463"/>
-            <a:ext cx="304800" cy="304801"/>
+            <a:off x="3527974" y="1065005"/>
+            <a:ext cx="1453423" cy="1453423"/>
           </a:xfrm>
           <a:prstGeom prst="rect">
             <a:avLst/>
@@ -9599,96 +8758,135 @@
             </a:ext>
           </a:extLst>
         </p:spPr>
-        <p:txBody>
-          <a:bodyPr vert="horz" wrap="square" lIns="91440" tIns="45720" rIns="91440" bIns="45720" numCol="1" anchor="t" anchorCtr="0" compatLnSpc="1">
-            <a:prstTxWarp prst="textNoShape">
-              <a:avLst/>
-            </a:prstTxWarp>
-          </a:bodyPr>
-          <a:lstStyle/>
-          <a:p>
-            <a:endParaRPr lang="pt-BR"/>
-          </a:p>
-        </p:txBody>
-      </p:sp>
-      <p:sp>
-        <p:nvSpPr>
-          <p:cNvPr id="4" name="AutoShape 10" descr="Resultado de imagem para viatura icone"/>
-          <p:cNvSpPr>
-            <a:spLocks noChangeAspect="1" noChangeArrowheads="1"/>
-          </p:cNvSpPr>
-          <p:nvPr/>
-        </p:nvSpPr>
+      </p:pic>
+      <p:pic>
+        <p:nvPicPr>
+          <p:cNvPr id="2064" name="Picture 16"/>
+          <p:cNvPicPr>
+            <a:picLocks noChangeAspect="1" noChangeArrowheads="1"/>
+          </p:cNvPicPr>
+          <p:nvPr/>
+        </p:nvPicPr>
+        <p:blipFill>
+          <a:blip r:embed="rId9">
+            <a:extLst>
+              <a:ext uri="{28A0092B-C50C-407E-A947-70E740481C1C}">
+                <a14:useLocalDpi xmlns:a14="http://schemas.microsoft.com/office/drawing/2010/main" val="0"/>
+              </a:ext>
+            </a:extLst>
+          </a:blip>
+          <a:srcRect/>
+          <a:stretch>
+            <a:fillRect/>
+          </a:stretch>
+        </p:blipFill>
         <p:spPr bwMode="auto">
           <a:xfrm>
-            <a:off x="307975" y="7937"/>
-            <a:ext cx="304800" cy="304801"/>
+            <a:off x="5956259" y="1146692"/>
+            <a:ext cx="1762125" cy="1476375"/>
           </a:xfrm>
           <a:prstGeom prst="rect">
             <a:avLst/>
           </a:prstGeom>
           <a:noFill/>
+          <a:ln>
+            <a:noFill/>
+          </a:ln>
+          <a:effectLst/>
           <a:extLst>
             <a:ext uri="{909E8E84-426E-40DD-AFC4-6F175D3DCCD1}">
               <a14:hiddenFill xmlns:a14="http://schemas.microsoft.com/office/drawing/2010/main">
                 <a:solidFill>
-                  <a:srgbClr val="FFFFFF"/>
+                  <a:schemeClr val="accent1"/>
                 </a:solidFill>
               </a14:hiddenFill>
             </a:ext>
+            <a:ext uri="{91240B29-F687-4F45-9708-019B960494DF}">
+              <a14:hiddenLine xmlns:a14="http://schemas.microsoft.com/office/drawing/2010/main" w="9525">
+                <a:solidFill>
+                  <a:schemeClr val="tx1"/>
+                </a:solidFill>
+                <a:miter lim="800000"/>
+                <a:headEnd/>
+                <a:tailEnd/>
+              </a14:hiddenLine>
+            </a:ext>
+            <a:ext uri="{AF507438-7753-43E0-B8FC-AC1667EBCBE1}">
+              <a14:hiddenEffects xmlns:a14="http://schemas.microsoft.com/office/drawing/2010/main">
+                <a:effectLst>
+                  <a:outerShdw dist="35921" dir="2700000" algn="ctr" rotWithShape="0">
+                    <a:schemeClr val="bg2"/>
+                  </a:outerShdw>
+                </a:effectLst>
+              </a14:hiddenEffects>
+            </a:ext>
           </a:extLst>
         </p:spPr>
-        <p:txBody>
-          <a:bodyPr vert="horz" wrap="square" lIns="91440" tIns="45720" rIns="91440" bIns="45720" numCol="1" anchor="t" anchorCtr="0" compatLnSpc="1">
-            <a:prstTxWarp prst="textNoShape">
-              <a:avLst/>
-            </a:prstTxWarp>
-          </a:bodyPr>
-          <a:lstStyle/>
-          <a:p>
-            <a:endParaRPr lang="pt-BR"/>
-          </a:p>
-        </p:txBody>
-      </p:sp>
-      <p:sp>
-        <p:nvSpPr>
-          <p:cNvPr id="5" name="AutoShape 12" descr="Resultado de imagem para viatura icone"/>
-          <p:cNvSpPr>
-            <a:spLocks noChangeAspect="1" noChangeArrowheads="1"/>
-          </p:cNvSpPr>
-          <p:nvPr/>
-        </p:nvSpPr>
+      </p:pic>
+      <p:pic>
+        <p:nvPicPr>
+          <p:cNvPr id="2065" name="Picture 17"/>
+          <p:cNvPicPr>
+            <a:picLocks noChangeAspect="1" noChangeArrowheads="1"/>
+          </p:cNvPicPr>
+          <p:nvPr/>
+        </p:nvPicPr>
+        <p:blipFill>
+          <a:blip r:embed="rId10" cstate="print">
+            <a:extLst>
+              <a:ext uri="{28A0092B-C50C-407E-A947-70E740481C1C}">
+                <a14:useLocalDpi xmlns:a14="http://schemas.microsoft.com/office/drawing/2010/main" val="0"/>
+              </a:ext>
+            </a:extLst>
+          </a:blip>
+          <a:srcRect/>
+          <a:stretch>
+            <a:fillRect/>
+          </a:stretch>
+        </p:blipFill>
         <p:spPr bwMode="auto">
           <a:xfrm>
-            <a:off x="460375" y="160337"/>
-            <a:ext cx="304800" cy="304801"/>
+            <a:off x="6863285" y="3434116"/>
+            <a:ext cx="1096654" cy="1223191"/>
           </a:xfrm>
           <a:prstGeom prst="rect">
             <a:avLst/>
           </a:prstGeom>
           <a:noFill/>
+          <a:ln>
+            <a:noFill/>
+          </a:ln>
+          <a:effectLst/>
           <a:extLst>
             <a:ext uri="{909E8E84-426E-40DD-AFC4-6F175D3DCCD1}">
               <a14:hiddenFill xmlns:a14="http://schemas.microsoft.com/office/drawing/2010/main">
                 <a:solidFill>
-                  <a:srgbClr val="FFFFFF"/>
+                  <a:schemeClr val="accent1"/>
                 </a:solidFill>
               </a14:hiddenFill>
             </a:ext>
+            <a:ext uri="{91240B29-F687-4F45-9708-019B960494DF}">
+              <a14:hiddenLine xmlns:a14="http://schemas.microsoft.com/office/drawing/2010/main" w="9525">
+                <a:solidFill>
+                  <a:schemeClr val="tx1"/>
+                </a:solidFill>
+                <a:miter lim="800000"/>
+                <a:headEnd/>
+                <a:tailEnd/>
+              </a14:hiddenLine>
+            </a:ext>
+            <a:ext uri="{AF507438-7753-43E0-B8FC-AC1667EBCBE1}">
+              <a14:hiddenEffects xmlns:a14="http://schemas.microsoft.com/office/drawing/2010/main">
+                <a:effectLst>
+                  <a:outerShdw dist="35921" dir="2700000" algn="ctr" rotWithShape="0">
+                    <a:schemeClr val="bg2"/>
+                  </a:outerShdw>
+                </a:effectLst>
+              </a14:hiddenEffects>
+            </a:ext>
           </a:extLst>
         </p:spPr>
-        <p:txBody>
-          <a:bodyPr vert="horz" wrap="square" lIns="91440" tIns="45720" rIns="91440" bIns="45720" numCol="1" anchor="t" anchorCtr="0" compatLnSpc="1">
-            <a:prstTxWarp prst="textNoShape">
-              <a:avLst/>
-            </a:prstTxWarp>
-          </a:bodyPr>
-          <a:lstStyle/>
-          <a:p>
-            <a:endParaRPr lang="pt-BR"/>
-          </a:p>
-        </p:txBody>
-      </p:sp>
+      </p:pic>
       <p:sp>
         <p:nvSpPr>
           <p:cNvPr id="10" name="Seta para baixo 9"/>
@@ -9731,6 +8929,334 @@
       </p:sp>
       <p:sp>
         <p:nvSpPr>
+          <p:cNvPr id="19" name="Seta para baixo 18"/>
+          <p:cNvSpPr/>
+          <p:nvPr/>
+        </p:nvSpPr>
+        <p:spPr>
+          <a:xfrm>
+            <a:off x="6802996" y="2680362"/>
+            <a:ext cx="259308" cy="605841"/>
+          </a:xfrm>
+          <a:prstGeom prst="downArrow">
+            <a:avLst/>
+          </a:prstGeom>
+        </p:spPr>
+        <p:style>
+          <a:lnRef idx="2">
+            <a:schemeClr val="accent1">
+              <a:shade val="50000"/>
+            </a:schemeClr>
+          </a:lnRef>
+          <a:fillRef idx="1">
+            <a:schemeClr val="accent1"/>
+          </a:fillRef>
+          <a:effectRef idx="0">
+            <a:schemeClr val="accent1"/>
+          </a:effectRef>
+          <a:fontRef idx="minor">
+            <a:schemeClr val="lt1"/>
+          </a:fontRef>
+        </p:style>
+        <p:txBody>
+          <a:bodyPr rtlCol="0" anchor="ctr"/>
+          <a:lstStyle/>
+          <a:p>
+            <a:pPr algn="ctr"/>
+            <a:endParaRPr lang="pt-BR"/>
+          </a:p>
+        </p:txBody>
+      </p:sp>
+      <p:sp>
+        <p:nvSpPr>
+          <p:cNvPr id="11" name="Seta para cima 10"/>
+          <p:cNvSpPr/>
+          <p:nvPr/>
+        </p:nvSpPr>
+        <p:spPr>
+          <a:xfrm>
+            <a:off x="3981407" y="4387291"/>
+            <a:ext cx="300250" cy="704673"/>
+          </a:xfrm>
+          <a:prstGeom prst="upArrow">
+            <a:avLst/>
+          </a:prstGeom>
+        </p:spPr>
+        <p:style>
+          <a:lnRef idx="2">
+            <a:schemeClr val="accent1">
+              <a:shade val="50000"/>
+            </a:schemeClr>
+          </a:lnRef>
+          <a:fillRef idx="1">
+            <a:schemeClr val="accent1"/>
+          </a:fillRef>
+          <a:effectRef idx="0">
+            <a:schemeClr val="accent1"/>
+          </a:effectRef>
+          <a:fontRef idx="minor">
+            <a:schemeClr val="lt1"/>
+          </a:fontRef>
+        </p:style>
+        <p:txBody>
+          <a:bodyPr rtlCol="0" anchor="ctr"/>
+          <a:lstStyle/>
+          <a:p>
+            <a:pPr algn="ctr"/>
+            <a:endParaRPr lang="pt-BR"/>
+          </a:p>
+        </p:txBody>
+      </p:sp>
+      <p:sp>
+        <p:nvSpPr>
+          <p:cNvPr id="13" name="Seta para a direita 12"/>
+          <p:cNvSpPr/>
+          <p:nvPr/>
+        </p:nvSpPr>
+        <p:spPr>
+          <a:xfrm>
+            <a:off x="2402006" y="5653971"/>
+            <a:ext cx="791570" cy="292653"/>
+          </a:xfrm>
+          <a:prstGeom prst="rightArrow">
+            <a:avLst/>
+          </a:prstGeom>
+        </p:spPr>
+        <p:style>
+          <a:lnRef idx="2">
+            <a:schemeClr val="accent1">
+              <a:shade val="50000"/>
+            </a:schemeClr>
+          </a:lnRef>
+          <a:fillRef idx="1">
+            <a:schemeClr val="accent1"/>
+          </a:fillRef>
+          <a:effectRef idx="0">
+            <a:schemeClr val="accent1"/>
+          </a:effectRef>
+          <a:fontRef idx="minor">
+            <a:schemeClr val="lt1"/>
+          </a:fontRef>
+        </p:style>
+        <p:txBody>
+          <a:bodyPr rtlCol="0" anchor="ctr"/>
+          <a:lstStyle/>
+          <a:p>
+            <a:pPr algn="ctr"/>
+            <a:endParaRPr lang="pt-BR"/>
+          </a:p>
+        </p:txBody>
+      </p:sp>
+      <p:sp>
+        <p:nvSpPr>
+          <p:cNvPr id="23" name="Seta para a direita 22"/>
+          <p:cNvSpPr/>
+          <p:nvPr/>
+        </p:nvSpPr>
+        <p:spPr>
+          <a:xfrm>
+            <a:off x="4981397" y="1720959"/>
+            <a:ext cx="791570" cy="292653"/>
+          </a:xfrm>
+          <a:prstGeom prst="rightArrow">
+            <a:avLst/>
+          </a:prstGeom>
+        </p:spPr>
+        <p:style>
+          <a:lnRef idx="2">
+            <a:schemeClr val="accent1">
+              <a:shade val="50000"/>
+            </a:schemeClr>
+          </a:lnRef>
+          <a:fillRef idx="1">
+            <a:schemeClr val="accent1"/>
+          </a:fillRef>
+          <a:effectRef idx="0">
+            <a:schemeClr val="accent1"/>
+          </a:effectRef>
+          <a:fontRef idx="minor">
+            <a:schemeClr val="lt1"/>
+          </a:fontRef>
+        </p:style>
+        <p:txBody>
+          <a:bodyPr rtlCol="0" anchor="ctr"/>
+          <a:lstStyle/>
+          <a:p>
+            <a:pPr algn="ctr"/>
+            <a:endParaRPr lang="pt-BR"/>
+          </a:p>
+        </p:txBody>
+      </p:sp>
+      <p:sp>
+        <p:nvSpPr>
+          <p:cNvPr id="24" name="Seta para cima 23"/>
+          <p:cNvSpPr/>
+          <p:nvPr/>
+        </p:nvSpPr>
+        <p:spPr>
+          <a:xfrm>
+            <a:off x="3983682" y="2493884"/>
+            <a:ext cx="300250" cy="704673"/>
+          </a:xfrm>
+          <a:prstGeom prst="upArrow">
+            <a:avLst/>
+          </a:prstGeom>
+        </p:spPr>
+        <p:style>
+          <a:lnRef idx="2">
+            <a:schemeClr val="accent1">
+              <a:shade val="50000"/>
+            </a:schemeClr>
+          </a:lnRef>
+          <a:fillRef idx="1">
+            <a:schemeClr val="accent1"/>
+          </a:fillRef>
+          <a:effectRef idx="0">
+            <a:schemeClr val="accent1"/>
+          </a:effectRef>
+          <a:fontRef idx="minor">
+            <a:schemeClr val="lt1"/>
+          </a:fontRef>
+        </p:style>
+        <p:txBody>
+          <a:bodyPr rtlCol="0" anchor="ctr"/>
+          <a:lstStyle/>
+          <a:p>
+            <a:pPr algn="ctr"/>
+            <a:endParaRPr lang="pt-BR"/>
+          </a:p>
+        </p:txBody>
+      </p:sp>
+      <p:pic>
+        <p:nvPicPr>
+          <p:cNvPr id="2066" name="Picture 18"/>
+          <p:cNvPicPr>
+            <a:picLocks noChangeAspect="1" noChangeArrowheads="1"/>
+          </p:cNvPicPr>
+          <p:nvPr/>
+        </p:nvPicPr>
+        <p:blipFill>
+          <a:blip r:embed="rId11">
+            <a:extLst>
+              <a:ext uri="{28A0092B-C50C-407E-A947-70E740481C1C}">
+                <a14:useLocalDpi xmlns:a14="http://schemas.microsoft.com/office/drawing/2010/main" val="0"/>
+              </a:ext>
+            </a:extLst>
+          </a:blip>
+          <a:srcRect/>
+          <a:stretch>
+            <a:fillRect/>
+          </a:stretch>
+        </p:blipFill>
+        <p:spPr bwMode="auto">
+          <a:xfrm>
+            <a:off x="6317796" y="5337995"/>
+            <a:ext cx="1400175" cy="1285875"/>
+          </a:xfrm>
+          <a:prstGeom prst="rect">
+            <a:avLst/>
+          </a:prstGeom>
+          <a:noFill/>
+          <a:ln>
+            <a:noFill/>
+          </a:ln>
+          <a:effectLst/>
+          <a:extLst>
+            <a:ext uri="{909E8E84-426E-40DD-AFC4-6F175D3DCCD1}">
+              <a14:hiddenFill xmlns:a14="http://schemas.microsoft.com/office/drawing/2010/main">
+                <a:solidFill>
+                  <a:schemeClr val="accent1"/>
+                </a:solidFill>
+              </a14:hiddenFill>
+            </a:ext>
+            <a:ext uri="{91240B29-F687-4F45-9708-019B960494DF}">
+              <a14:hiddenLine xmlns:a14="http://schemas.microsoft.com/office/drawing/2010/main" w="9525">
+                <a:solidFill>
+                  <a:schemeClr val="tx1"/>
+                </a:solidFill>
+                <a:miter lim="800000"/>
+                <a:headEnd/>
+                <a:tailEnd/>
+              </a14:hiddenLine>
+            </a:ext>
+            <a:ext uri="{AF507438-7753-43E0-B8FC-AC1667EBCBE1}">
+              <a14:hiddenEffects xmlns:a14="http://schemas.microsoft.com/office/drawing/2010/main">
+                <a:effectLst>
+                  <a:outerShdw dist="35921" dir="2700000" algn="ctr" rotWithShape="0">
+                    <a:schemeClr val="bg2"/>
+                  </a:outerShdw>
+                </a:effectLst>
+              </a14:hiddenEffects>
+            </a:ext>
+          </a:extLst>
+        </p:spPr>
+      </p:pic>
+      <p:pic>
+        <p:nvPicPr>
+          <p:cNvPr id="2067" name="Picture 19"/>
+          <p:cNvPicPr>
+            <a:picLocks noChangeAspect="1" noChangeArrowheads="1"/>
+          </p:cNvPicPr>
+          <p:nvPr/>
+        </p:nvPicPr>
+        <p:blipFill>
+          <a:blip r:embed="rId12">
+            <a:extLst>
+              <a:ext uri="{28A0092B-C50C-407E-A947-70E740481C1C}">
+                <a14:useLocalDpi xmlns:a14="http://schemas.microsoft.com/office/drawing/2010/main" val="0"/>
+              </a:ext>
+            </a:extLst>
+          </a:blip>
+          <a:srcRect/>
+          <a:stretch>
+            <a:fillRect/>
+          </a:stretch>
+        </p:blipFill>
+        <p:spPr bwMode="auto">
+          <a:xfrm>
+            <a:off x="9093464" y="3286203"/>
+            <a:ext cx="1476376" cy="995363"/>
+          </a:xfrm>
+          <a:prstGeom prst="rect">
+            <a:avLst/>
+          </a:prstGeom>
+          <a:noFill/>
+          <a:ln>
+            <a:noFill/>
+          </a:ln>
+          <a:effectLst/>
+          <a:extLst>
+            <a:ext uri="{909E8E84-426E-40DD-AFC4-6F175D3DCCD1}">
+              <a14:hiddenFill xmlns:a14="http://schemas.microsoft.com/office/drawing/2010/main">
+                <a:solidFill>
+                  <a:schemeClr val="accent1"/>
+                </a:solidFill>
+              </a14:hiddenFill>
+            </a:ext>
+            <a:ext uri="{91240B29-F687-4F45-9708-019B960494DF}">
+              <a14:hiddenLine xmlns:a14="http://schemas.microsoft.com/office/drawing/2010/main" w="9525">
+                <a:solidFill>
+                  <a:schemeClr val="tx1"/>
+                </a:solidFill>
+                <a:miter lim="800000"/>
+                <a:headEnd/>
+                <a:tailEnd/>
+              </a14:hiddenLine>
+            </a:ext>
+            <a:ext uri="{AF507438-7753-43E0-B8FC-AC1667EBCBE1}">
+              <a14:hiddenEffects xmlns:a14="http://schemas.microsoft.com/office/drawing/2010/main">
+                <a:effectLst>
+                  <a:outerShdw dist="35921" dir="2700000" algn="ctr" rotWithShape="0">
+                    <a:schemeClr val="bg2"/>
+                  </a:outerShdw>
+                </a:effectLst>
+              </a14:hiddenEffects>
+            </a:ext>
+          </a:extLst>
+        </p:spPr>
+      </p:pic>
+      <p:sp>
+        <p:nvSpPr>
           <p:cNvPr id="14" name="AutoShape 21" descr="Resultado de imagem para planilha icone"/>
           <p:cNvSpPr>
             <a:spLocks noChangeAspect="1" noChangeArrowheads="1"/>
@@ -9768,10 +9294,459 @@
           </a:p>
         </p:txBody>
       </p:sp>
+      <p:pic>
+        <p:nvPicPr>
+          <p:cNvPr id="2070" name="Picture 22"/>
+          <p:cNvPicPr>
+            <a:picLocks noChangeAspect="1" noChangeArrowheads="1"/>
+          </p:cNvPicPr>
+          <p:nvPr/>
+        </p:nvPicPr>
+        <p:blipFill>
+          <a:blip r:embed="rId13">
+            <a:extLst>
+              <a:ext uri="{28A0092B-C50C-407E-A947-70E740481C1C}">
+                <a14:useLocalDpi xmlns:a14="http://schemas.microsoft.com/office/drawing/2010/main" val="0"/>
+              </a:ext>
+            </a:extLst>
+          </a:blip>
+          <a:srcRect/>
+          <a:stretch>
+            <a:fillRect/>
+          </a:stretch>
+        </p:blipFill>
+        <p:spPr bwMode="auto">
+          <a:xfrm>
+            <a:off x="9210197" y="1217775"/>
+            <a:ext cx="1071563" cy="1071563"/>
+          </a:xfrm>
+          <a:prstGeom prst="rect">
+            <a:avLst/>
+          </a:prstGeom>
+          <a:noFill/>
+          <a:ln>
+            <a:noFill/>
+          </a:ln>
+          <a:effectLst/>
+          <a:extLst>
+            <a:ext uri="{909E8E84-426E-40DD-AFC4-6F175D3DCCD1}">
+              <a14:hiddenFill xmlns:a14="http://schemas.microsoft.com/office/drawing/2010/main">
+                <a:solidFill>
+                  <a:schemeClr val="accent1"/>
+                </a:solidFill>
+              </a14:hiddenFill>
+            </a:ext>
+            <a:ext uri="{91240B29-F687-4F45-9708-019B960494DF}">
+              <a14:hiddenLine xmlns:a14="http://schemas.microsoft.com/office/drawing/2010/main" w="9525">
+                <a:solidFill>
+                  <a:schemeClr val="tx1"/>
+                </a:solidFill>
+                <a:miter lim="800000"/>
+                <a:headEnd/>
+                <a:tailEnd/>
+              </a14:hiddenLine>
+            </a:ext>
+            <a:ext uri="{AF507438-7753-43E0-B8FC-AC1667EBCBE1}">
+              <a14:hiddenEffects xmlns:a14="http://schemas.microsoft.com/office/drawing/2010/main">
+                <a:effectLst>
+                  <a:outerShdw dist="35921" dir="2700000" algn="ctr" rotWithShape="0">
+                    <a:schemeClr val="bg2"/>
+                  </a:outerShdw>
+                </a:effectLst>
+              </a14:hiddenEffects>
+            </a:ext>
+          </a:extLst>
+        </p:spPr>
+      </p:pic>
+      <p:pic>
+        <p:nvPicPr>
+          <p:cNvPr id="2071" name="Picture 23"/>
+          <p:cNvPicPr>
+            <a:picLocks noChangeAspect="1" noChangeArrowheads="1"/>
+          </p:cNvPicPr>
+          <p:nvPr/>
+        </p:nvPicPr>
+        <p:blipFill>
+          <a:blip r:embed="rId14" cstate="print">
+            <a:extLst>
+              <a:ext uri="{28A0092B-C50C-407E-A947-70E740481C1C}">
+                <a14:useLocalDpi xmlns:a14="http://schemas.microsoft.com/office/drawing/2010/main" val="0"/>
+              </a:ext>
+            </a:extLst>
+          </a:blip>
+          <a:srcRect/>
+          <a:stretch>
+            <a:fillRect/>
+          </a:stretch>
+        </p:blipFill>
+        <p:spPr bwMode="auto">
+          <a:xfrm>
+            <a:off x="9346269" y="5363165"/>
+            <a:ext cx="967811" cy="1283530"/>
+          </a:xfrm>
+          <a:prstGeom prst="rect">
+            <a:avLst/>
+          </a:prstGeom>
+          <a:noFill/>
+          <a:ln>
+            <a:noFill/>
+          </a:ln>
+          <a:effectLst/>
+          <a:extLst>
+            <a:ext uri="{909E8E84-426E-40DD-AFC4-6F175D3DCCD1}">
+              <a14:hiddenFill xmlns:a14="http://schemas.microsoft.com/office/drawing/2010/main">
+                <a:solidFill>
+                  <a:schemeClr val="accent1"/>
+                </a:solidFill>
+              </a14:hiddenFill>
+            </a:ext>
+            <a:ext uri="{91240B29-F687-4F45-9708-019B960494DF}">
+              <a14:hiddenLine xmlns:a14="http://schemas.microsoft.com/office/drawing/2010/main" w="9525">
+                <a:solidFill>
+                  <a:schemeClr val="tx1"/>
+                </a:solidFill>
+                <a:miter lim="800000"/>
+                <a:headEnd/>
+                <a:tailEnd/>
+              </a14:hiddenLine>
+            </a:ext>
+            <a:ext uri="{AF507438-7753-43E0-B8FC-AC1667EBCBE1}">
+              <a14:hiddenEffects xmlns:a14="http://schemas.microsoft.com/office/drawing/2010/main">
+                <a:effectLst>
+                  <a:outerShdw dist="35921" dir="2700000" algn="ctr" rotWithShape="0">
+                    <a:schemeClr val="bg2"/>
+                  </a:outerShdw>
+                </a:effectLst>
+              </a14:hiddenEffects>
+            </a:ext>
+          </a:extLst>
+        </p:spPr>
+      </p:pic>
+      <p:sp>
+        <p:nvSpPr>
+          <p:cNvPr id="30" name="Seta para cima 29"/>
+          <p:cNvSpPr/>
+          <p:nvPr/>
+        </p:nvSpPr>
+        <p:spPr>
+          <a:xfrm>
+            <a:off x="9681527" y="4356108"/>
+            <a:ext cx="300250" cy="704673"/>
+          </a:xfrm>
+          <a:prstGeom prst="upArrow">
+            <a:avLst/>
+          </a:prstGeom>
+        </p:spPr>
+        <p:style>
+          <a:lnRef idx="2">
+            <a:schemeClr val="accent1">
+              <a:shade val="50000"/>
+            </a:schemeClr>
+          </a:lnRef>
+          <a:fillRef idx="1">
+            <a:schemeClr val="accent1"/>
+          </a:fillRef>
+          <a:effectRef idx="0">
+            <a:schemeClr val="accent1"/>
+          </a:effectRef>
+          <a:fontRef idx="minor">
+            <a:schemeClr val="lt1"/>
+          </a:fontRef>
+        </p:style>
+        <p:txBody>
+          <a:bodyPr rtlCol="0" anchor="ctr"/>
+          <a:lstStyle/>
+          <a:p>
+            <a:pPr algn="ctr"/>
+            <a:endParaRPr lang="pt-BR"/>
+          </a:p>
+        </p:txBody>
+      </p:sp>
+      <p:sp>
+        <p:nvSpPr>
+          <p:cNvPr id="31" name="Seta para cima 30"/>
+          <p:cNvSpPr/>
+          <p:nvPr/>
+        </p:nvSpPr>
+        <p:spPr>
+          <a:xfrm>
+            <a:off x="9650445" y="2300060"/>
+            <a:ext cx="300250" cy="704673"/>
+          </a:xfrm>
+          <a:prstGeom prst="upArrow">
+            <a:avLst/>
+          </a:prstGeom>
+        </p:spPr>
+        <p:style>
+          <a:lnRef idx="2">
+            <a:schemeClr val="accent1">
+              <a:shade val="50000"/>
+            </a:schemeClr>
+          </a:lnRef>
+          <a:fillRef idx="1">
+            <a:schemeClr val="accent1"/>
+          </a:fillRef>
+          <a:effectRef idx="0">
+            <a:schemeClr val="accent1"/>
+          </a:effectRef>
+          <a:fontRef idx="minor">
+            <a:schemeClr val="lt1"/>
+          </a:fontRef>
+        </p:style>
+        <p:txBody>
+          <a:bodyPr rtlCol="0" anchor="ctr"/>
+          <a:lstStyle/>
+          <a:p>
+            <a:pPr algn="ctr"/>
+            <a:endParaRPr lang="pt-BR"/>
+          </a:p>
+        </p:txBody>
+      </p:sp>
+      <p:sp>
+        <p:nvSpPr>
+          <p:cNvPr id="32" name="Seta para a direita 31"/>
+          <p:cNvSpPr/>
+          <p:nvPr/>
+        </p:nvSpPr>
+        <p:spPr>
+          <a:xfrm>
+            <a:off x="8064424" y="5678441"/>
+            <a:ext cx="791570" cy="292653"/>
+          </a:xfrm>
+          <a:prstGeom prst="rightArrow">
+            <a:avLst/>
+          </a:prstGeom>
+        </p:spPr>
+        <p:style>
+          <a:lnRef idx="2">
+            <a:schemeClr val="accent1">
+              <a:shade val="50000"/>
+            </a:schemeClr>
+          </a:lnRef>
+          <a:fillRef idx="1">
+            <a:schemeClr val="accent1"/>
+          </a:fillRef>
+          <a:effectRef idx="0">
+            <a:schemeClr val="accent1"/>
+          </a:effectRef>
+          <a:fontRef idx="minor">
+            <a:schemeClr val="lt1"/>
+          </a:fontRef>
+        </p:style>
+        <p:txBody>
+          <a:bodyPr rtlCol="0" anchor="ctr"/>
+          <a:lstStyle/>
+          <a:p>
+            <a:pPr algn="ctr"/>
+            <a:endParaRPr lang="pt-BR"/>
+          </a:p>
+        </p:txBody>
+      </p:sp>
+      <p:sp>
+        <p:nvSpPr>
+          <p:cNvPr id="33" name="Seta para baixo 32"/>
+          <p:cNvSpPr/>
+          <p:nvPr/>
+        </p:nvSpPr>
+        <p:spPr>
+          <a:xfrm>
+            <a:off x="6751339" y="4708444"/>
+            <a:ext cx="259308" cy="605841"/>
+          </a:xfrm>
+          <a:prstGeom prst="downArrow">
+            <a:avLst/>
+          </a:prstGeom>
+        </p:spPr>
+        <p:style>
+          <a:lnRef idx="2">
+            <a:schemeClr val="accent1">
+              <a:shade val="50000"/>
+            </a:schemeClr>
+          </a:lnRef>
+          <a:fillRef idx="1">
+            <a:schemeClr val="accent1"/>
+          </a:fillRef>
+          <a:effectRef idx="0">
+            <a:schemeClr val="accent1"/>
+          </a:effectRef>
+          <a:fontRef idx="minor">
+            <a:schemeClr val="lt1"/>
+          </a:fontRef>
+        </p:style>
+        <p:txBody>
+          <a:bodyPr rtlCol="0" anchor="ctr"/>
+          <a:lstStyle/>
+          <a:p>
+            <a:pPr algn="ctr"/>
+            <a:endParaRPr lang="pt-BR"/>
+          </a:p>
+        </p:txBody>
+      </p:sp>
+      <p:sp>
+        <p:nvSpPr>
+          <p:cNvPr id="15" name="CaixaDeTexto 14"/>
+          <p:cNvSpPr txBox="1"/>
+          <p:nvPr/>
+        </p:nvSpPr>
+        <p:spPr>
+          <a:xfrm>
+            <a:off x="6329731" y="3187760"/>
+            <a:ext cx="1087670" cy="369332"/>
+          </a:xfrm>
+          <a:prstGeom prst="rect">
+            <a:avLst/>
+          </a:prstGeom>
+          <a:noFill/>
+        </p:spPr>
+        <p:txBody>
+          <a:bodyPr wrap="none" rtlCol="0">
+            <a:spAutoFit/>
+          </a:bodyPr>
+          <a:lstStyle/>
+          <a:p>
+            <a:r>
+              <a:rPr lang="pt-BR" dirty="0" smtClean="0"/>
+              <a:t>Delegacia</a:t>
+            </a:r>
+            <a:endParaRPr lang="pt-BR" dirty="0"/>
+          </a:p>
+        </p:txBody>
+      </p:sp>
+      <p:sp>
+        <p:nvSpPr>
+          <p:cNvPr id="35" name="CaixaDeTexto 34"/>
+          <p:cNvSpPr txBox="1"/>
+          <p:nvPr/>
+        </p:nvSpPr>
+        <p:spPr>
+          <a:xfrm>
+            <a:off x="9341213" y="2962150"/>
+            <a:ext cx="895502" cy="369332"/>
+          </a:xfrm>
+          <a:prstGeom prst="rect">
+            <a:avLst/>
+          </a:prstGeom>
+          <a:noFill/>
+        </p:spPr>
+        <p:txBody>
+          <a:bodyPr wrap="none" rtlCol="0">
+            <a:spAutoFit/>
+          </a:bodyPr>
+          <a:lstStyle/>
+          <a:p>
+            <a:r>
+              <a:rPr lang="pt-BR" dirty="0" smtClean="0"/>
+              <a:t>Quartel</a:t>
+            </a:r>
+            <a:endParaRPr lang="pt-BR" dirty="0"/>
+          </a:p>
+        </p:txBody>
+      </p:sp>
+      <p:sp>
+        <p:nvSpPr>
+          <p:cNvPr id="36" name="CaixaDeTexto 35"/>
+          <p:cNvSpPr txBox="1"/>
+          <p:nvPr/>
+        </p:nvSpPr>
+        <p:spPr>
+          <a:xfrm>
+            <a:off x="9137568" y="5014000"/>
+            <a:ext cx="1326004" cy="369332"/>
+          </a:xfrm>
+          <a:prstGeom prst="rect">
+            <a:avLst/>
+          </a:prstGeom>
+          <a:noFill/>
+        </p:spPr>
+        <p:txBody>
+          <a:bodyPr wrap="none" rtlCol="0">
+            <a:spAutoFit/>
+          </a:bodyPr>
+          <a:lstStyle/>
+          <a:p>
+            <a:r>
+              <a:rPr lang="pt-BR" dirty="0" smtClean="0"/>
+              <a:t>BO Validado</a:t>
+            </a:r>
+            <a:endParaRPr lang="pt-BR" dirty="0"/>
+          </a:p>
+        </p:txBody>
+      </p:sp>
+      <p:sp>
+        <p:nvSpPr>
+          <p:cNvPr id="34" name="CaixaDeTexto 33"/>
+          <p:cNvSpPr txBox="1"/>
+          <p:nvPr/>
+        </p:nvSpPr>
+        <p:spPr>
+          <a:xfrm>
+            <a:off x="3409214" y="5060781"/>
+            <a:ext cx="1293944" cy="369332"/>
+          </a:xfrm>
+          <a:prstGeom prst="rect">
+            <a:avLst/>
+          </a:prstGeom>
+          <a:noFill/>
+        </p:spPr>
+        <p:txBody>
+          <a:bodyPr wrap="none" rtlCol="0">
+            <a:spAutoFit/>
+          </a:bodyPr>
+          <a:lstStyle/>
+          <a:p>
+            <a:r>
+              <a:rPr lang="pt-BR" dirty="0" smtClean="0"/>
+              <a:t>CIODS - 190</a:t>
+            </a:r>
+            <a:endParaRPr lang="pt-BR" dirty="0"/>
+          </a:p>
+        </p:txBody>
+      </p:sp>
+      <p:pic>
+        <p:nvPicPr>
+          <p:cNvPr id="1026" name="Picture 2" descr="Resultado de imagem para preso icone"/>
+          <p:cNvPicPr>
+            <a:picLocks noChangeAspect="1" noChangeArrowheads="1"/>
+          </p:cNvPicPr>
+          <p:nvPr/>
+        </p:nvPicPr>
+        <p:blipFill>
+          <a:blip r:embed="rId15" cstate="print">
+            <a:extLst>
+              <a:ext uri="{28A0092B-C50C-407E-A947-70E740481C1C}">
+                <a14:useLocalDpi xmlns:a14="http://schemas.microsoft.com/office/drawing/2010/main" val="0"/>
+              </a:ext>
+            </a:extLst>
+          </a:blip>
+          <a:srcRect/>
+          <a:stretch>
+            <a:fillRect/>
+          </a:stretch>
+        </p:blipFill>
+        <p:spPr bwMode="auto">
+          <a:xfrm>
+            <a:off x="5899420" y="3689221"/>
+            <a:ext cx="955394" cy="955394"/>
+          </a:xfrm>
+          <a:prstGeom prst="rect">
+            <a:avLst/>
+          </a:prstGeom>
+          <a:noFill/>
+          <a:extLst>
+            <a:ext uri="{909E8E84-426E-40DD-AFC4-6F175D3DCCD1}">
+              <a14:hiddenFill xmlns:a14="http://schemas.microsoft.com/office/drawing/2010/main">
+                <a:solidFill>
+                  <a:srgbClr val="FFFFFF"/>
+                </a:solidFill>
+              </a14:hiddenFill>
+            </a:ext>
+          </a:extLst>
+        </p:spPr>
+      </p:pic>
     </p:spTree>
     <p:extLst>
       <p:ext uri="{BB962C8B-B14F-4D97-AF65-F5344CB8AC3E}">
-        <p14:creationId xmlns:p14="http://schemas.microsoft.com/office/powerpoint/2010/main" val="4251528631"/>
+        <p14:creationId xmlns:p14="http://schemas.microsoft.com/office/powerpoint/2010/main" val="2424712345"/>
       </p:ext>
     </p:extLst>
   </p:cSld>
@@ -9817,31 +9792,18 @@
         </p:nvSpPr>
         <p:spPr>
           <a:xfrm>
-            <a:off x="73652" y="154155"/>
-            <a:ext cx="10515600" cy="822053"/>
-          </a:xfrm>
-        </p:spPr>
-        <p:txBody>
-          <a:bodyPr>
-            <a:normAutofit fontScale="90000"/>
-          </a:bodyPr>
+            <a:off x="604207" y="1008332"/>
+            <a:ext cx="10515600" cy="1325563"/>
+          </a:xfrm>
+        </p:spPr>
+        <p:txBody>
+          <a:bodyPr/>
           <a:lstStyle/>
           <a:p>
             <a:pPr algn="ctr"/>
             <a:r>
               <a:rPr lang="pt-BR" dirty="0" smtClean="0"/>
-              <a:t>3. Fluxo de uma </a:t>
-            </a:r>
-            <a:r>
-              <a:rPr lang="pt-BR" dirty="0" smtClean="0"/>
-              <a:t>ocorrência</a:t>
-            </a:r>
-            <a:br>
-              <a:rPr lang="pt-BR" dirty="0" smtClean="0"/>
-            </a:br>
-            <a:r>
-              <a:rPr lang="pt-BR" dirty="0" smtClean="0"/>
-              <a:t>Tradicional</a:t>
+              <a:t>2. Objetivos</a:t>
             </a:r>
             <a:endParaRPr lang="pt-BR" dirty="0"/>
           </a:p>
@@ -9909,7 +9871,7 @@
       </p:pic>
       <p:pic>
         <p:nvPicPr>
-          <p:cNvPr id="2050" name="Picture 2"/>
+          <p:cNvPr id="1026" name="Picture 2" descr="Resultado de imagem para objetivos"/>
           <p:cNvPicPr>
             <a:picLocks noChangeAspect="1" noChangeArrowheads="1"/>
           </p:cNvPicPr>
@@ -9930,136 +9892,8 @@
         </p:blipFill>
         <p:spPr bwMode="auto">
           <a:xfrm>
-            <a:off x="460375" y="1346862"/>
-            <a:ext cx="1609725" cy="1333500"/>
-          </a:xfrm>
-          <a:prstGeom prst="rect">
-            <a:avLst/>
-          </a:prstGeom>
-          <a:noFill/>
-          <a:ln>
-            <a:noFill/>
-          </a:ln>
-          <a:effectLst/>
-          <a:extLst>
-            <a:ext uri="{909E8E84-426E-40DD-AFC4-6F175D3DCCD1}">
-              <a14:hiddenFill xmlns:a14="http://schemas.microsoft.com/office/drawing/2010/main">
-                <a:solidFill>
-                  <a:schemeClr val="accent1"/>
-                </a:solidFill>
-              </a14:hiddenFill>
-            </a:ext>
-            <a:ext uri="{91240B29-F687-4F45-9708-019B960494DF}">
-              <a14:hiddenLine xmlns:a14="http://schemas.microsoft.com/office/drawing/2010/main" w="9525">
-                <a:solidFill>
-                  <a:schemeClr val="tx1"/>
-                </a:solidFill>
-                <a:miter lim="800000"/>
-                <a:headEnd/>
-                <a:tailEnd/>
-              </a14:hiddenLine>
-            </a:ext>
-            <a:ext uri="{AF507438-7753-43E0-B8FC-AC1667EBCBE1}">
-              <a14:hiddenEffects xmlns:a14="http://schemas.microsoft.com/office/drawing/2010/main">
-                <a:effectLst>
-                  <a:outerShdw dist="35921" dir="2700000" algn="ctr" rotWithShape="0">
-                    <a:schemeClr val="bg2"/>
-                  </a:outerShdw>
-                </a:effectLst>
-              </a14:hiddenEffects>
-            </a:ext>
-          </a:extLst>
-        </p:spPr>
-      </p:pic>
-      <p:pic>
-        <p:nvPicPr>
-          <p:cNvPr id="2052" name="Picture 4"/>
-          <p:cNvPicPr>
-            <a:picLocks noChangeAspect="1" noChangeArrowheads="1"/>
-          </p:cNvPicPr>
-          <p:nvPr/>
-        </p:nvPicPr>
-        <p:blipFill>
-          <a:blip r:embed="rId5">
-            <a:extLst>
-              <a:ext uri="{28A0092B-C50C-407E-A947-70E740481C1C}">
-                <a14:useLocalDpi xmlns:a14="http://schemas.microsoft.com/office/drawing/2010/main" val="0"/>
-              </a:ext>
-            </a:extLst>
-          </a:blip>
-          <a:srcRect/>
-          <a:stretch>
-            <a:fillRect/>
-          </a:stretch>
-        </p:blipFill>
-        <p:spPr bwMode="auto">
-          <a:xfrm>
-            <a:off x="460375" y="4521894"/>
-            <a:ext cx="1525920" cy="1632203"/>
-          </a:xfrm>
-          <a:prstGeom prst="rect">
-            <a:avLst/>
-          </a:prstGeom>
-          <a:noFill/>
-          <a:ln>
-            <a:noFill/>
-          </a:ln>
-          <a:effectLst/>
-          <a:extLst>
-            <a:ext uri="{909E8E84-426E-40DD-AFC4-6F175D3DCCD1}">
-              <a14:hiddenFill xmlns:a14="http://schemas.microsoft.com/office/drawing/2010/main">
-                <a:solidFill>
-                  <a:schemeClr val="accent1"/>
-                </a:solidFill>
-              </a14:hiddenFill>
-            </a:ext>
-            <a:ext uri="{91240B29-F687-4F45-9708-019B960494DF}">
-              <a14:hiddenLine xmlns:a14="http://schemas.microsoft.com/office/drawing/2010/main" w="9525">
-                <a:solidFill>
-                  <a:schemeClr val="tx1"/>
-                </a:solidFill>
-                <a:miter lim="800000"/>
-                <a:headEnd/>
-                <a:tailEnd/>
-              </a14:hiddenLine>
-            </a:ext>
-            <a:ext uri="{AF507438-7753-43E0-B8FC-AC1667EBCBE1}">
-              <a14:hiddenEffects xmlns:a14="http://schemas.microsoft.com/office/drawing/2010/main">
-                <a:effectLst>
-                  <a:outerShdw dist="35921" dir="2700000" algn="ctr" rotWithShape="0">
-                    <a:schemeClr val="bg2"/>
-                  </a:outerShdw>
-                </a:effectLst>
-              </a14:hiddenEffects>
-            </a:ext>
-          </a:extLst>
-        </p:spPr>
-      </p:pic>
-      <p:pic>
-        <p:nvPicPr>
-          <p:cNvPr id="2054" name="Picture 6" descr="Resultado de imagem para central icone"/>
-          <p:cNvPicPr>
-            <a:picLocks noChangeAspect="1" noChangeArrowheads="1"/>
-          </p:cNvPicPr>
-          <p:nvPr/>
-        </p:nvPicPr>
-        <p:blipFill>
-          <a:blip r:embed="rId6" cstate="print">
-            <a:extLst>
-              <a:ext uri="{28A0092B-C50C-407E-A947-70E740481C1C}">
-                <a14:useLocalDpi xmlns:a14="http://schemas.microsoft.com/office/drawing/2010/main" val="0"/>
-              </a:ext>
-            </a:extLst>
-          </a:blip>
-          <a:srcRect/>
-          <a:stretch>
-            <a:fillRect/>
-          </a:stretch>
-        </p:blipFill>
-        <p:spPr bwMode="auto">
-          <a:xfrm>
-            <a:off x="3527974" y="5221209"/>
-            <a:ext cx="1207118" cy="1207118"/>
+            <a:off x="4031539" y="2166535"/>
+            <a:ext cx="3596251" cy="2610182"/>
           </a:xfrm>
           <a:prstGeom prst="rect">
             <a:avLst/>
@@ -10076,248 +9910,7 @@
           </a:extLst>
         </p:spPr>
       </p:pic>
-      <p:sp>
-        <p:nvSpPr>
-          <p:cNvPr id="3" name="AutoShape 8" descr="Resultado de imagem para viatura icone"/>
-          <p:cNvSpPr>
-            <a:spLocks noChangeAspect="1" noChangeArrowheads="1"/>
-          </p:cNvSpPr>
-          <p:nvPr/>
-        </p:nvSpPr>
-        <p:spPr bwMode="auto">
-          <a:xfrm>
-            <a:off x="155575" y="-144463"/>
-            <a:ext cx="304800" cy="304801"/>
-          </a:xfrm>
-          <a:prstGeom prst="rect">
-            <a:avLst/>
-          </a:prstGeom>
-          <a:noFill/>
-          <a:extLst>
-            <a:ext uri="{909E8E84-426E-40DD-AFC4-6F175D3DCCD1}">
-              <a14:hiddenFill xmlns:a14="http://schemas.microsoft.com/office/drawing/2010/main">
-                <a:solidFill>
-                  <a:srgbClr val="FFFFFF"/>
-                </a:solidFill>
-              </a14:hiddenFill>
-            </a:ext>
-          </a:extLst>
-        </p:spPr>
-        <p:txBody>
-          <a:bodyPr vert="horz" wrap="square" lIns="91440" tIns="45720" rIns="91440" bIns="45720" numCol="1" anchor="t" anchorCtr="0" compatLnSpc="1">
-            <a:prstTxWarp prst="textNoShape">
-              <a:avLst/>
-            </a:prstTxWarp>
-          </a:bodyPr>
-          <a:lstStyle/>
-          <a:p>
-            <a:endParaRPr lang="pt-BR"/>
-          </a:p>
-        </p:txBody>
-      </p:sp>
-      <p:sp>
-        <p:nvSpPr>
-          <p:cNvPr id="4" name="AutoShape 10" descr="Resultado de imagem para viatura icone"/>
-          <p:cNvSpPr>
-            <a:spLocks noChangeAspect="1" noChangeArrowheads="1"/>
-          </p:cNvSpPr>
-          <p:nvPr/>
-        </p:nvSpPr>
-        <p:spPr bwMode="auto">
-          <a:xfrm>
-            <a:off x="307975" y="7937"/>
-            <a:ext cx="304800" cy="304801"/>
-          </a:xfrm>
-          <a:prstGeom prst="rect">
-            <a:avLst/>
-          </a:prstGeom>
-          <a:noFill/>
-          <a:extLst>
-            <a:ext uri="{909E8E84-426E-40DD-AFC4-6F175D3DCCD1}">
-              <a14:hiddenFill xmlns:a14="http://schemas.microsoft.com/office/drawing/2010/main">
-                <a:solidFill>
-                  <a:srgbClr val="FFFFFF"/>
-                </a:solidFill>
-              </a14:hiddenFill>
-            </a:ext>
-          </a:extLst>
-        </p:spPr>
-        <p:txBody>
-          <a:bodyPr vert="horz" wrap="square" lIns="91440" tIns="45720" rIns="91440" bIns="45720" numCol="1" anchor="t" anchorCtr="0" compatLnSpc="1">
-            <a:prstTxWarp prst="textNoShape">
-              <a:avLst/>
-            </a:prstTxWarp>
-          </a:bodyPr>
-          <a:lstStyle/>
-          <a:p>
-            <a:endParaRPr lang="pt-BR"/>
-          </a:p>
-        </p:txBody>
-      </p:sp>
-      <p:sp>
-        <p:nvSpPr>
-          <p:cNvPr id="5" name="AutoShape 12" descr="Resultado de imagem para viatura icone"/>
-          <p:cNvSpPr>
-            <a:spLocks noChangeAspect="1" noChangeArrowheads="1"/>
-          </p:cNvSpPr>
-          <p:nvPr/>
-        </p:nvSpPr>
-        <p:spPr bwMode="auto">
-          <a:xfrm>
-            <a:off x="460375" y="160337"/>
-            <a:ext cx="304800" cy="304801"/>
-          </a:xfrm>
-          <a:prstGeom prst="rect">
-            <a:avLst/>
-          </a:prstGeom>
-          <a:noFill/>
-          <a:extLst>
-            <a:ext uri="{909E8E84-426E-40DD-AFC4-6F175D3DCCD1}">
-              <a14:hiddenFill xmlns:a14="http://schemas.microsoft.com/office/drawing/2010/main">
-                <a:solidFill>
-                  <a:srgbClr val="FFFFFF"/>
-                </a:solidFill>
-              </a14:hiddenFill>
-            </a:ext>
-          </a:extLst>
-        </p:spPr>
-        <p:txBody>
-          <a:bodyPr vert="horz" wrap="square" lIns="91440" tIns="45720" rIns="91440" bIns="45720" numCol="1" anchor="t" anchorCtr="0" compatLnSpc="1">
-            <a:prstTxWarp prst="textNoShape">
-              <a:avLst/>
-            </a:prstTxWarp>
-          </a:bodyPr>
-          <a:lstStyle/>
-          <a:p>
-            <a:endParaRPr lang="pt-BR"/>
-          </a:p>
-        </p:txBody>
-      </p:sp>
-      <p:sp>
-        <p:nvSpPr>
-          <p:cNvPr id="10" name="Seta para baixo 9"/>
-          <p:cNvSpPr/>
-          <p:nvPr/>
-        </p:nvSpPr>
-        <p:spPr>
-          <a:xfrm>
-            <a:off x="1189215" y="3254171"/>
-            <a:ext cx="259308" cy="605841"/>
-          </a:xfrm>
-          <a:prstGeom prst="downArrow">
-            <a:avLst/>
-          </a:prstGeom>
-        </p:spPr>
-        <p:style>
-          <a:lnRef idx="2">
-            <a:schemeClr val="accent1">
-              <a:shade val="50000"/>
-            </a:schemeClr>
-          </a:lnRef>
-          <a:fillRef idx="1">
-            <a:schemeClr val="accent1"/>
-          </a:fillRef>
-          <a:effectRef idx="0">
-            <a:schemeClr val="accent1"/>
-          </a:effectRef>
-          <a:fontRef idx="minor">
-            <a:schemeClr val="lt1"/>
-          </a:fontRef>
-        </p:style>
-        <p:txBody>
-          <a:bodyPr rtlCol="0" anchor="ctr"/>
-          <a:lstStyle/>
-          <a:p>
-            <a:pPr algn="ctr"/>
-            <a:endParaRPr lang="pt-BR"/>
-          </a:p>
-        </p:txBody>
-      </p:sp>
-      <p:sp>
-        <p:nvSpPr>
-          <p:cNvPr id="13" name="Seta para a direita 12"/>
-          <p:cNvSpPr/>
-          <p:nvPr/>
-        </p:nvSpPr>
-        <p:spPr>
-          <a:xfrm>
-            <a:off x="2402006" y="5653971"/>
-            <a:ext cx="791570" cy="292653"/>
-          </a:xfrm>
-          <a:prstGeom prst="rightArrow">
-            <a:avLst/>
-          </a:prstGeom>
-        </p:spPr>
-        <p:style>
-          <a:lnRef idx="2">
-            <a:schemeClr val="accent1">
-              <a:shade val="50000"/>
-            </a:schemeClr>
-          </a:lnRef>
-          <a:fillRef idx="1">
-            <a:schemeClr val="accent1"/>
-          </a:fillRef>
-          <a:effectRef idx="0">
-            <a:schemeClr val="accent1"/>
-          </a:effectRef>
-          <a:fontRef idx="minor">
-            <a:schemeClr val="lt1"/>
-          </a:fontRef>
-        </p:style>
-        <p:txBody>
-          <a:bodyPr rtlCol="0" anchor="ctr"/>
-          <a:lstStyle/>
-          <a:p>
-            <a:pPr algn="ctr"/>
-            <a:endParaRPr lang="pt-BR"/>
-          </a:p>
-        </p:txBody>
-      </p:sp>
-      <p:sp>
-        <p:nvSpPr>
-          <p:cNvPr id="14" name="AutoShape 21" descr="Resultado de imagem para planilha icone"/>
-          <p:cNvSpPr>
-            <a:spLocks noChangeAspect="1" noChangeArrowheads="1"/>
-          </p:cNvSpPr>
-          <p:nvPr/>
-        </p:nvSpPr>
-        <p:spPr bwMode="auto">
-          <a:xfrm>
-            <a:off x="612775" y="312737"/>
-            <a:ext cx="304800" cy="304801"/>
-          </a:xfrm>
-          <a:prstGeom prst="rect">
-            <a:avLst/>
-          </a:prstGeom>
-          <a:noFill/>
-          <a:extLst>
-            <a:ext uri="{909E8E84-426E-40DD-AFC4-6F175D3DCCD1}">
-              <a14:hiddenFill xmlns:a14="http://schemas.microsoft.com/office/drawing/2010/main">
-                <a:solidFill>
-                  <a:srgbClr val="FFFFFF"/>
-                </a:solidFill>
-              </a14:hiddenFill>
-            </a:ext>
-          </a:extLst>
-        </p:spPr>
-        <p:txBody>
-          <a:bodyPr vert="horz" wrap="square" lIns="91440" tIns="45720" rIns="91440" bIns="45720" numCol="1" anchor="t" anchorCtr="0" compatLnSpc="1">
-            <a:prstTxWarp prst="textNoShape">
-              <a:avLst/>
-            </a:prstTxWarp>
-          </a:bodyPr>
-          <a:lstStyle/>
-          <a:p>
-            <a:endParaRPr lang="pt-BR"/>
-          </a:p>
-        </p:txBody>
-      </p:sp>
     </p:spTree>
-    <p:extLst>
-      <p:ext uri="{BB962C8B-B14F-4D97-AF65-F5344CB8AC3E}">
-        <p14:creationId xmlns:p14="http://schemas.microsoft.com/office/powerpoint/2010/main" val="3320848696"/>
-      </p:ext>
-    </p:extLst>
   </p:cSld>
   <p:clrMapOvr>
     <a:masterClrMapping/>
@@ -10361,33 +9954,102 @@
         </p:nvSpPr>
         <p:spPr>
           <a:xfrm>
-            <a:off x="73652" y="154155"/>
-            <a:ext cx="10515600" cy="822053"/>
-          </a:xfrm>
-        </p:spPr>
+            <a:off x="838200" y="306134"/>
+            <a:ext cx="10515600" cy="1325563"/>
+          </a:xfrm>
+        </p:spPr>
+        <p:txBody>
+          <a:bodyPr/>
+          <a:lstStyle/>
+          <a:p>
+            <a:pPr algn="ctr"/>
+            <a:r>
+              <a:rPr lang="pt-BR" dirty="0" smtClean="0"/>
+              <a:t>Objetivos</a:t>
+            </a:r>
+            <a:endParaRPr lang="pt-BR" dirty="0"/>
+          </a:p>
+        </p:txBody>
+      </p:sp>
+      <p:sp>
+        <p:nvSpPr>
+          <p:cNvPr id="3" name="Espaço Reservado para Conteúdo 2"/>
+          <p:cNvSpPr>
+            <a:spLocks noGrp="1"/>
+          </p:cNvSpPr>
+          <p:nvPr>
+            <p:ph idx="1"/>
+          </p:nvPr>
+        </p:nvSpPr>
+        <p:spPr/>
         <p:txBody>
           <a:bodyPr>
-            <a:normAutofit fontScale="90000"/>
+            <a:normAutofit lnSpcReduction="10000"/>
           </a:bodyPr>
           <a:lstStyle/>
           <a:p>
-            <a:pPr algn="ctr"/>
-            <a:r>
-              <a:rPr lang="pt-BR" dirty="0" smtClean="0"/>
-              <a:t>3. Fluxo de uma </a:t>
-            </a:r>
-            <a:r>
-              <a:rPr lang="pt-BR" dirty="0" smtClean="0"/>
-              <a:t>ocorrência</a:t>
-            </a:r>
-            <a:br>
-              <a:rPr lang="pt-BR" dirty="0" smtClean="0"/>
-            </a:br>
-            <a:r>
-              <a:rPr lang="pt-BR" dirty="0" smtClean="0"/>
-              <a:t>Tradicional</a:t>
-            </a:r>
-            <a:endParaRPr lang="pt-BR" dirty="0"/>
+            <a:pPr algn="just"/>
+            <a:r>
+              <a:rPr lang="pt-BR" sz="3200" dirty="0" smtClean="0"/>
+              <a:t>Apresentar a proposta </a:t>
+            </a:r>
+            <a:r>
+              <a:rPr lang="pt-BR" sz="3200" dirty="0"/>
+              <a:t>de </a:t>
+            </a:r>
+            <a:r>
+              <a:rPr lang="pt-BR" sz="3200" dirty="0" smtClean="0"/>
+              <a:t>um aplicativo para armazenar dados de </a:t>
+            </a:r>
+            <a:r>
+              <a:rPr lang="pt-BR" sz="3200" b="1" dirty="0" smtClean="0"/>
+              <a:t>TODAS</a:t>
+            </a:r>
+            <a:r>
+              <a:rPr lang="pt-BR" sz="3200" dirty="0" smtClean="0"/>
+              <a:t> as ocorrências policiais inclusive as que não têm condução às delegacias;</a:t>
+            </a:r>
+          </a:p>
+          <a:p>
+            <a:pPr algn="just"/>
+            <a:r>
+              <a:rPr lang="pt-BR" sz="3200" dirty="0" smtClean="0"/>
+              <a:t>A Ideia é que todos os Policiais Militares usem o </a:t>
+            </a:r>
+            <a:r>
+              <a:rPr lang="pt-BR" sz="3200" dirty="0" err="1" smtClean="0"/>
+              <a:t>App</a:t>
+            </a:r>
+            <a:r>
+              <a:rPr lang="pt-BR" sz="3200" dirty="0" smtClean="0"/>
+              <a:t>;</a:t>
+            </a:r>
+          </a:p>
+          <a:p>
+            <a:pPr algn="just"/>
+            <a:r>
+              <a:rPr lang="pt-BR" sz="3200" dirty="0" smtClean="0"/>
+              <a:t>Com o montante de dados podem-se gerar relatórios, tomar decisões com base no fluxo do crime;</a:t>
+            </a:r>
+          </a:p>
+          <a:p>
+            <a:pPr algn="just"/>
+            <a:r>
+              <a:rPr lang="pt-BR" sz="3200" dirty="0" smtClean="0"/>
+              <a:t>Dispensar efetivo policial alocado em tarefas braçais (planilhas); </a:t>
+            </a:r>
+          </a:p>
+          <a:p>
+            <a:pPr algn="just"/>
+            <a:r>
+              <a:rPr lang="pt-BR" sz="3200" dirty="0" smtClean="0"/>
+              <a:t>Dados armazenados para sempre;</a:t>
+            </a:r>
+            <a:endParaRPr lang="pt-BR" sz="3200" dirty="0" smtClean="0"/>
+          </a:p>
+          <a:p>
+            <a:pPr algn="just"/>
+            <a:endParaRPr lang="pt-BR" sz="3200" dirty="0"/>
           </a:p>
         </p:txBody>
       </p:sp>
@@ -10451,1314 +10113,10 @@
           </a:prstGeom>
         </p:spPr>
       </p:pic>
-      <p:pic>
-        <p:nvPicPr>
-          <p:cNvPr id="2050" name="Picture 2"/>
-          <p:cNvPicPr>
-            <a:picLocks noChangeAspect="1" noChangeArrowheads="1"/>
-          </p:cNvPicPr>
-          <p:nvPr/>
-        </p:nvPicPr>
-        <p:blipFill>
-          <a:blip r:embed="rId4">
-            <a:extLst>
-              <a:ext uri="{28A0092B-C50C-407E-A947-70E740481C1C}">
-                <a14:useLocalDpi xmlns:a14="http://schemas.microsoft.com/office/drawing/2010/main" val="0"/>
-              </a:ext>
-            </a:extLst>
-          </a:blip>
-          <a:srcRect/>
-          <a:stretch>
-            <a:fillRect/>
-          </a:stretch>
-        </p:blipFill>
-        <p:spPr bwMode="auto">
-          <a:xfrm>
-            <a:off x="460375" y="1346862"/>
-            <a:ext cx="1609725" cy="1333500"/>
-          </a:xfrm>
-          <a:prstGeom prst="rect">
-            <a:avLst/>
-          </a:prstGeom>
-          <a:noFill/>
-          <a:ln>
-            <a:noFill/>
-          </a:ln>
-          <a:effectLst/>
-          <a:extLst>
-            <a:ext uri="{909E8E84-426E-40DD-AFC4-6F175D3DCCD1}">
-              <a14:hiddenFill xmlns:a14="http://schemas.microsoft.com/office/drawing/2010/main">
-                <a:solidFill>
-                  <a:schemeClr val="accent1"/>
-                </a:solidFill>
-              </a14:hiddenFill>
-            </a:ext>
-            <a:ext uri="{91240B29-F687-4F45-9708-019B960494DF}">
-              <a14:hiddenLine xmlns:a14="http://schemas.microsoft.com/office/drawing/2010/main" w="9525">
-                <a:solidFill>
-                  <a:schemeClr val="tx1"/>
-                </a:solidFill>
-                <a:miter lim="800000"/>
-                <a:headEnd/>
-                <a:tailEnd/>
-              </a14:hiddenLine>
-            </a:ext>
-            <a:ext uri="{AF507438-7753-43E0-B8FC-AC1667EBCBE1}">
-              <a14:hiddenEffects xmlns:a14="http://schemas.microsoft.com/office/drawing/2010/main">
-                <a:effectLst>
-                  <a:outerShdw dist="35921" dir="2700000" algn="ctr" rotWithShape="0">
-                    <a:schemeClr val="bg2"/>
-                  </a:outerShdw>
-                </a:effectLst>
-              </a14:hiddenEffects>
-            </a:ext>
-          </a:extLst>
-        </p:spPr>
-      </p:pic>
-      <p:pic>
-        <p:nvPicPr>
-          <p:cNvPr id="2052" name="Picture 4"/>
-          <p:cNvPicPr>
-            <a:picLocks noChangeAspect="1" noChangeArrowheads="1"/>
-          </p:cNvPicPr>
-          <p:nvPr/>
-        </p:nvPicPr>
-        <p:blipFill>
-          <a:blip r:embed="rId5">
-            <a:extLst>
-              <a:ext uri="{28A0092B-C50C-407E-A947-70E740481C1C}">
-                <a14:useLocalDpi xmlns:a14="http://schemas.microsoft.com/office/drawing/2010/main" val="0"/>
-              </a:ext>
-            </a:extLst>
-          </a:blip>
-          <a:srcRect/>
-          <a:stretch>
-            <a:fillRect/>
-          </a:stretch>
-        </p:blipFill>
-        <p:spPr bwMode="auto">
-          <a:xfrm>
-            <a:off x="460375" y="4521894"/>
-            <a:ext cx="1525920" cy="1632203"/>
-          </a:xfrm>
-          <a:prstGeom prst="rect">
-            <a:avLst/>
-          </a:prstGeom>
-          <a:noFill/>
-          <a:ln>
-            <a:noFill/>
-          </a:ln>
-          <a:effectLst/>
-          <a:extLst>
-            <a:ext uri="{909E8E84-426E-40DD-AFC4-6F175D3DCCD1}">
-              <a14:hiddenFill xmlns:a14="http://schemas.microsoft.com/office/drawing/2010/main">
-                <a:solidFill>
-                  <a:schemeClr val="accent1"/>
-                </a:solidFill>
-              </a14:hiddenFill>
-            </a:ext>
-            <a:ext uri="{91240B29-F687-4F45-9708-019B960494DF}">
-              <a14:hiddenLine xmlns:a14="http://schemas.microsoft.com/office/drawing/2010/main" w="9525">
-                <a:solidFill>
-                  <a:schemeClr val="tx1"/>
-                </a:solidFill>
-                <a:miter lim="800000"/>
-                <a:headEnd/>
-                <a:tailEnd/>
-              </a14:hiddenLine>
-            </a:ext>
-            <a:ext uri="{AF507438-7753-43E0-B8FC-AC1667EBCBE1}">
-              <a14:hiddenEffects xmlns:a14="http://schemas.microsoft.com/office/drawing/2010/main">
-                <a:effectLst>
-                  <a:outerShdw dist="35921" dir="2700000" algn="ctr" rotWithShape="0">
-                    <a:schemeClr val="bg2"/>
-                  </a:outerShdw>
-                </a:effectLst>
-              </a14:hiddenEffects>
-            </a:ext>
-          </a:extLst>
-        </p:spPr>
-      </p:pic>
-      <p:pic>
-        <p:nvPicPr>
-          <p:cNvPr id="2054" name="Picture 6" descr="Resultado de imagem para central icone"/>
-          <p:cNvPicPr>
-            <a:picLocks noChangeAspect="1" noChangeArrowheads="1"/>
-          </p:cNvPicPr>
-          <p:nvPr/>
-        </p:nvPicPr>
-        <p:blipFill>
-          <a:blip r:embed="rId6" cstate="print">
-            <a:extLst>
-              <a:ext uri="{28A0092B-C50C-407E-A947-70E740481C1C}">
-                <a14:useLocalDpi xmlns:a14="http://schemas.microsoft.com/office/drawing/2010/main" val="0"/>
-              </a:ext>
-            </a:extLst>
-          </a:blip>
-          <a:srcRect/>
-          <a:stretch>
-            <a:fillRect/>
-          </a:stretch>
-        </p:blipFill>
-        <p:spPr bwMode="auto">
-          <a:xfrm>
-            <a:off x="3527974" y="5221209"/>
-            <a:ext cx="1207118" cy="1207118"/>
-          </a:xfrm>
-          <a:prstGeom prst="rect">
-            <a:avLst/>
-          </a:prstGeom>
-          <a:noFill/>
-          <a:extLst>
-            <a:ext uri="{909E8E84-426E-40DD-AFC4-6F175D3DCCD1}">
-              <a14:hiddenFill xmlns:a14="http://schemas.microsoft.com/office/drawing/2010/main">
-                <a:solidFill>
-                  <a:srgbClr val="FFFFFF"/>
-                </a:solidFill>
-              </a14:hiddenFill>
-            </a:ext>
-          </a:extLst>
-        </p:spPr>
-      </p:pic>
-      <p:sp>
-        <p:nvSpPr>
-          <p:cNvPr id="3" name="AutoShape 8" descr="Resultado de imagem para viatura icone"/>
-          <p:cNvSpPr>
-            <a:spLocks noChangeAspect="1" noChangeArrowheads="1"/>
-          </p:cNvSpPr>
-          <p:nvPr/>
-        </p:nvSpPr>
-        <p:spPr bwMode="auto">
-          <a:xfrm>
-            <a:off x="155575" y="-144463"/>
-            <a:ext cx="304800" cy="304801"/>
-          </a:xfrm>
-          <a:prstGeom prst="rect">
-            <a:avLst/>
-          </a:prstGeom>
-          <a:noFill/>
-          <a:extLst>
-            <a:ext uri="{909E8E84-426E-40DD-AFC4-6F175D3DCCD1}">
-              <a14:hiddenFill xmlns:a14="http://schemas.microsoft.com/office/drawing/2010/main">
-                <a:solidFill>
-                  <a:srgbClr val="FFFFFF"/>
-                </a:solidFill>
-              </a14:hiddenFill>
-            </a:ext>
-          </a:extLst>
-        </p:spPr>
-        <p:txBody>
-          <a:bodyPr vert="horz" wrap="square" lIns="91440" tIns="45720" rIns="91440" bIns="45720" numCol="1" anchor="t" anchorCtr="0" compatLnSpc="1">
-            <a:prstTxWarp prst="textNoShape">
-              <a:avLst/>
-            </a:prstTxWarp>
-          </a:bodyPr>
-          <a:lstStyle/>
-          <a:p>
-            <a:endParaRPr lang="pt-BR"/>
-          </a:p>
-        </p:txBody>
-      </p:sp>
-      <p:sp>
-        <p:nvSpPr>
-          <p:cNvPr id="4" name="AutoShape 10" descr="Resultado de imagem para viatura icone"/>
-          <p:cNvSpPr>
-            <a:spLocks noChangeAspect="1" noChangeArrowheads="1"/>
-          </p:cNvSpPr>
-          <p:nvPr/>
-        </p:nvSpPr>
-        <p:spPr bwMode="auto">
-          <a:xfrm>
-            <a:off x="307975" y="7937"/>
-            <a:ext cx="304800" cy="304801"/>
-          </a:xfrm>
-          <a:prstGeom prst="rect">
-            <a:avLst/>
-          </a:prstGeom>
-          <a:noFill/>
-          <a:extLst>
-            <a:ext uri="{909E8E84-426E-40DD-AFC4-6F175D3DCCD1}">
-              <a14:hiddenFill xmlns:a14="http://schemas.microsoft.com/office/drawing/2010/main">
-                <a:solidFill>
-                  <a:srgbClr val="FFFFFF"/>
-                </a:solidFill>
-              </a14:hiddenFill>
-            </a:ext>
-          </a:extLst>
-        </p:spPr>
-        <p:txBody>
-          <a:bodyPr vert="horz" wrap="square" lIns="91440" tIns="45720" rIns="91440" bIns="45720" numCol="1" anchor="t" anchorCtr="0" compatLnSpc="1">
-            <a:prstTxWarp prst="textNoShape">
-              <a:avLst/>
-            </a:prstTxWarp>
-          </a:bodyPr>
-          <a:lstStyle/>
-          <a:p>
-            <a:endParaRPr lang="pt-BR"/>
-          </a:p>
-        </p:txBody>
-      </p:sp>
-      <p:sp>
-        <p:nvSpPr>
-          <p:cNvPr id="5" name="AutoShape 12" descr="Resultado de imagem para viatura icone"/>
-          <p:cNvSpPr>
-            <a:spLocks noChangeAspect="1" noChangeArrowheads="1"/>
-          </p:cNvSpPr>
-          <p:nvPr/>
-        </p:nvSpPr>
-        <p:spPr bwMode="auto">
-          <a:xfrm>
-            <a:off x="460375" y="160337"/>
-            <a:ext cx="304800" cy="304801"/>
-          </a:xfrm>
-          <a:prstGeom prst="rect">
-            <a:avLst/>
-          </a:prstGeom>
-          <a:noFill/>
-          <a:extLst>
-            <a:ext uri="{909E8E84-426E-40DD-AFC4-6F175D3DCCD1}">
-              <a14:hiddenFill xmlns:a14="http://schemas.microsoft.com/office/drawing/2010/main">
-                <a:solidFill>
-                  <a:srgbClr val="FFFFFF"/>
-                </a:solidFill>
-              </a14:hiddenFill>
-            </a:ext>
-          </a:extLst>
-        </p:spPr>
-        <p:txBody>
-          <a:bodyPr vert="horz" wrap="square" lIns="91440" tIns="45720" rIns="91440" bIns="45720" numCol="1" anchor="t" anchorCtr="0" compatLnSpc="1">
-            <a:prstTxWarp prst="textNoShape">
-              <a:avLst/>
-            </a:prstTxWarp>
-          </a:bodyPr>
-          <a:lstStyle/>
-          <a:p>
-            <a:endParaRPr lang="pt-BR"/>
-          </a:p>
-        </p:txBody>
-      </p:sp>
-      <p:pic>
-        <p:nvPicPr>
-          <p:cNvPr id="2061" name="Picture 13"/>
-          <p:cNvPicPr>
-            <a:picLocks noChangeAspect="1" noChangeArrowheads="1"/>
-          </p:cNvPicPr>
-          <p:nvPr/>
-        </p:nvPicPr>
-        <p:blipFill>
-          <a:blip r:embed="rId7">
-            <a:extLst>
-              <a:ext uri="{28A0092B-C50C-407E-A947-70E740481C1C}">
-                <a14:useLocalDpi xmlns:a14="http://schemas.microsoft.com/office/drawing/2010/main" val="0"/>
-              </a:ext>
-            </a:extLst>
-          </a:blip>
-          <a:srcRect/>
-          <a:stretch>
-            <a:fillRect/>
-          </a:stretch>
-        </p:blipFill>
-        <p:spPr bwMode="auto">
-          <a:xfrm>
-            <a:off x="3344859" y="2846221"/>
-            <a:ext cx="1573347" cy="1573347"/>
-          </a:xfrm>
-          <a:prstGeom prst="rect">
-            <a:avLst/>
-          </a:prstGeom>
-          <a:noFill/>
-          <a:ln>
-            <a:noFill/>
-          </a:ln>
-          <a:effectLst/>
-          <a:extLst>
-            <a:ext uri="{909E8E84-426E-40DD-AFC4-6F175D3DCCD1}">
-              <a14:hiddenFill xmlns:a14="http://schemas.microsoft.com/office/drawing/2010/main">
-                <a:solidFill>
-                  <a:schemeClr val="accent1"/>
-                </a:solidFill>
-              </a14:hiddenFill>
-            </a:ext>
-            <a:ext uri="{91240B29-F687-4F45-9708-019B960494DF}">
-              <a14:hiddenLine xmlns:a14="http://schemas.microsoft.com/office/drawing/2010/main" w="9525">
-                <a:solidFill>
-                  <a:schemeClr val="tx1"/>
-                </a:solidFill>
-                <a:miter lim="800000"/>
-                <a:headEnd/>
-                <a:tailEnd/>
-              </a14:hiddenLine>
-            </a:ext>
-            <a:ext uri="{AF507438-7753-43E0-B8FC-AC1667EBCBE1}">
-              <a14:hiddenEffects xmlns:a14="http://schemas.microsoft.com/office/drawing/2010/main">
-                <a:effectLst>
-                  <a:outerShdw dist="35921" dir="2700000" algn="ctr" rotWithShape="0">
-                    <a:schemeClr val="bg2"/>
-                  </a:outerShdw>
-                </a:effectLst>
-              </a14:hiddenEffects>
-            </a:ext>
-          </a:extLst>
-        </p:spPr>
-      </p:pic>
-      <p:pic>
-        <p:nvPicPr>
-          <p:cNvPr id="2063" name="Picture 15" descr="Resultado de imagem para ladrao icone"/>
-          <p:cNvPicPr>
-            <a:picLocks noChangeAspect="1" noChangeArrowheads="1"/>
-          </p:cNvPicPr>
-          <p:nvPr/>
-        </p:nvPicPr>
-        <p:blipFill>
-          <a:blip r:embed="rId8" cstate="print">
-            <a:extLst>
-              <a:ext uri="{28A0092B-C50C-407E-A947-70E740481C1C}">
-                <a14:useLocalDpi xmlns:a14="http://schemas.microsoft.com/office/drawing/2010/main" val="0"/>
-              </a:ext>
-            </a:extLst>
-          </a:blip>
-          <a:srcRect/>
-          <a:stretch>
-            <a:fillRect/>
-          </a:stretch>
-        </p:blipFill>
-        <p:spPr bwMode="auto">
-          <a:xfrm>
-            <a:off x="3527974" y="1065005"/>
-            <a:ext cx="1453423" cy="1453423"/>
-          </a:xfrm>
-          <a:prstGeom prst="rect">
-            <a:avLst/>
-          </a:prstGeom>
-          <a:noFill/>
-          <a:extLst>
-            <a:ext uri="{909E8E84-426E-40DD-AFC4-6F175D3DCCD1}">
-              <a14:hiddenFill xmlns:a14="http://schemas.microsoft.com/office/drawing/2010/main">
-                <a:solidFill>
-                  <a:srgbClr val="FFFFFF"/>
-                </a:solidFill>
-              </a14:hiddenFill>
-            </a:ext>
-          </a:extLst>
-        </p:spPr>
-      </p:pic>
-      <p:pic>
-        <p:nvPicPr>
-          <p:cNvPr id="2064" name="Picture 16"/>
-          <p:cNvPicPr>
-            <a:picLocks noChangeAspect="1" noChangeArrowheads="1"/>
-          </p:cNvPicPr>
-          <p:nvPr/>
-        </p:nvPicPr>
-        <p:blipFill>
-          <a:blip r:embed="rId9">
-            <a:extLst>
-              <a:ext uri="{28A0092B-C50C-407E-A947-70E740481C1C}">
-                <a14:useLocalDpi xmlns:a14="http://schemas.microsoft.com/office/drawing/2010/main" val="0"/>
-              </a:ext>
-            </a:extLst>
-          </a:blip>
-          <a:srcRect/>
-          <a:stretch>
-            <a:fillRect/>
-          </a:stretch>
-        </p:blipFill>
-        <p:spPr bwMode="auto">
-          <a:xfrm>
-            <a:off x="5956259" y="1146692"/>
-            <a:ext cx="1762125" cy="1476375"/>
-          </a:xfrm>
-          <a:prstGeom prst="rect">
-            <a:avLst/>
-          </a:prstGeom>
-          <a:noFill/>
-          <a:ln>
-            <a:noFill/>
-          </a:ln>
-          <a:effectLst/>
-          <a:extLst>
-            <a:ext uri="{909E8E84-426E-40DD-AFC4-6F175D3DCCD1}">
-              <a14:hiddenFill xmlns:a14="http://schemas.microsoft.com/office/drawing/2010/main">
-                <a:solidFill>
-                  <a:schemeClr val="accent1"/>
-                </a:solidFill>
-              </a14:hiddenFill>
-            </a:ext>
-            <a:ext uri="{91240B29-F687-4F45-9708-019B960494DF}">
-              <a14:hiddenLine xmlns:a14="http://schemas.microsoft.com/office/drawing/2010/main" w="9525">
-                <a:solidFill>
-                  <a:schemeClr val="tx1"/>
-                </a:solidFill>
-                <a:miter lim="800000"/>
-                <a:headEnd/>
-                <a:tailEnd/>
-              </a14:hiddenLine>
-            </a:ext>
-            <a:ext uri="{AF507438-7753-43E0-B8FC-AC1667EBCBE1}">
-              <a14:hiddenEffects xmlns:a14="http://schemas.microsoft.com/office/drawing/2010/main">
-                <a:effectLst>
-                  <a:outerShdw dist="35921" dir="2700000" algn="ctr" rotWithShape="0">
-                    <a:schemeClr val="bg2"/>
-                  </a:outerShdw>
-                </a:effectLst>
-              </a14:hiddenEffects>
-            </a:ext>
-          </a:extLst>
-        </p:spPr>
-      </p:pic>
-      <p:pic>
-        <p:nvPicPr>
-          <p:cNvPr id="2065" name="Picture 17"/>
-          <p:cNvPicPr>
-            <a:picLocks noChangeAspect="1" noChangeArrowheads="1"/>
-          </p:cNvPicPr>
-          <p:nvPr/>
-        </p:nvPicPr>
-        <p:blipFill>
-          <a:blip r:embed="rId10" cstate="print">
-            <a:extLst>
-              <a:ext uri="{28A0092B-C50C-407E-A947-70E740481C1C}">
-                <a14:useLocalDpi xmlns:a14="http://schemas.microsoft.com/office/drawing/2010/main" val="0"/>
-              </a:ext>
-            </a:extLst>
-          </a:blip>
-          <a:srcRect/>
-          <a:stretch>
-            <a:fillRect/>
-          </a:stretch>
-        </p:blipFill>
-        <p:spPr bwMode="auto">
-          <a:xfrm>
-            <a:off x="6384323" y="3434116"/>
-            <a:ext cx="1096654" cy="1223191"/>
-          </a:xfrm>
-          <a:prstGeom prst="rect">
-            <a:avLst/>
-          </a:prstGeom>
-          <a:noFill/>
-          <a:ln>
-            <a:noFill/>
-          </a:ln>
-          <a:effectLst/>
-          <a:extLst>
-            <a:ext uri="{909E8E84-426E-40DD-AFC4-6F175D3DCCD1}">
-              <a14:hiddenFill xmlns:a14="http://schemas.microsoft.com/office/drawing/2010/main">
-                <a:solidFill>
-                  <a:schemeClr val="accent1"/>
-                </a:solidFill>
-              </a14:hiddenFill>
-            </a:ext>
-            <a:ext uri="{91240B29-F687-4F45-9708-019B960494DF}">
-              <a14:hiddenLine xmlns:a14="http://schemas.microsoft.com/office/drawing/2010/main" w="9525">
-                <a:solidFill>
-                  <a:schemeClr val="tx1"/>
-                </a:solidFill>
-                <a:miter lim="800000"/>
-                <a:headEnd/>
-                <a:tailEnd/>
-              </a14:hiddenLine>
-            </a:ext>
-            <a:ext uri="{AF507438-7753-43E0-B8FC-AC1667EBCBE1}">
-              <a14:hiddenEffects xmlns:a14="http://schemas.microsoft.com/office/drawing/2010/main">
-                <a:effectLst>
-                  <a:outerShdw dist="35921" dir="2700000" algn="ctr" rotWithShape="0">
-                    <a:schemeClr val="bg2"/>
-                  </a:outerShdw>
-                </a:effectLst>
-              </a14:hiddenEffects>
-            </a:ext>
-          </a:extLst>
-        </p:spPr>
-      </p:pic>
-      <p:sp>
-        <p:nvSpPr>
-          <p:cNvPr id="10" name="Seta para baixo 9"/>
-          <p:cNvSpPr/>
-          <p:nvPr/>
-        </p:nvSpPr>
-        <p:spPr>
-          <a:xfrm>
-            <a:off x="1189215" y="3254171"/>
-            <a:ext cx="259308" cy="605841"/>
-          </a:xfrm>
-          <a:prstGeom prst="downArrow">
-            <a:avLst/>
-          </a:prstGeom>
-        </p:spPr>
-        <p:style>
-          <a:lnRef idx="2">
-            <a:schemeClr val="accent1">
-              <a:shade val="50000"/>
-            </a:schemeClr>
-          </a:lnRef>
-          <a:fillRef idx="1">
-            <a:schemeClr val="accent1"/>
-          </a:fillRef>
-          <a:effectRef idx="0">
-            <a:schemeClr val="accent1"/>
-          </a:effectRef>
-          <a:fontRef idx="minor">
-            <a:schemeClr val="lt1"/>
-          </a:fontRef>
-        </p:style>
-        <p:txBody>
-          <a:bodyPr rtlCol="0" anchor="ctr"/>
-          <a:lstStyle/>
-          <a:p>
-            <a:pPr algn="ctr"/>
-            <a:endParaRPr lang="pt-BR"/>
-          </a:p>
-        </p:txBody>
-      </p:sp>
-      <p:sp>
-        <p:nvSpPr>
-          <p:cNvPr id="19" name="Seta para baixo 18"/>
-          <p:cNvSpPr/>
-          <p:nvPr/>
-        </p:nvSpPr>
-        <p:spPr>
-          <a:xfrm>
-            <a:off x="6802996" y="2680362"/>
-            <a:ext cx="259308" cy="605841"/>
-          </a:xfrm>
-          <a:prstGeom prst="downArrow">
-            <a:avLst/>
-          </a:prstGeom>
-        </p:spPr>
-        <p:style>
-          <a:lnRef idx="2">
-            <a:schemeClr val="accent1">
-              <a:shade val="50000"/>
-            </a:schemeClr>
-          </a:lnRef>
-          <a:fillRef idx="1">
-            <a:schemeClr val="accent1"/>
-          </a:fillRef>
-          <a:effectRef idx="0">
-            <a:schemeClr val="accent1"/>
-          </a:effectRef>
-          <a:fontRef idx="minor">
-            <a:schemeClr val="lt1"/>
-          </a:fontRef>
-        </p:style>
-        <p:txBody>
-          <a:bodyPr rtlCol="0" anchor="ctr"/>
-          <a:lstStyle/>
-          <a:p>
-            <a:pPr algn="ctr"/>
-            <a:endParaRPr lang="pt-BR"/>
-          </a:p>
-        </p:txBody>
-      </p:sp>
-      <p:sp>
-        <p:nvSpPr>
-          <p:cNvPr id="11" name="Seta para cima 10"/>
-          <p:cNvSpPr/>
-          <p:nvPr/>
-        </p:nvSpPr>
-        <p:spPr>
-          <a:xfrm>
-            <a:off x="3981407" y="4387291"/>
-            <a:ext cx="300250" cy="704673"/>
-          </a:xfrm>
-          <a:prstGeom prst="upArrow">
-            <a:avLst/>
-          </a:prstGeom>
-        </p:spPr>
-        <p:style>
-          <a:lnRef idx="2">
-            <a:schemeClr val="accent1">
-              <a:shade val="50000"/>
-            </a:schemeClr>
-          </a:lnRef>
-          <a:fillRef idx="1">
-            <a:schemeClr val="accent1"/>
-          </a:fillRef>
-          <a:effectRef idx="0">
-            <a:schemeClr val="accent1"/>
-          </a:effectRef>
-          <a:fontRef idx="minor">
-            <a:schemeClr val="lt1"/>
-          </a:fontRef>
-        </p:style>
-        <p:txBody>
-          <a:bodyPr rtlCol="0" anchor="ctr"/>
-          <a:lstStyle/>
-          <a:p>
-            <a:pPr algn="ctr"/>
-            <a:endParaRPr lang="pt-BR"/>
-          </a:p>
-        </p:txBody>
-      </p:sp>
-      <p:sp>
-        <p:nvSpPr>
-          <p:cNvPr id="13" name="Seta para a direita 12"/>
-          <p:cNvSpPr/>
-          <p:nvPr/>
-        </p:nvSpPr>
-        <p:spPr>
-          <a:xfrm>
-            <a:off x="2402006" y="5653971"/>
-            <a:ext cx="791570" cy="292653"/>
-          </a:xfrm>
-          <a:prstGeom prst="rightArrow">
-            <a:avLst/>
-          </a:prstGeom>
-        </p:spPr>
-        <p:style>
-          <a:lnRef idx="2">
-            <a:schemeClr val="accent1">
-              <a:shade val="50000"/>
-            </a:schemeClr>
-          </a:lnRef>
-          <a:fillRef idx="1">
-            <a:schemeClr val="accent1"/>
-          </a:fillRef>
-          <a:effectRef idx="0">
-            <a:schemeClr val="accent1"/>
-          </a:effectRef>
-          <a:fontRef idx="minor">
-            <a:schemeClr val="lt1"/>
-          </a:fontRef>
-        </p:style>
-        <p:txBody>
-          <a:bodyPr rtlCol="0" anchor="ctr"/>
-          <a:lstStyle/>
-          <a:p>
-            <a:pPr algn="ctr"/>
-            <a:endParaRPr lang="pt-BR"/>
-          </a:p>
-        </p:txBody>
-      </p:sp>
-      <p:sp>
-        <p:nvSpPr>
-          <p:cNvPr id="23" name="Seta para a direita 22"/>
-          <p:cNvSpPr/>
-          <p:nvPr/>
-        </p:nvSpPr>
-        <p:spPr>
-          <a:xfrm>
-            <a:off x="4981397" y="1720959"/>
-            <a:ext cx="791570" cy="292653"/>
-          </a:xfrm>
-          <a:prstGeom prst="rightArrow">
-            <a:avLst/>
-          </a:prstGeom>
-        </p:spPr>
-        <p:style>
-          <a:lnRef idx="2">
-            <a:schemeClr val="accent1">
-              <a:shade val="50000"/>
-            </a:schemeClr>
-          </a:lnRef>
-          <a:fillRef idx="1">
-            <a:schemeClr val="accent1"/>
-          </a:fillRef>
-          <a:effectRef idx="0">
-            <a:schemeClr val="accent1"/>
-          </a:effectRef>
-          <a:fontRef idx="minor">
-            <a:schemeClr val="lt1"/>
-          </a:fontRef>
-        </p:style>
-        <p:txBody>
-          <a:bodyPr rtlCol="0" anchor="ctr"/>
-          <a:lstStyle/>
-          <a:p>
-            <a:pPr algn="ctr"/>
-            <a:endParaRPr lang="pt-BR"/>
-          </a:p>
-        </p:txBody>
-      </p:sp>
-      <p:sp>
-        <p:nvSpPr>
-          <p:cNvPr id="24" name="Seta para cima 23"/>
-          <p:cNvSpPr/>
-          <p:nvPr/>
-        </p:nvSpPr>
-        <p:spPr>
-          <a:xfrm>
-            <a:off x="3983682" y="2493884"/>
-            <a:ext cx="300250" cy="704673"/>
-          </a:xfrm>
-          <a:prstGeom prst="upArrow">
-            <a:avLst/>
-          </a:prstGeom>
-        </p:spPr>
-        <p:style>
-          <a:lnRef idx="2">
-            <a:schemeClr val="accent1">
-              <a:shade val="50000"/>
-            </a:schemeClr>
-          </a:lnRef>
-          <a:fillRef idx="1">
-            <a:schemeClr val="accent1"/>
-          </a:fillRef>
-          <a:effectRef idx="0">
-            <a:schemeClr val="accent1"/>
-          </a:effectRef>
-          <a:fontRef idx="minor">
-            <a:schemeClr val="lt1"/>
-          </a:fontRef>
-        </p:style>
-        <p:txBody>
-          <a:bodyPr rtlCol="0" anchor="ctr"/>
-          <a:lstStyle/>
-          <a:p>
-            <a:pPr algn="ctr"/>
-            <a:endParaRPr lang="pt-BR"/>
-          </a:p>
-        </p:txBody>
-      </p:sp>
-      <p:pic>
-        <p:nvPicPr>
-          <p:cNvPr id="2066" name="Picture 18"/>
-          <p:cNvPicPr>
-            <a:picLocks noChangeAspect="1" noChangeArrowheads="1"/>
-          </p:cNvPicPr>
-          <p:nvPr/>
-        </p:nvPicPr>
-        <p:blipFill>
-          <a:blip r:embed="rId11">
-            <a:extLst>
-              <a:ext uri="{28A0092B-C50C-407E-A947-70E740481C1C}">
-                <a14:useLocalDpi xmlns:a14="http://schemas.microsoft.com/office/drawing/2010/main" val="0"/>
-              </a:ext>
-            </a:extLst>
-          </a:blip>
-          <a:srcRect/>
-          <a:stretch>
-            <a:fillRect/>
-          </a:stretch>
-        </p:blipFill>
-        <p:spPr bwMode="auto">
-          <a:xfrm>
-            <a:off x="6317796" y="5337995"/>
-            <a:ext cx="1400175" cy="1285875"/>
-          </a:xfrm>
-          <a:prstGeom prst="rect">
-            <a:avLst/>
-          </a:prstGeom>
-          <a:noFill/>
-          <a:ln>
-            <a:noFill/>
-          </a:ln>
-          <a:effectLst/>
-          <a:extLst>
-            <a:ext uri="{909E8E84-426E-40DD-AFC4-6F175D3DCCD1}">
-              <a14:hiddenFill xmlns:a14="http://schemas.microsoft.com/office/drawing/2010/main">
-                <a:solidFill>
-                  <a:schemeClr val="accent1"/>
-                </a:solidFill>
-              </a14:hiddenFill>
-            </a:ext>
-            <a:ext uri="{91240B29-F687-4F45-9708-019B960494DF}">
-              <a14:hiddenLine xmlns:a14="http://schemas.microsoft.com/office/drawing/2010/main" w="9525">
-                <a:solidFill>
-                  <a:schemeClr val="tx1"/>
-                </a:solidFill>
-                <a:miter lim="800000"/>
-                <a:headEnd/>
-                <a:tailEnd/>
-              </a14:hiddenLine>
-            </a:ext>
-            <a:ext uri="{AF507438-7753-43E0-B8FC-AC1667EBCBE1}">
-              <a14:hiddenEffects xmlns:a14="http://schemas.microsoft.com/office/drawing/2010/main">
-                <a:effectLst>
-                  <a:outerShdw dist="35921" dir="2700000" algn="ctr" rotWithShape="0">
-                    <a:schemeClr val="bg2"/>
-                  </a:outerShdw>
-                </a:effectLst>
-              </a14:hiddenEffects>
-            </a:ext>
-          </a:extLst>
-        </p:spPr>
-      </p:pic>
-      <p:pic>
-        <p:nvPicPr>
-          <p:cNvPr id="2067" name="Picture 19"/>
-          <p:cNvPicPr>
-            <a:picLocks noChangeAspect="1" noChangeArrowheads="1"/>
-          </p:cNvPicPr>
-          <p:nvPr/>
-        </p:nvPicPr>
-        <p:blipFill>
-          <a:blip r:embed="rId12">
-            <a:extLst>
-              <a:ext uri="{28A0092B-C50C-407E-A947-70E740481C1C}">
-                <a14:useLocalDpi xmlns:a14="http://schemas.microsoft.com/office/drawing/2010/main" val="0"/>
-              </a:ext>
-            </a:extLst>
-          </a:blip>
-          <a:srcRect/>
-          <a:stretch>
-            <a:fillRect/>
-          </a:stretch>
-        </p:blipFill>
-        <p:spPr bwMode="auto">
-          <a:xfrm>
-            <a:off x="9093464" y="3286203"/>
-            <a:ext cx="1476376" cy="995363"/>
-          </a:xfrm>
-          <a:prstGeom prst="rect">
-            <a:avLst/>
-          </a:prstGeom>
-          <a:noFill/>
-          <a:ln>
-            <a:noFill/>
-          </a:ln>
-          <a:effectLst/>
-          <a:extLst>
-            <a:ext uri="{909E8E84-426E-40DD-AFC4-6F175D3DCCD1}">
-              <a14:hiddenFill xmlns:a14="http://schemas.microsoft.com/office/drawing/2010/main">
-                <a:solidFill>
-                  <a:schemeClr val="accent1"/>
-                </a:solidFill>
-              </a14:hiddenFill>
-            </a:ext>
-            <a:ext uri="{91240B29-F687-4F45-9708-019B960494DF}">
-              <a14:hiddenLine xmlns:a14="http://schemas.microsoft.com/office/drawing/2010/main" w="9525">
-                <a:solidFill>
-                  <a:schemeClr val="tx1"/>
-                </a:solidFill>
-                <a:miter lim="800000"/>
-                <a:headEnd/>
-                <a:tailEnd/>
-              </a14:hiddenLine>
-            </a:ext>
-            <a:ext uri="{AF507438-7753-43E0-B8FC-AC1667EBCBE1}">
-              <a14:hiddenEffects xmlns:a14="http://schemas.microsoft.com/office/drawing/2010/main">
-                <a:effectLst>
-                  <a:outerShdw dist="35921" dir="2700000" algn="ctr" rotWithShape="0">
-                    <a:schemeClr val="bg2"/>
-                  </a:outerShdw>
-                </a:effectLst>
-              </a14:hiddenEffects>
-            </a:ext>
-          </a:extLst>
-        </p:spPr>
-      </p:pic>
-      <p:sp>
-        <p:nvSpPr>
-          <p:cNvPr id="14" name="AutoShape 21" descr="Resultado de imagem para planilha icone"/>
-          <p:cNvSpPr>
-            <a:spLocks noChangeAspect="1" noChangeArrowheads="1"/>
-          </p:cNvSpPr>
-          <p:nvPr/>
-        </p:nvSpPr>
-        <p:spPr bwMode="auto">
-          <a:xfrm>
-            <a:off x="612775" y="312737"/>
-            <a:ext cx="304800" cy="304801"/>
-          </a:xfrm>
-          <a:prstGeom prst="rect">
-            <a:avLst/>
-          </a:prstGeom>
-          <a:noFill/>
-          <a:extLst>
-            <a:ext uri="{909E8E84-426E-40DD-AFC4-6F175D3DCCD1}">
-              <a14:hiddenFill xmlns:a14="http://schemas.microsoft.com/office/drawing/2010/main">
-                <a:solidFill>
-                  <a:srgbClr val="FFFFFF"/>
-                </a:solidFill>
-              </a14:hiddenFill>
-            </a:ext>
-          </a:extLst>
-        </p:spPr>
-        <p:txBody>
-          <a:bodyPr vert="horz" wrap="square" lIns="91440" tIns="45720" rIns="91440" bIns="45720" numCol="1" anchor="t" anchorCtr="0" compatLnSpc="1">
-            <a:prstTxWarp prst="textNoShape">
-              <a:avLst/>
-            </a:prstTxWarp>
-          </a:bodyPr>
-          <a:lstStyle/>
-          <a:p>
-            <a:endParaRPr lang="pt-BR"/>
-          </a:p>
-        </p:txBody>
-      </p:sp>
-      <p:pic>
-        <p:nvPicPr>
-          <p:cNvPr id="2070" name="Picture 22"/>
-          <p:cNvPicPr>
-            <a:picLocks noChangeAspect="1" noChangeArrowheads="1"/>
-          </p:cNvPicPr>
-          <p:nvPr/>
-        </p:nvPicPr>
-        <p:blipFill>
-          <a:blip r:embed="rId13">
-            <a:extLst>
-              <a:ext uri="{28A0092B-C50C-407E-A947-70E740481C1C}">
-                <a14:useLocalDpi xmlns:a14="http://schemas.microsoft.com/office/drawing/2010/main" val="0"/>
-              </a:ext>
-            </a:extLst>
-          </a:blip>
-          <a:srcRect/>
-          <a:stretch>
-            <a:fillRect/>
-          </a:stretch>
-        </p:blipFill>
-        <p:spPr bwMode="auto">
-          <a:xfrm>
-            <a:off x="9210197" y="1217775"/>
-            <a:ext cx="1071563" cy="1071563"/>
-          </a:xfrm>
-          <a:prstGeom prst="rect">
-            <a:avLst/>
-          </a:prstGeom>
-          <a:noFill/>
-          <a:ln>
-            <a:noFill/>
-          </a:ln>
-          <a:effectLst/>
-          <a:extLst>
-            <a:ext uri="{909E8E84-426E-40DD-AFC4-6F175D3DCCD1}">
-              <a14:hiddenFill xmlns:a14="http://schemas.microsoft.com/office/drawing/2010/main">
-                <a:solidFill>
-                  <a:schemeClr val="accent1"/>
-                </a:solidFill>
-              </a14:hiddenFill>
-            </a:ext>
-            <a:ext uri="{91240B29-F687-4F45-9708-019B960494DF}">
-              <a14:hiddenLine xmlns:a14="http://schemas.microsoft.com/office/drawing/2010/main" w="9525">
-                <a:solidFill>
-                  <a:schemeClr val="tx1"/>
-                </a:solidFill>
-                <a:miter lim="800000"/>
-                <a:headEnd/>
-                <a:tailEnd/>
-              </a14:hiddenLine>
-            </a:ext>
-            <a:ext uri="{AF507438-7753-43E0-B8FC-AC1667EBCBE1}">
-              <a14:hiddenEffects xmlns:a14="http://schemas.microsoft.com/office/drawing/2010/main">
-                <a:effectLst>
-                  <a:outerShdw dist="35921" dir="2700000" algn="ctr" rotWithShape="0">
-                    <a:schemeClr val="bg2"/>
-                  </a:outerShdw>
-                </a:effectLst>
-              </a14:hiddenEffects>
-            </a:ext>
-          </a:extLst>
-        </p:spPr>
-      </p:pic>
-      <p:pic>
-        <p:nvPicPr>
-          <p:cNvPr id="2071" name="Picture 23"/>
-          <p:cNvPicPr>
-            <a:picLocks noChangeAspect="1" noChangeArrowheads="1"/>
-          </p:cNvPicPr>
-          <p:nvPr/>
-        </p:nvPicPr>
-        <p:blipFill>
-          <a:blip r:embed="rId14" cstate="print">
-            <a:extLst>
-              <a:ext uri="{28A0092B-C50C-407E-A947-70E740481C1C}">
-                <a14:useLocalDpi xmlns:a14="http://schemas.microsoft.com/office/drawing/2010/main" val="0"/>
-              </a:ext>
-            </a:extLst>
-          </a:blip>
-          <a:srcRect/>
-          <a:stretch>
-            <a:fillRect/>
-          </a:stretch>
-        </p:blipFill>
-        <p:spPr bwMode="auto">
-          <a:xfrm>
-            <a:off x="9346269" y="5363165"/>
-            <a:ext cx="967811" cy="1283530"/>
-          </a:xfrm>
-          <a:prstGeom prst="rect">
-            <a:avLst/>
-          </a:prstGeom>
-          <a:noFill/>
-          <a:ln>
-            <a:noFill/>
-          </a:ln>
-          <a:effectLst/>
-          <a:extLst>
-            <a:ext uri="{909E8E84-426E-40DD-AFC4-6F175D3DCCD1}">
-              <a14:hiddenFill xmlns:a14="http://schemas.microsoft.com/office/drawing/2010/main">
-                <a:solidFill>
-                  <a:schemeClr val="accent1"/>
-                </a:solidFill>
-              </a14:hiddenFill>
-            </a:ext>
-            <a:ext uri="{91240B29-F687-4F45-9708-019B960494DF}">
-              <a14:hiddenLine xmlns:a14="http://schemas.microsoft.com/office/drawing/2010/main" w="9525">
-                <a:solidFill>
-                  <a:schemeClr val="tx1"/>
-                </a:solidFill>
-                <a:miter lim="800000"/>
-                <a:headEnd/>
-                <a:tailEnd/>
-              </a14:hiddenLine>
-            </a:ext>
-            <a:ext uri="{AF507438-7753-43E0-B8FC-AC1667EBCBE1}">
-              <a14:hiddenEffects xmlns:a14="http://schemas.microsoft.com/office/drawing/2010/main">
-                <a:effectLst>
-                  <a:outerShdw dist="35921" dir="2700000" algn="ctr" rotWithShape="0">
-                    <a:schemeClr val="bg2"/>
-                  </a:outerShdw>
-                </a:effectLst>
-              </a14:hiddenEffects>
-            </a:ext>
-          </a:extLst>
-        </p:spPr>
-      </p:pic>
-      <p:sp>
-        <p:nvSpPr>
-          <p:cNvPr id="30" name="Seta para cima 29"/>
-          <p:cNvSpPr/>
-          <p:nvPr/>
-        </p:nvSpPr>
-        <p:spPr>
-          <a:xfrm>
-            <a:off x="9681527" y="4356108"/>
-            <a:ext cx="300250" cy="704673"/>
-          </a:xfrm>
-          <a:prstGeom prst="upArrow">
-            <a:avLst/>
-          </a:prstGeom>
-        </p:spPr>
-        <p:style>
-          <a:lnRef idx="2">
-            <a:schemeClr val="accent1">
-              <a:shade val="50000"/>
-            </a:schemeClr>
-          </a:lnRef>
-          <a:fillRef idx="1">
-            <a:schemeClr val="accent1"/>
-          </a:fillRef>
-          <a:effectRef idx="0">
-            <a:schemeClr val="accent1"/>
-          </a:effectRef>
-          <a:fontRef idx="minor">
-            <a:schemeClr val="lt1"/>
-          </a:fontRef>
-        </p:style>
-        <p:txBody>
-          <a:bodyPr rtlCol="0" anchor="ctr"/>
-          <a:lstStyle/>
-          <a:p>
-            <a:pPr algn="ctr"/>
-            <a:endParaRPr lang="pt-BR"/>
-          </a:p>
-        </p:txBody>
-      </p:sp>
-      <p:sp>
-        <p:nvSpPr>
-          <p:cNvPr id="31" name="Seta para cima 30"/>
-          <p:cNvSpPr/>
-          <p:nvPr/>
-        </p:nvSpPr>
-        <p:spPr>
-          <a:xfrm>
-            <a:off x="9650445" y="2300060"/>
-            <a:ext cx="300250" cy="704673"/>
-          </a:xfrm>
-          <a:prstGeom prst="upArrow">
-            <a:avLst/>
-          </a:prstGeom>
-        </p:spPr>
-        <p:style>
-          <a:lnRef idx="2">
-            <a:schemeClr val="accent1">
-              <a:shade val="50000"/>
-            </a:schemeClr>
-          </a:lnRef>
-          <a:fillRef idx="1">
-            <a:schemeClr val="accent1"/>
-          </a:fillRef>
-          <a:effectRef idx="0">
-            <a:schemeClr val="accent1"/>
-          </a:effectRef>
-          <a:fontRef idx="minor">
-            <a:schemeClr val="lt1"/>
-          </a:fontRef>
-        </p:style>
-        <p:txBody>
-          <a:bodyPr rtlCol="0" anchor="ctr"/>
-          <a:lstStyle/>
-          <a:p>
-            <a:pPr algn="ctr"/>
-            <a:endParaRPr lang="pt-BR"/>
-          </a:p>
-        </p:txBody>
-      </p:sp>
-      <p:sp>
-        <p:nvSpPr>
-          <p:cNvPr id="32" name="Seta para a direita 31"/>
-          <p:cNvSpPr/>
-          <p:nvPr/>
-        </p:nvSpPr>
-        <p:spPr>
-          <a:xfrm>
-            <a:off x="8064424" y="5678441"/>
-            <a:ext cx="791570" cy="292653"/>
-          </a:xfrm>
-          <a:prstGeom prst="rightArrow">
-            <a:avLst/>
-          </a:prstGeom>
-        </p:spPr>
-        <p:style>
-          <a:lnRef idx="2">
-            <a:schemeClr val="accent1">
-              <a:shade val="50000"/>
-            </a:schemeClr>
-          </a:lnRef>
-          <a:fillRef idx="1">
-            <a:schemeClr val="accent1"/>
-          </a:fillRef>
-          <a:effectRef idx="0">
-            <a:schemeClr val="accent1"/>
-          </a:effectRef>
-          <a:fontRef idx="minor">
-            <a:schemeClr val="lt1"/>
-          </a:fontRef>
-        </p:style>
-        <p:txBody>
-          <a:bodyPr rtlCol="0" anchor="ctr"/>
-          <a:lstStyle/>
-          <a:p>
-            <a:pPr algn="ctr"/>
-            <a:endParaRPr lang="pt-BR"/>
-          </a:p>
-        </p:txBody>
-      </p:sp>
-      <p:sp>
-        <p:nvSpPr>
-          <p:cNvPr id="33" name="Seta para baixo 32"/>
-          <p:cNvSpPr/>
-          <p:nvPr/>
-        </p:nvSpPr>
-        <p:spPr>
-          <a:xfrm>
-            <a:off x="6751339" y="4708444"/>
-            <a:ext cx="259308" cy="605841"/>
-          </a:xfrm>
-          <a:prstGeom prst="downArrow">
-            <a:avLst/>
-          </a:prstGeom>
-        </p:spPr>
-        <p:style>
-          <a:lnRef idx="2">
-            <a:schemeClr val="accent1">
-              <a:shade val="50000"/>
-            </a:schemeClr>
-          </a:lnRef>
-          <a:fillRef idx="1">
-            <a:schemeClr val="accent1"/>
-          </a:fillRef>
-          <a:effectRef idx="0">
-            <a:schemeClr val="accent1"/>
-          </a:effectRef>
-          <a:fontRef idx="minor">
-            <a:schemeClr val="lt1"/>
-          </a:fontRef>
-        </p:style>
-        <p:txBody>
-          <a:bodyPr rtlCol="0" anchor="ctr"/>
-          <a:lstStyle/>
-          <a:p>
-            <a:pPr algn="ctr"/>
-            <a:endParaRPr lang="pt-BR"/>
-          </a:p>
-        </p:txBody>
-      </p:sp>
-      <p:sp>
-        <p:nvSpPr>
-          <p:cNvPr id="15" name="CaixaDeTexto 14"/>
-          <p:cNvSpPr txBox="1"/>
-          <p:nvPr/>
-        </p:nvSpPr>
-        <p:spPr>
-          <a:xfrm>
-            <a:off x="6329731" y="3187760"/>
-            <a:ext cx="1087670" cy="369332"/>
-          </a:xfrm>
-          <a:prstGeom prst="rect">
-            <a:avLst/>
-          </a:prstGeom>
-          <a:noFill/>
-        </p:spPr>
-        <p:txBody>
-          <a:bodyPr wrap="none" rtlCol="0">
-            <a:spAutoFit/>
-          </a:bodyPr>
-          <a:lstStyle/>
-          <a:p>
-            <a:r>
-              <a:rPr lang="pt-BR" dirty="0" smtClean="0"/>
-              <a:t>Delegacia</a:t>
-            </a:r>
-            <a:endParaRPr lang="pt-BR" dirty="0"/>
-          </a:p>
-        </p:txBody>
-      </p:sp>
-      <p:sp>
-        <p:nvSpPr>
-          <p:cNvPr id="35" name="CaixaDeTexto 34"/>
-          <p:cNvSpPr txBox="1"/>
-          <p:nvPr/>
-        </p:nvSpPr>
-        <p:spPr>
-          <a:xfrm>
-            <a:off x="9341213" y="2962150"/>
-            <a:ext cx="895502" cy="369332"/>
-          </a:xfrm>
-          <a:prstGeom prst="rect">
-            <a:avLst/>
-          </a:prstGeom>
-          <a:noFill/>
-        </p:spPr>
-        <p:txBody>
-          <a:bodyPr wrap="none" rtlCol="0">
-            <a:spAutoFit/>
-          </a:bodyPr>
-          <a:lstStyle/>
-          <a:p>
-            <a:r>
-              <a:rPr lang="pt-BR" dirty="0" smtClean="0"/>
-              <a:t>Quartel</a:t>
-            </a:r>
-            <a:endParaRPr lang="pt-BR" dirty="0"/>
-          </a:p>
-        </p:txBody>
-      </p:sp>
-      <p:sp>
-        <p:nvSpPr>
-          <p:cNvPr id="36" name="CaixaDeTexto 35"/>
-          <p:cNvSpPr txBox="1"/>
-          <p:nvPr/>
-        </p:nvSpPr>
-        <p:spPr>
-          <a:xfrm>
-            <a:off x="9137568" y="5014000"/>
-            <a:ext cx="1326004" cy="369332"/>
-          </a:xfrm>
-          <a:prstGeom prst="rect">
-            <a:avLst/>
-          </a:prstGeom>
-          <a:noFill/>
-        </p:spPr>
-        <p:txBody>
-          <a:bodyPr wrap="none" rtlCol="0">
-            <a:spAutoFit/>
-          </a:bodyPr>
-          <a:lstStyle/>
-          <a:p>
-            <a:r>
-              <a:rPr lang="pt-BR" dirty="0" smtClean="0"/>
-              <a:t>BO Validado</a:t>
-            </a:r>
-            <a:endParaRPr lang="pt-BR" dirty="0"/>
-          </a:p>
-        </p:txBody>
-      </p:sp>
     </p:spTree>
     <p:extLst>
       <p:ext uri="{BB962C8B-B14F-4D97-AF65-F5344CB8AC3E}">
-        <p14:creationId xmlns:p14="http://schemas.microsoft.com/office/powerpoint/2010/main" val="1145181432"/>
+        <p14:creationId xmlns:p14="http://schemas.microsoft.com/office/powerpoint/2010/main" val="3663226375"/>
       </p:ext>
     </p:extLst>
   </p:cSld>
@@ -11802,7 +10160,12 @@
             <p:ph type="title"/>
           </p:nvPr>
         </p:nvSpPr>
-        <p:spPr/>
+        <p:spPr>
+          <a:xfrm>
+            <a:off x="300551" y="1253863"/>
+            <a:ext cx="10515600" cy="1325563"/>
+          </a:xfrm>
+        </p:spPr>
         <p:txBody>
           <a:bodyPr/>
           <a:lstStyle/>
@@ -11810,145 +10173,56 @@
             <a:pPr algn="ctr"/>
             <a:r>
               <a:rPr lang="pt-BR" dirty="0" smtClean="0"/>
-              <a:t>Problemática</a:t>
-            </a:r>
-            <a:endParaRPr lang="pt-BR" dirty="0"/>
-          </a:p>
-        </p:txBody>
-      </p:sp>
-      <p:sp>
-        <p:nvSpPr>
-          <p:cNvPr id="3" name="Espaço Reservado para Conteúdo 2"/>
-          <p:cNvSpPr>
-            <a:spLocks noGrp="1"/>
-          </p:cNvSpPr>
-          <p:nvPr>
-            <p:ph idx="1"/>
-          </p:nvPr>
-        </p:nvSpPr>
-        <p:spPr/>
-        <p:txBody>
-          <a:bodyPr>
-            <a:normAutofit/>
-          </a:bodyPr>
-          <a:lstStyle/>
-          <a:p>
-            <a:pPr algn="just"/>
-            <a:r>
-              <a:rPr lang="pt-BR" sz="2800" dirty="0" smtClean="0"/>
-              <a:t>Procedimento demora muito.</a:t>
-            </a:r>
-          </a:p>
-          <a:p>
-            <a:pPr algn="just"/>
-            <a:r>
-              <a:rPr lang="pt-BR" sz="2800" dirty="0" smtClean="0"/>
-              <a:t>Falta interligação entre sistemas do COPOM(</a:t>
-            </a:r>
-            <a:r>
-              <a:rPr lang="pt-BR" sz="2800" dirty="0" err="1" smtClean="0"/>
-              <a:t>Ati</a:t>
-            </a:r>
-            <a:r>
-              <a:rPr lang="pt-BR" sz="2800" dirty="0" smtClean="0"/>
-              <a:t>), PM e Policia Civil.</a:t>
-            </a:r>
-          </a:p>
-          <a:p>
-            <a:pPr algn="just"/>
-            <a:r>
-              <a:rPr lang="pt-BR" sz="2800" dirty="0" smtClean="0"/>
-              <a:t>Muitos papeis de procedimentos e ocorrências (ocupa muito espaço físico).</a:t>
-            </a:r>
-          </a:p>
-          <a:p>
-            <a:pPr algn="just"/>
-            <a:r>
-              <a:rPr lang="pt-BR" sz="2800" dirty="0" smtClean="0"/>
-              <a:t>Dados estatísticos quase inexistentes.</a:t>
-            </a:r>
-          </a:p>
-          <a:p>
-            <a:pPr algn="just"/>
-            <a:r>
-              <a:rPr lang="pt-BR" sz="2800" dirty="0" smtClean="0"/>
-              <a:t>Muitos policiais para preencher planilhas com base nos boletins escritos à mão (em média 2 por batalhão);</a:t>
-            </a:r>
-          </a:p>
-          <a:p>
-            <a:pPr algn="just"/>
-            <a:r>
-              <a:rPr lang="pt-BR" sz="2800" dirty="0" smtClean="0"/>
-              <a:t>Muito ruído nos dados;</a:t>
-            </a:r>
-          </a:p>
-          <a:p>
-            <a:pPr algn="just"/>
-            <a:r>
-              <a:rPr lang="pt-BR" sz="2800" dirty="0" smtClean="0"/>
-              <a:t>IMPOSSÍVEL  MINERAR!</a:t>
-            </a:r>
-          </a:p>
-          <a:p>
-            <a:pPr algn="just"/>
-            <a:endParaRPr lang="pt-BR" sz="3200" dirty="0"/>
-          </a:p>
-          <a:p>
-            <a:pPr lvl="1" algn="just">
-              <a:buFont typeface="Courier New" panose="02070309020205020404" pitchFamily="49" charset="0"/>
-              <a:buChar char="o"/>
-            </a:pPr>
-            <a:endParaRPr lang="pt-BR" dirty="0" smtClean="0"/>
-          </a:p>
-          <a:p>
-            <a:pPr lvl="1" algn="just">
-              <a:buFont typeface="Courier New" panose="02070309020205020404" pitchFamily="49" charset="0"/>
-              <a:buChar char="o"/>
-            </a:pPr>
-            <a:endParaRPr lang="pt-BR" dirty="0" smtClean="0"/>
-          </a:p>
-          <a:p>
-            <a:pPr lvl="1" algn="just">
-              <a:buFont typeface="Courier New" panose="02070309020205020404" pitchFamily="49" charset="0"/>
-              <a:buChar char="o"/>
-            </a:pPr>
+              <a:t>4. Proposta </a:t>
+            </a:r>
             <a:endParaRPr lang="pt-BR" dirty="0"/>
           </a:p>
         </p:txBody>
       </p:sp>
       <p:pic>
         <p:nvPicPr>
-          <p:cNvPr id="8" name="Imagem 7"/>
+          <p:cNvPr id="3074" name="Picture 2" descr="Resultado de imagem para proposta icon"/>
           <p:cNvPicPr>
-            <a:picLocks noChangeAspect="1"/>
+            <a:picLocks noChangeAspect="1" noChangeArrowheads="1"/>
           </p:cNvPicPr>
           <p:nvPr/>
         </p:nvPicPr>
         <p:blipFill>
-          <a:blip r:embed="rId2" cstate="print">
+          <a:blip r:embed="rId2">
             <a:extLst>
               <a:ext uri="{28A0092B-C50C-407E-A947-70E740481C1C}">
                 <a14:useLocalDpi xmlns:a14="http://schemas.microsoft.com/office/drawing/2010/main" val="0"/>
               </a:ext>
             </a:extLst>
           </a:blip>
+          <a:srcRect/>
           <a:stretch>
             <a:fillRect/>
           </a:stretch>
         </p:blipFill>
-        <p:spPr>
-          <a:xfrm>
-            <a:off x="104916" y="98107"/>
-            <a:ext cx="1653512" cy="1168456"/>
+        <p:spPr bwMode="auto">
+          <a:xfrm>
+            <a:off x="4421875" y="2579426"/>
+            <a:ext cx="2702019" cy="2702019"/>
           </a:xfrm>
           <a:prstGeom prst="rect">
             <a:avLst/>
           </a:prstGeom>
+          <a:noFill/>
+          <a:extLst>
+            <a:ext uri="{909E8E84-426E-40DD-AFC4-6F175D3DCCD1}">
+              <a14:hiddenFill xmlns:a14="http://schemas.microsoft.com/office/drawing/2010/main">
+                <a:solidFill>
+                  <a:srgbClr val="FFFFFF"/>
+                </a:solidFill>
+              </a14:hiddenFill>
+            </a:ext>
+          </a:extLst>
         </p:spPr>
       </p:pic>
       <p:pic>
         <p:nvPicPr>
-          <p:cNvPr id="9" name="Imagem 8"/>
+          <p:cNvPr id="8" name="Imagem 7"/>
           <p:cNvPicPr>
             <a:picLocks noChangeAspect="1"/>
           </p:cNvPicPr>
@@ -11968,6 +10242,36 @@
         </p:blipFill>
         <p:spPr>
           <a:xfrm>
+            <a:off x="104916" y="98107"/>
+            <a:ext cx="1653512" cy="1168456"/>
+          </a:xfrm>
+          <a:prstGeom prst="rect">
+            <a:avLst/>
+          </a:prstGeom>
+        </p:spPr>
+      </p:pic>
+      <p:pic>
+        <p:nvPicPr>
+          <p:cNvPr id="9" name="Imagem 8"/>
+          <p:cNvPicPr>
+            <a:picLocks noChangeAspect="1"/>
+          </p:cNvPicPr>
+          <p:nvPr/>
+        </p:nvPicPr>
+        <p:blipFill>
+          <a:blip r:embed="rId4" cstate="print">
+            <a:extLst>
+              <a:ext uri="{28A0092B-C50C-407E-A947-70E740481C1C}">
+                <a14:useLocalDpi xmlns:a14="http://schemas.microsoft.com/office/drawing/2010/main" val="0"/>
+              </a:ext>
+            </a:extLst>
+          </a:blip>
+          <a:stretch>
+            <a:fillRect/>
+          </a:stretch>
+        </p:blipFill>
+        <p:spPr>
+          <a:xfrm>
             <a:off x="8894699" y="-16327"/>
             <a:ext cx="2326039" cy="1163019"/>
           </a:xfrm>
@@ -11977,11 +10281,6 @@
         </p:spPr>
       </p:pic>
     </p:spTree>
-    <p:extLst>
-      <p:ext uri="{BB962C8B-B14F-4D97-AF65-F5344CB8AC3E}">
-        <p14:creationId xmlns:p14="http://schemas.microsoft.com/office/powerpoint/2010/main" val="117740855"/>
-      </p:ext>
-    </p:extLst>
   </p:cSld>
   <p:clrMapOvr>
     <a:masterClrMapping/>
@@ -12484,7 +10783,7 @@
   <a:extraClrSchemeLst/>
   <a:extLst>
     <a:ext uri="{05A4C25C-085E-4340-85A3-A5531E510DB2}">
-      <thm15:themeFamily xmlns="" xmlns:thm15="http://schemas.microsoft.com/office/thememl/2012/main" name="Office Theme" id="{62F939B6-93AF-4DB8-9C6B-D6C7DFDC589F}" vid="{4A3C46E8-61CC-4603-A589-7422A47A8E4A}"/>
+      <thm15:themeFamily xmlns:thm15="http://schemas.microsoft.com/office/thememl/2012/main" xmlns="" name="Office Theme" id="{62F939B6-93AF-4DB8-9C6B-D6C7DFDC589F}" vid="{4A3C46E8-61CC-4603-A589-7422A47A8E4A}"/>
     </a:ext>
   </a:extLst>
 </a:theme>

--- a/Apresentação_PPT.pptx
+++ b/Apresentação_PPT.pptx
@@ -130,7 +130,7 @@
   </p:defaultTextStyle>
   <p:extLst>
     <p:ext uri="{EFAFB233-063F-42B5-8137-9DF3F51BA10A}">
-      <p15:sldGuideLst xmlns:p15="http://schemas.microsoft.com/office/powerpoint/2012/main" xmlns="">
+      <p15:sldGuideLst xmlns="" xmlns:p15="http://schemas.microsoft.com/office/powerpoint/2012/main">
         <p15:guide id="1" orient="horz" pos="2160">
           <p15:clr>
             <a:srgbClr val="A4A3A4"/>
@@ -230,7 +230,7 @@
             <a:fld id="{24518117-2BFA-4AA4-80F1-4EA246DAF033}" type="datetimeFigureOut">
               <a:rPr lang="pt-BR" smtClean="0"/>
               <a:pPr/>
-              <a:t>13/12/2019</a:t>
+              <a:t>16/12/2019</a:t>
             </a:fld>
             <a:endParaRPr lang="pt-BR"/>
           </a:p>
@@ -873,7 +873,7 @@
           <a:p>
             <a:fld id="{B4C5F0F8-D682-4E87-83AA-67CD3977EE44}" type="datetime1">
               <a:rPr lang="pt-BR" smtClean="0"/>
-              <a:t>13/12/2019</a:t>
+              <a:t>16/12/2019</a:t>
             </a:fld>
             <a:endParaRPr lang="pt-BR"/>
           </a:p>
@@ -1043,7 +1043,7 @@
           <a:p>
             <a:fld id="{9FD068B7-2DF7-41DF-B5D0-4EF1D68E9ADA}" type="datetime1">
               <a:rPr lang="pt-BR" smtClean="0"/>
-              <a:t>13/12/2019</a:t>
+              <a:t>16/12/2019</a:t>
             </a:fld>
             <a:endParaRPr lang="pt-BR"/>
           </a:p>
@@ -1223,7 +1223,7 @@
           <a:p>
             <a:fld id="{40007C23-BDD9-4F60-BB4C-401BE9A1B3B7}" type="datetime1">
               <a:rPr lang="pt-BR" smtClean="0"/>
-              <a:t>13/12/2019</a:t>
+              <a:t>16/12/2019</a:t>
             </a:fld>
             <a:endParaRPr lang="pt-BR"/>
           </a:p>
@@ -1393,7 +1393,7 @@
           <a:p>
             <a:fld id="{68237C2B-F1AD-4D73-8F96-A4F76B7BB2A7}" type="datetime1">
               <a:rPr lang="pt-BR" smtClean="0"/>
-              <a:t>13/12/2019</a:t>
+              <a:t>16/12/2019</a:t>
             </a:fld>
             <a:endParaRPr lang="pt-BR"/>
           </a:p>
@@ -1639,7 +1639,7 @@
           <a:p>
             <a:fld id="{8D4934AC-D8AE-4F76-A06C-588FB0CF0D8A}" type="datetime1">
               <a:rPr lang="pt-BR" smtClean="0"/>
-              <a:t>13/12/2019</a:t>
+              <a:t>16/12/2019</a:t>
             </a:fld>
             <a:endParaRPr lang="pt-BR"/>
           </a:p>
@@ -1927,7 +1927,7 @@
           <a:p>
             <a:fld id="{C56FFEB9-335B-4E1E-8425-0BD7AA41122E}" type="datetime1">
               <a:rPr lang="pt-BR" smtClean="0"/>
-              <a:t>13/12/2019</a:t>
+              <a:t>16/12/2019</a:t>
             </a:fld>
             <a:endParaRPr lang="pt-BR"/>
           </a:p>
@@ -2361,7 +2361,7 @@
           <a:p>
             <a:fld id="{1BF70063-4DD5-4095-AD58-142430E22B2E}" type="datetime1">
               <a:rPr lang="pt-BR" smtClean="0"/>
-              <a:t>13/12/2019</a:t>
+              <a:t>16/12/2019</a:t>
             </a:fld>
             <a:endParaRPr lang="pt-BR"/>
           </a:p>
@@ -2479,7 +2479,7 @@
           <a:p>
             <a:fld id="{0CDC1413-D4DC-4DF0-A703-70D692EE30B0}" type="datetime1">
               <a:rPr lang="pt-BR" smtClean="0"/>
-              <a:t>13/12/2019</a:t>
+              <a:t>16/12/2019</a:t>
             </a:fld>
             <a:endParaRPr lang="pt-BR"/>
           </a:p>
@@ -2574,7 +2574,7 @@
           <a:p>
             <a:fld id="{F5B442D0-DA8C-43CE-BA77-665D93CAC064}" type="datetime1">
               <a:rPr lang="pt-BR" smtClean="0"/>
-              <a:t>13/12/2019</a:t>
+              <a:t>16/12/2019</a:t>
             </a:fld>
             <a:endParaRPr lang="pt-BR"/>
           </a:p>
@@ -2768,7 +2768,7 @@
           <a:p>
             <a:fld id="{70F00A9A-B89F-4D32-A950-2CF6DA7A243E}" type="datetime1">
               <a:rPr lang="pt-BR" smtClean="0"/>
-              <a:t>13/12/2019</a:t>
+              <a:t>16/12/2019</a:t>
             </a:fld>
             <a:endParaRPr lang="pt-BR"/>
           </a:p>
@@ -3091,7 +3091,7 @@
           <a:p>
             <a:fld id="{419B4094-E8B0-4283-A6AD-FFFC696780D6}" type="datetime1">
               <a:rPr lang="pt-BR" smtClean="0"/>
-              <a:t>13/12/2019</a:t>
+              <a:t>16/12/2019</a:t>
             </a:fld>
             <a:endParaRPr lang="pt-BR"/>
           </a:p>
@@ -3480,7 +3480,7 @@
           <a:p>
             <a:fld id="{4CFE2B48-EC0E-45DF-8CB1-8E2EAFFC15AC}" type="datetime1">
               <a:rPr lang="pt-BR" smtClean="0"/>
-              <a:t>13/12/2019</a:t>
+              <a:t>16/12/2019</a:t>
             </a:fld>
             <a:endParaRPr lang="pt-BR"/>
           </a:p>
@@ -3887,14 +3887,7 @@
                 <a:ea typeface="Verdana" pitchFamily="34" charset="0"/>
                 <a:cs typeface="Verdana" pitchFamily="34" charset="0"/>
               </a:rPr>
-              <a:t>. </a:t>
-            </a:r>
-            <a:r>
-              <a:rPr lang="pt-BR" sz="2800" dirty="0" smtClean="0">
-                <a:ea typeface="Verdana" pitchFamily="34" charset="0"/>
-                <a:cs typeface="Verdana" pitchFamily="34" charset="0"/>
-              </a:rPr>
-              <a:t>Dra. Eliane Maria Loiola </a:t>
+              <a:t>. Dra. Eliane Maria Loiola </a:t>
             </a:r>
             <a:endParaRPr lang="pt-BR" sz="2800" dirty="0">
               <a:ea typeface="Verdana" pitchFamily="34" charset="0"/>
@@ -4114,11 +4107,7 @@
             <a:pPr lvl="2" algn="just"/>
             <a:r>
               <a:rPr lang="pt-BR" sz="2600" i="1" dirty="0" smtClean="0"/>
-              <a:t>Efetivo é alocado em outras atividades</a:t>
-            </a:r>
-            <a:r>
-              <a:rPr lang="pt-BR" sz="2600" i="1" dirty="0" smtClean="0"/>
-              <a:t>;</a:t>
+              <a:t>Efetivo é alocado em outras atividades;</a:t>
             </a:r>
           </a:p>
           <a:p>
@@ -4127,7 +4116,6 @@
               <a:rPr lang="pt-BR" sz="2800" i="1" dirty="0" smtClean="0"/>
               <a:t>Dispensa treinamento árduo (os campos a serem preenchidos são iguais ao BO tradicional);</a:t>
             </a:r>
-            <a:endParaRPr lang="pt-BR" sz="2800" i="1" dirty="0" smtClean="0"/>
           </a:p>
           <a:p>
             <a:pPr lvl="1" algn="just"/>
@@ -4270,7 +4258,11 @@
             <a:pPr algn="ctr"/>
             <a:r>
               <a:rPr lang="pt-BR" dirty="0" smtClean="0"/>
-              <a:t>5. Sistema Proposto</a:t>
+              <a:t>Sistema </a:t>
+            </a:r>
+            <a:r>
+              <a:rPr lang="pt-BR" dirty="0" smtClean="0"/>
+              <a:t>Proposto</a:t>
             </a:r>
             <a:endParaRPr lang="pt-BR" dirty="0"/>
           </a:p>
@@ -4447,7 +4439,11 @@
             <a:pPr algn="ctr"/>
             <a:r>
               <a:rPr lang="pt-BR" sz="3200" dirty="0" smtClean="0"/>
-              <a:t>3. Fluxo de ocorrência usando o </a:t>
+              <a:t>Fluxo </a:t>
+            </a:r>
+            <a:r>
+              <a:rPr lang="pt-BR" sz="3200" dirty="0" smtClean="0"/>
+              <a:t>de ocorrência usando o </a:t>
             </a:r>
             <a:br>
               <a:rPr lang="pt-BR" sz="3200" dirty="0" smtClean="0"/>
@@ -5687,11 +5683,7 @@
             <a:pPr algn="just"/>
             <a:r>
               <a:rPr lang="pt-BR" sz="3600" dirty="0" smtClean="0"/>
-              <a:t>Volume maior de ocorrências analisadas</a:t>
-            </a:r>
-            <a:r>
-              <a:rPr lang="pt-BR" sz="3600" dirty="0" smtClean="0"/>
-              <a:t>;</a:t>
+              <a:t>Volume maior de ocorrências analisadas;</a:t>
             </a:r>
           </a:p>
           <a:p>
@@ -5713,7 +5705,24 @@
             </a:r>
             <a:r>
               <a:rPr lang="pt-BR" sz="3400" i="1" dirty="0" smtClean="0"/>
-              <a:t> em pastas na sua residência;</a:t>
+              <a:t> em </a:t>
+            </a:r>
+            <a:r>
+              <a:rPr lang="pt-BR" sz="3400" i="1" dirty="0" smtClean="0"/>
+              <a:t>pastas</a:t>
+            </a:r>
+          </a:p>
+          <a:p>
+            <a:pPr marL="411480" lvl="1" indent="0" algn="just">
+              <a:buNone/>
+            </a:pPr>
+            <a:r>
+              <a:rPr lang="pt-BR" sz="3400" i="1" dirty="0" smtClean="0"/>
+              <a:t> </a:t>
+            </a:r>
+            <a:r>
+              <a:rPr lang="pt-BR" sz="3400" i="1" dirty="0" smtClean="0"/>
+              <a:t>na sua residência;</a:t>
             </a:r>
           </a:p>
           <a:p>
@@ -6678,11 +6687,7 @@
             <a:pPr algn="ctr"/>
             <a:r>
               <a:rPr lang="pt-BR" dirty="0" smtClean="0"/>
-              <a:t>Conclusão </a:t>
-            </a:r>
-            <a:r>
-              <a:rPr lang="pt-BR" dirty="0" smtClean="0"/>
-              <a:t>e Trabalhos Futuros</a:t>
+              <a:t>Conclusão e Trabalhos Futuros</a:t>
             </a:r>
             <a:endParaRPr lang="pt-BR" dirty="0"/>
           </a:p>
@@ -6826,8 +6831,35 @@
             </a:pPr>
             <a:r>
               <a:rPr lang="pt-BR" sz="2800" dirty="0" smtClean="0"/>
-              <a:t>Texto de considerações finais;</a:t>
-            </a:r>
+              <a:t>Aplicativo rápido e simples de se operar. </a:t>
+            </a:r>
+            <a:r>
+              <a:rPr lang="pt-BR" sz="2800" dirty="0" smtClean="0"/>
+              <a:t>Possui os mesmos campos que o BO tradicional;</a:t>
+            </a:r>
+          </a:p>
+          <a:p>
+            <a:pPr marL="228600" lvl="1" algn="just">
+              <a:spcBef>
+                <a:spcPts val="1000"/>
+              </a:spcBef>
+            </a:pPr>
+            <a:r>
+              <a:rPr lang="pt-BR" sz="2800" dirty="0" smtClean="0"/>
+              <a:t>Dispensa treinamento árduo;</a:t>
+            </a:r>
+          </a:p>
+          <a:p>
+            <a:pPr marL="228600" lvl="1" algn="just">
+              <a:spcBef>
+                <a:spcPts val="1000"/>
+              </a:spcBef>
+            </a:pPr>
+            <a:r>
+              <a:rPr lang="pt-BR" sz="2800" dirty="0" smtClean="0"/>
+              <a:t>Desenvolvido utilizando ferramentas simples e de código aberto;</a:t>
+            </a:r>
+            <a:endParaRPr lang="pt-BR" sz="2800" dirty="0" smtClean="0"/>
           </a:p>
           <a:p>
             <a:pPr marL="228600" lvl="1" algn="just">
@@ -7172,13 +7204,81 @@
               <a:t>Escolha de batalhão inicial para testes e uso do </a:t>
             </a:r>
             <a:r>
+              <a:rPr lang="pt-BR" sz="2800" dirty="0" err="1"/>
+              <a:t>A</a:t>
+            </a:r>
+            <a:r>
               <a:rPr lang="pt-BR" sz="2800" dirty="0" err="1" smtClean="0"/>
-              <a:t>app</a:t>
+              <a:t>pp</a:t>
             </a:r>
             <a:r>
               <a:rPr lang="pt-BR" sz="2800" dirty="0" smtClean="0"/>
-              <a:t> (projeto piloto);</a:t>
-            </a:r>
+              <a:t> </a:t>
+            </a:r>
+            <a:r>
+              <a:rPr lang="pt-BR" sz="2800" dirty="0" smtClean="0"/>
+              <a:t>(projeto piloto</a:t>
+            </a:r>
+            <a:r>
+              <a:rPr lang="pt-BR" sz="2800" dirty="0" smtClean="0"/>
+              <a:t>);</a:t>
+            </a:r>
+          </a:p>
+          <a:p>
+            <a:pPr lvl="0" algn="just"/>
+            <a:r>
+              <a:rPr lang="pt-BR" sz="2800" dirty="0" smtClean="0"/>
+              <a:t>Implementação de autenticação via SEI (sistema eletrônico de informações) do Governo do estado;</a:t>
+            </a:r>
+          </a:p>
+          <a:p>
+            <a:pPr lvl="0" algn="just"/>
+            <a:r>
+              <a:rPr lang="pt-BR" sz="2800" dirty="0" smtClean="0"/>
+              <a:t>Recebiment</a:t>
+            </a:r>
+            <a:r>
+              <a:rPr lang="pt-BR" sz="2800" dirty="0" smtClean="0"/>
+              <a:t>o dos dados gerais da ocorrência direto do Software do CIODS;</a:t>
+            </a:r>
+          </a:p>
+          <a:p>
+            <a:pPr lvl="0" algn="just"/>
+            <a:r>
+              <a:rPr lang="pt-BR" sz="2800" dirty="0" smtClean="0"/>
+              <a:t>Interligação com sistemas da policia civil;</a:t>
+            </a:r>
+          </a:p>
+          <a:p>
+            <a:pPr lvl="0" algn="just"/>
+            <a:r>
+              <a:rPr lang="pt-BR" sz="2800" dirty="0" smtClean="0"/>
+              <a:t>Adaptação do ambiente visando disponibilizar ocorrências ao público em geral;</a:t>
+            </a:r>
+          </a:p>
+          <a:p>
+            <a:pPr lvl="0" algn="just"/>
+            <a:r>
+              <a:rPr lang="pt-BR" sz="2800" dirty="0" smtClean="0"/>
+              <a:t>Disponibilizar o </a:t>
+            </a:r>
+            <a:r>
+              <a:rPr lang="pt-BR" sz="2800" dirty="0" err="1" smtClean="0"/>
+              <a:t>App</a:t>
+            </a:r>
+            <a:r>
+              <a:rPr lang="pt-BR" sz="2800" dirty="0" smtClean="0"/>
+              <a:t> na Google play e Apple </a:t>
+            </a:r>
+            <a:r>
+              <a:rPr lang="pt-BR" sz="2800" dirty="0" err="1" smtClean="0"/>
+              <a:t>store</a:t>
+            </a:r>
+            <a:r>
+              <a:rPr lang="pt-BR" sz="2800" dirty="0" smtClean="0"/>
+              <a:t>;</a:t>
+            </a:r>
+            <a:endParaRPr lang="pt-BR" sz="2800" dirty="0" smtClean="0"/>
           </a:p>
           <a:p>
             <a:endParaRPr lang="pt-BR" dirty="0"/>
@@ -7500,14 +7600,7 @@
                 <a:ea typeface="Verdana" pitchFamily="34" charset="0"/>
                 <a:cs typeface="Verdana" pitchFamily="34" charset="0"/>
               </a:rPr>
-              <a:t>. </a:t>
-            </a:r>
-            <a:r>
-              <a:rPr lang="pt-BR" sz="2800" dirty="0" smtClean="0">
-                <a:ea typeface="Verdana" pitchFamily="34" charset="0"/>
-                <a:cs typeface="Verdana" pitchFamily="34" charset="0"/>
-              </a:rPr>
-              <a:t>Dra. Eliane Maria Loiola </a:t>
+              <a:t>. Dra. Eliane Maria Loiola </a:t>
             </a:r>
             <a:endParaRPr lang="pt-BR" sz="2800" dirty="0">
               <a:ea typeface="Verdana" pitchFamily="34" charset="0"/>
@@ -7985,47 +8078,6 @@
           </a:prstGeom>
         </p:spPr>
       </p:pic>
-      <p:pic>
-        <p:nvPicPr>
-          <p:cNvPr id="1026" name="Picture 2" descr="Resultado de imagem para problema"/>
-          <p:cNvPicPr>
-            <a:picLocks noChangeAspect="1" noChangeArrowheads="1"/>
-          </p:cNvPicPr>
-          <p:nvPr/>
-        </p:nvPicPr>
-        <p:blipFill>
-          <a:blip r:embed="rId4">
-            <a:extLst>
-              <a:ext uri="{28A0092B-C50C-407E-A947-70E740481C1C}">
-                <a14:useLocalDpi xmlns:a14="http://schemas.microsoft.com/office/drawing/2010/main" val="0"/>
-              </a:ext>
-            </a:extLst>
-          </a:blip>
-          <a:srcRect/>
-          <a:stretch>
-            <a:fillRect/>
-          </a:stretch>
-        </p:blipFill>
-        <p:spPr bwMode="auto">
-          <a:xfrm>
-            <a:off x="3589361" y="3878094"/>
-            <a:ext cx="4708478" cy="2207099"/>
-          </a:xfrm>
-          <a:prstGeom prst="rect">
-            <a:avLst/>
-          </a:prstGeom>
-          <a:noFill/>
-          <a:extLst>
-            <a:ext uri="{909E8E84-426E-40DD-AFC4-6F175D3DCCD1}">
-              <a14:hiddenFill xmlns:a14="http://schemas.microsoft.com/office/drawing/2010/main">
-                <a:solidFill>
-                  <a:srgbClr val="FFFFFF"/>
-                </a:solidFill>
-              </a14:hiddenFill>
-            </a:ext>
-          </a:extLst>
-        </p:spPr>
-      </p:pic>
     </p:spTree>
     <p:extLst>
       <p:ext uri="{BB962C8B-B14F-4D97-AF65-F5344CB8AC3E}">
@@ -8083,24 +8135,15 @@
             <a:pPr algn="just"/>
             <a:r>
               <a:rPr lang="pt-BR" sz="2800" dirty="0" smtClean="0"/>
-              <a:t>Muitos </a:t>
-            </a:r>
+              <a:t>Muitos papeis de procedimentos e ocorrências (ocupa muito espaço físico).</a:t>
+            </a:r>
+          </a:p>
+          <a:p>
+            <a:pPr algn="just"/>
             <a:r>
               <a:rPr lang="pt-BR" sz="2800" dirty="0" smtClean="0"/>
-              <a:t>papeis de procedimentos e ocorrências (ocupa muito espaço físico).</a:t>
-            </a:r>
-          </a:p>
-          <a:p>
-            <a:pPr algn="just"/>
-            <a:r>
-              <a:rPr lang="pt-BR" sz="2800" dirty="0" smtClean="0"/>
-              <a:t>Dados estatísticos quase </a:t>
-            </a:r>
-            <a:r>
-              <a:rPr lang="pt-BR" sz="2800" dirty="0" smtClean="0"/>
-              <a:t>inexistentes (somente o básico).</a:t>
-            </a:r>
-            <a:endParaRPr lang="pt-BR" sz="2800" dirty="0" smtClean="0"/>
+              <a:t>Dados estatísticos quase inexistentes (somente o básico).</a:t>
+            </a:r>
           </a:p>
           <a:p>
             <a:pPr algn="just"/>
@@ -8115,7 +8158,6 @@
               <a:rPr lang="pt-BR" sz="2800" dirty="0" smtClean="0"/>
               <a:t>Muitos ruídos nos dados;</a:t>
             </a:r>
-            <a:endParaRPr lang="pt-BR" sz="2800" dirty="0" smtClean="0"/>
           </a:p>
           <a:p>
             <a:pPr algn="just"/>
@@ -10043,7 +10085,11 @@
             <a:pPr algn="just"/>
             <a:r>
               <a:rPr lang="pt-BR" sz="3200" dirty="0" smtClean="0"/>
-              <a:t>Dados armazenados para sempre;</a:t>
+              <a:t>Dados armazenados </a:t>
+            </a:r>
+            <a:r>
+              <a:rPr lang="pt-BR" sz="3200" dirty="0" smtClean="0"/>
+              <a:t>em servidores confiáveis;</a:t>
             </a:r>
             <a:endParaRPr lang="pt-BR" sz="3200" dirty="0" smtClean="0"/>
           </a:p>
@@ -10173,7 +10219,7 @@
             <a:pPr algn="ctr"/>
             <a:r>
               <a:rPr lang="pt-BR" dirty="0" smtClean="0"/>
-              <a:t>4. Proposta </a:t>
+              <a:t>Proposta </a:t>
             </a:r>
             <a:endParaRPr lang="pt-BR" dirty="0"/>
           </a:p>
@@ -10783,7 +10829,7 @@
   <a:extraClrSchemeLst/>
   <a:extLst>
     <a:ext uri="{05A4C25C-085E-4340-85A3-A5531E510DB2}">
-      <thm15:themeFamily xmlns:thm15="http://schemas.microsoft.com/office/thememl/2012/main" xmlns="" name="Office Theme" id="{62F939B6-93AF-4DB8-9C6B-D6C7DFDC589F}" vid="{4A3C46E8-61CC-4603-A589-7422A47A8E4A}"/>
+      <thm15:themeFamily xmlns="" xmlns:thm15="http://schemas.microsoft.com/office/thememl/2012/main" name="Office Theme" id="{62F939B6-93AF-4DB8-9C6B-D6C7DFDC589F}" vid="{4A3C46E8-61CC-4603-A589-7422A47A8E4A}"/>
     </a:ext>
   </a:extLst>
 </a:theme>
